--- a/ift/assets/slides/ift615-01-Intro.pptx
+++ b/ift/assets/slides/ift615-01-Intro.pptx
@@ -6,28 +6,27 @@
     <p:sldMasterId id="2147483901" r:id="rId5"/>
   </p:sldMasterIdLst>
   <p:notesMasterIdLst>
-    <p:notesMasterId r:id="rId22"/>
+    <p:notesMasterId r:id="rId21"/>
   </p:notesMasterIdLst>
   <p:handoutMasterIdLst>
-    <p:handoutMasterId r:id="rId23"/>
+    <p:handoutMasterId r:id="rId22"/>
   </p:handoutMasterIdLst>
   <p:sldIdLst>
     <p:sldId id="583" r:id="rId6"/>
     <p:sldId id="706" r:id="rId7"/>
-    <p:sldId id="715" r:id="rId8"/>
-    <p:sldId id="689" r:id="rId9"/>
-    <p:sldId id="714" r:id="rId10"/>
-    <p:sldId id="4501" r:id="rId11"/>
-    <p:sldId id="4502" r:id="rId12"/>
-    <p:sldId id="4500" r:id="rId13"/>
-    <p:sldId id="713" r:id="rId14"/>
-    <p:sldId id="700" r:id="rId15"/>
-    <p:sldId id="696" r:id="rId16"/>
-    <p:sldId id="711" r:id="rId17"/>
-    <p:sldId id="299" r:id="rId18"/>
-    <p:sldId id="4503" r:id="rId19"/>
-    <p:sldId id="702" r:id="rId20"/>
-    <p:sldId id="637" r:id="rId21"/>
+    <p:sldId id="689" r:id="rId8"/>
+    <p:sldId id="714" r:id="rId9"/>
+    <p:sldId id="715" r:id="rId10"/>
+    <p:sldId id="4502" r:id="rId11"/>
+    <p:sldId id="4500" r:id="rId12"/>
+    <p:sldId id="713" r:id="rId13"/>
+    <p:sldId id="700" r:id="rId14"/>
+    <p:sldId id="696" r:id="rId15"/>
+    <p:sldId id="711" r:id="rId16"/>
+    <p:sldId id="299" r:id="rId17"/>
+    <p:sldId id="4503" r:id="rId18"/>
+    <p:sldId id="702" r:id="rId19"/>
+    <p:sldId id="637" r:id="rId20"/>
   </p:sldIdLst>
   <p:sldSz cx="9144000" cy="6858000" type="letter"/>
   <p:notesSz cx="7315200" cy="9601200"/>
@@ -193,13 +192,151 @@
 <file path=ppt/revisionInfo.xml><?xml version="1.0" encoding="utf-8"?>
 <p1510:revInfo xmlns:a="http://schemas.openxmlformats.org/drawingml/2006/main" xmlns:r="http://schemas.openxmlformats.org/officeDocument/2006/relationships" xmlns:p1510="http://schemas.microsoft.com/office/powerpoint/2015/10/main">
   <p1510:revLst>
-    <p1510:client id="{3074181D-52D8-4A41-ADEA-CCE8B778E2EE}" v="704" dt="2023-03-15T22:39:01.520"/>
+    <p1510:client id="{7642A362-B159-4960-ABCC-9DCCA8534FF7}" v="9" dt="2023-05-01T09:52:16.609"/>
   </p1510:revLst>
 </p1510:revInfo>
 </file>
 
 <file path=ppt/changesInfos/changesInfo1.xml><?xml version="1.0" encoding="utf-8"?>
 <pc:chgInfo xmlns:a="http://schemas.openxmlformats.org/drawingml/2006/main" xmlns:r="http://schemas.openxmlformats.org/officeDocument/2006/relationships" xmlns:ac="http://schemas.microsoft.com/office/drawing/2013/main/command" xmlns:pc="http://schemas.microsoft.com/office/powerpoint/2013/main/command">
+  <pc:docChgLst>
+    <pc:chgData name="Froduald Kabanza" userId="edf393d0-642b-4b9e-8c75-f62133241689" providerId="ADAL" clId="{7642A362-B159-4960-ABCC-9DCCA8534FF7}"/>
+    <pc:docChg chg="undo custSel delSld modSld sldOrd">
+      <pc:chgData name="Froduald Kabanza" userId="edf393d0-642b-4b9e-8c75-f62133241689" providerId="ADAL" clId="{7642A362-B159-4960-ABCC-9DCCA8534FF7}" dt="2023-05-01T09:57:56.931" v="224" actId="14734"/>
+      <pc:docMkLst>
+        <pc:docMk/>
+      </pc:docMkLst>
+      <pc:sldChg chg="modSp mod">
+        <pc:chgData name="Froduald Kabanza" userId="edf393d0-642b-4b9e-8c75-f62133241689" providerId="ADAL" clId="{7642A362-B159-4960-ABCC-9DCCA8534FF7}" dt="2023-05-01T09:51:12.099" v="141" actId="20577"/>
+        <pc:sldMkLst>
+          <pc:docMk/>
+          <pc:sldMk cId="0" sldId="696"/>
+        </pc:sldMkLst>
+        <pc:spChg chg="mod">
+          <ac:chgData name="Froduald Kabanza" userId="edf393d0-642b-4b9e-8c75-f62133241689" providerId="ADAL" clId="{7642A362-B159-4960-ABCC-9DCCA8534FF7}" dt="2023-05-01T09:51:12.099" v="141" actId="20577"/>
+          <ac:spMkLst>
+            <pc:docMk/>
+            <pc:sldMk cId="0" sldId="696"/>
+            <ac:spMk id="15" creationId="{00000000-0000-0000-0000-000000000000}"/>
+          </ac:spMkLst>
+        </pc:spChg>
+      </pc:sldChg>
+      <pc:sldChg chg="modNotesTx">
+        <pc:chgData name="Froduald Kabanza" userId="edf393d0-642b-4b9e-8c75-f62133241689" providerId="ADAL" clId="{7642A362-B159-4960-ABCC-9DCCA8534FF7}" dt="2023-05-01T09:42:35.692" v="0" actId="20577"/>
+        <pc:sldMkLst>
+          <pc:docMk/>
+          <pc:sldMk cId="4079790285" sldId="706"/>
+        </pc:sldMkLst>
+      </pc:sldChg>
+      <pc:sldChg chg="modAnim">
+        <pc:chgData name="Froduald Kabanza" userId="edf393d0-642b-4b9e-8c75-f62133241689" providerId="ADAL" clId="{7642A362-B159-4960-ABCC-9DCCA8534FF7}" dt="2023-05-01T09:50:16.808" v="127"/>
+        <pc:sldMkLst>
+          <pc:docMk/>
+          <pc:sldMk cId="2960840821" sldId="713"/>
+        </pc:sldMkLst>
+      </pc:sldChg>
+      <pc:sldChg chg="modSp mod ord modNotesTx">
+        <pc:chgData name="Froduald Kabanza" userId="edf393d0-642b-4b9e-8c75-f62133241689" providerId="ADAL" clId="{7642A362-B159-4960-ABCC-9DCCA8534FF7}" dt="2023-05-01T09:46:03.141" v="46"/>
+        <pc:sldMkLst>
+          <pc:docMk/>
+          <pc:sldMk cId="3995825574" sldId="715"/>
+        </pc:sldMkLst>
+        <pc:spChg chg="mod">
+          <ac:chgData name="Froduald Kabanza" userId="edf393d0-642b-4b9e-8c75-f62133241689" providerId="ADAL" clId="{7642A362-B159-4960-ABCC-9DCCA8534FF7}" dt="2023-05-01T09:44:39.491" v="37" actId="14100"/>
+          <ac:spMkLst>
+            <pc:docMk/>
+            <pc:sldMk cId="3995825574" sldId="715"/>
+            <ac:spMk id="24" creationId="{FEACA3E2-AD28-4D9A-98C1-0A927A7183D2}"/>
+          </ac:spMkLst>
+        </pc:spChg>
+        <pc:spChg chg="mod">
+          <ac:chgData name="Froduald Kabanza" userId="edf393d0-642b-4b9e-8c75-f62133241689" providerId="ADAL" clId="{7642A362-B159-4960-ABCC-9DCCA8534FF7}" dt="2023-05-01T09:44:31.548" v="36" actId="20577"/>
+          <ac:spMkLst>
+            <pc:docMk/>
+            <pc:sldMk cId="3995825574" sldId="715"/>
+            <ac:spMk id="25" creationId="{22C3B9B2-9052-47E6-9957-90E52F14EC52}"/>
+          </ac:spMkLst>
+        </pc:spChg>
+        <pc:spChg chg="mod">
+          <ac:chgData name="Froduald Kabanza" userId="edf393d0-642b-4b9e-8c75-f62133241689" providerId="ADAL" clId="{7642A362-B159-4960-ABCC-9DCCA8534FF7}" dt="2023-05-01T09:44:47.371" v="39" actId="14100"/>
+          <ac:spMkLst>
+            <pc:docMk/>
+            <pc:sldMk cId="3995825574" sldId="715"/>
+            <ac:spMk id="26" creationId="{6E3C7AE8-24AF-491E-B987-9B6DD346C401}"/>
+          </ac:spMkLst>
+        </pc:spChg>
+        <pc:spChg chg="mod">
+          <ac:chgData name="Froduald Kabanza" userId="edf393d0-642b-4b9e-8c75-f62133241689" providerId="ADAL" clId="{7642A362-B159-4960-ABCC-9DCCA8534FF7}" dt="2023-05-01T09:44:56.235" v="42" actId="14100"/>
+          <ac:spMkLst>
+            <pc:docMk/>
+            <pc:sldMk cId="3995825574" sldId="715"/>
+            <ac:spMk id="29" creationId="{240006B8-5D40-439D-A0E2-0671E498E2BE}"/>
+          </ac:spMkLst>
+        </pc:spChg>
+        <pc:spChg chg="mod">
+          <ac:chgData name="Froduald Kabanza" userId="edf393d0-642b-4b9e-8c75-f62133241689" providerId="ADAL" clId="{7642A362-B159-4960-ABCC-9DCCA8534FF7}" dt="2023-05-01T09:45:00.698" v="43" actId="1076"/>
+          <ac:spMkLst>
+            <pc:docMk/>
+            <pc:sldMk cId="3995825574" sldId="715"/>
+            <ac:spMk id="32" creationId="{71EA5068-5EBC-41B4-88CE-65EE660C495F}"/>
+          </ac:spMkLst>
+        </pc:spChg>
+      </pc:sldChg>
+      <pc:sldChg chg="del">
+        <pc:chgData name="Froduald Kabanza" userId="edf393d0-642b-4b9e-8c75-f62133241689" providerId="ADAL" clId="{7642A362-B159-4960-ABCC-9DCCA8534FF7}" dt="2023-05-01T09:46:06.143" v="47" actId="2696"/>
+        <pc:sldMkLst>
+          <pc:docMk/>
+          <pc:sldMk cId="3679911917" sldId="4501"/>
+        </pc:sldMkLst>
+      </pc:sldChg>
+      <pc:sldChg chg="modSp mod modNotesTx">
+        <pc:chgData name="Froduald Kabanza" userId="edf393d0-642b-4b9e-8c75-f62133241689" providerId="ADAL" clId="{7642A362-B159-4960-ABCC-9DCCA8534FF7}" dt="2023-05-01T09:48:38.422" v="119" actId="20577"/>
+        <pc:sldMkLst>
+          <pc:docMk/>
+          <pc:sldMk cId="3387138942" sldId="4502"/>
+        </pc:sldMkLst>
+        <pc:spChg chg="mod">
+          <ac:chgData name="Froduald Kabanza" userId="edf393d0-642b-4b9e-8c75-f62133241689" providerId="ADAL" clId="{7642A362-B159-4960-ABCC-9DCCA8534FF7}" dt="2023-05-01T09:48:35.036" v="118" actId="20577"/>
+          <ac:spMkLst>
+            <pc:docMk/>
+            <pc:sldMk cId="3387138942" sldId="4502"/>
+            <ac:spMk id="2" creationId="{61BD2599-0088-B377-20E9-086F307BAABD}"/>
+          </ac:spMkLst>
+        </pc:spChg>
+      </pc:sldChg>
+      <pc:sldChg chg="addSp delSp modSp mod">
+        <pc:chgData name="Froduald Kabanza" userId="edf393d0-642b-4b9e-8c75-f62133241689" providerId="ADAL" clId="{7642A362-B159-4960-ABCC-9DCCA8534FF7}" dt="2023-05-01T09:57:56.931" v="224" actId="14734"/>
+        <pc:sldMkLst>
+          <pc:docMk/>
+          <pc:sldMk cId="2074318206" sldId="4503"/>
+        </pc:sldMkLst>
+        <pc:spChg chg="mod">
+          <ac:chgData name="Froduald Kabanza" userId="edf393d0-642b-4b9e-8c75-f62133241689" providerId="ADAL" clId="{7642A362-B159-4960-ABCC-9DCCA8534FF7}" dt="2023-05-01T09:52:23.982" v="144" actId="26606"/>
+          <ac:spMkLst>
+            <pc:docMk/>
+            <pc:sldMk cId="2074318206" sldId="4503"/>
+            <ac:spMk id="26629" creationId="{00000000-0000-0000-0000-000000000000}"/>
+          </ac:spMkLst>
+        </pc:spChg>
+        <pc:graphicFrameChg chg="add mod modGraphic">
+          <ac:chgData name="Froduald Kabanza" userId="edf393d0-642b-4b9e-8c75-f62133241689" providerId="ADAL" clId="{7642A362-B159-4960-ABCC-9DCCA8534FF7}" dt="2023-05-01T09:57:56.931" v="224" actId="14734"/>
+          <ac:graphicFrameMkLst>
+            <pc:docMk/>
+            <pc:sldMk cId="2074318206" sldId="4503"/>
+            <ac:graphicFrameMk id="2" creationId="{7B3B459A-0E5D-FD53-4C38-BF00A6F06489}"/>
+          </ac:graphicFrameMkLst>
+        </pc:graphicFrameChg>
+        <pc:graphicFrameChg chg="del">
+          <ac:chgData name="Froduald Kabanza" userId="edf393d0-642b-4b9e-8c75-f62133241689" providerId="ADAL" clId="{7642A362-B159-4960-ABCC-9DCCA8534FF7}" dt="2023-05-01T09:52:01.961" v="142" actId="478"/>
+          <ac:graphicFrameMkLst>
+            <pc:docMk/>
+            <pc:sldMk cId="2074318206" sldId="4503"/>
+            <ac:graphicFrameMk id="3" creationId="{2AA9D7B3-E347-4D74-FA72-7CCD9CD9DD45}"/>
+          </ac:graphicFrameMkLst>
+        </pc:graphicFrameChg>
+      </pc:sldChg>
+    </pc:docChg>
+  </pc:docChgLst>
   <pc:docChgLst>
     <pc:chgData name="DJeff Kanda Nkashama" userId="c3c87171-fd8c-4e2b-8ca8-32e7de6ccf7b" providerId="ADAL" clId="{BB711EAF-981E-064E-B996-4439B36BCA2A}"/>
     <pc:docChg chg="modSld">
@@ -3328,7 +3465,7 @@
           <a:lstStyle/>
           <a:p>
             <a:pPr eaLnBrk="1" hangingPunct="1"/>
-            <a:endParaRPr lang="fr-CA" altLang="en-US">
+            <a:endParaRPr lang="fr-CA" altLang="en-US" dirty="0">
               <a:latin typeface="Arial" pitchFamily="34" charset="0"/>
               <a:ea typeface="ＭＳ Ｐゴシック" pitchFamily="34" charset="-128"/>
             </a:endParaRPr>
@@ -3600,7 +3737,7 @@
             <a:fld id="{E3A619DD-6D68-43E3-9DC6-CADF258102C0}" type="slidenum">
               <a:rPr lang="en-US" altLang="ko-KR"/>
               <a:pPr/>
-              <a:t>16</a:t>
+              <a:t>15</a:t>
             </a:fld>
             <a:endParaRPr lang="en-US" altLang="ko-KR"/>
           </a:p>
@@ -3749,149 +3886,11 @@
           <a:bodyPr/>
           <a:lstStyle/>
           <a:p>
-            <a:pPr marL="457200" lvl="1" indent="0" eaLnBrk="1" hangingPunct="1">
-              <a:buNone/>
-            </a:pPr>
-            <a:endParaRPr lang="fr-FR" altLang="en-US" sz="1600">
-              <a:ea typeface="ＭＳ Ｐゴシック" pitchFamily="34" charset="-128"/>
-            </a:endParaRPr>
-          </a:p>
-          <a:p>
-            <a:pPr marL="457200" lvl="1" indent="0" eaLnBrk="1" hangingPunct="1">
-              <a:buNone/>
-            </a:pPr>
-            <a:r>
-              <a:rPr lang="fr-FR" altLang="en-US" sz="1200">
-                <a:ea typeface="ＭＳ Ｐゴシック" pitchFamily="34" charset="-128"/>
-              </a:rPr>
-              <a:t>Sources : </a:t>
-            </a:r>
-          </a:p>
-          <a:p>
-            <a:pPr lvl="1" eaLnBrk="1" hangingPunct="1">
-              <a:spcBef>
-                <a:spcPts val="300"/>
-              </a:spcBef>
-              <a:spcAft>
-                <a:spcPts val="300"/>
-              </a:spcAft>
-              <a:buFontTx/>
-              <a:buChar char="-"/>
-            </a:pPr>
-            <a:r>
-              <a:rPr lang="fr-FR" sz="1200">
-                <a:ea typeface="ＭＳ Ｐゴシック" pitchFamily="34" charset="-128"/>
-              </a:rPr>
-              <a:t>Stuart Russel and Peter </a:t>
-            </a:r>
-            <a:r>
-              <a:rPr lang="fr-FR" sz="1200" err="1">
-                <a:ea typeface="ＭＳ Ｐゴシック" pitchFamily="34" charset="-128"/>
-              </a:rPr>
-              <a:t>Norvig</a:t>
-            </a:r>
-            <a:r>
-              <a:rPr lang="fr-FR" sz="1200" b="1" i="1">
-                <a:ea typeface="ＭＳ Ｐゴシック" pitchFamily="34" charset="-128"/>
-              </a:rPr>
-              <a:t>.</a:t>
-            </a:r>
-            <a:r>
-              <a:rPr lang="fr-FR" sz="1200" i="1">
-                <a:ea typeface="ＭＳ Ｐゴシック" pitchFamily="34" charset="-128"/>
-              </a:rPr>
-              <a:t> Artificial Intelligence : A Modern </a:t>
-            </a:r>
-            <a:r>
-              <a:rPr lang="fr-FR" sz="1200" i="1" err="1">
-                <a:ea typeface="ＭＳ Ｐゴシック" pitchFamily="34" charset="-128"/>
-              </a:rPr>
-              <a:t>Approach</a:t>
-            </a:r>
-            <a:r>
-              <a:rPr lang="fr-FR" sz="1200" i="1">
-                <a:ea typeface="ＭＳ Ｐゴシック" pitchFamily="34" charset="-128"/>
-              </a:rPr>
-              <a:t>. </a:t>
-            </a:r>
-            <a:r>
-              <a:rPr lang="fr-FR" sz="1200" i="1" err="1">
-                <a:ea typeface="ＭＳ Ｐゴシック" pitchFamily="34" charset="-128"/>
-              </a:rPr>
-              <a:t>Perason</a:t>
-            </a:r>
-            <a:r>
-              <a:rPr lang="fr-FR" sz="1200" i="1">
-                <a:ea typeface="ＭＳ Ｐゴシック" pitchFamily="34" charset="-128"/>
-              </a:rPr>
-              <a:t>, 2021. </a:t>
-            </a:r>
-          </a:p>
-          <a:p>
-            <a:pPr lvl="1" eaLnBrk="1" hangingPunct="1">
-              <a:spcBef>
-                <a:spcPts val="300"/>
-              </a:spcBef>
-              <a:spcAft>
-                <a:spcPts val="300"/>
-              </a:spcAft>
-              <a:buFontTx/>
-              <a:buChar char="-"/>
-            </a:pPr>
-            <a:r>
-              <a:rPr lang="fr-FR" sz="1200" i="1"/>
-              <a:t>One </a:t>
-            </a:r>
-            <a:r>
-              <a:rPr lang="fr-FR" sz="1200" i="1" err="1"/>
-              <a:t>Hundred</a:t>
-            </a:r>
-            <a:r>
-              <a:rPr lang="fr-FR" sz="1200" i="1"/>
-              <a:t> </a:t>
-            </a:r>
-            <a:r>
-              <a:rPr lang="fr-FR" sz="1200" i="1" err="1"/>
-              <a:t>Year</a:t>
-            </a:r>
-            <a:r>
-              <a:rPr lang="fr-FR" sz="1200" i="1"/>
-              <a:t> </a:t>
-            </a:r>
-            <a:r>
-              <a:rPr lang="fr-FR" sz="1200" i="1" err="1"/>
-              <a:t>Study</a:t>
-            </a:r>
-            <a:r>
-              <a:rPr lang="fr-FR" sz="1200" i="1"/>
-              <a:t> on Artificial Intelligence (AI100)</a:t>
-            </a:r>
-            <a:r>
-              <a:rPr lang="fr-FR" sz="1200"/>
-              <a:t> » </a:t>
-            </a:r>
-            <a:r>
-              <a:rPr lang="en-US" sz="1200"/>
-              <a:t> </a:t>
-            </a:r>
-            <a:r>
-              <a:rPr lang="en-US" sz="1200">
-                <a:hlinkClick r:id="rId3"/>
-              </a:rPr>
-              <a:t>http://ai100.stanford.edu/2021-report</a:t>
-            </a:r>
-            <a:r>
-              <a:rPr lang="en-US" sz="1200"/>
-              <a:t>. Accessed: September 16, 2021</a:t>
-            </a:r>
-            <a:endParaRPr lang="fr-FR" sz="1200"/>
-          </a:p>
-          <a:p>
             <a:pPr marL="0" indent="0" eaLnBrk="1" hangingPunct="1">
               <a:buFontTx/>
               <a:buNone/>
             </a:pPr>
-            <a:endParaRPr lang="en-CA" altLang="en-US">
+            <a:endParaRPr lang="en-CA" altLang="en-US" dirty="0">
               <a:latin typeface="Arial" pitchFamily="34" charset="0"/>
               <a:ea typeface="ＭＳ Ｐゴシック" pitchFamily="34" charset="-128"/>
             </a:endParaRPr>
@@ -3987,149 +3986,11 @@
           <a:bodyPr/>
           <a:lstStyle/>
           <a:p>
-            <a:pPr marL="457200" lvl="1" indent="0" eaLnBrk="1" hangingPunct="1">
-              <a:buNone/>
-            </a:pPr>
-            <a:endParaRPr lang="fr-FR" altLang="en-US" sz="1600">
-              <a:ea typeface="ＭＳ Ｐゴシック" pitchFamily="34" charset="-128"/>
-            </a:endParaRPr>
-          </a:p>
-          <a:p>
-            <a:pPr marL="457200" lvl="1" indent="0" eaLnBrk="1" hangingPunct="1">
-              <a:buNone/>
-            </a:pPr>
-            <a:r>
-              <a:rPr lang="fr-FR" altLang="en-US" sz="1200">
-                <a:ea typeface="ＭＳ Ｐゴシック" pitchFamily="34" charset="-128"/>
-              </a:rPr>
-              <a:t>Sources : </a:t>
-            </a:r>
-          </a:p>
-          <a:p>
-            <a:pPr lvl="1" eaLnBrk="1" hangingPunct="1">
-              <a:spcBef>
-                <a:spcPts val="300"/>
-              </a:spcBef>
-              <a:spcAft>
-                <a:spcPts val="300"/>
-              </a:spcAft>
-              <a:buFontTx/>
-              <a:buChar char="-"/>
-            </a:pPr>
-            <a:r>
-              <a:rPr lang="fr-FR" sz="1200">
-                <a:ea typeface="ＭＳ Ｐゴシック" pitchFamily="34" charset="-128"/>
-              </a:rPr>
-              <a:t>Stuart Russel and Peter </a:t>
-            </a:r>
-            <a:r>
-              <a:rPr lang="fr-FR" sz="1200" err="1">
-                <a:ea typeface="ＭＳ Ｐゴシック" pitchFamily="34" charset="-128"/>
-              </a:rPr>
-              <a:t>Norvig</a:t>
-            </a:r>
-            <a:r>
-              <a:rPr lang="fr-FR" sz="1200" b="1" i="1">
-                <a:ea typeface="ＭＳ Ｐゴシック" pitchFamily="34" charset="-128"/>
-              </a:rPr>
-              <a:t>.</a:t>
-            </a:r>
-            <a:r>
-              <a:rPr lang="fr-FR" sz="1200" i="1">
-                <a:ea typeface="ＭＳ Ｐゴシック" pitchFamily="34" charset="-128"/>
-              </a:rPr>
-              <a:t> Artificial Intelligence : A Modern </a:t>
-            </a:r>
-            <a:r>
-              <a:rPr lang="fr-FR" sz="1200" i="1" err="1">
-                <a:ea typeface="ＭＳ Ｐゴシック" pitchFamily="34" charset="-128"/>
-              </a:rPr>
-              <a:t>Approach</a:t>
-            </a:r>
-            <a:r>
-              <a:rPr lang="fr-FR" sz="1200" i="1">
-                <a:ea typeface="ＭＳ Ｐゴシック" pitchFamily="34" charset="-128"/>
-              </a:rPr>
-              <a:t>. </a:t>
-            </a:r>
-            <a:r>
-              <a:rPr lang="fr-FR" sz="1200" i="1" err="1">
-                <a:ea typeface="ＭＳ Ｐゴシック" pitchFamily="34" charset="-128"/>
-              </a:rPr>
-              <a:t>Perason</a:t>
-            </a:r>
-            <a:r>
-              <a:rPr lang="fr-FR" sz="1200" i="1">
-                <a:ea typeface="ＭＳ Ｐゴシック" pitchFamily="34" charset="-128"/>
-              </a:rPr>
-              <a:t>, 2021. </a:t>
-            </a:r>
-          </a:p>
-          <a:p>
-            <a:pPr lvl="1" eaLnBrk="1" hangingPunct="1">
-              <a:spcBef>
-                <a:spcPts val="300"/>
-              </a:spcBef>
-              <a:spcAft>
-                <a:spcPts val="300"/>
-              </a:spcAft>
-              <a:buFontTx/>
-              <a:buChar char="-"/>
-            </a:pPr>
-            <a:r>
-              <a:rPr lang="fr-FR" sz="1200" i="1"/>
-              <a:t>One </a:t>
-            </a:r>
-            <a:r>
-              <a:rPr lang="fr-FR" sz="1200" i="1" err="1"/>
-              <a:t>Hundred</a:t>
-            </a:r>
-            <a:r>
-              <a:rPr lang="fr-FR" sz="1200" i="1"/>
-              <a:t> </a:t>
-            </a:r>
-            <a:r>
-              <a:rPr lang="fr-FR" sz="1200" i="1" err="1"/>
-              <a:t>Year</a:t>
-            </a:r>
-            <a:r>
-              <a:rPr lang="fr-FR" sz="1200" i="1"/>
-              <a:t> </a:t>
-            </a:r>
-            <a:r>
-              <a:rPr lang="fr-FR" sz="1200" i="1" err="1"/>
-              <a:t>Study</a:t>
-            </a:r>
-            <a:r>
-              <a:rPr lang="fr-FR" sz="1200" i="1"/>
-              <a:t> on Artificial Intelligence (AI100)</a:t>
-            </a:r>
-            <a:r>
-              <a:rPr lang="fr-FR" sz="1200"/>
-              <a:t> » </a:t>
-            </a:r>
-            <a:r>
-              <a:rPr lang="en-US" sz="1200"/>
-              <a:t> </a:t>
-            </a:r>
-            <a:r>
-              <a:rPr lang="en-US" sz="1200">
-                <a:hlinkClick r:id="rId3"/>
-              </a:rPr>
-              <a:t>http://ai100.stanford.edu/2021-report</a:t>
-            </a:r>
-            <a:r>
-              <a:rPr lang="en-US" sz="1200"/>
-              <a:t>. Accessed: September 16, 2021</a:t>
-            </a:r>
-            <a:endParaRPr lang="fr-FR" sz="1200"/>
-          </a:p>
-          <a:p>
             <a:pPr marL="0" indent="0" eaLnBrk="1" hangingPunct="1">
               <a:buFontTx/>
               <a:buNone/>
             </a:pPr>
-            <a:endParaRPr lang="en-CA" altLang="en-US">
+            <a:endParaRPr lang="en-CA" altLang="en-US" dirty="0">
               <a:latin typeface="Arial" pitchFamily="34" charset="0"/>
               <a:ea typeface="ＭＳ Ｐゴシック" pitchFamily="34" charset="-128"/>
             </a:endParaRPr>
@@ -4225,149 +4086,11 @@
           <a:bodyPr/>
           <a:lstStyle/>
           <a:p>
-            <a:pPr marL="457200" lvl="1" indent="0" eaLnBrk="1" hangingPunct="1">
-              <a:buNone/>
-            </a:pPr>
-            <a:endParaRPr lang="fr-FR" altLang="en-US" sz="1600">
-              <a:ea typeface="ＭＳ Ｐゴシック" pitchFamily="34" charset="-128"/>
-            </a:endParaRPr>
-          </a:p>
-          <a:p>
-            <a:pPr marL="457200" lvl="1" indent="0" eaLnBrk="1" hangingPunct="1">
-              <a:buNone/>
-            </a:pPr>
-            <a:r>
-              <a:rPr lang="fr-FR" altLang="en-US" sz="1200">
-                <a:ea typeface="ＭＳ Ｐゴシック" pitchFamily="34" charset="-128"/>
-              </a:rPr>
-              <a:t>Sources : </a:t>
-            </a:r>
-          </a:p>
-          <a:p>
-            <a:pPr lvl="1" eaLnBrk="1" hangingPunct="1">
-              <a:spcBef>
-                <a:spcPts val="300"/>
-              </a:spcBef>
-              <a:spcAft>
-                <a:spcPts val="300"/>
-              </a:spcAft>
-              <a:buFontTx/>
-              <a:buChar char="-"/>
-            </a:pPr>
-            <a:r>
-              <a:rPr lang="fr-FR" sz="1200">
-                <a:ea typeface="ＭＳ Ｐゴシック" pitchFamily="34" charset="-128"/>
-              </a:rPr>
-              <a:t>Stuart Russel and Peter </a:t>
-            </a:r>
-            <a:r>
-              <a:rPr lang="fr-FR" sz="1200" err="1">
-                <a:ea typeface="ＭＳ Ｐゴシック" pitchFamily="34" charset="-128"/>
-              </a:rPr>
-              <a:t>Norvig</a:t>
-            </a:r>
-            <a:r>
-              <a:rPr lang="fr-FR" sz="1200" b="1" i="1">
-                <a:ea typeface="ＭＳ Ｐゴシック" pitchFamily="34" charset="-128"/>
-              </a:rPr>
-              <a:t>.</a:t>
-            </a:r>
-            <a:r>
-              <a:rPr lang="fr-FR" sz="1200" i="1">
-                <a:ea typeface="ＭＳ Ｐゴシック" pitchFamily="34" charset="-128"/>
-              </a:rPr>
-              <a:t> Artificial Intelligence : A Modern </a:t>
-            </a:r>
-            <a:r>
-              <a:rPr lang="fr-FR" sz="1200" i="1" err="1">
-                <a:ea typeface="ＭＳ Ｐゴシック" pitchFamily="34" charset="-128"/>
-              </a:rPr>
-              <a:t>Approach</a:t>
-            </a:r>
-            <a:r>
-              <a:rPr lang="fr-FR" sz="1200" i="1">
-                <a:ea typeface="ＭＳ Ｐゴシック" pitchFamily="34" charset="-128"/>
-              </a:rPr>
-              <a:t>. </a:t>
-            </a:r>
-            <a:r>
-              <a:rPr lang="fr-FR" sz="1200" i="1" err="1">
-                <a:ea typeface="ＭＳ Ｐゴシック" pitchFamily="34" charset="-128"/>
-              </a:rPr>
-              <a:t>Perason</a:t>
-            </a:r>
-            <a:r>
-              <a:rPr lang="fr-FR" sz="1200" i="1">
-                <a:ea typeface="ＭＳ Ｐゴシック" pitchFamily="34" charset="-128"/>
-              </a:rPr>
-              <a:t>, 2021. </a:t>
-            </a:r>
-          </a:p>
-          <a:p>
-            <a:pPr lvl="1" eaLnBrk="1" hangingPunct="1">
-              <a:spcBef>
-                <a:spcPts val="300"/>
-              </a:spcBef>
-              <a:spcAft>
-                <a:spcPts val="300"/>
-              </a:spcAft>
-              <a:buFontTx/>
-              <a:buChar char="-"/>
-            </a:pPr>
-            <a:r>
-              <a:rPr lang="fr-FR" sz="1200" i="1"/>
-              <a:t>One </a:t>
-            </a:r>
-            <a:r>
-              <a:rPr lang="fr-FR" sz="1200" i="1" err="1"/>
-              <a:t>Hundred</a:t>
-            </a:r>
-            <a:r>
-              <a:rPr lang="fr-FR" sz="1200" i="1"/>
-              <a:t> </a:t>
-            </a:r>
-            <a:r>
-              <a:rPr lang="fr-FR" sz="1200" i="1" err="1"/>
-              <a:t>Year</a:t>
-            </a:r>
-            <a:r>
-              <a:rPr lang="fr-FR" sz="1200" i="1"/>
-              <a:t> </a:t>
-            </a:r>
-            <a:r>
-              <a:rPr lang="fr-FR" sz="1200" i="1" err="1"/>
-              <a:t>Study</a:t>
-            </a:r>
-            <a:r>
-              <a:rPr lang="fr-FR" sz="1200" i="1"/>
-              <a:t> on Artificial Intelligence (AI100)</a:t>
-            </a:r>
-            <a:r>
-              <a:rPr lang="fr-FR" sz="1200"/>
-              <a:t> » </a:t>
-            </a:r>
-            <a:r>
-              <a:rPr lang="en-US" sz="1200"/>
-              <a:t> </a:t>
-            </a:r>
-            <a:r>
-              <a:rPr lang="en-US" sz="1200">
-                <a:hlinkClick r:id="rId3"/>
-              </a:rPr>
-              <a:t>http://ai100.stanford.edu/2021-report</a:t>
-            </a:r>
-            <a:r>
-              <a:rPr lang="en-US" sz="1200"/>
-              <a:t>. Accessed: September 16, 2021</a:t>
-            </a:r>
-            <a:endParaRPr lang="fr-FR" sz="1200"/>
-          </a:p>
-          <a:p>
             <a:pPr marL="0" indent="0" eaLnBrk="1" hangingPunct="1">
               <a:buFontTx/>
               <a:buNone/>
             </a:pPr>
-            <a:endParaRPr lang="en-CA" altLang="en-US">
+            <a:endParaRPr lang="en-CA" altLang="en-US" dirty="0">
               <a:latin typeface="Arial" pitchFamily="34" charset="0"/>
               <a:ea typeface="ＭＳ Ｐゴシック" pitchFamily="34" charset="-128"/>
             </a:endParaRPr>
@@ -4377,7 +4100,7 @@
     </p:spTree>
     <p:extLst>
       <p:ext uri="{BB962C8B-B14F-4D97-AF65-F5344CB8AC3E}">
-        <p14:creationId xmlns:p14="http://schemas.microsoft.com/office/powerpoint/2010/main" val="989401015"/>
+        <p14:creationId xmlns:p14="http://schemas.microsoft.com/office/powerpoint/2010/main" val="3543601969"/>
       </p:ext>
     </p:extLst>
   </p:cSld>
@@ -4406,216 +4129,39 @@
       </p:grpSpPr>
       <p:sp>
         <p:nvSpPr>
-          <p:cNvPr id="30722" name="Rectangle 2"/>
+          <p:cNvPr id="2" name="Slide Image Placeholder 1"/>
           <p:cNvSpPr>
-            <a:spLocks noGrp="1" noRot="1" noChangeAspect="1" noChangeArrowheads="1" noTextEdit="1"/>
+            <a:spLocks noGrp="1" noRot="1" noChangeAspect="1"/>
           </p:cNvSpPr>
           <p:nvPr>
             <p:ph type="sldImg"/>
           </p:nvPr>
         </p:nvSpPr>
-        <p:spPr>
-          <a:xfrm>
-            <a:off x="1257300" y="720725"/>
-            <a:ext cx="4800600" cy="3600450"/>
-          </a:xfrm>
-          <a:ln/>
-        </p:spPr>
+        <p:spPr/>
       </p:sp>
       <p:sp>
         <p:nvSpPr>
-          <p:cNvPr id="30723" name="Rectangle 3"/>
+          <p:cNvPr id="3" name="Notes Placeholder 2"/>
           <p:cNvSpPr>
-            <a:spLocks noGrp="1" noChangeArrowheads="1"/>
+            <a:spLocks noGrp="1"/>
           </p:cNvSpPr>
           <p:nvPr>
             <p:ph type="body" idx="1"/>
           </p:nvPr>
         </p:nvSpPr>
-        <p:spPr>
-          <a:xfrm>
-            <a:off x="731838" y="4560888"/>
-            <a:ext cx="5851525" cy="4319587"/>
-          </a:xfrm>
-          <a:noFill/>
-          <a:ln w="9525"/>
-          <a:extLst>
-            <a:ext uri="{909E8E84-426E-40DD-AFC4-6F175D3DCCD1}">
-              <a14:hiddenFill xmlns:a14="http://schemas.microsoft.com/office/drawing/2010/main">
-                <a:solidFill>
-                  <a:srgbClr val="FFFFFF"/>
-                </a:solidFill>
-              </a14:hiddenFill>
-            </a:ext>
-            <a:ext uri="{91240B29-F687-4F45-9708-019B960494DF}">
-              <a14:hiddenLine xmlns:a14="http://schemas.microsoft.com/office/drawing/2010/main" w="9525">
-                <a:solidFill>
-                  <a:srgbClr val="000000"/>
-                </a:solidFill>
-                <a:miter lim="800000"/>
-                <a:headEnd/>
-                <a:tailEnd/>
-              </a14:hiddenLine>
-            </a:ext>
-          </a:extLst>
-        </p:spPr>
+        <p:spPr/>
         <p:txBody>
           <a:bodyPr/>
           <a:lstStyle/>
           <a:p>
-            <a:pPr marL="457200" lvl="1" indent="0" eaLnBrk="1" hangingPunct="1">
-              <a:buNone/>
-            </a:pPr>
-            <a:endParaRPr lang="fr-FR" altLang="en-US" sz="1600">
-              <a:ea typeface="ＭＳ Ｐゴシック" pitchFamily="34" charset="-128"/>
-            </a:endParaRPr>
-          </a:p>
-          <a:p>
-            <a:pPr marL="457200" lvl="1" indent="0" eaLnBrk="1" hangingPunct="1">
-              <a:buNone/>
-            </a:pPr>
-            <a:r>
-              <a:rPr lang="fr-FR" altLang="en-US" sz="1200">
-                <a:ea typeface="ＭＳ Ｐゴシック" pitchFamily="34" charset="-128"/>
-              </a:rPr>
-              <a:t>Sources : </a:t>
-            </a:r>
-          </a:p>
-          <a:p>
-            <a:pPr lvl="1" eaLnBrk="1" hangingPunct="1">
-              <a:spcBef>
-                <a:spcPts val="300"/>
-              </a:spcBef>
-              <a:spcAft>
-                <a:spcPts val="300"/>
-              </a:spcAft>
-              <a:buFontTx/>
-              <a:buChar char="-"/>
-            </a:pPr>
-            <a:r>
-              <a:rPr lang="fr-FR" sz="1200">
-                <a:ea typeface="ＭＳ Ｐゴシック" pitchFamily="34" charset="-128"/>
-              </a:rPr>
-              <a:t>Stuart Russel and Peter </a:t>
-            </a:r>
-            <a:r>
-              <a:rPr lang="fr-FR" sz="1200" err="1">
-                <a:ea typeface="ＭＳ Ｐゴシック" pitchFamily="34" charset="-128"/>
-              </a:rPr>
-              <a:t>Norvig</a:t>
-            </a:r>
-            <a:r>
-              <a:rPr lang="fr-FR" sz="1200" b="1" i="1">
-                <a:ea typeface="ＭＳ Ｐゴシック" pitchFamily="34" charset="-128"/>
-              </a:rPr>
-              <a:t>.</a:t>
-            </a:r>
-            <a:r>
-              <a:rPr lang="fr-FR" sz="1200" i="1">
-                <a:ea typeface="ＭＳ Ｐゴシック" pitchFamily="34" charset="-128"/>
-              </a:rPr>
-              <a:t> Artificial Intelligence : A Modern </a:t>
-            </a:r>
-            <a:r>
-              <a:rPr lang="fr-FR" sz="1200" i="1" err="1">
-                <a:ea typeface="ＭＳ Ｐゴシック" pitchFamily="34" charset="-128"/>
-              </a:rPr>
-              <a:t>Approach</a:t>
-            </a:r>
-            <a:r>
-              <a:rPr lang="fr-FR" sz="1200" i="1">
-                <a:ea typeface="ＭＳ Ｐゴシック" pitchFamily="34" charset="-128"/>
-              </a:rPr>
-              <a:t>. </a:t>
-            </a:r>
-            <a:r>
-              <a:rPr lang="fr-FR" sz="1200" i="1" err="1">
-                <a:ea typeface="ＭＳ Ｐゴシック" pitchFamily="34" charset="-128"/>
-              </a:rPr>
-              <a:t>Perason</a:t>
-            </a:r>
-            <a:r>
-              <a:rPr lang="fr-FR" sz="1200" i="1">
-                <a:ea typeface="ＭＳ Ｐゴシック" pitchFamily="34" charset="-128"/>
-              </a:rPr>
-              <a:t>, 2021. </a:t>
-            </a:r>
-          </a:p>
-          <a:p>
-            <a:pPr lvl="1" eaLnBrk="1" hangingPunct="1">
-              <a:spcBef>
-                <a:spcPts val="300"/>
-              </a:spcBef>
-              <a:spcAft>
-                <a:spcPts val="300"/>
-              </a:spcAft>
-              <a:buFontTx/>
-              <a:buChar char="-"/>
-            </a:pPr>
-            <a:r>
-              <a:rPr lang="fr-FR" sz="1200" i="1"/>
-              <a:t>One </a:t>
-            </a:r>
-            <a:r>
-              <a:rPr lang="fr-FR" sz="1200" i="1" err="1"/>
-              <a:t>Hundred</a:t>
-            </a:r>
-            <a:r>
-              <a:rPr lang="fr-FR" sz="1200" i="1"/>
-              <a:t> </a:t>
-            </a:r>
-            <a:r>
-              <a:rPr lang="fr-FR" sz="1200" i="1" err="1"/>
-              <a:t>Year</a:t>
-            </a:r>
-            <a:r>
-              <a:rPr lang="fr-FR" sz="1200" i="1"/>
-              <a:t> </a:t>
-            </a:r>
-            <a:r>
-              <a:rPr lang="fr-FR" sz="1200" i="1" err="1"/>
-              <a:t>Study</a:t>
-            </a:r>
-            <a:r>
-              <a:rPr lang="fr-FR" sz="1200" i="1"/>
-              <a:t> on Artificial Intelligence (AI100)</a:t>
-            </a:r>
-            <a:r>
-              <a:rPr lang="fr-FR" sz="1200"/>
-              <a:t> » </a:t>
-            </a:r>
-            <a:r>
-              <a:rPr lang="en-US" sz="1200"/>
-              <a:t> </a:t>
-            </a:r>
-            <a:r>
-              <a:rPr lang="en-US" sz="1200">
-                <a:hlinkClick r:id="rId3"/>
-              </a:rPr>
-              <a:t>http://ai100.stanford.edu/2021-report</a:t>
-            </a:r>
-            <a:r>
-              <a:rPr lang="en-US" sz="1200"/>
-              <a:t>. Accessed: September 16, 2021</a:t>
-            </a:r>
-            <a:endParaRPr lang="fr-FR" sz="1200"/>
-          </a:p>
-          <a:p>
-            <a:pPr marL="0" indent="0" eaLnBrk="1" hangingPunct="1">
-              <a:buFontTx/>
-              <a:buNone/>
-            </a:pPr>
-            <a:endParaRPr lang="en-CA" altLang="en-US">
-              <a:latin typeface="Arial" pitchFamily="34" charset="0"/>
-              <a:ea typeface="ＭＳ Ｐゴシック" pitchFamily="34" charset="-128"/>
-            </a:endParaRPr>
+            <a:endParaRPr lang="en-US" dirty="0"/>
           </a:p>
         </p:txBody>
       </p:sp>
     </p:spTree>
     <p:extLst>
       <p:ext uri="{BB962C8B-B14F-4D97-AF65-F5344CB8AC3E}">
-        <p14:creationId xmlns:p14="http://schemas.microsoft.com/office/powerpoint/2010/main" val="3543601969"/>
+        <p14:creationId xmlns:p14="http://schemas.microsoft.com/office/powerpoint/2010/main" val="3625321099"/>
       </p:ext>
     </p:extLst>
   </p:cSld>
@@ -4857,7 +4403,7 @@
           <a:bodyPr/>
           <a:lstStyle/>
           <a:p>
-            <a:endParaRPr lang="fr-CA" altLang="en-US">
+            <a:endParaRPr lang="fr-CA" altLang="en-US" dirty="0">
               <a:latin typeface="Arial" pitchFamily="34" charset="0"/>
               <a:ea typeface="ＭＳ Ｐゴシック" pitchFamily="34" charset="-128"/>
             </a:endParaRPr>
@@ -5025,7 +4571,7 @@
           <a:p>
             <a:fld id="{C11ABC67-33F5-4122-9803-EEEB0841A244}" type="slidenum">
               <a:rPr lang="en-CA" smtClean="0"/>
-              <a:t>13</a:t>
+              <a:t>12</a:t>
             </a:fld>
             <a:endParaRPr lang="en-CA"/>
           </a:p>
@@ -10621,664 +10167,6 @@
       </p:grpSpPr>
       <p:sp>
         <p:nvSpPr>
-          <p:cNvPr id="1039362" name="Rectangle 2"/>
-          <p:cNvSpPr>
-            <a:spLocks noGrp="1" noChangeArrowheads="1"/>
-          </p:cNvSpPr>
-          <p:nvPr>
-            <p:ph type="title"/>
-          </p:nvPr>
-        </p:nvSpPr>
-        <p:spPr>
-          <a:xfrm>
-            <a:off x="523875" y="409575"/>
-            <a:ext cx="8080375" cy="590550"/>
-          </a:xfrm>
-        </p:spPr>
-        <p:txBody>
-          <a:bodyPr/>
-          <a:lstStyle/>
-          <a:p>
-            <a:pPr>
-              <a:defRPr/>
-            </a:pPr>
-            <a:r>
-              <a:rPr lang="fr-CA" sz="2400">
-                <a:latin typeface="Arial" pitchFamily="34" charset="0"/>
-                <a:ea typeface="ＭＳ Ｐゴシック" pitchFamily="34" charset="-128"/>
-              </a:rPr>
-              <a:t>Objectifs du cours</a:t>
-            </a:r>
-            <a:endParaRPr lang="fr-CA" altLang="ko-KR" sz="2400" b="0">
-              <a:effectLst>
-                <a:outerShdw blurRad="38100" dist="38100" dir="2700000" algn="tl">
-                  <a:srgbClr val="C0C0C0"/>
-                </a:outerShdw>
-              </a:effectLst>
-              <a:ea typeface="굴림" pitchFamily="50" charset="-127"/>
-            </a:endParaRPr>
-          </a:p>
-        </p:txBody>
-      </p:sp>
-      <p:sp>
-        <p:nvSpPr>
-          <p:cNvPr id="21510" name="Rectangle 3"/>
-          <p:cNvSpPr>
-            <a:spLocks noGrp="1" noChangeArrowheads="1"/>
-          </p:cNvSpPr>
-          <p:nvPr>
-            <p:ph idx="1"/>
-          </p:nvPr>
-        </p:nvSpPr>
-        <p:spPr>
-          <a:xfrm>
-            <a:off x="685800" y="1257300"/>
-            <a:ext cx="8093075" cy="5021263"/>
-          </a:xfrm>
-        </p:spPr>
-        <p:txBody>
-          <a:bodyPr/>
-          <a:lstStyle/>
-          <a:p>
-            <a:pPr>
-              <a:lnSpc>
-                <a:spcPct val="120000"/>
-              </a:lnSpc>
-            </a:pPr>
-            <a:r>
-              <a:rPr lang="fr-CA" altLang="ko-KR">
-                <a:ea typeface="Gulim" pitchFamily="34" charset="-127"/>
-              </a:rPr>
-              <a:t>Acquérir </a:t>
-            </a:r>
-          </a:p>
-          <a:p>
-            <a:pPr lvl="1">
-              <a:lnSpc>
-                <a:spcPct val="120000"/>
-              </a:lnSpc>
-            </a:pPr>
-            <a:r>
-              <a:rPr lang="fr-CA" altLang="ko-KR" sz="2000">
-                <a:ea typeface="Gulim" pitchFamily="34" charset="-127"/>
-              </a:rPr>
-              <a:t>Les principes et les techniques algorithmes de base pour développer des applications d’IA</a:t>
-            </a:r>
-          </a:p>
-          <a:p>
-            <a:pPr lvl="1">
-              <a:lnSpc>
-                <a:spcPct val="120000"/>
-              </a:lnSpc>
-              <a:buFont typeface="Monotype Sorts" pitchFamily="2" charset="2"/>
-              <a:buNone/>
-            </a:pPr>
-            <a:endParaRPr lang="fr-CA" altLang="ko-KR" sz="2000">
-              <a:ea typeface="Gulim" pitchFamily="34" charset="-127"/>
-            </a:endParaRPr>
-          </a:p>
-          <a:p>
-            <a:pPr>
-              <a:lnSpc>
-                <a:spcPct val="120000"/>
-              </a:lnSpc>
-            </a:pPr>
-            <a:r>
-              <a:rPr lang="fr-CA" altLang="ko-KR">
-                <a:ea typeface="Gulim" pitchFamily="34" charset="-127"/>
-              </a:rPr>
-              <a:t>Comment?</a:t>
-            </a:r>
-          </a:p>
-          <a:p>
-            <a:pPr lvl="1">
-              <a:lnSpc>
-                <a:spcPct val="120000"/>
-              </a:lnSpc>
-            </a:pPr>
-            <a:r>
-              <a:rPr lang="fr-CA" altLang="ko-KR" sz="2000">
-                <a:ea typeface="Gulim" pitchFamily="34" charset="-127"/>
-              </a:rPr>
-              <a:t>Introduction des types de problèmes, de concepts et d’algorithmes de base</a:t>
-            </a:r>
-          </a:p>
-          <a:p>
-            <a:pPr lvl="1">
-              <a:lnSpc>
-                <a:spcPct val="120000"/>
-              </a:lnSpc>
-            </a:pPr>
-            <a:r>
-              <a:rPr lang="fr-CA" altLang="ko-KR" sz="2000">
-                <a:ea typeface="Gulim" pitchFamily="34" charset="-127"/>
-              </a:rPr>
-              <a:t>5 travaux pratiques de programmation</a:t>
-            </a:r>
-          </a:p>
-          <a:p>
-            <a:pPr lvl="1">
-              <a:lnSpc>
-                <a:spcPct val="120000"/>
-              </a:lnSpc>
-            </a:pPr>
-            <a:r>
-              <a:rPr lang="fr-CA" altLang="ko-KR" sz="2000">
-                <a:ea typeface="Gulim" pitchFamily="34" charset="-127"/>
-              </a:rPr>
-              <a:t>3 devoirs</a:t>
-            </a:r>
-          </a:p>
-        </p:txBody>
-      </p:sp>
-      <p:sp>
-        <p:nvSpPr>
-          <p:cNvPr id="21506" name="Footer Placeholder 3"/>
-          <p:cNvSpPr>
-            <a:spLocks noGrp="1"/>
-          </p:cNvSpPr>
-          <p:nvPr>
-            <p:ph type="ftr" sz="quarter" idx="10"/>
-          </p:nvPr>
-        </p:nvSpPr>
-        <p:spPr bwMode="auto">
-          <a:xfrm>
-            <a:off x="403225" y="6438900"/>
-            <a:ext cx="1763713" cy="365125"/>
-          </a:xfrm>
-          <a:noFill/>
-          <a:extLst>
-            <a:ext uri="{909E8E84-426E-40DD-AFC4-6F175D3DCCD1}">
-              <a14:hiddenFill xmlns:a14="http://schemas.microsoft.com/office/drawing/2010/main">
-                <a:solidFill>
-                  <a:srgbClr val="FFFFFF"/>
-                </a:solidFill>
-              </a14:hiddenFill>
-            </a:ext>
-            <a:ext uri="{91240B29-F687-4F45-9708-019B960494DF}">
-              <a14:hiddenLine xmlns:a14="http://schemas.microsoft.com/office/drawing/2010/main" w="9525">
-                <a:solidFill>
-                  <a:srgbClr val="000000"/>
-                </a:solidFill>
-                <a:miter lim="800000"/>
-                <a:headEnd/>
-                <a:tailEnd/>
-              </a14:hiddenLine>
-            </a:ext>
-          </a:extLst>
-        </p:spPr>
-        <p:txBody>
-          <a:bodyPr wrap="square" numCol="1" anchorCtr="0" compatLnSpc="1">
-            <a:prstTxWarp prst="textNoShape">
-              <a:avLst/>
-            </a:prstTxWarp>
-          </a:bodyPr>
-          <a:lstStyle>
-            <a:lvl1pPr>
-              <a:defRPr>
-                <a:solidFill>
-                  <a:schemeClr val="tx1"/>
-                </a:solidFill>
-                <a:latin typeface="Arial" pitchFamily="34" charset="0"/>
-                <a:ea typeface="ＭＳ Ｐゴシック" pitchFamily="34" charset="-128"/>
-              </a:defRPr>
-            </a:lvl1pPr>
-            <a:lvl2pPr marL="742950" indent="-285750">
-              <a:defRPr>
-                <a:solidFill>
-                  <a:schemeClr val="tx1"/>
-                </a:solidFill>
-                <a:latin typeface="Arial" pitchFamily="34" charset="0"/>
-                <a:ea typeface="ＭＳ Ｐゴシック" pitchFamily="34" charset="-128"/>
-              </a:defRPr>
-            </a:lvl2pPr>
-            <a:lvl3pPr marL="1143000" indent="-228600">
-              <a:defRPr>
-                <a:solidFill>
-                  <a:schemeClr val="tx1"/>
-                </a:solidFill>
-                <a:latin typeface="Arial" pitchFamily="34" charset="0"/>
-                <a:ea typeface="ＭＳ Ｐゴシック" pitchFamily="34" charset="-128"/>
-              </a:defRPr>
-            </a:lvl3pPr>
-            <a:lvl4pPr marL="1600200" indent="-228600">
-              <a:defRPr>
-                <a:solidFill>
-                  <a:schemeClr val="tx1"/>
-                </a:solidFill>
-                <a:latin typeface="Arial" pitchFamily="34" charset="0"/>
-                <a:ea typeface="ＭＳ Ｐゴシック" pitchFamily="34" charset="-128"/>
-              </a:defRPr>
-            </a:lvl4pPr>
-            <a:lvl5pPr marL="2057400" indent="-228600">
-              <a:defRPr>
-                <a:solidFill>
-                  <a:schemeClr val="tx1"/>
-                </a:solidFill>
-                <a:latin typeface="Arial" pitchFamily="34" charset="0"/>
-                <a:ea typeface="ＭＳ Ｐゴシック" pitchFamily="34" charset="-128"/>
-              </a:defRPr>
-            </a:lvl5pPr>
-            <a:lvl6pPr marL="2514600" indent="-228600" eaLnBrk="0" fontAlgn="base" hangingPunct="0">
-              <a:spcBef>
-                <a:spcPct val="0"/>
-              </a:spcBef>
-              <a:spcAft>
-                <a:spcPct val="0"/>
-              </a:spcAft>
-              <a:defRPr>
-                <a:solidFill>
-                  <a:schemeClr val="tx1"/>
-                </a:solidFill>
-                <a:latin typeface="Arial" pitchFamily="34" charset="0"/>
-                <a:ea typeface="ＭＳ Ｐゴシック" pitchFamily="34" charset="-128"/>
-              </a:defRPr>
-            </a:lvl6pPr>
-            <a:lvl7pPr marL="2971800" indent="-228600" eaLnBrk="0" fontAlgn="base" hangingPunct="0">
-              <a:spcBef>
-                <a:spcPct val="0"/>
-              </a:spcBef>
-              <a:spcAft>
-                <a:spcPct val="0"/>
-              </a:spcAft>
-              <a:defRPr>
-                <a:solidFill>
-                  <a:schemeClr val="tx1"/>
-                </a:solidFill>
-                <a:latin typeface="Arial" pitchFamily="34" charset="0"/>
-                <a:ea typeface="ＭＳ Ｐゴシック" pitchFamily="34" charset="-128"/>
-              </a:defRPr>
-            </a:lvl7pPr>
-            <a:lvl8pPr marL="3429000" indent="-228600" eaLnBrk="0" fontAlgn="base" hangingPunct="0">
-              <a:spcBef>
-                <a:spcPct val="0"/>
-              </a:spcBef>
-              <a:spcAft>
-                <a:spcPct val="0"/>
-              </a:spcAft>
-              <a:defRPr>
-                <a:solidFill>
-                  <a:schemeClr val="tx1"/>
-                </a:solidFill>
-                <a:latin typeface="Arial" pitchFamily="34" charset="0"/>
-                <a:ea typeface="ＭＳ Ｐゴシック" pitchFamily="34" charset="-128"/>
-              </a:defRPr>
-            </a:lvl8pPr>
-            <a:lvl9pPr marL="3886200" indent="-228600" eaLnBrk="0" fontAlgn="base" hangingPunct="0">
-              <a:spcBef>
-                <a:spcPct val="0"/>
-              </a:spcBef>
-              <a:spcAft>
-                <a:spcPct val="0"/>
-              </a:spcAft>
-              <a:defRPr>
-                <a:solidFill>
-                  <a:schemeClr val="tx1"/>
-                </a:solidFill>
-                <a:latin typeface="Arial" pitchFamily="34" charset="0"/>
-                <a:ea typeface="ＭＳ Ｐゴシック" pitchFamily="34" charset="-128"/>
-              </a:defRPr>
-            </a:lvl9pPr>
-          </a:lstStyle>
-          <a:p>
-            <a:pPr algn="l"/>
-            <a:r>
-              <a:rPr lang="en-US" altLang="en-US">
-                <a:latin typeface="Calibri" pitchFamily="34" charset="0"/>
-              </a:rPr>
-              <a:t>© Froduald Kabanza</a:t>
-            </a:r>
-          </a:p>
-        </p:txBody>
-      </p:sp>
-      <p:sp>
-        <p:nvSpPr>
-          <p:cNvPr id="21507" name="Slide Number Placeholder 4"/>
-          <p:cNvSpPr>
-            <a:spLocks noGrp="1"/>
-          </p:cNvSpPr>
-          <p:nvPr>
-            <p:ph type="sldNum" sz="quarter" idx="11"/>
-          </p:nvPr>
-        </p:nvSpPr>
-        <p:spPr bwMode="auto">
-          <a:xfrm>
-            <a:off x="3173413" y="6438900"/>
-            <a:ext cx="2895600" cy="365125"/>
-          </a:xfrm>
-          <a:noFill/>
-          <a:extLst>
-            <a:ext uri="{909E8E84-426E-40DD-AFC4-6F175D3DCCD1}">
-              <a14:hiddenFill xmlns:a14="http://schemas.microsoft.com/office/drawing/2010/main">
-                <a:solidFill>
-                  <a:srgbClr val="FFFFFF"/>
-                </a:solidFill>
-              </a14:hiddenFill>
-            </a:ext>
-            <a:ext uri="{91240B29-F687-4F45-9708-019B960494DF}">
-              <a14:hiddenLine xmlns:a14="http://schemas.microsoft.com/office/drawing/2010/main" w="9525">
-                <a:solidFill>
-                  <a:srgbClr val="000000"/>
-                </a:solidFill>
-                <a:miter lim="800000"/>
-                <a:headEnd/>
-                <a:tailEnd/>
-              </a14:hiddenLine>
-            </a:ext>
-          </a:extLst>
-        </p:spPr>
-        <p:txBody>
-          <a:bodyPr/>
-          <a:lstStyle>
-            <a:lvl1pPr>
-              <a:defRPr>
-                <a:solidFill>
-                  <a:schemeClr val="tx1"/>
-                </a:solidFill>
-                <a:latin typeface="Arial" pitchFamily="34" charset="0"/>
-                <a:ea typeface="ＭＳ Ｐゴシック" pitchFamily="34" charset="-128"/>
-              </a:defRPr>
-            </a:lvl1pPr>
-            <a:lvl2pPr marL="742950" indent="-285750">
-              <a:defRPr>
-                <a:solidFill>
-                  <a:schemeClr val="tx1"/>
-                </a:solidFill>
-                <a:latin typeface="Arial" pitchFamily="34" charset="0"/>
-                <a:ea typeface="ＭＳ Ｐゴシック" pitchFamily="34" charset="-128"/>
-              </a:defRPr>
-            </a:lvl2pPr>
-            <a:lvl3pPr marL="1143000" indent="-228600">
-              <a:defRPr>
-                <a:solidFill>
-                  <a:schemeClr val="tx1"/>
-                </a:solidFill>
-                <a:latin typeface="Arial" pitchFamily="34" charset="0"/>
-                <a:ea typeface="ＭＳ Ｐゴシック" pitchFamily="34" charset="-128"/>
-              </a:defRPr>
-            </a:lvl3pPr>
-            <a:lvl4pPr marL="1600200" indent="-228600">
-              <a:defRPr>
-                <a:solidFill>
-                  <a:schemeClr val="tx1"/>
-                </a:solidFill>
-                <a:latin typeface="Arial" pitchFamily="34" charset="0"/>
-                <a:ea typeface="ＭＳ Ｐゴシック" pitchFamily="34" charset="-128"/>
-              </a:defRPr>
-            </a:lvl4pPr>
-            <a:lvl5pPr marL="2057400" indent="-228600">
-              <a:defRPr>
-                <a:solidFill>
-                  <a:schemeClr val="tx1"/>
-                </a:solidFill>
-                <a:latin typeface="Arial" pitchFamily="34" charset="0"/>
-                <a:ea typeface="ＭＳ Ｐゴシック" pitchFamily="34" charset="-128"/>
-              </a:defRPr>
-            </a:lvl5pPr>
-            <a:lvl6pPr marL="2514600" indent="-228600" eaLnBrk="0" fontAlgn="base" hangingPunct="0">
-              <a:spcBef>
-                <a:spcPct val="0"/>
-              </a:spcBef>
-              <a:spcAft>
-                <a:spcPct val="0"/>
-              </a:spcAft>
-              <a:defRPr>
-                <a:solidFill>
-                  <a:schemeClr val="tx1"/>
-                </a:solidFill>
-                <a:latin typeface="Arial" pitchFamily="34" charset="0"/>
-                <a:ea typeface="ＭＳ Ｐゴシック" pitchFamily="34" charset="-128"/>
-              </a:defRPr>
-            </a:lvl6pPr>
-            <a:lvl7pPr marL="2971800" indent="-228600" eaLnBrk="0" fontAlgn="base" hangingPunct="0">
-              <a:spcBef>
-                <a:spcPct val="0"/>
-              </a:spcBef>
-              <a:spcAft>
-                <a:spcPct val="0"/>
-              </a:spcAft>
-              <a:defRPr>
-                <a:solidFill>
-                  <a:schemeClr val="tx1"/>
-                </a:solidFill>
-                <a:latin typeface="Arial" pitchFamily="34" charset="0"/>
-                <a:ea typeface="ＭＳ Ｐゴシック" pitchFamily="34" charset="-128"/>
-              </a:defRPr>
-            </a:lvl7pPr>
-            <a:lvl8pPr marL="3429000" indent="-228600" eaLnBrk="0" fontAlgn="base" hangingPunct="0">
-              <a:spcBef>
-                <a:spcPct val="0"/>
-              </a:spcBef>
-              <a:spcAft>
-                <a:spcPct val="0"/>
-              </a:spcAft>
-              <a:defRPr>
-                <a:solidFill>
-                  <a:schemeClr val="tx1"/>
-                </a:solidFill>
-                <a:latin typeface="Arial" pitchFamily="34" charset="0"/>
-                <a:ea typeface="ＭＳ Ｐゴシック" pitchFamily="34" charset="-128"/>
-              </a:defRPr>
-            </a:lvl8pPr>
-            <a:lvl9pPr marL="3886200" indent="-228600" eaLnBrk="0" fontAlgn="base" hangingPunct="0">
-              <a:spcBef>
-                <a:spcPct val="0"/>
-              </a:spcBef>
-              <a:spcAft>
-                <a:spcPct val="0"/>
-              </a:spcAft>
-              <a:defRPr>
-                <a:solidFill>
-                  <a:schemeClr val="tx1"/>
-                </a:solidFill>
-                <a:latin typeface="Arial" pitchFamily="34" charset="0"/>
-                <a:ea typeface="ＭＳ Ｐゴシック" pitchFamily="34" charset="-128"/>
-              </a:defRPr>
-            </a:lvl9pPr>
-          </a:lstStyle>
-          <a:p>
-            <a:pPr algn="ctr"/>
-            <a:fld id="{7ACBD824-B56C-401F-B085-4EB9A060C900}" type="slidenum">
-              <a:rPr lang="en-US" altLang="en-US" smtClean="0">
-                <a:latin typeface="Calibri" pitchFamily="34" charset="0"/>
-              </a:rPr>
-              <a:pPr algn="ctr"/>
-              <a:t>10</a:t>
-            </a:fld>
-            <a:endParaRPr lang="en-US" altLang="en-US">
-              <a:latin typeface="Calibri" pitchFamily="34" charset="0"/>
-            </a:endParaRPr>
-          </a:p>
-        </p:txBody>
-      </p:sp>
-      <p:sp>
-        <p:nvSpPr>
-          <p:cNvPr id="21508" name="Date Placeholder 5"/>
-          <p:cNvSpPr>
-            <a:spLocks noGrp="1"/>
-          </p:cNvSpPr>
-          <p:nvPr>
-            <p:ph type="dt" sz="half" idx="12"/>
-          </p:nvPr>
-        </p:nvSpPr>
-        <p:spPr bwMode="auto">
-          <a:xfrm>
-            <a:off x="6584950" y="6438900"/>
-            <a:ext cx="2133600" cy="365125"/>
-          </a:xfrm>
-          <a:noFill/>
-          <a:extLst>
-            <a:ext uri="{909E8E84-426E-40DD-AFC4-6F175D3DCCD1}">
-              <a14:hiddenFill xmlns:a14="http://schemas.microsoft.com/office/drawing/2010/main">
-                <a:solidFill>
-                  <a:srgbClr val="FFFFFF"/>
-                </a:solidFill>
-              </a14:hiddenFill>
-            </a:ext>
-            <a:ext uri="{91240B29-F687-4F45-9708-019B960494DF}">
-              <a14:hiddenLine xmlns:a14="http://schemas.microsoft.com/office/drawing/2010/main" w="9525">
-                <a:solidFill>
-                  <a:srgbClr val="000000"/>
-                </a:solidFill>
-                <a:miter lim="800000"/>
-                <a:headEnd/>
-                <a:tailEnd/>
-              </a14:hiddenLine>
-            </a:ext>
-          </a:extLst>
-        </p:spPr>
-        <p:txBody>
-          <a:bodyPr wrap="square" numCol="1" anchorCtr="0" compatLnSpc="1">
-            <a:prstTxWarp prst="textNoShape">
-              <a:avLst/>
-            </a:prstTxWarp>
-          </a:bodyPr>
-          <a:lstStyle>
-            <a:lvl1pPr>
-              <a:defRPr>
-                <a:solidFill>
-                  <a:schemeClr val="tx1"/>
-                </a:solidFill>
-                <a:latin typeface="Arial" pitchFamily="34" charset="0"/>
-                <a:ea typeface="ＭＳ Ｐゴシック" pitchFamily="34" charset="-128"/>
-              </a:defRPr>
-            </a:lvl1pPr>
-            <a:lvl2pPr marL="742950" indent="-285750">
-              <a:defRPr>
-                <a:solidFill>
-                  <a:schemeClr val="tx1"/>
-                </a:solidFill>
-                <a:latin typeface="Arial" pitchFamily="34" charset="0"/>
-                <a:ea typeface="ＭＳ Ｐゴシック" pitchFamily="34" charset="-128"/>
-              </a:defRPr>
-            </a:lvl2pPr>
-            <a:lvl3pPr marL="1143000" indent="-228600">
-              <a:defRPr>
-                <a:solidFill>
-                  <a:schemeClr val="tx1"/>
-                </a:solidFill>
-                <a:latin typeface="Arial" pitchFamily="34" charset="0"/>
-                <a:ea typeface="ＭＳ Ｐゴシック" pitchFamily="34" charset="-128"/>
-              </a:defRPr>
-            </a:lvl3pPr>
-            <a:lvl4pPr marL="1600200" indent="-228600">
-              <a:defRPr>
-                <a:solidFill>
-                  <a:schemeClr val="tx1"/>
-                </a:solidFill>
-                <a:latin typeface="Arial" pitchFamily="34" charset="0"/>
-                <a:ea typeface="ＭＳ Ｐゴシック" pitchFamily="34" charset="-128"/>
-              </a:defRPr>
-            </a:lvl4pPr>
-            <a:lvl5pPr marL="2057400" indent="-228600">
-              <a:defRPr>
-                <a:solidFill>
-                  <a:schemeClr val="tx1"/>
-                </a:solidFill>
-                <a:latin typeface="Arial" pitchFamily="34" charset="0"/>
-                <a:ea typeface="ＭＳ Ｐゴシック" pitchFamily="34" charset="-128"/>
-              </a:defRPr>
-            </a:lvl5pPr>
-            <a:lvl6pPr marL="2514600" indent="-228600" eaLnBrk="0" fontAlgn="base" hangingPunct="0">
-              <a:spcBef>
-                <a:spcPct val="0"/>
-              </a:spcBef>
-              <a:spcAft>
-                <a:spcPct val="0"/>
-              </a:spcAft>
-              <a:defRPr>
-                <a:solidFill>
-                  <a:schemeClr val="tx1"/>
-                </a:solidFill>
-                <a:latin typeface="Arial" pitchFamily="34" charset="0"/>
-                <a:ea typeface="ＭＳ Ｐゴシック" pitchFamily="34" charset="-128"/>
-              </a:defRPr>
-            </a:lvl6pPr>
-            <a:lvl7pPr marL="2971800" indent="-228600" eaLnBrk="0" fontAlgn="base" hangingPunct="0">
-              <a:spcBef>
-                <a:spcPct val="0"/>
-              </a:spcBef>
-              <a:spcAft>
-                <a:spcPct val="0"/>
-              </a:spcAft>
-              <a:defRPr>
-                <a:solidFill>
-                  <a:schemeClr val="tx1"/>
-                </a:solidFill>
-                <a:latin typeface="Arial" pitchFamily="34" charset="0"/>
-                <a:ea typeface="ＭＳ Ｐゴシック" pitchFamily="34" charset="-128"/>
-              </a:defRPr>
-            </a:lvl7pPr>
-            <a:lvl8pPr marL="3429000" indent="-228600" eaLnBrk="0" fontAlgn="base" hangingPunct="0">
-              <a:spcBef>
-                <a:spcPct val="0"/>
-              </a:spcBef>
-              <a:spcAft>
-                <a:spcPct val="0"/>
-              </a:spcAft>
-              <a:defRPr>
-                <a:solidFill>
-                  <a:schemeClr val="tx1"/>
-                </a:solidFill>
-                <a:latin typeface="Arial" pitchFamily="34" charset="0"/>
-                <a:ea typeface="ＭＳ Ｐゴシック" pitchFamily="34" charset="-128"/>
-              </a:defRPr>
-            </a:lvl8pPr>
-            <a:lvl9pPr marL="3886200" indent="-228600" eaLnBrk="0" fontAlgn="base" hangingPunct="0">
-              <a:spcBef>
-                <a:spcPct val="0"/>
-              </a:spcBef>
-              <a:spcAft>
-                <a:spcPct val="0"/>
-              </a:spcAft>
-              <a:defRPr>
-                <a:solidFill>
-                  <a:schemeClr val="tx1"/>
-                </a:solidFill>
-                <a:latin typeface="Arial" pitchFamily="34" charset="0"/>
-                <a:ea typeface="ＭＳ Ｐゴシック" pitchFamily="34" charset="-128"/>
-              </a:defRPr>
-            </a:lvl9pPr>
-          </a:lstStyle>
-          <a:p>
-            <a:pPr algn="r"/>
-            <a:r>
-              <a:rPr lang="en-US" altLang="en-US">
-                <a:latin typeface="Calibri" pitchFamily="34" charset="0"/>
-              </a:rPr>
-              <a:t>IFT615</a:t>
-            </a:r>
-          </a:p>
-        </p:txBody>
-      </p:sp>
-    </p:spTree>
-  </p:cSld>
-  <p:clrMapOvr>
-    <a:masterClrMapping/>
-  </p:clrMapOvr>
-  <p:transition advClick="0"/>
-</p:sld>
-</file>
-
-<file path=ppt/slides/slide11.xml><?xml version="1.0" encoding="utf-8"?>
-<p:sld xmlns:a="http://schemas.openxmlformats.org/drawingml/2006/main" xmlns:r="http://schemas.openxmlformats.org/officeDocument/2006/relationships" xmlns:p="http://schemas.openxmlformats.org/presentationml/2006/main" showMasterPhAnim="0">
-  <p:cSld>
-    <p:spTree>
-      <p:nvGrpSpPr>
-        <p:cNvPr id="1" name=""/>
-        <p:cNvGrpSpPr/>
-        <p:nvPr/>
-      </p:nvGrpSpPr>
-      <p:grpSpPr>
-        <a:xfrm>
-          <a:off x="0" y="0"/>
-          <a:ext cx="0" cy="0"/>
-          <a:chOff x="0" y="0"/>
-          <a:chExt cx="0" cy="0"/>
-        </a:xfrm>
-      </p:grpSpPr>
-      <p:sp>
-        <p:nvSpPr>
           <p:cNvPr id="22530" name="Rectangle 3"/>
           <p:cNvSpPr>
             <a:spLocks noGrp="1" noChangeArrowheads="1"/>
@@ -11613,7 +10501,7 @@
                 <a:latin typeface="Calibri" pitchFamily="34" charset="0"/>
               </a:rPr>
               <a:pPr/>
-              <a:t>11</a:t>
+              <a:t>10</a:t>
             </a:fld>
             <a:endParaRPr lang="en-US" altLang="en-US">
               <a:latin typeface="Calibri" pitchFamily="34" charset="0"/>
@@ -12337,8 +11225,8 @@
           </p:nvSpPr>
           <p:spPr bwMode="auto">
             <a:xfrm>
-              <a:off x="3713075" y="5004421"/>
-              <a:ext cx="1392625" cy="369332"/>
+              <a:off x="3626066" y="5004421"/>
+              <a:ext cx="1566647" cy="369332"/>
             </a:xfrm>
             <a:prstGeom prst="rect">
               <a:avLst/>
@@ -12372,13 +11260,13 @@
                 <a:defRPr/>
               </a:pPr>
               <a:r>
-                <a:rPr lang="fr-CA" altLang="ko-KR">
+                <a:rPr lang="fr-CA" altLang="ko-KR" dirty="0">
                   <a:latin typeface="Calibri" charset="0"/>
                   <a:ea typeface="+mn-ea"/>
                 </a:rPr>
-                <a:t>Éthique et IA</a:t>
+                <a:t>IA responsable</a:t>
               </a:r>
-              <a:endParaRPr lang="fr-FR">
+              <a:endParaRPr lang="fr-FR" dirty="0">
                 <a:latin typeface="+mn-lt"/>
                 <a:ea typeface="+mn-ea"/>
               </a:endParaRPr>
@@ -12676,7 +11564,7 @@
 </p:sld>
 </file>
 
-<file path=ppt/slides/slide12.xml><?xml version="1.0" encoding="utf-8"?>
+<file path=ppt/slides/slide11.xml><?xml version="1.0" encoding="utf-8"?>
 <p:sld xmlns:a="http://schemas.openxmlformats.org/drawingml/2006/main" xmlns:r="http://schemas.openxmlformats.org/officeDocument/2006/relationships" xmlns:p="http://schemas.openxmlformats.org/presentationml/2006/main" showMasterPhAnim="0">
   <p:cSld>
     <p:spTree>
@@ -13024,7 +11912,7 @@
                 <a:latin typeface="Calibri" pitchFamily="34" charset="0"/>
               </a:rPr>
               <a:pPr/>
-              <a:t>12</a:t>
+              <a:t>11</a:t>
             </a:fld>
             <a:endParaRPr lang="en-US" altLang="en-US">
               <a:latin typeface="Calibri" pitchFamily="34" charset="0"/>
@@ -14054,7 +12942,7 @@
 </p:sld>
 </file>
 
-<file path=ppt/slides/slide13.xml><?xml version="1.0" encoding="utf-8"?>
+<file path=ppt/slides/slide12.xml><?xml version="1.0" encoding="utf-8"?>
 <p:sld xmlns:a="http://schemas.openxmlformats.org/drawingml/2006/main" xmlns:r="http://schemas.openxmlformats.org/officeDocument/2006/relationships" xmlns:p="http://schemas.openxmlformats.org/presentationml/2006/main">
   <p:cSld>
     <p:spTree>
@@ -14156,7 +13044,7 @@
             <a:fld id="{B6F15528-21DE-4FAA-801E-634DDDAF4B2B}" type="slidenum">
               <a:rPr lang="en-US" smtClean="0"/>
               <a:pPr/>
-              <a:t>13</a:t>
+              <a:t>12</a:t>
             </a:fld>
             <a:endParaRPr lang="en-US"/>
           </a:p>
@@ -14247,7 +13135,7 @@
 </p:sld>
 </file>
 
-<file path=ppt/slides/slide14.xml><?xml version="1.0" encoding="utf-8"?>
+<file path=ppt/slides/slide13.xml><?xml version="1.0" encoding="utf-8"?>
 <p:sld xmlns:a="http://schemas.openxmlformats.org/drawingml/2006/main" xmlns:r="http://schemas.openxmlformats.org/officeDocument/2006/relationships" xmlns:p="http://schemas.openxmlformats.org/presentationml/2006/main">
   <p:cSld>
     <p:spTree>
@@ -14299,18 +13187,18 @@
               <a:rPr lang="fr-CA" altLang="en-US"/>
             </a:br>
             <a:r>
-              <a:rPr lang="fr-CA" altLang="en-US" sz="2000"/>
+              <a:rPr lang="fr-CA" altLang="en-US"/>
               <a:t>Intra: 15%; Final: 36%; Quiz: 9%; </a:t>
             </a:r>
             <a:r>
-              <a:rPr lang="fr-CA" altLang="en-US" sz="2000" err="1"/>
+              <a:rPr lang="fr-CA" altLang="en-US" err="1"/>
               <a:t>TPs</a:t>
             </a:r>
             <a:r>
-              <a:rPr lang="fr-CA" altLang="en-US" sz="2000"/>
+              <a:rPr lang="fr-CA" altLang="en-US"/>
               <a:t>: 40% </a:t>
             </a:r>
-            <a:endParaRPr lang="it-IT" altLang="en-US" sz="2000"/>
+            <a:endParaRPr lang="it-IT" altLang="en-US"/>
           </a:p>
         </p:txBody>
       </p:sp>
@@ -14635,7 +13523,7 @@
                   <a:spcPts val="600"/>
                 </a:spcAft>
               </a:pPr>
-              <a:t>14</a:t>
+              <a:t>13</a:t>
             </a:fld>
             <a:endParaRPr lang="en-US" altLang="en-US"/>
           </a:p>
@@ -14808,10 +13696,10 @@
       </p:sp>
       <p:graphicFrame>
         <p:nvGraphicFramePr>
-          <p:cNvPr id="3" name="Table 2">
+          <p:cNvPr id="2" name="Table 1">
             <a:extLst>
               <a:ext uri="{FF2B5EF4-FFF2-40B4-BE49-F238E27FC236}">
-                <a16:creationId xmlns:a16="http://schemas.microsoft.com/office/drawing/2014/main" id="{2AA9D7B3-E347-4D74-FA72-7CCD9CD9DD45}"/>
+                <a16:creationId xmlns:a16="http://schemas.microsoft.com/office/drawing/2014/main" id="{7B3B459A-0E5D-FD53-4C38-BF00A6F06489}"/>
               </a:ext>
             </a:extLst>
           </p:cNvPr>
@@ -14821,14 +13709,14 @@
           <p:nvPr>
             <p:extLst>
               <p:ext uri="{D42A27DB-BD31-4B8C-83A1-F6EECF244321}">
-                <p14:modId xmlns:p14="http://schemas.microsoft.com/office/powerpoint/2010/main" val="4237818286"/>
+                <p14:modId xmlns:p14="http://schemas.microsoft.com/office/powerpoint/2010/main" val="3922914464"/>
               </p:ext>
             </p:extLst>
           </p:nvPr>
         </p:nvGraphicFramePr>
         <p:xfrm>
-          <a:off x="766270" y="1096967"/>
-          <a:ext cx="7605109" cy="4632960"/>
+          <a:off x="524106" y="1474746"/>
+          <a:ext cx="8095787" cy="4024694"/>
         </p:xfrm>
         <a:graphic>
           <a:graphicData uri="http://schemas.openxmlformats.org/drawingml/2006/table">
@@ -14837,43 +13725,43 @@
                 <a:tableStyleId>{5C22544A-7EE6-4342-B048-85BDC9FD1C3A}</a:tableStyleId>
               </a:tblPr>
               <a:tblGrid>
-                <a:gridCol w="1164566">
+                <a:gridCol w="1195430">
                   <a:extLst>
                     <a:ext uri="{9D8B030D-6E8A-4147-A177-3AD203B41FA5}">
-                      <a16:colId xmlns:a16="http://schemas.microsoft.com/office/drawing/2014/main" val="785569071"/>
+                      <a16:colId xmlns:a16="http://schemas.microsoft.com/office/drawing/2014/main" val="294174165"/>
                     </a:ext>
                   </a:extLst>
                 </a:gridCol>
-                <a:gridCol w="1864787">
+                <a:gridCol w="1597853">
                   <a:extLst>
                     <a:ext uri="{9D8B030D-6E8A-4147-A177-3AD203B41FA5}">
-                      <a16:colId xmlns:a16="http://schemas.microsoft.com/office/drawing/2014/main" val="2834985268"/>
+                      <a16:colId xmlns:a16="http://schemas.microsoft.com/office/drawing/2014/main" val="2678101776"/>
                     </a:ext>
                   </a:extLst>
                 </a:gridCol>
-                <a:gridCol w="1644970">
+                <a:gridCol w="2224767">
                   <a:extLst>
                     <a:ext uri="{9D8B030D-6E8A-4147-A177-3AD203B41FA5}">
-                      <a16:colId xmlns:a16="http://schemas.microsoft.com/office/drawing/2014/main" val="751340408"/>
+                      <a16:colId xmlns:a16="http://schemas.microsoft.com/office/drawing/2014/main" val="1903016084"/>
                     </a:ext>
                   </a:extLst>
                 </a:gridCol>
-                <a:gridCol w="917075">
+                <a:gridCol w="947268">
                   <a:extLst>
                     <a:ext uri="{9D8B030D-6E8A-4147-A177-3AD203B41FA5}">
-                      <a16:colId xmlns:a16="http://schemas.microsoft.com/office/drawing/2014/main" val="3058362226"/>
+                      <a16:colId xmlns:a16="http://schemas.microsoft.com/office/drawing/2014/main" val="3523609534"/>
                     </a:ext>
                   </a:extLst>
                 </a:gridCol>
-                <a:gridCol w="2013711">
+                <a:gridCol w="2130469">
                   <a:extLst>
                     <a:ext uri="{9D8B030D-6E8A-4147-A177-3AD203B41FA5}">
-                      <a16:colId xmlns:a16="http://schemas.microsoft.com/office/drawing/2014/main" val="1592631410"/>
+                      <a16:colId xmlns:a16="http://schemas.microsoft.com/office/drawing/2014/main" val="1966663824"/>
                     </a:ext>
                   </a:extLst>
                 </a:gridCol>
               </a:tblGrid>
-              <a:tr h="452276">
+              <a:tr h="310503">
                 <a:tc>
                   <a:txBody>
                     <a:bodyPr/>
@@ -14891,12 +13779,12 @@
                         </a:tabLst>
                       </a:pPr>
                       <a:r>
-                        <a:rPr lang="fr-FR" sz="1600">
+                        <a:rPr lang="fr-FR" sz="1600" dirty="0">
                           <a:effectLst/>
                         </a:rPr>
-                        <a:t>Travail pratique</a:t>
+                        <a:t>TP/Quiz</a:t>
                       </a:r>
-                      <a:endParaRPr lang="en-US" sz="1600">
+                      <a:endParaRPr lang="en-US" sz="1600" dirty="0">
                         <a:solidFill>
                           <a:srgbClr val="00000A"/>
                         </a:solidFill>
@@ -14907,7 +13795,7 @@
                       </a:endParaRPr>
                     </a:p>
                   </a:txBody>
-                  <a:tcPr marL="27762" marR="27762" marT="0" marB="0"/>
+                  <a:tcPr marL="62089" marR="62089" marT="0" marB="0"/>
                 </a:tc>
                 <a:tc>
                   <a:txBody>
@@ -14928,12 +13816,12 @@
                         </a:tabLst>
                       </a:pPr>
                       <a:r>
-                        <a:rPr lang="fr-CA" sz="1600">
+                        <a:rPr lang="fr-CA" sz="1600" dirty="0">
                           <a:effectLst/>
                         </a:rPr>
-                        <a:t>Publication de l’énoncé</a:t>
+                        <a:t>Énoncé</a:t>
                       </a:r>
-                      <a:endParaRPr lang="en-US" sz="1600" b="1">
+                      <a:endParaRPr lang="en-US" sz="1600" b="1" dirty="0">
                         <a:effectLst/>
                         <a:latin typeface="Times New Roman" panose="02020603050405020304" pitchFamily="18" charset="0"/>
                         <a:ea typeface="Times New Roman" panose="02020603050405020304" pitchFamily="18" charset="0"/>
@@ -14941,7 +13829,7 @@
                       </a:endParaRPr>
                     </a:p>
                   </a:txBody>
-                  <a:tcPr marL="27762" marR="27762" marT="0" marB="0"/>
+                  <a:tcPr marL="62089" marR="62089" marT="0" marB="0"/>
                 </a:tc>
                 <a:tc>
                   <a:txBody>
@@ -14962,12 +13850,12 @@
                         </a:tabLst>
                       </a:pPr>
                       <a:r>
-                        <a:rPr lang="en-CA" sz="1600">
+                        <a:rPr lang="en-CA" sz="1600" dirty="0">
                           <a:effectLst/>
                         </a:rPr>
-                        <a:t>Date limite de remise</a:t>
+                        <a:t>Remise</a:t>
                       </a:r>
-                      <a:endParaRPr lang="en-US" sz="1600" b="1">
+                      <a:endParaRPr lang="en-US" sz="1600" b="1" dirty="0">
                         <a:effectLst/>
                         <a:latin typeface="Times New Roman" panose="02020603050405020304" pitchFamily="18" charset="0"/>
                         <a:ea typeface="Times New Roman" panose="02020603050405020304" pitchFamily="18" charset="0"/>
@@ -14975,7 +13863,7 @@
                       </a:endParaRPr>
                     </a:p>
                   </a:txBody>
-                  <a:tcPr marL="27762" marR="27762" marT="0" marB="0"/>
+                  <a:tcPr marL="62089" marR="62089" marT="0" marB="0"/>
                 </a:tc>
                 <a:tc>
                   <a:txBody>
@@ -14996,12 +13884,12 @@
                         </a:tabLst>
                       </a:pPr>
                       <a:r>
-                        <a:rPr lang="fr-CA" sz="1600">
+                        <a:rPr lang="fr-CA" sz="1600" dirty="0">
                           <a:effectLst/>
                         </a:rPr>
-                        <a:t>Pondération</a:t>
+                        <a:t>Poids</a:t>
                       </a:r>
-                      <a:endParaRPr lang="en-US" sz="1600" b="1">
+                      <a:endParaRPr lang="en-US" sz="1600" b="1" dirty="0">
                         <a:effectLst/>
                         <a:latin typeface="Times New Roman" panose="02020603050405020304" pitchFamily="18" charset="0"/>
                         <a:ea typeface="Times New Roman" panose="02020603050405020304" pitchFamily="18" charset="0"/>
@@ -15009,7 +13897,7 @@
                       </a:endParaRPr>
                     </a:p>
                   </a:txBody>
-                  <a:tcPr marL="27762" marR="27762" marT="0" marB="0"/>
+                  <a:tcPr marL="62089" marR="62089" marT="0" marB="0"/>
                 </a:tc>
                 <a:tc>
                   <a:txBody>
@@ -15030,12 +13918,12 @@
                         </a:tabLst>
                       </a:pPr>
                       <a:r>
-                        <a:rPr lang="fr-CA" sz="1600">
+                        <a:rPr lang="fr-CA" sz="1600" dirty="0">
                           <a:effectLst/>
                         </a:rPr>
                         <a:t>Sujet</a:t>
                       </a:r>
-                      <a:endParaRPr lang="en-US" sz="1600" b="1">
+                      <a:endParaRPr lang="en-US" sz="1600" b="1" dirty="0">
                         <a:effectLst/>
                         <a:latin typeface="Times New Roman" panose="02020603050405020304" pitchFamily="18" charset="0"/>
                         <a:ea typeface="Times New Roman" panose="02020603050405020304" pitchFamily="18" charset="0"/>
@@ -15043,15 +13931,15 @@
                       </a:endParaRPr>
                     </a:p>
                   </a:txBody>
-                  <a:tcPr marL="27762" marR="27762" marT="0" marB="0"/>
+                  <a:tcPr marL="62089" marR="62089" marT="0" marB="0"/>
                 </a:tc>
                 <a:extLst>
                   <a:ext uri="{0D108BD9-81ED-4DB2-BD59-A6C34878D82A}">
-                    <a16:rowId xmlns:a16="http://schemas.microsoft.com/office/drawing/2014/main" val="557788317"/>
+                    <a16:rowId xmlns:a16="http://schemas.microsoft.com/office/drawing/2014/main" val="38668393"/>
                   </a:ext>
                 </a:extLst>
               </a:tr>
-              <a:tr h="452276">
+              <a:tr h="453302">
                 <a:tc>
                   <a:txBody>
                     <a:bodyPr/>
@@ -15084,16 +13972,16 @@
                       </a:endParaRPr>
                     </a:p>
                   </a:txBody>
-                  <a:tcPr marL="27762" marR="27762" marT="0" marB="0"/>
+                  <a:tcPr marL="62089" marR="62089" marT="0" marB="0"/>
                 </a:tc>
                 <a:tc>
                   <a:txBody>
                     <a:bodyPr/>
                     <a:lstStyle/>
                     <a:p>
-                      <a:pPr marL="457200" indent="-228600" algn="l">
+                      <a:pPr marL="0" indent="0" algn="l">
                         <a:spcBef>
-                          <a:spcPts val="600"/>
+                          <a:spcPts val="0"/>
                         </a:spcBef>
                         <a:spcAft>
                           <a:spcPts val="0"/>
@@ -15105,12 +13993,18 @@
                         </a:tabLst>
                       </a:pPr>
                       <a:r>
-                        <a:rPr lang="en-CA" sz="1600">
+                        <a:rPr lang="en-CA" sz="1600" dirty="0">
                           <a:effectLst/>
                         </a:rPr>
-                        <a:t>Vendredi 6 janvier</a:t>
+                        <a:t>Mardi 2 </a:t>
                       </a:r>
-                      <a:endParaRPr lang="en-US" sz="1600" b="1">
+                      <a:r>
+                        <a:rPr lang="en-CA" sz="1600" dirty="0" err="1">
+                          <a:effectLst/>
+                        </a:rPr>
+                        <a:t>mai</a:t>
+                      </a:r>
+                      <a:endParaRPr lang="en-US" sz="1600" b="1" dirty="0">
                         <a:effectLst/>
                         <a:latin typeface="Times New Roman" panose="02020603050405020304" pitchFamily="18" charset="0"/>
                         <a:ea typeface="Times New Roman" panose="02020603050405020304" pitchFamily="18" charset="0"/>
@@ -15118,16 +14012,16 @@
                       </a:endParaRPr>
                     </a:p>
                   </a:txBody>
-                  <a:tcPr marL="27762" marR="27762" marT="0" marB="0"/>
+                  <a:tcPr marL="62089" marR="62089" marT="0" marB="0"/>
                 </a:tc>
                 <a:tc>
                   <a:txBody>
                     <a:bodyPr/>
                     <a:lstStyle/>
                     <a:p>
-                      <a:pPr marL="457200" indent="-228600" algn="l">
+                      <a:pPr marL="0" indent="0" algn="l">
                         <a:spcBef>
-                          <a:spcPts val="600"/>
+                          <a:spcPts val="0"/>
                         </a:spcBef>
                         <a:spcAft>
                           <a:spcPts val="0"/>
@@ -15142,7 +14036,7 @@
                         <a:rPr lang="fr-CA" sz="1600">
                           <a:effectLst/>
                         </a:rPr>
-                        <a:t>Jeudi 19 janvier à minuit</a:t>
+                        <a:t>Mardi 16 mai à minuit</a:t>
                       </a:r>
                       <a:endParaRPr lang="en-US" sz="1600" b="1">
                         <a:effectLst/>
@@ -15152,7 +14046,7 @@
                       </a:endParaRPr>
                     </a:p>
                   </a:txBody>
-                  <a:tcPr marL="27762" marR="27762" marT="0" marB="0"/>
+                  <a:tcPr marL="62089" marR="62089" marT="0" marB="0"/>
                 </a:tc>
                 <a:tc>
                   <a:txBody>
@@ -15186,16 +14080,16 @@
                       </a:endParaRPr>
                     </a:p>
                   </a:txBody>
-                  <a:tcPr marL="27762" marR="27762" marT="0" marB="0"/>
+                  <a:tcPr marL="62089" marR="62089" marT="0" marB="0"/>
                 </a:tc>
                 <a:tc>
                   <a:txBody>
                     <a:bodyPr/>
                     <a:lstStyle/>
                     <a:p>
-                      <a:pPr marL="457200" indent="-228600" algn="l">
+                      <a:pPr marL="0" indent="0" algn="l">
                         <a:spcBef>
-                          <a:spcPts val="600"/>
+                          <a:spcPts val="0"/>
                         </a:spcBef>
                         <a:spcAft>
                           <a:spcPts val="0"/>
@@ -15207,12 +14101,12 @@
                         </a:tabLst>
                       </a:pPr>
                       <a:r>
-                        <a:rPr lang="en-CA" sz="1600">
+                        <a:rPr lang="en-CA" sz="1600" dirty="0">
                           <a:effectLst/>
                         </a:rPr>
                         <a:t>Perceptron</a:t>
                       </a:r>
-                      <a:endParaRPr lang="en-US" sz="1600" b="1">
+                      <a:endParaRPr lang="en-US" sz="1600" b="1" dirty="0">
                         <a:effectLst/>
                         <a:latin typeface="Times New Roman" panose="02020603050405020304" pitchFamily="18" charset="0"/>
                         <a:ea typeface="Times New Roman" panose="02020603050405020304" pitchFamily="18" charset="0"/>
@@ -15220,15 +14114,15 @@
                       </a:endParaRPr>
                     </a:p>
                   </a:txBody>
-                  <a:tcPr marL="27762" marR="27762" marT="0" marB="0"/>
+                  <a:tcPr marL="62089" marR="62089" marT="0" marB="0"/>
                 </a:tc>
                 <a:extLst>
                   <a:ext uri="{0D108BD9-81ED-4DB2-BD59-A6C34878D82A}">
-                    <a16:rowId xmlns:a16="http://schemas.microsoft.com/office/drawing/2014/main" val="1978515613"/>
+                    <a16:rowId xmlns:a16="http://schemas.microsoft.com/office/drawing/2014/main" val="686342160"/>
                   </a:ext>
                 </a:extLst>
               </a:tr>
-              <a:tr h="452276">
+              <a:tr h="453302">
                 <a:tc>
                   <a:txBody>
                     <a:bodyPr/>
@@ -15261,16 +14155,16 @@
                       </a:endParaRPr>
                     </a:p>
                   </a:txBody>
-                  <a:tcPr marL="27762" marR="27762" marT="0" marB="0"/>
+                  <a:tcPr marL="62089" marR="62089" marT="0" marB="0"/>
                 </a:tc>
                 <a:tc>
                   <a:txBody>
                     <a:bodyPr/>
                     <a:lstStyle/>
                     <a:p>
-                      <a:pPr marL="457200" indent="-228600" algn="l">
+                      <a:pPr marL="0" indent="0" algn="l">
                         <a:spcBef>
-                          <a:spcPts val="600"/>
+                          <a:spcPts val="0"/>
                         </a:spcBef>
                         <a:spcAft>
                           <a:spcPts val="0"/>
@@ -15282,12 +14176,18 @@
                         </a:tabLst>
                       </a:pPr>
                       <a:r>
-                        <a:rPr lang="en-CA" sz="1600">
+                        <a:rPr lang="en-CA" sz="1600" dirty="0">
                           <a:effectLst/>
                         </a:rPr>
-                        <a:t>Vendredi 20 janvier</a:t>
+                        <a:t>Mardi 16 </a:t>
                       </a:r>
-                      <a:endParaRPr lang="en-US" sz="1600" b="1">
+                      <a:r>
+                        <a:rPr lang="en-CA" sz="1600" dirty="0" err="1">
+                          <a:effectLst/>
+                        </a:rPr>
+                        <a:t>janvier</a:t>
+                      </a:r>
+                      <a:endParaRPr lang="en-US" sz="1600" b="1" dirty="0">
                         <a:effectLst/>
                         <a:latin typeface="Times New Roman" panose="02020603050405020304" pitchFamily="18" charset="0"/>
                         <a:ea typeface="Times New Roman" panose="02020603050405020304" pitchFamily="18" charset="0"/>
@@ -15295,16 +14195,16 @@
                       </a:endParaRPr>
                     </a:p>
                   </a:txBody>
-                  <a:tcPr marL="27762" marR="27762" marT="0" marB="0"/>
+                  <a:tcPr marL="62089" marR="62089" marT="0" marB="0"/>
                 </a:tc>
                 <a:tc>
                   <a:txBody>
                     <a:bodyPr/>
                     <a:lstStyle/>
                     <a:p>
-                      <a:pPr marL="457200" indent="-228600" algn="l">
+                      <a:pPr marL="0" indent="0" algn="l">
                         <a:spcBef>
-                          <a:spcPts val="600"/>
+                          <a:spcPts val="0"/>
                         </a:spcBef>
                         <a:spcAft>
                           <a:spcPts val="0"/>
@@ -15319,7 +14219,7 @@
                         <a:rPr lang="fr-CA" sz="1600">
                           <a:effectLst/>
                         </a:rPr>
-                        <a:t>Jeudi 9 février à minuit</a:t>
+                        <a:t>Matrdi 23 mai à minuit</a:t>
                       </a:r>
                       <a:endParaRPr lang="en-US" sz="1600" b="1">
                         <a:effectLst/>
@@ -15329,7 +14229,7 @@
                       </a:endParaRPr>
                     </a:p>
                   </a:txBody>
-                  <a:tcPr marL="27762" marR="27762" marT="0" marB="0"/>
+                  <a:tcPr marL="62089" marR="62089" marT="0" marB="0"/>
                 </a:tc>
                 <a:tc>
                   <a:txBody>
@@ -15363,16 +14263,16 @@
                       </a:endParaRPr>
                     </a:p>
                   </a:txBody>
-                  <a:tcPr marL="27762" marR="27762" marT="0" marB="0"/>
+                  <a:tcPr marL="62089" marR="62089" marT="0" marB="0"/>
                 </a:tc>
                 <a:tc>
                   <a:txBody>
                     <a:bodyPr/>
                     <a:lstStyle/>
                     <a:p>
-                      <a:pPr marL="457200" indent="-228600" algn="l">
+                      <a:pPr marL="0" indent="0" algn="l">
                         <a:spcBef>
-                          <a:spcPts val="600"/>
+                          <a:spcPts val="0"/>
                         </a:spcBef>
                         <a:spcAft>
                           <a:spcPts val="0"/>
@@ -15384,18 +14284,18 @@
                         </a:tabLst>
                       </a:pPr>
                       <a:r>
-                        <a:rPr lang="fr-CA" sz="1600">
+                        <a:rPr lang="fr-CA" sz="1600" dirty="0">
                           <a:effectLst/>
                         </a:rPr>
                         <a:t>Réseaux</a:t>
                       </a:r>
                       <a:r>
-                        <a:rPr lang="en-CA" sz="1600">
+                        <a:rPr lang="en-CA" sz="1600" dirty="0">
                           <a:effectLst/>
                         </a:rPr>
                         <a:t> de neurones</a:t>
                       </a:r>
-                      <a:endParaRPr lang="en-US" sz="1600" b="1">
+                      <a:endParaRPr lang="en-US" sz="1600" b="1" dirty="0">
                         <a:effectLst/>
                         <a:latin typeface="Times New Roman" panose="02020603050405020304" pitchFamily="18" charset="0"/>
                         <a:ea typeface="Times New Roman" panose="02020603050405020304" pitchFamily="18" charset="0"/>
@@ -15403,15 +14303,15 @@
                       </a:endParaRPr>
                     </a:p>
                   </a:txBody>
-                  <a:tcPr marL="27762" marR="27762" marT="0" marB="0"/>
+                  <a:tcPr marL="62089" marR="62089" marT="0" marB="0"/>
                 </a:tc>
                 <a:extLst>
                   <a:ext uri="{0D108BD9-81ED-4DB2-BD59-A6C34878D82A}">
-                    <a16:rowId xmlns:a16="http://schemas.microsoft.com/office/drawing/2014/main" val="1411045141"/>
+                    <a16:rowId xmlns:a16="http://schemas.microsoft.com/office/drawing/2014/main" val="2698153683"/>
                   </a:ext>
                 </a:extLst>
               </a:tr>
-              <a:tr h="452276">
+              <a:tr h="453302">
                 <a:tc>
                   <a:txBody>
                     <a:bodyPr/>
@@ -15444,16 +14344,50 @@
                       </a:endParaRPr>
                     </a:p>
                   </a:txBody>
-                  <a:tcPr marL="27762" marR="27762" marT="0" marB="0" anchor="ctr"/>
+                  <a:tcPr marL="62089" marR="62089" marT="0" marB="0" anchor="ctr"/>
                 </a:tc>
                 <a:tc>
                   <a:txBody>
                     <a:bodyPr/>
                     <a:lstStyle/>
                     <a:p>
-                      <a:pPr marL="457200" indent="-228600" algn="l">
+                      <a:pPr marL="0" indent="0" algn="l">
                         <a:spcBef>
-                          <a:spcPts val="600"/>
+                          <a:spcPts val="0"/>
+                        </a:spcBef>
+                        <a:spcAft>
+                          <a:spcPts val="0"/>
+                        </a:spcAft>
+                        <a:tabLst>
+                          <a:tab pos="274320" algn="l"/>
+                          <a:tab pos="457200" algn="l"/>
+                          <a:tab pos="274320" algn="l"/>
+                        </a:tabLst>
+                      </a:pPr>
+                      <a:r>
+                        <a:rPr lang="fr-CA" sz="1600" dirty="0">
+                          <a:effectLst/>
+                        </a:rPr>
+                        <a:t>Mardi 23 mai</a:t>
+                      </a:r>
+                      <a:endParaRPr lang="en-US" sz="1600" b="1" dirty="0">
+                        <a:effectLst/>
+                        <a:latin typeface="Times New Roman" panose="02020603050405020304" pitchFamily="18" charset="0"/>
+                        <a:ea typeface="Times New Roman" panose="02020603050405020304" pitchFamily="18" charset="0"/>
+                        <a:cs typeface="Calibri" panose="020F0502020204030204" pitchFamily="34" charset="0"/>
+                      </a:endParaRPr>
+                    </a:p>
+                  </a:txBody>
+                  <a:tcPr marL="62089" marR="62089" marT="0" marB="0" anchor="ctr"/>
+                </a:tc>
+                <a:tc>
+                  <a:txBody>
+                    <a:bodyPr/>
+                    <a:lstStyle/>
+                    <a:p>
+                      <a:pPr marL="0" indent="0" algn="l">
+                        <a:spcBef>
+                          <a:spcPts val="0"/>
                         </a:spcBef>
                         <a:spcAft>
                           <a:spcPts val="0"/>
@@ -15468,7 +14402,7 @@
                         <a:rPr lang="fr-CA" sz="1600">
                           <a:effectLst/>
                         </a:rPr>
-                        <a:t>Vendredi 27 janvier</a:t>
+                        <a:t>Mardi 6 juin à minuit</a:t>
                       </a:r>
                       <a:endParaRPr lang="en-US" sz="1600" b="1">
                         <a:effectLst/>
@@ -15478,41 +14412,7 @@
                       </a:endParaRPr>
                     </a:p>
                   </a:txBody>
-                  <a:tcPr marL="27762" marR="27762" marT="0" marB="0" anchor="ctr"/>
-                </a:tc>
-                <a:tc>
-                  <a:txBody>
-                    <a:bodyPr/>
-                    <a:lstStyle/>
-                    <a:p>
-                      <a:pPr marL="457200" indent="-228600" algn="l">
-                        <a:spcBef>
-                          <a:spcPts val="600"/>
-                        </a:spcBef>
-                        <a:spcAft>
-                          <a:spcPts val="0"/>
-                        </a:spcAft>
-                        <a:tabLst>
-                          <a:tab pos="274320" algn="l"/>
-                          <a:tab pos="457200" algn="l"/>
-                          <a:tab pos="274320" algn="l"/>
-                        </a:tabLst>
-                      </a:pPr>
-                      <a:r>
-                        <a:rPr lang="fr-CA" sz="1600">
-                          <a:effectLst/>
-                        </a:rPr>
-                        <a:t>Jeudi 9 février à minuit</a:t>
-                      </a:r>
-                      <a:endParaRPr lang="en-US" sz="1600" b="1">
-                        <a:effectLst/>
-                        <a:latin typeface="Times New Roman" panose="02020603050405020304" pitchFamily="18" charset="0"/>
-                        <a:ea typeface="Times New Roman" panose="02020603050405020304" pitchFamily="18" charset="0"/>
-                        <a:cs typeface="Calibri" panose="020F0502020204030204" pitchFamily="34" charset="0"/>
-                      </a:endParaRPr>
-                    </a:p>
-                  </a:txBody>
-                  <a:tcPr marL="27762" marR="27762" marT="0" marB="0" anchor="ctr"/>
+                  <a:tcPr marL="62089" marR="62089" marT="0" marB="0" anchor="ctr"/>
                 </a:tc>
                 <a:tc>
                   <a:txBody>
@@ -15546,16 +14446,16 @@
                       </a:endParaRPr>
                     </a:p>
                   </a:txBody>
-                  <a:tcPr marL="27762" marR="27762" marT="0" marB="0" anchor="ctr"/>
+                  <a:tcPr marL="62089" marR="62089" marT="0" marB="0" anchor="ctr"/>
                 </a:tc>
                 <a:tc>
                   <a:txBody>
                     <a:bodyPr/>
                     <a:lstStyle/>
                     <a:p>
-                      <a:pPr marL="457200" indent="-228600" algn="l">
+                      <a:pPr marL="0" indent="0" algn="l">
                         <a:spcBef>
-                          <a:spcPts val="600"/>
+                          <a:spcPts val="0"/>
                         </a:spcBef>
                         <a:spcAft>
                           <a:spcPts val="0"/>
@@ -15567,12 +14467,12 @@
                         </a:tabLst>
                       </a:pPr>
                       <a:r>
-                        <a:rPr lang="fr-CA" sz="1600">
+                        <a:rPr lang="fr-CA" sz="1600" dirty="0">
                           <a:effectLst/>
                         </a:rPr>
                         <a:t>Arbres de décision</a:t>
                       </a:r>
-                      <a:endParaRPr lang="en-US" sz="1600" b="1">
+                      <a:endParaRPr lang="en-US" sz="1600" b="1" dirty="0">
                         <a:effectLst/>
                         <a:latin typeface="Times New Roman" panose="02020603050405020304" pitchFamily="18" charset="0"/>
                         <a:ea typeface="Times New Roman" panose="02020603050405020304" pitchFamily="18" charset="0"/>
@@ -15580,15 +14480,15 @@
                       </a:endParaRPr>
                     </a:p>
                   </a:txBody>
-                  <a:tcPr marL="27762" marR="27762" marT="0" marB="0" anchor="ctr"/>
+                  <a:tcPr marL="62089" marR="62089" marT="0" marB="0" anchor="ctr"/>
                 </a:tc>
                 <a:extLst>
                   <a:ext uri="{0D108BD9-81ED-4DB2-BD59-A6C34878D82A}">
-                    <a16:rowId xmlns:a16="http://schemas.microsoft.com/office/drawing/2014/main" val="3332796616"/>
+                    <a16:rowId xmlns:a16="http://schemas.microsoft.com/office/drawing/2014/main" val="3925988629"/>
                   </a:ext>
                 </a:extLst>
               </a:tr>
-              <a:tr h="452276">
+              <a:tr h="472321">
                 <a:tc>
                   <a:txBody>
                     <a:bodyPr/>
@@ -15621,16 +14521,16 @@
                       </a:endParaRPr>
                     </a:p>
                   </a:txBody>
-                  <a:tcPr marL="27762" marR="27762" marT="0" marB="0"/>
+                  <a:tcPr marL="62089" marR="62089" marT="0" marB="0"/>
                 </a:tc>
                 <a:tc>
                   <a:txBody>
                     <a:bodyPr/>
                     <a:lstStyle/>
                     <a:p>
-                      <a:pPr marL="457200" indent="-228600" algn="l">
+                      <a:pPr marL="0" indent="0" algn="l">
                         <a:spcBef>
-                          <a:spcPts val="600"/>
+                          <a:spcPts val="0"/>
                         </a:spcBef>
                         <a:spcAft>
                           <a:spcPts val="0"/>
@@ -15645,7 +14545,7 @@
                         <a:rPr lang="fr-CA" sz="1600">
                           <a:effectLst/>
                         </a:rPr>
-                        <a:t>Jeudi 9 février</a:t>
+                        <a:t>Lundi 6 juin</a:t>
                       </a:r>
                       <a:endParaRPr lang="en-US" sz="1600" b="1">
                         <a:effectLst/>
@@ -15655,16 +14555,16 @@
                       </a:endParaRPr>
                     </a:p>
                   </a:txBody>
-                  <a:tcPr marL="27762" marR="27762" marT="0" marB="0"/>
+                  <a:tcPr marL="62089" marR="62089" marT="0" marB="0"/>
                 </a:tc>
                 <a:tc>
                   <a:txBody>
                     <a:bodyPr/>
                     <a:lstStyle/>
                     <a:p>
-                      <a:pPr marL="457200" indent="-228600" algn="l">
+                      <a:pPr marL="0" indent="0" algn="l">
                         <a:spcBef>
-                          <a:spcPts val="600"/>
+                          <a:spcPts val="0"/>
                         </a:spcBef>
                         <a:spcAft>
                           <a:spcPts val="0"/>
@@ -15679,7 +14579,7 @@
                         <a:rPr lang="fr-CA" sz="1600">
                           <a:effectLst/>
                         </a:rPr>
-                        <a:t>Jeudi 16 mars à minuit</a:t>
+                        <a:t>Mardi 4 juillet à minuit</a:t>
                       </a:r>
                       <a:endParaRPr lang="en-US" sz="1600" b="1">
                         <a:effectLst/>
@@ -15689,7 +14589,7 @@
                       </a:endParaRPr>
                     </a:p>
                   </a:txBody>
-                  <a:tcPr marL="27762" marR="27762" marT="0" marB="0"/>
+                  <a:tcPr marL="62089" marR="62089" marT="0" marB="0"/>
                 </a:tc>
                 <a:tc>
                   <a:txBody>
@@ -15723,16 +14623,16 @@
                       </a:endParaRPr>
                     </a:p>
                   </a:txBody>
-                  <a:tcPr marL="27762" marR="27762" marT="0" marB="0"/>
+                  <a:tcPr marL="62089" marR="62089" marT="0" marB="0"/>
                 </a:tc>
                 <a:tc>
                   <a:txBody>
                     <a:bodyPr/>
                     <a:lstStyle/>
                     <a:p>
-                      <a:pPr marL="457200" indent="-228600" algn="l">
+                      <a:pPr marL="0" indent="0" algn="l">
                         <a:spcBef>
-                          <a:spcPts val="600"/>
+                          <a:spcPts val="0"/>
                         </a:spcBef>
                         <a:spcAft>
                           <a:spcPts val="0"/>
@@ -15744,12 +14644,12 @@
                         </a:tabLst>
                       </a:pPr>
                       <a:r>
-                        <a:rPr lang="fr-CA" sz="1600">
+                        <a:rPr lang="fr-CA" sz="1600" dirty="0">
                           <a:effectLst/>
                         </a:rPr>
                         <a:t>Inférences probabilistes</a:t>
                       </a:r>
-                      <a:endParaRPr lang="en-US" sz="1600" b="1">
+                      <a:endParaRPr lang="en-US" sz="1600" b="1" dirty="0">
                         <a:effectLst/>
                         <a:latin typeface="Times New Roman" panose="02020603050405020304" pitchFamily="18" charset="0"/>
                         <a:ea typeface="Times New Roman" panose="02020603050405020304" pitchFamily="18" charset="0"/>
@@ -15757,15 +14657,15 @@
                       </a:endParaRPr>
                     </a:p>
                   </a:txBody>
-                  <a:tcPr marL="27762" marR="27762" marT="0" marB="0"/>
+                  <a:tcPr marL="62089" marR="62089" marT="0" marB="0"/>
                 </a:tc>
                 <a:extLst>
                   <a:ext uri="{0D108BD9-81ED-4DB2-BD59-A6C34878D82A}">
-                    <a16:rowId xmlns:a16="http://schemas.microsoft.com/office/drawing/2014/main" val="4249845044"/>
+                    <a16:rowId xmlns:a16="http://schemas.microsoft.com/office/drawing/2014/main" val="265910386"/>
                   </a:ext>
                 </a:extLst>
               </a:tr>
-              <a:tr h="452276">
+              <a:tr h="486737">
                 <a:tc>
                   <a:txBody>
                     <a:bodyPr/>
@@ -15798,16 +14698,16 @@
                       </a:endParaRPr>
                     </a:p>
                   </a:txBody>
-                  <a:tcPr marL="27762" marR="27762" marT="0" marB="0"/>
+                  <a:tcPr marL="62089" marR="62089" marT="0" marB="0"/>
                 </a:tc>
                 <a:tc>
                   <a:txBody>
                     <a:bodyPr/>
                     <a:lstStyle/>
                     <a:p>
-                      <a:pPr marL="457200" indent="-228600" algn="l">
+                      <a:pPr marL="0" indent="0" algn="l">
                         <a:spcBef>
-                          <a:spcPts val="600"/>
+                          <a:spcPts val="0"/>
                         </a:spcBef>
                         <a:spcAft>
                           <a:spcPts val="0"/>
@@ -15822,7 +14722,7 @@
                         <a:rPr lang="fr-CA" sz="1600">
                           <a:effectLst/>
                         </a:rPr>
-                        <a:t>Vendredi 16 mars</a:t>
+                        <a:t>Lundi 3 juillet</a:t>
                       </a:r>
                       <a:endParaRPr lang="en-US" sz="1600" b="1">
                         <a:effectLst/>
@@ -15832,16 +14732,16 @@
                       </a:endParaRPr>
                     </a:p>
                   </a:txBody>
-                  <a:tcPr marL="27762" marR="27762" marT="0" marB="0"/>
+                  <a:tcPr marL="62089" marR="62089" marT="0" marB="0"/>
                 </a:tc>
                 <a:tc>
                   <a:txBody>
                     <a:bodyPr/>
                     <a:lstStyle/>
                     <a:p>
-                      <a:pPr marL="457200" indent="-228600" algn="l">
+                      <a:pPr marL="0" indent="0" algn="l">
                         <a:spcBef>
-                          <a:spcPts val="600"/>
+                          <a:spcPts val="0"/>
                         </a:spcBef>
                         <a:spcAft>
                           <a:spcPts val="0"/>
@@ -15853,12 +14753,12 @@
                         </a:tabLst>
                       </a:pPr>
                       <a:r>
-                        <a:rPr lang="fr-CA" sz="1600">
+                        <a:rPr lang="fr-CA" sz="1600" dirty="0">
                           <a:effectLst/>
                         </a:rPr>
-                        <a:t>Jeudi 6 avril à minuit.</a:t>
+                        <a:t>Mardi 17 juillet à minuit</a:t>
                       </a:r>
-                      <a:endParaRPr lang="en-US" sz="1600" b="1">
+                      <a:endParaRPr lang="en-US" sz="1600" b="1" dirty="0">
                         <a:effectLst/>
                         <a:latin typeface="Times New Roman" panose="02020603050405020304" pitchFamily="18" charset="0"/>
                         <a:ea typeface="Times New Roman" panose="02020603050405020304" pitchFamily="18" charset="0"/>
@@ -15866,7 +14766,7 @@
                       </a:endParaRPr>
                     </a:p>
                   </a:txBody>
-                  <a:tcPr marL="27762" marR="27762" marT="0" marB="0"/>
+                  <a:tcPr marL="62089" marR="62089" marT="0" marB="0"/>
                 </a:tc>
                 <a:tc>
                   <a:txBody>
@@ -15900,16 +14800,16 @@
                       </a:endParaRPr>
                     </a:p>
                   </a:txBody>
-                  <a:tcPr marL="27762" marR="27762" marT="0" marB="0"/>
+                  <a:tcPr marL="62089" marR="62089" marT="0" marB="0"/>
                 </a:tc>
                 <a:tc>
                   <a:txBody>
                     <a:bodyPr/>
                     <a:lstStyle/>
                     <a:p>
-                      <a:pPr marL="457200" indent="-228600" algn="l">
+                      <a:pPr marL="0" indent="0" algn="l">
                         <a:spcBef>
-                          <a:spcPts val="600"/>
+                          <a:spcPts val="0"/>
                         </a:spcBef>
                         <a:spcAft>
                           <a:spcPts val="0"/>
@@ -15921,12 +14821,12 @@
                         </a:tabLst>
                       </a:pPr>
                       <a:r>
-                        <a:rPr lang="fr-CA" sz="1600">
+                        <a:rPr lang="fr-CA" sz="1600" dirty="0">
                           <a:effectLst/>
                         </a:rPr>
                         <a:t>Apprentissage par renforcement </a:t>
                       </a:r>
-                      <a:endParaRPr lang="en-US" sz="1600" b="1">
+                      <a:endParaRPr lang="en-US" sz="1600" b="1" dirty="0">
                         <a:effectLst/>
                         <a:latin typeface="Times New Roman" panose="02020603050405020304" pitchFamily="18" charset="0"/>
                         <a:ea typeface="Times New Roman" panose="02020603050405020304" pitchFamily="18" charset="0"/>
@@ -15934,15 +14834,15 @@
                       </a:endParaRPr>
                     </a:p>
                   </a:txBody>
-                  <a:tcPr marL="27762" marR="27762" marT="0" marB="0"/>
+                  <a:tcPr marL="62089" marR="62089" marT="0" marB="0"/>
                 </a:tc>
                 <a:extLst>
                   <a:ext uri="{0D108BD9-81ED-4DB2-BD59-A6C34878D82A}">
-                    <a16:rowId xmlns:a16="http://schemas.microsoft.com/office/drawing/2014/main" val="3876412622"/>
+                    <a16:rowId xmlns:a16="http://schemas.microsoft.com/office/drawing/2014/main" val="3115659761"/>
                   </a:ext>
                 </a:extLst>
               </a:tr>
-              <a:tr h="452276">
+              <a:tr h="486737">
                 <a:tc>
                   <a:txBody>
                     <a:bodyPr/>
@@ -15975,16 +14875,16 @@
                       </a:endParaRPr>
                     </a:p>
                   </a:txBody>
-                  <a:tcPr marL="27762" marR="27762" marT="0" marB="0"/>
+                  <a:tcPr marL="62089" marR="62089" marT="0" marB="0"/>
                 </a:tc>
                 <a:tc>
                   <a:txBody>
                     <a:bodyPr/>
                     <a:lstStyle/>
                     <a:p>
-                      <a:pPr marL="457200" indent="-228600" algn="l">
+                      <a:pPr marL="0" indent="0" algn="l">
                         <a:spcBef>
-                          <a:spcPts val="600"/>
+                          <a:spcPts val="0"/>
                         </a:spcBef>
                         <a:spcAft>
                           <a:spcPts val="0"/>
@@ -15999,7 +14899,7 @@
                         <a:rPr lang="fr-CA" sz="1600">
                           <a:effectLst/>
                         </a:rPr>
-                        <a:t>Jeudi 30 mars</a:t>
+                        <a:t>Mardi 18 juillet</a:t>
                       </a:r>
                       <a:endParaRPr lang="en-US" sz="1600" b="1">
                         <a:effectLst/>
@@ -16009,16 +14909,16 @@
                       </a:endParaRPr>
                     </a:p>
                   </a:txBody>
-                  <a:tcPr marL="27762" marR="27762" marT="0" marB="0"/>
+                  <a:tcPr marL="62089" marR="62089" marT="0" marB="0"/>
                 </a:tc>
                 <a:tc>
                   <a:txBody>
                     <a:bodyPr/>
                     <a:lstStyle/>
                     <a:p>
-                      <a:pPr marL="457200" indent="-228600" algn="l">
+                      <a:pPr marL="0" indent="0" algn="l">
                         <a:spcBef>
-                          <a:spcPts val="600"/>
+                          <a:spcPts val="0"/>
                         </a:spcBef>
                         <a:spcAft>
                           <a:spcPts val="0"/>
@@ -16030,12 +14930,12 @@
                         </a:tabLst>
                       </a:pPr>
                       <a:r>
-                        <a:rPr lang="fr-CA" sz="1600">
+                        <a:rPr lang="fr-CA" sz="1600" dirty="0">
                           <a:effectLst/>
                         </a:rPr>
-                        <a:t>Jeudi 6 avril à minuit</a:t>
+                        <a:t>Mardi 24 juillet à minuit</a:t>
                       </a:r>
-                      <a:endParaRPr lang="en-US" sz="1600" b="1">
+                      <a:endParaRPr lang="en-US" sz="1600" b="1" dirty="0">
                         <a:effectLst/>
                         <a:latin typeface="Times New Roman" panose="02020603050405020304" pitchFamily="18" charset="0"/>
                         <a:ea typeface="Times New Roman" panose="02020603050405020304" pitchFamily="18" charset="0"/>
@@ -16043,7 +14943,7 @@
                       </a:endParaRPr>
                     </a:p>
                   </a:txBody>
-                  <a:tcPr marL="27762" marR="27762" marT="0" marB="0"/>
+                  <a:tcPr marL="62089" marR="62089" marT="0" marB="0"/>
                 </a:tc>
                 <a:tc>
                   <a:txBody>
@@ -16077,16 +14977,16 @@
                       </a:endParaRPr>
                     </a:p>
                   </a:txBody>
-                  <a:tcPr marL="27762" marR="27762" marT="0" marB="0"/>
+                  <a:tcPr marL="62089" marR="62089" marT="0" marB="0"/>
                 </a:tc>
                 <a:tc>
                   <a:txBody>
                     <a:bodyPr/>
                     <a:lstStyle/>
                     <a:p>
-                      <a:pPr marL="457200" indent="-228600" algn="l">
+                      <a:pPr marL="0" indent="0" algn="l">
                         <a:spcBef>
-                          <a:spcPts val="600"/>
+                          <a:spcPts val="0"/>
                         </a:spcBef>
                         <a:spcAft>
                           <a:spcPts val="0"/>
@@ -16098,12 +14998,12 @@
                         </a:tabLst>
                       </a:pPr>
                       <a:r>
-                        <a:rPr lang="fr-CA" sz="1600">
+                        <a:rPr lang="fr-CA" sz="1600" dirty="0">
                           <a:effectLst/>
                         </a:rPr>
                         <a:t>Recherche locale et optimisation</a:t>
                       </a:r>
-                      <a:endParaRPr lang="en-US" sz="1600" b="1">
+                      <a:endParaRPr lang="en-US" sz="1600" b="1" dirty="0">
                         <a:effectLst/>
                         <a:latin typeface="Times New Roman" panose="02020603050405020304" pitchFamily="18" charset="0"/>
                         <a:ea typeface="Times New Roman" panose="02020603050405020304" pitchFamily="18" charset="0"/>
@@ -16111,15 +15011,15 @@
                       </a:endParaRPr>
                     </a:p>
                   </a:txBody>
-                  <a:tcPr marL="27762" marR="27762" marT="0" marB="0"/>
+                  <a:tcPr marL="62089" marR="62089" marT="0" marB="0"/>
                 </a:tc>
                 <a:extLst>
                   <a:ext uri="{0D108BD9-81ED-4DB2-BD59-A6C34878D82A}">
-                    <a16:rowId xmlns:a16="http://schemas.microsoft.com/office/drawing/2014/main" val="3703433184"/>
+                    <a16:rowId xmlns:a16="http://schemas.microsoft.com/office/drawing/2014/main" val="2870474456"/>
                   </a:ext>
                 </a:extLst>
               </a:tr>
-              <a:tr h="452276">
+              <a:tr h="453302">
                 <a:tc>
                   <a:txBody>
                     <a:bodyPr/>
@@ -16152,16 +15052,16 @@
                       </a:endParaRPr>
                     </a:p>
                   </a:txBody>
-                  <a:tcPr marL="27762" marR="27762" marT="0" marB="0"/>
+                  <a:tcPr marL="62089" marR="62089" marT="0" marB="0"/>
                 </a:tc>
                 <a:tc>
                   <a:txBody>
                     <a:bodyPr/>
                     <a:lstStyle/>
                     <a:p>
-                      <a:pPr marL="457200" indent="-228600" algn="l">
+                      <a:pPr marL="0" indent="0" algn="l">
                         <a:spcBef>
-                          <a:spcPts val="600"/>
+                          <a:spcPts val="0"/>
                         </a:spcBef>
                         <a:spcAft>
                           <a:spcPts val="0"/>
@@ -16176,7 +15076,7 @@
                         <a:rPr lang="fr-CA" sz="1600">
                           <a:effectLst/>
                         </a:rPr>
-                        <a:t>Vendredi 24 mars</a:t>
+                        <a:t>Mardi 17 juillet</a:t>
                       </a:r>
                       <a:endParaRPr lang="en-US" sz="1600" b="1">
                         <a:effectLst/>
@@ -16186,16 +15086,16 @@
                       </a:endParaRPr>
                     </a:p>
                   </a:txBody>
-                  <a:tcPr marL="27762" marR="27762" marT="0" marB="0"/>
+                  <a:tcPr marL="62089" marR="62089" marT="0" marB="0"/>
                 </a:tc>
                 <a:tc>
                   <a:txBody>
                     <a:bodyPr/>
                     <a:lstStyle/>
                     <a:p>
-                      <a:pPr marL="457200" indent="-228600" algn="l">
+                      <a:pPr marL="0" indent="0" algn="l">
                         <a:spcBef>
-                          <a:spcPts val="600"/>
+                          <a:spcPts val="0"/>
                         </a:spcBef>
                         <a:spcAft>
                           <a:spcPts val="0"/>
@@ -16207,12 +15107,12 @@
                         </a:tabLst>
                       </a:pPr>
                       <a:r>
-                        <a:rPr lang="fr-CA" sz="1600">
+                        <a:rPr lang="fr-CA" sz="1600" dirty="0">
                           <a:effectLst/>
                         </a:rPr>
-                        <a:t>Jeudi 13 avril à minuit</a:t>
+                        <a:t>Lundi 7 août à minuit</a:t>
                       </a:r>
-                      <a:endParaRPr lang="en-US" sz="1600" b="1">
+                      <a:endParaRPr lang="en-US" sz="1600" b="1" dirty="0">
                         <a:effectLst/>
                         <a:latin typeface="Times New Roman" panose="02020603050405020304" pitchFamily="18" charset="0"/>
                         <a:ea typeface="Times New Roman" panose="02020603050405020304" pitchFamily="18" charset="0"/>
@@ -16220,7 +15120,7 @@
                       </a:endParaRPr>
                     </a:p>
                   </a:txBody>
-                  <a:tcPr marL="27762" marR="27762" marT="0" marB="0"/>
+                  <a:tcPr marL="62089" marR="62089" marT="0" marB="0"/>
                 </a:tc>
                 <a:tc>
                   <a:txBody>
@@ -16254,16 +15154,16 @@
                       </a:endParaRPr>
                     </a:p>
                   </a:txBody>
-                  <a:tcPr marL="27762" marR="27762" marT="0" marB="0"/>
+                  <a:tcPr marL="62089" marR="62089" marT="0" marB="0"/>
                 </a:tc>
                 <a:tc>
                   <a:txBody>
                     <a:bodyPr/>
                     <a:lstStyle/>
                     <a:p>
-                      <a:pPr marL="457200" indent="-228600" algn="l">
+                      <a:pPr marL="0" indent="0" algn="l">
                         <a:spcBef>
-                          <a:spcPts val="600"/>
+                          <a:spcPts val="0"/>
                         </a:spcBef>
                         <a:spcAft>
                           <a:spcPts val="0"/>
@@ -16275,12 +15175,12 @@
                         </a:tabLst>
                       </a:pPr>
                       <a:r>
-                        <a:rPr lang="fr-CA" sz="1600">
+                        <a:rPr lang="fr-CA" sz="1600" dirty="0">
                           <a:effectLst/>
                         </a:rPr>
                         <a:t>Théorie des jeux</a:t>
                       </a:r>
-                      <a:endParaRPr lang="en-US" sz="1600" b="1">
+                      <a:endParaRPr lang="en-US" sz="1600" b="1" dirty="0">
                         <a:effectLst/>
                         <a:latin typeface="Times New Roman" panose="02020603050405020304" pitchFamily="18" charset="0"/>
                         <a:ea typeface="Times New Roman" panose="02020603050405020304" pitchFamily="18" charset="0"/>
@@ -16288,15 +15188,15 @@
                       </a:endParaRPr>
                     </a:p>
                   </a:txBody>
-                  <a:tcPr marL="27762" marR="27762" marT="0" marB="0"/>
+                  <a:tcPr marL="62089" marR="62089" marT="0" marB="0"/>
                 </a:tc>
                 <a:extLst>
                   <a:ext uri="{0D108BD9-81ED-4DB2-BD59-A6C34878D82A}">
-                    <a16:rowId xmlns:a16="http://schemas.microsoft.com/office/drawing/2014/main" val="4105631950"/>
+                    <a16:rowId xmlns:a16="http://schemas.microsoft.com/office/drawing/2014/main" val="2808709727"/>
                   </a:ext>
                 </a:extLst>
               </a:tr>
-              <a:tr h="452276">
+              <a:tr h="453302">
                 <a:tc>
                   <a:txBody>
                     <a:bodyPr/>
@@ -16329,16 +15229,16 @@
                       </a:endParaRPr>
                     </a:p>
                   </a:txBody>
-                  <a:tcPr marL="27762" marR="27762" marT="0" marB="0"/>
+                  <a:tcPr marL="62089" marR="62089" marT="0" marB="0"/>
                 </a:tc>
                 <a:tc>
                   <a:txBody>
                     <a:bodyPr/>
                     <a:lstStyle/>
                     <a:p>
-                      <a:pPr marL="457200" indent="-228600" algn="l">
+                      <a:pPr marL="0" indent="0" algn="l">
                         <a:spcBef>
-                          <a:spcPts val="600"/>
+                          <a:spcPts val="0"/>
                         </a:spcBef>
                         <a:spcAft>
                           <a:spcPts val="0"/>
@@ -16353,7 +15253,7 @@
                         <a:rPr lang="fr-CA" sz="1600">
                           <a:effectLst/>
                         </a:rPr>
-                        <a:t>Jeudi 6 avril</a:t>
+                        <a:t>Mardi 24 juillet</a:t>
                       </a:r>
                       <a:endParaRPr lang="en-US" sz="1600" b="1">
                         <a:effectLst/>
@@ -16363,16 +15263,16 @@
                       </a:endParaRPr>
                     </a:p>
                   </a:txBody>
-                  <a:tcPr marL="27762" marR="27762" marT="0" marB="0"/>
+                  <a:tcPr marL="62089" marR="62089" marT="0" marB="0"/>
                 </a:tc>
                 <a:tc>
                   <a:txBody>
                     <a:bodyPr/>
                     <a:lstStyle/>
                     <a:p>
-                      <a:pPr marL="457200" indent="-228600" algn="l">
+                      <a:pPr marL="0" indent="0" algn="l">
                         <a:spcBef>
-                          <a:spcPts val="600"/>
+                          <a:spcPts val="0"/>
                         </a:spcBef>
                         <a:spcAft>
                           <a:spcPts val="0"/>
@@ -16384,12 +15284,12 @@
                         </a:tabLst>
                       </a:pPr>
                       <a:r>
-                        <a:rPr lang="fr-CA" sz="1600">
+                        <a:rPr lang="fr-CA" sz="1600" dirty="0">
                           <a:effectLst/>
                         </a:rPr>
-                        <a:t>Lundi 17 avril à minuit</a:t>
+                        <a:t>Lundi 7 août à minuit</a:t>
                       </a:r>
-                      <a:endParaRPr lang="en-US" sz="1600" b="1">
+                      <a:endParaRPr lang="en-US" sz="1600" b="1" dirty="0">
                         <a:effectLst/>
                         <a:latin typeface="Times New Roman" panose="02020603050405020304" pitchFamily="18" charset="0"/>
                         <a:ea typeface="Times New Roman" panose="02020603050405020304" pitchFamily="18" charset="0"/>
@@ -16397,7 +15297,7 @@
                       </a:endParaRPr>
                     </a:p>
                   </a:txBody>
-                  <a:tcPr marL="27762" marR="27762" marT="0" marB="0"/>
+                  <a:tcPr marL="62089" marR="62089" marT="0" marB="0"/>
                 </a:tc>
                 <a:tc>
                   <a:txBody>
@@ -16431,16 +15331,16 @@
                       </a:endParaRPr>
                     </a:p>
                   </a:txBody>
-                  <a:tcPr marL="27762" marR="27762" marT="0" marB="0"/>
+                  <a:tcPr marL="62089" marR="62089" marT="0" marB="0"/>
                 </a:tc>
                 <a:tc>
                   <a:txBody>
                     <a:bodyPr/>
                     <a:lstStyle/>
                     <a:p>
-                      <a:pPr marL="457200" indent="-228600" algn="l">
+                      <a:pPr marL="0" indent="0" algn="l">
                         <a:spcBef>
-                          <a:spcPts val="600"/>
+                          <a:spcPts val="0"/>
                         </a:spcBef>
                         <a:spcAft>
                           <a:spcPts val="0"/>
@@ -16452,12 +15352,12 @@
                         </a:tabLst>
                       </a:pPr>
                       <a:r>
-                        <a:rPr lang="fr-CA" sz="1600">
+                        <a:rPr lang="fr-CA" sz="1600" dirty="0">
                           <a:effectLst/>
                         </a:rPr>
                         <a:t>Raisonnement logique</a:t>
                       </a:r>
-                      <a:endParaRPr lang="en-US" sz="1600" b="1">
+                      <a:endParaRPr lang="en-US" sz="1600" b="1" dirty="0">
                         <a:effectLst/>
                         <a:latin typeface="Times New Roman" panose="02020603050405020304" pitchFamily="18" charset="0"/>
                         <a:ea typeface="Times New Roman" panose="02020603050405020304" pitchFamily="18" charset="0"/>
@@ -16465,11 +15365,11 @@
                       </a:endParaRPr>
                     </a:p>
                   </a:txBody>
-                  <a:tcPr marL="27762" marR="27762" marT="0" marB="0"/>
+                  <a:tcPr marL="62089" marR="62089" marT="0" marB="0"/>
                 </a:tc>
                 <a:extLst>
                   <a:ext uri="{0D108BD9-81ED-4DB2-BD59-A6C34878D82A}">
-                    <a16:rowId xmlns:a16="http://schemas.microsoft.com/office/drawing/2014/main" val="2146738936"/>
+                    <a16:rowId xmlns:a16="http://schemas.microsoft.com/office/drawing/2014/main" val="686335739"/>
                   </a:ext>
                 </a:extLst>
               </a:tr>
@@ -16490,7 +15390,7 @@
 </p:sld>
 </file>
 
-<file path=ppt/slides/slide15.xml><?xml version="1.0" encoding="utf-8"?>
+<file path=ppt/slides/slide14.xml><?xml version="1.0" encoding="utf-8"?>
 <p:sld xmlns:a="http://schemas.openxmlformats.org/drawingml/2006/main" xmlns:r="http://schemas.openxmlformats.org/officeDocument/2006/relationships" xmlns:p="http://schemas.openxmlformats.org/presentationml/2006/main">
   <p:cSld>
     <p:spTree>
@@ -16897,7 +15797,7 @@
                 <a:latin typeface="Calibri" pitchFamily="34" charset="0"/>
               </a:rPr>
               <a:pPr algn="ctr"/>
-              <a:t>15</a:t>
+              <a:t>14</a:t>
             </a:fld>
             <a:endParaRPr lang="en-US" altLang="en-US">
               <a:latin typeface="Calibri" pitchFamily="34" charset="0"/>
@@ -17073,7 +15973,7 @@
 </p:sld>
 </file>
 
-<file path=ppt/slides/slide16.xml><?xml version="1.0" encoding="utf-8"?>
+<file path=ppt/slides/slide15.xml><?xml version="1.0" encoding="utf-8"?>
 <p:sld xmlns:a="http://schemas.openxmlformats.org/drawingml/2006/main" xmlns:r="http://schemas.openxmlformats.org/officeDocument/2006/relationships" xmlns:p="http://schemas.openxmlformats.org/presentationml/2006/main">
   <p:cSld>
     <p:spTree>
@@ -17850,7 +16750,7 @@
                 <a:buFontTx/>
                 <a:buNone/>
               </a:pPr>
-              <a:t>16</a:t>
+              <a:t>15</a:t>
             </a:fld>
             <a:endParaRPr lang="en-US" altLang="ko-KR" sz="1400"/>
           </a:p>
@@ -18880,6 +17780,1128 @@
       </p:grpSpPr>
       <p:sp>
         <p:nvSpPr>
+          <p:cNvPr id="11267" name="Rectangle 3"/>
+          <p:cNvSpPr>
+            <a:spLocks noGrp="1" noChangeArrowheads="1"/>
+          </p:cNvSpPr>
+          <p:nvPr>
+            <p:ph type="title"/>
+          </p:nvPr>
+        </p:nvSpPr>
+        <p:spPr/>
+        <p:txBody>
+          <a:bodyPr/>
+          <a:lstStyle/>
+          <a:p>
+            <a:pPr eaLnBrk="1" hangingPunct="1"/>
+            <a:r>
+              <a:rPr lang="fr-CA" altLang="en-US">
+                <a:latin typeface="Arial" pitchFamily="34" charset="0"/>
+                <a:ea typeface="ＭＳ Ｐゴシック" pitchFamily="34" charset="-128"/>
+              </a:rPr>
+              <a:t>Bot Pacm pour les </a:t>
+            </a:r>
+            <a:r>
+              <a:rPr lang="fr-CA" altLang="en-US" err="1">
+                <a:latin typeface="Arial" pitchFamily="34" charset="0"/>
+                <a:ea typeface="ＭＳ Ｐゴシック" pitchFamily="34" charset="-128"/>
+              </a:rPr>
+              <a:t>TPs</a:t>
+            </a:r>
+            <a:r>
+              <a:rPr lang="fr-CA" altLang="en-US">
+                <a:latin typeface="Arial" pitchFamily="34" charset="0"/>
+                <a:ea typeface="ＭＳ Ｐゴシック" pitchFamily="34" charset="-128"/>
+              </a:rPr>
+              <a:t> IFT615</a:t>
+            </a:r>
+          </a:p>
+        </p:txBody>
+      </p:sp>
+      <p:sp>
+        <p:nvSpPr>
+          <p:cNvPr id="11269" name="Espace réservé du pied de page 15"/>
+          <p:cNvSpPr>
+            <a:spLocks noGrp="1"/>
+          </p:cNvSpPr>
+          <p:nvPr>
+            <p:ph type="ftr" sz="quarter" idx="10"/>
+          </p:nvPr>
+        </p:nvSpPr>
+        <p:spPr bwMode="auto">
+          <a:noFill/>
+          <a:extLst>
+            <a:ext uri="{909E8E84-426E-40DD-AFC4-6F175D3DCCD1}">
+              <a14:hiddenFill xmlns:a14="http://schemas.microsoft.com/office/drawing/2010/main">
+                <a:solidFill>
+                  <a:srgbClr val="FFFFFF"/>
+                </a:solidFill>
+              </a14:hiddenFill>
+            </a:ext>
+            <a:ext uri="{91240B29-F687-4F45-9708-019B960494DF}">
+              <a14:hiddenLine xmlns:a14="http://schemas.microsoft.com/office/drawing/2010/main" w="9525">
+                <a:solidFill>
+                  <a:srgbClr val="000000"/>
+                </a:solidFill>
+                <a:miter lim="800000"/>
+                <a:headEnd/>
+                <a:tailEnd/>
+              </a14:hiddenLine>
+            </a:ext>
+          </a:extLst>
+        </p:spPr>
+        <p:txBody>
+          <a:bodyPr wrap="square" numCol="1" anchorCtr="0" compatLnSpc="1">
+            <a:prstTxWarp prst="textNoShape">
+              <a:avLst/>
+            </a:prstTxWarp>
+          </a:bodyPr>
+          <a:lstStyle>
+            <a:lvl1pPr>
+              <a:defRPr>
+                <a:solidFill>
+                  <a:schemeClr val="tx1"/>
+                </a:solidFill>
+                <a:latin typeface="Arial" pitchFamily="34" charset="0"/>
+                <a:ea typeface="ＭＳ Ｐゴシック" pitchFamily="34" charset="-128"/>
+              </a:defRPr>
+            </a:lvl1pPr>
+            <a:lvl2pPr marL="742950" indent="-285750">
+              <a:defRPr>
+                <a:solidFill>
+                  <a:schemeClr val="tx1"/>
+                </a:solidFill>
+                <a:latin typeface="Arial" pitchFamily="34" charset="0"/>
+                <a:ea typeface="ＭＳ Ｐゴシック" pitchFamily="34" charset="-128"/>
+              </a:defRPr>
+            </a:lvl2pPr>
+            <a:lvl3pPr marL="1143000" indent="-228600">
+              <a:defRPr>
+                <a:solidFill>
+                  <a:schemeClr val="tx1"/>
+                </a:solidFill>
+                <a:latin typeface="Arial" pitchFamily="34" charset="0"/>
+                <a:ea typeface="ＭＳ Ｐゴシック" pitchFamily="34" charset="-128"/>
+              </a:defRPr>
+            </a:lvl3pPr>
+            <a:lvl4pPr marL="1600200" indent="-228600">
+              <a:defRPr>
+                <a:solidFill>
+                  <a:schemeClr val="tx1"/>
+                </a:solidFill>
+                <a:latin typeface="Arial" pitchFamily="34" charset="0"/>
+                <a:ea typeface="ＭＳ Ｐゴシック" pitchFamily="34" charset="-128"/>
+              </a:defRPr>
+            </a:lvl4pPr>
+            <a:lvl5pPr marL="2057400" indent="-228600">
+              <a:defRPr>
+                <a:solidFill>
+                  <a:schemeClr val="tx1"/>
+                </a:solidFill>
+                <a:latin typeface="Arial" pitchFamily="34" charset="0"/>
+                <a:ea typeface="ＭＳ Ｐゴシック" pitchFamily="34" charset="-128"/>
+              </a:defRPr>
+            </a:lvl5pPr>
+            <a:lvl6pPr marL="2514600" indent="-228600" eaLnBrk="0" fontAlgn="base" hangingPunct="0">
+              <a:spcBef>
+                <a:spcPct val="0"/>
+              </a:spcBef>
+              <a:spcAft>
+                <a:spcPct val="0"/>
+              </a:spcAft>
+              <a:defRPr>
+                <a:solidFill>
+                  <a:schemeClr val="tx1"/>
+                </a:solidFill>
+                <a:latin typeface="Arial" pitchFamily="34" charset="0"/>
+                <a:ea typeface="ＭＳ Ｐゴシック" pitchFamily="34" charset="-128"/>
+              </a:defRPr>
+            </a:lvl6pPr>
+            <a:lvl7pPr marL="2971800" indent="-228600" eaLnBrk="0" fontAlgn="base" hangingPunct="0">
+              <a:spcBef>
+                <a:spcPct val="0"/>
+              </a:spcBef>
+              <a:spcAft>
+                <a:spcPct val="0"/>
+              </a:spcAft>
+              <a:defRPr>
+                <a:solidFill>
+                  <a:schemeClr val="tx1"/>
+                </a:solidFill>
+                <a:latin typeface="Arial" pitchFamily="34" charset="0"/>
+                <a:ea typeface="ＭＳ Ｐゴシック" pitchFamily="34" charset="-128"/>
+              </a:defRPr>
+            </a:lvl7pPr>
+            <a:lvl8pPr marL="3429000" indent="-228600" eaLnBrk="0" fontAlgn="base" hangingPunct="0">
+              <a:spcBef>
+                <a:spcPct val="0"/>
+              </a:spcBef>
+              <a:spcAft>
+                <a:spcPct val="0"/>
+              </a:spcAft>
+              <a:defRPr>
+                <a:solidFill>
+                  <a:schemeClr val="tx1"/>
+                </a:solidFill>
+                <a:latin typeface="Arial" pitchFamily="34" charset="0"/>
+                <a:ea typeface="ＭＳ Ｐゴシック" pitchFamily="34" charset="-128"/>
+              </a:defRPr>
+            </a:lvl8pPr>
+            <a:lvl9pPr marL="3886200" indent="-228600" eaLnBrk="0" fontAlgn="base" hangingPunct="0">
+              <a:spcBef>
+                <a:spcPct val="0"/>
+              </a:spcBef>
+              <a:spcAft>
+                <a:spcPct val="0"/>
+              </a:spcAft>
+              <a:defRPr>
+                <a:solidFill>
+                  <a:schemeClr val="tx1"/>
+                </a:solidFill>
+                <a:latin typeface="Arial" pitchFamily="34" charset="0"/>
+                <a:ea typeface="ＭＳ Ｐゴシック" pitchFamily="34" charset="-128"/>
+              </a:defRPr>
+            </a:lvl9pPr>
+          </a:lstStyle>
+          <a:p>
+            <a:r>
+              <a:rPr lang="de-DE" altLang="en-US">
+                <a:latin typeface="Calibri" pitchFamily="34" charset="0"/>
+              </a:rPr>
+              <a:t>Froduald Kabanza</a:t>
+            </a:r>
+            <a:endParaRPr lang="en-US" altLang="en-US">
+              <a:latin typeface="Calibri" pitchFamily="34" charset="0"/>
+            </a:endParaRPr>
+          </a:p>
+        </p:txBody>
+      </p:sp>
+      <p:sp>
+        <p:nvSpPr>
+          <p:cNvPr id="11270" name="Espace réservé du numéro de diapositive 16"/>
+          <p:cNvSpPr>
+            <a:spLocks noGrp="1"/>
+          </p:cNvSpPr>
+          <p:nvPr>
+            <p:ph type="sldNum" sz="quarter" idx="11"/>
+          </p:nvPr>
+        </p:nvSpPr>
+        <p:spPr bwMode="auto">
+          <a:noFill/>
+          <a:extLst>
+            <a:ext uri="{909E8E84-426E-40DD-AFC4-6F175D3DCCD1}">
+              <a14:hiddenFill xmlns:a14="http://schemas.microsoft.com/office/drawing/2010/main">
+                <a:solidFill>
+                  <a:srgbClr val="FFFFFF"/>
+                </a:solidFill>
+              </a14:hiddenFill>
+            </a:ext>
+            <a:ext uri="{91240B29-F687-4F45-9708-019B960494DF}">
+              <a14:hiddenLine xmlns:a14="http://schemas.microsoft.com/office/drawing/2010/main" w="9525">
+                <a:solidFill>
+                  <a:srgbClr val="000000"/>
+                </a:solidFill>
+                <a:miter lim="800000"/>
+                <a:headEnd/>
+                <a:tailEnd/>
+              </a14:hiddenLine>
+            </a:ext>
+          </a:extLst>
+        </p:spPr>
+        <p:txBody>
+          <a:bodyPr/>
+          <a:lstStyle>
+            <a:lvl1pPr>
+              <a:defRPr>
+                <a:solidFill>
+                  <a:schemeClr val="tx1"/>
+                </a:solidFill>
+                <a:latin typeface="Arial" pitchFamily="34" charset="0"/>
+                <a:ea typeface="ＭＳ Ｐゴシック" pitchFamily="34" charset="-128"/>
+              </a:defRPr>
+            </a:lvl1pPr>
+            <a:lvl2pPr marL="742950" indent="-285750">
+              <a:defRPr>
+                <a:solidFill>
+                  <a:schemeClr val="tx1"/>
+                </a:solidFill>
+                <a:latin typeface="Arial" pitchFamily="34" charset="0"/>
+                <a:ea typeface="ＭＳ Ｐゴシック" pitchFamily="34" charset="-128"/>
+              </a:defRPr>
+            </a:lvl2pPr>
+            <a:lvl3pPr marL="1143000" indent="-228600">
+              <a:defRPr>
+                <a:solidFill>
+                  <a:schemeClr val="tx1"/>
+                </a:solidFill>
+                <a:latin typeface="Arial" pitchFamily="34" charset="0"/>
+                <a:ea typeface="ＭＳ Ｐゴシック" pitchFamily="34" charset="-128"/>
+              </a:defRPr>
+            </a:lvl3pPr>
+            <a:lvl4pPr marL="1600200" indent="-228600">
+              <a:defRPr>
+                <a:solidFill>
+                  <a:schemeClr val="tx1"/>
+                </a:solidFill>
+                <a:latin typeface="Arial" pitchFamily="34" charset="0"/>
+                <a:ea typeface="ＭＳ Ｐゴシック" pitchFamily="34" charset="-128"/>
+              </a:defRPr>
+            </a:lvl4pPr>
+            <a:lvl5pPr marL="2057400" indent="-228600">
+              <a:defRPr>
+                <a:solidFill>
+                  <a:schemeClr val="tx1"/>
+                </a:solidFill>
+                <a:latin typeface="Arial" pitchFamily="34" charset="0"/>
+                <a:ea typeface="ＭＳ Ｐゴシック" pitchFamily="34" charset="-128"/>
+              </a:defRPr>
+            </a:lvl5pPr>
+            <a:lvl6pPr marL="2514600" indent="-228600" eaLnBrk="0" fontAlgn="base" hangingPunct="0">
+              <a:spcBef>
+                <a:spcPct val="0"/>
+              </a:spcBef>
+              <a:spcAft>
+                <a:spcPct val="0"/>
+              </a:spcAft>
+              <a:defRPr>
+                <a:solidFill>
+                  <a:schemeClr val="tx1"/>
+                </a:solidFill>
+                <a:latin typeface="Arial" pitchFamily="34" charset="0"/>
+                <a:ea typeface="ＭＳ Ｐゴシック" pitchFamily="34" charset="-128"/>
+              </a:defRPr>
+            </a:lvl6pPr>
+            <a:lvl7pPr marL="2971800" indent="-228600" eaLnBrk="0" fontAlgn="base" hangingPunct="0">
+              <a:spcBef>
+                <a:spcPct val="0"/>
+              </a:spcBef>
+              <a:spcAft>
+                <a:spcPct val="0"/>
+              </a:spcAft>
+              <a:defRPr>
+                <a:solidFill>
+                  <a:schemeClr val="tx1"/>
+                </a:solidFill>
+                <a:latin typeface="Arial" pitchFamily="34" charset="0"/>
+                <a:ea typeface="ＭＳ Ｐゴシック" pitchFamily="34" charset="-128"/>
+              </a:defRPr>
+            </a:lvl7pPr>
+            <a:lvl8pPr marL="3429000" indent="-228600" eaLnBrk="0" fontAlgn="base" hangingPunct="0">
+              <a:spcBef>
+                <a:spcPct val="0"/>
+              </a:spcBef>
+              <a:spcAft>
+                <a:spcPct val="0"/>
+              </a:spcAft>
+              <a:defRPr>
+                <a:solidFill>
+                  <a:schemeClr val="tx1"/>
+                </a:solidFill>
+                <a:latin typeface="Arial" pitchFamily="34" charset="0"/>
+                <a:ea typeface="ＭＳ Ｐゴシック" pitchFamily="34" charset="-128"/>
+              </a:defRPr>
+            </a:lvl8pPr>
+            <a:lvl9pPr marL="3886200" indent="-228600" eaLnBrk="0" fontAlgn="base" hangingPunct="0">
+              <a:spcBef>
+                <a:spcPct val="0"/>
+              </a:spcBef>
+              <a:spcAft>
+                <a:spcPct val="0"/>
+              </a:spcAft>
+              <a:defRPr>
+                <a:solidFill>
+                  <a:schemeClr val="tx1"/>
+                </a:solidFill>
+                <a:latin typeface="Arial" pitchFamily="34" charset="0"/>
+                <a:ea typeface="ＭＳ Ｐゴシック" pitchFamily="34" charset="-128"/>
+              </a:defRPr>
+            </a:lvl9pPr>
+          </a:lstStyle>
+          <a:p>
+            <a:fld id="{6488164F-D671-48E8-95F2-8778AC12C14F}" type="slidenum">
+              <a:rPr lang="en-US" altLang="en-US" smtClean="0">
+                <a:latin typeface="Calibri" pitchFamily="34" charset="0"/>
+              </a:rPr>
+              <a:pPr/>
+              <a:t>3</a:t>
+            </a:fld>
+            <a:endParaRPr lang="en-US" altLang="en-US">
+              <a:latin typeface="Calibri" pitchFamily="34" charset="0"/>
+            </a:endParaRPr>
+          </a:p>
+        </p:txBody>
+      </p:sp>
+      <p:sp>
+        <p:nvSpPr>
+          <p:cNvPr id="11268" name="Espace réservé de la date 14"/>
+          <p:cNvSpPr>
+            <a:spLocks noGrp="1"/>
+          </p:cNvSpPr>
+          <p:nvPr>
+            <p:ph type="dt" sz="half" idx="12"/>
+          </p:nvPr>
+        </p:nvSpPr>
+        <p:spPr bwMode="auto">
+          <a:noFill/>
+          <a:extLst>
+            <a:ext uri="{909E8E84-426E-40DD-AFC4-6F175D3DCCD1}">
+              <a14:hiddenFill xmlns:a14="http://schemas.microsoft.com/office/drawing/2010/main">
+                <a:solidFill>
+                  <a:srgbClr val="FFFFFF"/>
+                </a:solidFill>
+              </a14:hiddenFill>
+            </a:ext>
+            <a:ext uri="{91240B29-F687-4F45-9708-019B960494DF}">
+              <a14:hiddenLine xmlns:a14="http://schemas.microsoft.com/office/drawing/2010/main" w="9525">
+                <a:solidFill>
+                  <a:srgbClr val="000000"/>
+                </a:solidFill>
+                <a:miter lim="800000"/>
+                <a:headEnd/>
+                <a:tailEnd/>
+              </a14:hiddenLine>
+            </a:ext>
+          </a:extLst>
+        </p:spPr>
+        <p:txBody>
+          <a:bodyPr wrap="square" numCol="1" anchorCtr="0" compatLnSpc="1">
+            <a:prstTxWarp prst="textNoShape">
+              <a:avLst/>
+            </a:prstTxWarp>
+          </a:bodyPr>
+          <a:lstStyle>
+            <a:lvl1pPr>
+              <a:defRPr>
+                <a:solidFill>
+                  <a:schemeClr val="tx1"/>
+                </a:solidFill>
+                <a:latin typeface="Arial" pitchFamily="34" charset="0"/>
+                <a:ea typeface="ＭＳ Ｐゴシック" pitchFamily="34" charset="-128"/>
+              </a:defRPr>
+            </a:lvl1pPr>
+            <a:lvl2pPr marL="742950" indent="-285750">
+              <a:defRPr>
+                <a:solidFill>
+                  <a:schemeClr val="tx1"/>
+                </a:solidFill>
+                <a:latin typeface="Arial" pitchFamily="34" charset="0"/>
+                <a:ea typeface="ＭＳ Ｐゴシック" pitchFamily="34" charset="-128"/>
+              </a:defRPr>
+            </a:lvl2pPr>
+            <a:lvl3pPr marL="1143000" indent="-228600">
+              <a:defRPr>
+                <a:solidFill>
+                  <a:schemeClr val="tx1"/>
+                </a:solidFill>
+                <a:latin typeface="Arial" pitchFamily="34" charset="0"/>
+                <a:ea typeface="ＭＳ Ｐゴシック" pitchFamily="34" charset="-128"/>
+              </a:defRPr>
+            </a:lvl3pPr>
+            <a:lvl4pPr marL="1600200" indent="-228600">
+              <a:defRPr>
+                <a:solidFill>
+                  <a:schemeClr val="tx1"/>
+                </a:solidFill>
+                <a:latin typeface="Arial" pitchFamily="34" charset="0"/>
+                <a:ea typeface="ＭＳ Ｐゴシック" pitchFamily="34" charset="-128"/>
+              </a:defRPr>
+            </a:lvl4pPr>
+            <a:lvl5pPr marL="2057400" indent="-228600">
+              <a:defRPr>
+                <a:solidFill>
+                  <a:schemeClr val="tx1"/>
+                </a:solidFill>
+                <a:latin typeface="Arial" pitchFamily="34" charset="0"/>
+                <a:ea typeface="ＭＳ Ｐゴシック" pitchFamily="34" charset="-128"/>
+              </a:defRPr>
+            </a:lvl5pPr>
+            <a:lvl6pPr marL="2514600" indent="-228600" eaLnBrk="0" fontAlgn="base" hangingPunct="0">
+              <a:spcBef>
+                <a:spcPct val="0"/>
+              </a:spcBef>
+              <a:spcAft>
+                <a:spcPct val="0"/>
+              </a:spcAft>
+              <a:defRPr>
+                <a:solidFill>
+                  <a:schemeClr val="tx1"/>
+                </a:solidFill>
+                <a:latin typeface="Arial" pitchFamily="34" charset="0"/>
+                <a:ea typeface="ＭＳ Ｐゴシック" pitchFamily="34" charset="-128"/>
+              </a:defRPr>
+            </a:lvl6pPr>
+            <a:lvl7pPr marL="2971800" indent="-228600" eaLnBrk="0" fontAlgn="base" hangingPunct="0">
+              <a:spcBef>
+                <a:spcPct val="0"/>
+              </a:spcBef>
+              <a:spcAft>
+                <a:spcPct val="0"/>
+              </a:spcAft>
+              <a:defRPr>
+                <a:solidFill>
+                  <a:schemeClr val="tx1"/>
+                </a:solidFill>
+                <a:latin typeface="Arial" pitchFamily="34" charset="0"/>
+                <a:ea typeface="ＭＳ Ｐゴシック" pitchFamily="34" charset="-128"/>
+              </a:defRPr>
+            </a:lvl7pPr>
+            <a:lvl8pPr marL="3429000" indent="-228600" eaLnBrk="0" fontAlgn="base" hangingPunct="0">
+              <a:spcBef>
+                <a:spcPct val="0"/>
+              </a:spcBef>
+              <a:spcAft>
+                <a:spcPct val="0"/>
+              </a:spcAft>
+              <a:defRPr>
+                <a:solidFill>
+                  <a:schemeClr val="tx1"/>
+                </a:solidFill>
+                <a:latin typeface="Arial" pitchFamily="34" charset="0"/>
+                <a:ea typeface="ＭＳ Ｐゴシック" pitchFamily="34" charset="-128"/>
+              </a:defRPr>
+            </a:lvl8pPr>
+            <a:lvl9pPr marL="3886200" indent="-228600" eaLnBrk="0" fontAlgn="base" hangingPunct="0">
+              <a:spcBef>
+                <a:spcPct val="0"/>
+              </a:spcBef>
+              <a:spcAft>
+                <a:spcPct val="0"/>
+              </a:spcAft>
+              <a:defRPr>
+                <a:solidFill>
+                  <a:schemeClr val="tx1"/>
+                </a:solidFill>
+                <a:latin typeface="Arial" pitchFamily="34" charset="0"/>
+                <a:ea typeface="ＭＳ Ｐゴシック" pitchFamily="34" charset="-128"/>
+              </a:defRPr>
+            </a:lvl9pPr>
+          </a:lstStyle>
+          <a:p>
+            <a:r>
+              <a:rPr lang="fr-CA" altLang="en-US">
+                <a:latin typeface="Calibri" pitchFamily="34" charset="0"/>
+              </a:rPr>
+              <a:t>IFT 615</a:t>
+            </a:r>
+            <a:endParaRPr lang="en-US" altLang="en-US">
+              <a:latin typeface="Calibri" pitchFamily="34" charset="0"/>
+            </a:endParaRPr>
+          </a:p>
+        </p:txBody>
+      </p:sp>
+      <p:pic>
+        <p:nvPicPr>
+          <p:cNvPr id="2" name="Picture 1"/>
+          <p:cNvPicPr>
+            <a:picLocks noChangeAspect="1"/>
+          </p:cNvPicPr>
+          <p:nvPr/>
+        </p:nvPicPr>
+        <p:blipFill>
+          <a:blip r:embed="rId2">
+            <a:extLst>
+              <a:ext uri="{28A0092B-C50C-407E-A947-70E740481C1C}">
+                <a14:useLocalDpi xmlns:a14="http://schemas.microsoft.com/office/drawing/2010/main" val="0"/>
+              </a:ext>
+            </a:extLst>
+          </a:blip>
+          <a:stretch>
+            <a:fillRect/>
+          </a:stretch>
+        </p:blipFill>
+        <p:spPr>
+          <a:xfrm>
+            <a:off x="1074824" y="1923136"/>
+            <a:ext cx="7341567" cy="3250113"/>
+          </a:xfrm>
+          <a:prstGeom prst="rect">
+            <a:avLst/>
+          </a:prstGeom>
+        </p:spPr>
+      </p:pic>
+    </p:spTree>
+  </p:cSld>
+  <p:clrMapOvr>
+    <a:masterClrMapping/>
+  </p:clrMapOvr>
+</p:sld>
+</file>
+
+<file path=ppt/slides/slide4.xml><?xml version="1.0" encoding="utf-8"?>
+<p:sld xmlns:a="http://schemas.openxmlformats.org/drawingml/2006/main" xmlns:r="http://schemas.openxmlformats.org/officeDocument/2006/relationships" xmlns:p="http://schemas.openxmlformats.org/presentationml/2006/main">
+  <p:cSld>
+    <p:spTree>
+      <p:nvGrpSpPr>
+        <p:cNvPr id="1" name=""/>
+        <p:cNvGrpSpPr/>
+        <p:nvPr/>
+      </p:nvGrpSpPr>
+      <p:grpSpPr>
+        <a:xfrm>
+          <a:off x="0" y="0"/>
+          <a:ext cx="0" cy="0"/>
+          <a:chOff x="0" y="0"/>
+          <a:chExt cx="0" cy="0"/>
+        </a:xfrm>
+      </p:grpSpPr>
+      <p:sp>
+        <p:nvSpPr>
+          <p:cNvPr id="11267" name="Rectangle 3"/>
+          <p:cNvSpPr>
+            <a:spLocks noGrp="1" noChangeArrowheads="1"/>
+          </p:cNvSpPr>
+          <p:nvPr>
+            <p:ph type="title"/>
+          </p:nvPr>
+        </p:nvSpPr>
+        <p:spPr>
+          <a:xfrm>
+            <a:off x="230187" y="311150"/>
+            <a:ext cx="8683625" cy="990600"/>
+          </a:xfrm>
+        </p:spPr>
+        <p:txBody>
+          <a:bodyPr/>
+          <a:lstStyle/>
+          <a:p>
+            <a:pPr eaLnBrk="1" hangingPunct="1"/>
+            <a:r>
+              <a:rPr lang="fr-CA" altLang="en-US">
+                <a:latin typeface="Arial" pitchFamily="34" charset="0"/>
+                <a:ea typeface="ＭＳ Ｐゴシック" pitchFamily="34" charset="-128"/>
+              </a:rPr>
+              <a:t>Bot générique pour la théorie IFT615</a:t>
+            </a:r>
+          </a:p>
+        </p:txBody>
+      </p:sp>
+      <p:sp>
+        <p:nvSpPr>
+          <p:cNvPr id="11269" name="Espace réservé du pied de page 15"/>
+          <p:cNvSpPr>
+            <a:spLocks noGrp="1"/>
+          </p:cNvSpPr>
+          <p:nvPr>
+            <p:ph type="ftr" sz="quarter" idx="10"/>
+          </p:nvPr>
+        </p:nvSpPr>
+        <p:spPr bwMode="auto">
+          <a:noFill/>
+          <a:extLst>
+            <a:ext uri="{909E8E84-426E-40DD-AFC4-6F175D3DCCD1}">
+              <a14:hiddenFill xmlns:a14="http://schemas.microsoft.com/office/drawing/2010/main">
+                <a:solidFill>
+                  <a:srgbClr val="FFFFFF"/>
+                </a:solidFill>
+              </a14:hiddenFill>
+            </a:ext>
+            <a:ext uri="{91240B29-F687-4F45-9708-019B960494DF}">
+              <a14:hiddenLine xmlns:a14="http://schemas.microsoft.com/office/drawing/2010/main" w="9525">
+                <a:solidFill>
+                  <a:srgbClr val="000000"/>
+                </a:solidFill>
+                <a:miter lim="800000"/>
+                <a:headEnd/>
+                <a:tailEnd/>
+              </a14:hiddenLine>
+            </a:ext>
+          </a:extLst>
+        </p:spPr>
+        <p:txBody>
+          <a:bodyPr wrap="square" numCol="1" anchorCtr="0" compatLnSpc="1">
+            <a:prstTxWarp prst="textNoShape">
+              <a:avLst/>
+            </a:prstTxWarp>
+          </a:bodyPr>
+          <a:lstStyle>
+            <a:lvl1pPr>
+              <a:defRPr>
+                <a:solidFill>
+                  <a:schemeClr val="tx1"/>
+                </a:solidFill>
+                <a:latin typeface="Arial" pitchFamily="34" charset="0"/>
+                <a:ea typeface="ＭＳ Ｐゴシック" pitchFamily="34" charset="-128"/>
+              </a:defRPr>
+            </a:lvl1pPr>
+            <a:lvl2pPr marL="742950" indent="-285750">
+              <a:defRPr>
+                <a:solidFill>
+                  <a:schemeClr val="tx1"/>
+                </a:solidFill>
+                <a:latin typeface="Arial" pitchFamily="34" charset="0"/>
+                <a:ea typeface="ＭＳ Ｐゴシック" pitchFamily="34" charset="-128"/>
+              </a:defRPr>
+            </a:lvl2pPr>
+            <a:lvl3pPr marL="1143000" indent="-228600">
+              <a:defRPr>
+                <a:solidFill>
+                  <a:schemeClr val="tx1"/>
+                </a:solidFill>
+                <a:latin typeface="Arial" pitchFamily="34" charset="0"/>
+                <a:ea typeface="ＭＳ Ｐゴシック" pitchFamily="34" charset="-128"/>
+              </a:defRPr>
+            </a:lvl3pPr>
+            <a:lvl4pPr marL="1600200" indent="-228600">
+              <a:defRPr>
+                <a:solidFill>
+                  <a:schemeClr val="tx1"/>
+                </a:solidFill>
+                <a:latin typeface="Arial" pitchFamily="34" charset="0"/>
+                <a:ea typeface="ＭＳ Ｐゴシック" pitchFamily="34" charset="-128"/>
+              </a:defRPr>
+            </a:lvl4pPr>
+            <a:lvl5pPr marL="2057400" indent="-228600">
+              <a:defRPr>
+                <a:solidFill>
+                  <a:schemeClr val="tx1"/>
+                </a:solidFill>
+                <a:latin typeface="Arial" pitchFamily="34" charset="0"/>
+                <a:ea typeface="ＭＳ Ｐゴシック" pitchFamily="34" charset="-128"/>
+              </a:defRPr>
+            </a:lvl5pPr>
+            <a:lvl6pPr marL="2514600" indent="-228600" eaLnBrk="0" fontAlgn="base" hangingPunct="0">
+              <a:spcBef>
+                <a:spcPct val="0"/>
+              </a:spcBef>
+              <a:spcAft>
+                <a:spcPct val="0"/>
+              </a:spcAft>
+              <a:defRPr>
+                <a:solidFill>
+                  <a:schemeClr val="tx1"/>
+                </a:solidFill>
+                <a:latin typeface="Arial" pitchFamily="34" charset="0"/>
+                <a:ea typeface="ＭＳ Ｐゴシック" pitchFamily="34" charset="-128"/>
+              </a:defRPr>
+            </a:lvl6pPr>
+            <a:lvl7pPr marL="2971800" indent="-228600" eaLnBrk="0" fontAlgn="base" hangingPunct="0">
+              <a:spcBef>
+                <a:spcPct val="0"/>
+              </a:spcBef>
+              <a:spcAft>
+                <a:spcPct val="0"/>
+              </a:spcAft>
+              <a:defRPr>
+                <a:solidFill>
+                  <a:schemeClr val="tx1"/>
+                </a:solidFill>
+                <a:latin typeface="Arial" pitchFamily="34" charset="0"/>
+                <a:ea typeface="ＭＳ Ｐゴシック" pitchFamily="34" charset="-128"/>
+              </a:defRPr>
+            </a:lvl7pPr>
+            <a:lvl8pPr marL="3429000" indent="-228600" eaLnBrk="0" fontAlgn="base" hangingPunct="0">
+              <a:spcBef>
+                <a:spcPct val="0"/>
+              </a:spcBef>
+              <a:spcAft>
+                <a:spcPct val="0"/>
+              </a:spcAft>
+              <a:defRPr>
+                <a:solidFill>
+                  <a:schemeClr val="tx1"/>
+                </a:solidFill>
+                <a:latin typeface="Arial" pitchFamily="34" charset="0"/>
+                <a:ea typeface="ＭＳ Ｐゴシック" pitchFamily="34" charset="-128"/>
+              </a:defRPr>
+            </a:lvl8pPr>
+            <a:lvl9pPr marL="3886200" indent="-228600" eaLnBrk="0" fontAlgn="base" hangingPunct="0">
+              <a:spcBef>
+                <a:spcPct val="0"/>
+              </a:spcBef>
+              <a:spcAft>
+                <a:spcPct val="0"/>
+              </a:spcAft>
+              <a:defRPr>
+                <a:solidFill>
+                  <a:schemeClr val="tx1"/>
+                </a:solidFill>
+                <a:latin typeface="Arial" pitchFamily="34" charset="0"/>
+                <a:ea typeface="ＭＳ Ｐゴシック" pitchFamily="34" charset="-128"/>
+              </a:defRPr>
+            </a:lvl9pPr>
+          </a:lstStyle>
+          <a:p>
+            <a:r>
+              <a:rPr lang="de-DE" altLang="en-US">
+                <a:latin typeface="Calibri" pitchFamily="34" charset="0"/>
+              </a:rPr>
+              <a:t>Froduald Kabanza</a:t>
+            </a:r>
+            <a:endParaRPr lang="en-US" altLang="en-US">
+              <a:latin typeface="Calibri" pitchFamily="34" charset="0"/>
+            </a:endParaRPr>
+          </a:p>
+        </p:txBody>
+      </p:sp>
+      <p:sp>
+        <p:nvSpPr>
+          <p:cNvPr id="11270" name="Espace réservé du numéro de diapositive 16"/>
+          <p:cNvSpPr>
+            <a:spLocks noGrp="1"/>
+          </p:cNvSpPr>
+          <p:nvPr>
+            <p:ph type="sldNum" sz="quarter" idx="11"/>
+          </p:nvPr>
+        </p:nvSpPr>
+        <p:spPr bwMode="auto">
+          <a:noFill/>
+          <a:extLst>
+            <a:ext uri="{909E8E84-426E-40DD-AFC4-6F175D3DCCD1}">
+              <a14:hiddenFill xmlns:a14="http://schemas.microsoft.com/office/drawing/2010/main">
+                <a:solidFill>
+                  <a:srgbClr val="FFFFFF"/>
+                </a:solidFill>
+              </a14:hiddenFill>
+            </a:ext>
+            <a:ext uri="{91240B29-F687-4F45-9708-019B960494DF}">
+              <a14:hiddenLine xmlns:a14="http://schemas.microsoft.com/office/drawing/2010/main" w="9525">
+                <a:solidFill>
+                  <a:srgbClr val="000000"/>
+                </a:solidFill>
+                <a:miter lim="800000"/>
+                <a:headEnd/>
+                <a:tailEnd/>
+              </a14:hiddenLine>
+            </a:ext>
+          </a:extLst>
+        </p:spPr>
+        <p:txBody>
+          <a:bodyPr/>
+          <a:lstStyle>
+            <a:lvl1pPr>
+              <a:defRPr>
+                <a:solidFill>
+                  <a:schemeClr val="tx1"/>
+                </a:solidFill>
+                <a:latin typeface="Arial" pitchFamily="34" charset="0"/>
+                <a:ea typeface="ＭＳ Ｐゴシック" pitchFamily="34" charset="-128"/>
+              </a:defRPr>
+            </a:lvl1pPr>
+            <a:lvl2pPr marL="742950" indent="-285750">
+              <a:defRPr>
+                <a:solidFill>
+                  <a:schemeClr val="tx1"/>
+                </a:solidFill>
+                <a:latin typeface="Arial" pitchFamily="34" charset="0"/>
+                <a:ea typeface="ＭＳ Ｐゴシック" pitchFamily="34" charset="-128"/>
+              </a:defRPr>
+            </a:lvl2pPr>
+            <a:lvl3pPr marL="1143000" indent="-228600">
+              <a:defRPr>
+                <a:solidFill>
+                  <a:schemeClr val="tx1"/>
+                </a:solidFill>
+                <a:latin typeface="Arial" pitchFamily="34" charset="0"/>
+                <a:ea typeface="ＭＳ Ｐゴシック" pitchFamily="34" charset="-128"/>
+              </a:defRPr>
+            </a:lvl3pPr>
+            <a:lvl4pPr marL="1600200" indent="-228600">
+              <a:defRPr>
+                <a:solidFill>
+                  <a:schemeClr val="tx1"/>
+                </a:solidFill>
+                <a:latin typeface="Arial" pitchFamily="34" charset="0"/>
+                <a:ea typeface="ＭＳ Ｐゴシック" pitchFamily="34" charset="-128"/>
+              </a:defRPr>
+            </a:lvl4pPr>
+            <a:lvl5pPr marL="2057400" indent="-228600">
+              <a:defRPr>
+                <a:solidFill>
+                  <a:schemeClr val="tx1"/>
+                </a:solidFill>
+                <a:latin typeface="Arial" pitchFamily="34" charset="0"/>
+                <a:ea typeface="ＭＳ Ｐゴシック" pitchFamily="34" charset="-128"/>
+              </a:defRPr>
+            </a:lvl5pPr>
+            <a:lvl6pPr marL="2514600" indent="-228600" eaLnBrk="0" fontAlgn="base" hangingPunct="0">
+              <a:spcBef>
+                <a:spcPct val="0"/>
+              </a:spcBef>
+              <a:spcAft>
+                <a:spcPct val="0"/>
+              </a:spcAft>
+              <a:defRPr>
+                <a:solidFill>
+                  <a:schemeClr val="tx1"/>
+                </a:solidFill>
+                <a:latin typeface="Arial" pitchFamily="34" charset="0"/>
+                <a:ea typeface="ＭＳ Ｐゴシック" pitchFamily="34" charset="-128"/>
+              </a:defRPr>
+            </a:lvl6pPr>
+            <a:lvl7pPr marL="2971800" indent="-228600" eaLnBrk="0" fontAlgn="base" hangingPunct="0">
+              <a:spcBef>
+                <a:spcPct val="0"/>
+              </a:spcBef>
+              <a:spcAft>
+                <a:spcPct val="0"/>
+              </a:spcAft>
+              <a:defRPr>
+                <a:solidFill>
+                  <a:schemeClr val="tx1"/>
+                </a:solidFill>
+                <a:latin typeface="Arial" pitchFamily="34" charset="0"/>
+                <a:ea typeface="ＭＳ Ｐゴシック" pitchFamily="34" charset="-128"/>
+              </a:defRPr>
+            </a:lvl7pPr>
+            <a:lvl8pPr marL="3429000" indent="-228600" eaLnBrk="0" fontAlgn="base" hangingPunct="0">
+              <a:spcBef>
+                <a:spcPct val="0"/>
+              </a:spcBef>
+              <a:spcAft>
+                <a:spcPct val="0"/>
+              </a:spcAft>
+              <a:defRPr>
+                <a:solidFill>
+                  <a:schemeClr val="tx1"/>
+                </a:solidFill>
+                <a:latin typeface="Arial" pitchFamily="34" charset="0"/>
+                <a:ea typeface="ＭＳ Ｐゴシック" pitchFamily="34" charset="-128"/>
+              </a:defRPr>
+            </a:lvl8pPr>
+            <a:lvl9pPr marL="3886200" indent="-228600" eaLnBrk="0" fontAlgn="base" hangingPunct="0">
+              <a:spcBef>
+                <a:spcPct val="0"/>
+              </a:spcBef>
+              <a:spcAft>
+                <a:spcPct val="0"/>
+              </a:spcAft>
+              <a:defRPr>
+                <a:solidFill>
+                  <a:schemeClr val="tx1"/>
+                </a:solidFill>
+                <a:latin typeface="Arial" pitchFamily="34" charset="0"/>
+                <a:ea typeface="ＭＳ Ｐゴシック" pitchFamily="34" charset="-128"/>
+              </a:defRPr>
+            </a:lvl9pPr>
+          </a:lstStyle>
+          <a:p>
+            <a:fld id="{6488164F-D671-48E8-95F2-8778AC12C14F}" type="slidenum">
+              <a:rPr lang="en-US" altLang="en-US" smtClean="0">
+                <a:latin typeface="Calibri" pitchFamily="34" charset="0"/>
+              </a:rPr>
+              <a:pPr/>
+              <a:t>4</a:t>
+            </a:fld>
+            <a:endParaRPr lang="en-US" altLang="en-US">
+              <a:latin typeface="Calibri" pitchFamily="34" charset="0"/>
+            </a:endParaRPr>
+          </a:p>
+        </p:txBody>
+      </p:sp>
+      <p:sp>
+        <p:nvSpPr>
+          <p:cNvPr id="11268" name="Espace réservé de la date 14"/>
+          <p:cNvSpPr>
+            <a:spLocks noGrp="1"/>
+          </p:cNvSpPr>
+          <p:nvPr>
+            <p:ph type="dt" sz="half" idx="12"/>
+          </p:nvPr>
+        </p:nvSpPr>
+        <p:spPr bwMode="auto">
+          <a:noFill/>
+          <a:extLst>
+            <a:ext uri="{909E8E84-426E-40DD-AFC4-6F175D3DCCD1}">
+              <a14:hiddenFill xmlns:a14="http://schemas.microsoft.com/office/drawing/2010/main">
+                <a:solidFill>
+                  <a:srgbClr val="FFFFFF"/>
+                </a:solidFill>
+              </a14:hiddenFill>
+            </a:ext>
+            <a:ext uri="{91240B29-F687-4F45-9708-019B960494DF}">
+              <a14:hiddenLine xmlns:a14="http://schemas.microsoft.com/office/drawing/2010/main" w="9525">
+                <a:solidFill>
+                  <a:srgbClr val="000000"/>
+                </a:solidFill>
+                <a:miter lim="800000"/>
+                <a:headEnd/>
+                <a:tailEnd/>
+              </a14:hiddenLine>
+            </a:ext>
+          </a:extLst>
+        </p:spPr>
+        <p:txBody>
+          <a:bodyPr wrap="square" numCol="1" anchorCtr="0" compatLnSpc="1">
+            <a:prstTxWarp prst="textNoShape">
+              <a:avLst/>
+            </a:prstTxWarp>
+          </a:bodyPr>
+          <a:lstStyle>
+            <a:lvl1pPr>
+              <a:defRPr>
+                <a:solidFill>
+                  <a:schemeClr val="tx1"/>
+                </a:solidFill>
+                <a:latin typeface="Arial" pitchFamily="34" charset="0"/>
+                <a:ea typeface="ＭＳ Ｐゴシック" pitchFamily="34" charset="-128"/>
+              </a:defRPr>
+            </a:lvl1pPr>
+            <a:lvl2pPr marL="742950" indent="-285750">
+              <a:defRPr>
+                <a:solidFill>
+                  <a:schemeClr val="tx1"/>
+                </a:solidFill>
+                <a:latin typeface="Arial" pitchFamily="34" charset="0"/>
+                <a:ea typeface="ＭＳ Ｐゴシック" pitchFamily="34" charset="-128"/>
+              </a:defRPr>
+            </a:lvl2pPr>
+            <a:lvl3pPr marL="1143000" indent="-228600">
+              <a:defRPr>
+                <a:solidFill>
+                  <a:schemeClr val="tx1"/>
+                </a:solidFill>
+                <a:latin typeface="Arial" pitchFamily="34" charset="0"/>
+                <a:ea typeface="ＭＳ Ｐゴシック" pitchFamily="34" charset="-128"/>
+              </a:defRPr>
+            </a:lvl3pPr>
+            <a:lvl4pPr marL="1600200" indent="-228600">
+              <a:defRPr>
+                <a:solidFill>
+                  <a:schemeClr val="tx1"/>
+                </a:solidFill>
+                <a:latin typeface="Arial" pitchFamily="34" charset="0"/>
+                <a:ea typeface="ＭＳ Ｐゴシック" pitchFamily="34" charset="-128"/>
+              </a:defRPr>
+            </a:lvl4pPr>
+            <a:lvl5pPr marL="2057400" indent="-228600">
+              <a:defRPr>
+                <a:solidFill>
+                  <a:schemeClr val="tx1"/>
+                </a:solidFill>
+                <a:latin typeface="Arial" pitchFamily="34" charset="0"/>
+                <a:ea typeface="ＭＳ Ｐゴシック" pitchFamily="34" charset="-128"/>
+              </a:defRPr>
+            </a:lvl5pPr>
+            <a:lvl6pPr marL="2514600" indent="-228600" eaLnBrk="0" fontAlgn="base" hangingPunct="0">
+              <a:spcBef>
+                <a:spcPct val="0"/>
+              </a:spcBef>
+              <a:spcAft>
+                <a:spcPct val="0"/>
+              </a:spcAft>
+              <a:defRPr>
+                <a:solidFill>
+                  <a:schemeClr val="tx1"/>
+                </a:solidFill>
+                <a:latin typeface="Arial" pitchFamily="34" charset="0"/>
+                <a:ea typeface="ＭＳ Ｐゴシック" pitchFamily="34" charset="-128"/>
+              </a:defRPr>
+            </a:lvl6pPr>
+            <a:lvl7pPr marL="2971800" indent="-228600" eaLnBrk="0" fontAlgn="base" hangingPunct="0">
+              <a:spcBef>
+                <a:spcPct val="0"/>
+              </a:spcBef>
+              <a:spcAft>
+                <a:spcPct val="0"/>
+              </a:spcAft>
+              <a:defRPr>
+                <a:solidFill>
+                  <a:schemeClr val="tx1"/>
+                </a:solidFill>
+                <a:latin typeface="Arial" pitchFamily="34" charset="0"/>
+                <a:ea typeface="ＭＳ Ｐゴシック" pitchFamily="34" charset="-128"/>
+              </a:defRPr>
+            </a:lvl7pPr>
+            <a:lvl8pPr marL="3429000" indent="-228600" eaLnBrk="0" fontAlgn="base" hangingPunct="0">
+              <a:spcBef>
+                <a:spcPct val="0"/>
+              </a:spcBef>
+              <a:spcAft>
+                <a:spcPct val="0"/>
+              </a:spcAft>
+              <a:defRPr>
+                <a:solidFill>
+                  <a:schemeClr val="tx1"/>
+                </a:solidFill>
+                <a:latin typeface="Arial" pitchFamily="34" charset="0"/>
+                <a:ea typeface="ＭＳ Ｐゴシック" pitchFamily="34" charset="-128"/>
+              </a:defRPr>
+            </a:lvl8pPr>
+            <a:lvl9pPr marL="3886200" indent="-228600" eaLnBrk="0" fontAlgn="base" hangingPunct="0">
+              <a:spcBef>
+                <a:spcPct val="0"/>
+              </a:spcBef>
+              <a:spcAft>
+                <a:spcPct val="0"/>
+              </a:spcAft>
+              <a:defRPr>
+                <a:solidFill>
+                  <a:schemeClr val="tx1"/>
+                </a:solidFill>
+                <a:latin typeface="Arial" pitchFamily="34" charset="0"/>
+                <a:ea typeface="ＭＳ Ｐゴシック" pitchFamily="34" charset="-128"/>
+              </a:defRPr>
+            </a:lvl9pPr>
+          </a:lstStyle>
+          <a:p>
+            <a:r>
+              <a:rPr lang="fr-CA" altLang="en-US">
+                <a:latin typeface="Calibri" pitchFamily="34" charset="0"/>
+              </a:rPr>
+              <a:t>IFT 615</a:t>
+            </a:r>
+            <a:endParaRPr lang="en-US" altLang="en-US">
+              <a:latin typeface="Calibri" pitchFamily="34" charset="0"/>
+            </a:endParaRPr>
+          </a:p>
+        </p:txBody>
+      </p:sp>
+      <p:pic>
+        <p:nvPicPr>
+          <p:cNvPr id="3" name="Picture 2"/>
+          <p:cNvPicPr>
+            <a:picLocks noChangeAspect="1"/>
+          </p:cNvPicPr>
+          <p:nvPr/>
+        </p:nvPicPr>
+        <p:blipFill>
+          <a:blip r:embed="rId2"/>
+          <a:stretch>
+            <a:fillRect/>
+          </a:stretch>
+        </p:blipFill>
+        <p:spPr>
+          <a:xfrm>
+            <a:off x="1445658" y="1893629"/>
+            <a:ext cx="6252684" cy="2812841"/>
+          </a:xfrm>
+          <a:prstGeom prst="rect">
+            <a:avLst/>
+          </a:prstGeom>
+        </p:spPr>
+      </p:pic>
+    </p:spTree>
+    <p:extLst>
+      <p:ext uri="{BB962C8B-B14F-4D97-AF65-F5344CB8AC3E}">
+        <p14:creationId xmlns:p14="http://schemas.microsoft.com/office/powerpoint/2010/main" val="1152797728"/>
+      </p:ext>
+    </p:extLst>
+  </p:cSld>
+  <p:clrMapOvr>
+    <a:masterClrMapping/>
+  </p:clrMapOvr>
+</p:sld>
+</file>
+
+<file path=ppt/slides/slide5.xml><?xml version="1.0" encoding="utf-8"?>
+<p:sld xmlns:a="http://schemas.openxmlformats.org/drawingml/2006/main" xmlns:r="http://schemas.openxmlformats.org/officeDocument/2006/relationships" xmlns:p="http://schemas.openxmlformats.org/presentationml/2006/main">
+  <p:cSld>
+    <p:spTree>
+      <p:nvGrpSpPr>
+        <p:cNvPr id="1" name=""/>
+        <p:cNvGrpSpPr/>
+        <p:nvPr/>
+      </p:nvGrpSpPr>
+      <p:grpSpPr>
+        <a:xfrm>
+          <a:off x="0" y="0"/>
+          <a:ext cx="0" cy="0"/>
+          <a:chOff x="0" y="0"/>
+          <a:chExt cx="0" cy="0"/>
+        </a:xfrm>
+      </p:grpSpPr>
+      <p:sp>
+        <p:nvSpPr>
           <p:cNvPr id="7170" name="Rectangle 3"/>
           <p:cNvSpPr>
             <a:spLocks noGrp="1" noChangeArrowheads="1"/>
@@ -19209,7 +19231,7 @@
                 <a:latin typeface="Calibri" pitchFamily="34" charset="0"/>
               </a:rPr>
               <a:pPr/>
-              <a:t>3</a:t>
+              <a:t>5</a:t>
             </a:fld>
             <a:endParaRPr lang="en-US" altLang="en-US">
               <a:latin typeface="Calibri" pitchFamily="34" charset="0"/>
@@ -19393,8 +19415,8 @@
         </p:nvSpPr>
         <p:spPr>
           <a:xfrm>
-            <a:off x="697404" y="3079996"/>
-            <a:ext cx="2287093" cy="851539"/>
+            <a:off x="227014" y="2897450"/>
+            <a:ext cx="2757484" cy="1034085"/>
           </a:xfrm>
           <a:prstGeom prst="roundRect">
             <a:avLst/>
@@ -19433,7 +19455,7 @@
               <a:defRPr/>
             </a:pPr>
             <a:r>
-              <a:rPr kumimoji="0" lang="fr-CA" sz="2800" b="0" i="0" u="none" strike="noStrike" kern="0" cap="none" spc="0" normalizeH="0" baseline="0">
+              <a:rPr kumimoji="0" lang="fr-CA" sz="2800" b="0" i="0" u="none" strike="noStrike" kern="0" cap="none" spc="0" normalizeH="0" baseline="0" dirty="0">
                 <a:ln>
                   <a:noFill/>
                 </a:ln>
@@ -19447,8 +19469,51 @@
                 <a:ea typeface="+mn-ea"/>
                 <a:cs typeface="+mn-cs"/>
               </a:rPr>
+              <a:t>Raisonner</a:t>
+            </a:r>
+          </a:p>
+          <a:p>
+            <a:pPr marL="0" marR="0" lvl="0" indent="0" algn="ctr" defTabSz="1828709" eaLnBrk="1" fontAlgn="auto" latinLnBrk="0" hangingPunct="1">
+              <a:lnSpc>
+                <a:spcPct val="100000"/>
+              </a:lnSpc>
+              <a:spcBef>
+                <a:spcPts val="0"/>
+              </a:spcBef>
+              <a:spcAft>
+                <a:spcPts val="0"/>
+              </a:spcAft>
+              <a:buClrTx/>
+              <a:buSzTx/>
+              <a:buFontTx/>
+              <a:buNone/>
+              <a:tabLst/>
+              <a:defRPr/>
+            </a:pPr>
+            <a:r>
+              <a:rPr lang="fr-CA" sz="2800" kern="0" dirty="0">
+                <a:solidFill>
+                  <a:prstClr val="black"/>
+                </a:solidFill>
+                <a:latin typeface="Arial" panose="020B0604020202020204"/>
+                <a:ea typeface="+mn-ea"/>
+              </a:rPr>
               <a:t>Comprendre</a:t>
             </a:r>
+            <a:endParaRPr kumimoji="0" lang="fr-CA" sz="2800" b="0" i="0" u="none" strike="noStrike" kern="0" cap="none" spc="0" normalizeH="0" baseline="0" dirty="0">
+              <a:ln>
+                <a:noFill/>
+              </a:ln>
+              <a:solidFill>
+                <a:prstClr val="black"/>
+              </a:solidFill>
+              <a:effectLst/>
+              <a:uLnTx/>
+              <a:uFillTx/>
+              <a:latin typeface="Arial" panose="020B0604020202020204"/>
+              <a:ea typeface="+mn-ea"/>
+              <a:cs typeface="+mn-cs"/>
+            </a:endParaRPr>
           </a:p>
         </p:txBody>
       </p:sp>
@@ -19466,8 +19531,8 @@
         </p:nvSpPr>
         <p:spPr>
           <a:xfrm>
-            <a:off x="3391447" y="3079996"/>
-            <a:ext cx="2221403" cy="808053"/>
+            <a:off x="3391447" y="2897450"/>
+            <a:ext cx="2456903" cy="990599"/>
           </a:xfrm>
           <a:prstGeom prst="roundRect">
             <a:avLst/>
@@ -19506,7 +19571,43 @@
               <a:defRPr/>
             </a:pPr>
             <a:r>
-              <a:rPr kumimoji="0" lang="fr-CA" sz="2800" b="0" i="0" u="none" strike="noStrike" kern="0" cap="none" spc="0" normalizeH="0" baseline="0">
+              <a:rPr kumimoji="0" lang="fr-CA" sz="2800" b="0" i="0" u="none" strike="noStrike" kern="0" cap="none" spc="0" normalizeH="0" baseline="0" dirty="0">
+                <a:ln>
+                  <a:noFill/>
+                </a:ln>
+                <a:solidFill>
+                  <a:prstClr val="black"/>
+                </a:solidFill>
+                <a:effectLst/>
+                <a:uLnTx/>
+                <a:uFillTx/>
+                <a:latin typeface="Arial" panose="020B0604020202020204"/>
+                <a:ea typeface="+mn-ea"/>
+                <a:cs typeface="+mn-cs"/>
+              </a:rPr>
+              <a:t>Analyser</a:t>
+            </a:r>
+          </a:p>
+          <a:p>
+            <a:pPr marL="0" marR="0" lvl="0" indent="0" algn="ctr" defTabSz="1828709" eaLnBrk="1" fontAlgn="auto" latinLnBrk="0" hangingPunct="1">
+              <a:lnSpc>
+                <a:spcPct val="100000"/>
+              </a:lnSpc>
+              <a:spcBef>
+                <a:spcPts val="0"/>
+              </a:spcBef>
+              <a:spcAft>
+                <a:spcPts val="0"/>
+              </a:spcAft>
+              <a:buClrTx/>
+              <a:buSzTx/>
+              <a:buFontTx/>
+              <a:buNone/>
+              <a:tabLst/>
+              <a:defRPr/>
+            </a:pPr>
+            <a:r>
+              <a:rPr kumimoji="0" lang="fr-CA" sz="2800" b="0" i="0" u="none" strike="noStrike" kern="0" cap="none" spc="0" normalizeH="0" baseline="0" dirty="0">
                 <a:ln>
                   <a:noFill/>
                 </a:ln>
@@ -19539,8 +19640,8 @@
         </p:nvSpPr>
         <p:spPr>
           <a:xfrm>
-            <a:off x="6019800" y="3068680"/>
-            <a:ext cx="2221403" cy="851539"/>
+            <a:off x="6019800" y="2971979"/>
+            <a:ext cx="2456902" cy="948241"/>
           </a:xfrm>
           <a:prstGeom prst="roundRect">
             <a:avLst/>
@@ -19626,12 +19727,12 @@
         </p:nvSpPr>
         <p:spPr>
           <a:xfrm rot="5400000">
-            <a:off x="4825893" y="765833"/>
-            <a:ext cx="762000" cy="3218136"/>
+            <a:off x="5124151" y="467574"/>
+            <a:ext cx="759972" cy="3812625"/>
           </a:xfrm>
           <a:prstGeom prst="leftBrace">
             <a:avLst>
-              <a:gd name="adj1" fmla="val 8333"/>
+              <a:gd name="adj1" fmla="val 0"/>
               <a:gd name="adj2" fmla="val 51583"/>
             </a:avLst>
           </a:prstGeom>
@@ -19823,7 +19924,7 @@
         </p:nvSpPr>
         <p:spPr>
           <a:xfrm>
-            <a:off x="4087870" y="1497700"/>
+            <a:off x="3635158" y="1475472"/>
             <a:ext cx="4008380" cy="512960"/>
           </a:xfrm>
           <a:prstGeom prst="rect">
@@ -19845,7 +19946,7 @@
               </a:spcAft>
             </a:pPr>
             <a:r>
-              <a:rPr lang="fr-CA" sz="3200">
+              <a:rPr lang="fr-CA" sz="3200" dirty="0">
                 <a:solidFill>
                   <a:srgbClr val="194E62"/>
                 </a:solidFill>
@@ -19870,2138 +19971,7 @@
 </p:sld>
 </file>
 
-<file path=ppt/slides/slide4.xml><?xml version="1.0" encoding="utf-8"?>
-<p:sld xmlns:a="http://schemas.openxmlformats.org/drawingml/2006/main" xmlns:r="http://schemas.openxmlformats.org/officeDocument/2006/relationships" xmlns:p="http://schemas.openxmlformats.org/presentationml/2006/main">
-  <p:cSld>
-    <p:spTree>
-      <p:nvGrpSpPr>
-        <p:cNvPr id="1" name=""/>
-        <p:cNvGrpSpPr/>
-        <p:nvPr/>
-      </p:nvGrpSpPr>
-      <p:grpSpPr>
-        <a:xfrm>
-          <a:off x="0" y="0"/>
-          <a:ext cx="0" cy="0"/>
-          <a:chOff x="0" y="0"/>
-          <a:chExt cx="0" cy="0"/>
-        </a:xfrm>
-      </p:grpSpPr>
-      <p:sp>
-        <p:nvSpPr>
-          <p:cNvPr id="11267" name="Rectangle 3"/>
-          <p:cNvSpPr>
-            <a:spLocks noGrp="1" noChangeArrowheads="1"/>
-          </p:cNvSpPr>
-          <p:nvPr>
-            <p:ph type="title"/>
-          </p:nvPr>
-        </p:nvSpPr>
-        <p:spPr/>
-        <p:txBody>
-          <a:bodyPr/>
-          <a:lstStyle/>
-          <a:p>
-            <a:pPr eaLnBrk="1" hangingPunct="1"/>
-            <a:r>
-              <a:rPr lang="fr-CA" altLang="en-US">
-                <a:latin typeface="Arial" pitchFamily="34" charset="0"/>
-                <a:ea typeface="ＭＳ Ｐゴシック" pitchFamily="34" charset="-128"/>
-              </a:rPr>
-              <a:t>Bot Pacm pour les </a:t>
-            </a:r>
-            <a:r>
-              <a:rPr lang="fr-CA" altLang="en-US" err="1">
-                <a:latin typeface="Arial" pitchFamily="34" charset="0"/>
-                <a:ea typeface="ＭＳ Ｐゴシック" pitchFamily="34" charset="-128"/>
-              </a:rPr>
-              <a:t>TPs</a:t>
-            </a:r>
-            <a:r>
-              <a:rPr lang="fr-CA" altLang="en-US">
-                <a:latin typeface="Arial" pitchFamily="34" charset="0"/>
-                <a:ea typeface="ＭＳ Ｐゴシック" pitchFamily="34" charset="-128"/>
-              </a:rPr>
-              <a:t> IFT615</a:t>
-            </a:r>
-          </a:p>
-        </p:txBody>
-      </p:sp>
-      <p:sp>
-        <p:nvSpPr>
-          <p:cNvPr id="11269" name="Espace réservé du pied de page 15"/>
-          <p:cNvSpPr>
-            <a:spLocks noGrp="1"/>
-          </p:cNvSpPr>
-          <p:nvPr>
-            <p:ph type="ftr" sz="quarter" idx="10"/>
-          </p:nvPr>
-        </p:nvSpPr>
-        <p:spPr bwMode="auto">
-          <a:noFill/>
-          <a:extLst>
-            <a:ext uri="{909E8E84-426E-40DD-AFC4-6F175D3DCCD1}">
-              <a14:hiddenFill xmlns:a14="http://schemas.microsoft.com/office/drawing/2010/main">
-                <a:solidFill>
-                  <a:srgbClr val="FFFFFF"/>
-                </a:solidFill>
-              </a14:hiddenFill>
-            </a:ext>
-            <a:ext uri="{91240B29-F687-4F45-9708-019B960494DF}">
-              <a14:hiddenLine xmlns:a14="http://schemas.microsoft.com/office/drawing/2010/main" w="9525">
-                <a:solidFill>
-                  <a:srgbClr val="000000"/>
-                </a:solidFill>
-                <a:miter lim="800000"/>
-                <a:headEnd/>
-                <a:tailEnd/>
-              </a14:hiddenLine>
-            </a:ext>
-          </a:extLst>
-        </p:spPr>
-        <p:txBody>
-          <a:bodyPr wrap="square" numCol="1" anchorCtr="0" compatLnSpc="1">
-            <a:prstTxWarp prst="textNoShape">
-              <a:avLst/>
-            </a:prstTxWarp>
-          </a:bodyPr>
-          <a:lstStyle>
-            <a:lvl1pPr>
-              <a:defRPr>
-                <a:solidFill>
-                  <a:schemeClr val="tx1"/>
-                </a:solidFill>
-                <a:latin typeface="Arial" pitchFamily="34" charset="0"/>
-                <a:ea typeface="ＭＳ Ｐゴシック" pitchFamily="34" charset="-128"/>
-              </a:defRPr>
-            </a:lvl1pPr>
-            <a:lvl2pPr marL="742950" indent="-285750">
-              <a:defRPr>
-                <a:solidFill>
-                  <a:schemeClr val="tx1"/>
-                </a:solidFill>
-                <a:latin typeface="Arial" pitchFamily="34" charset="0"/>
-                <a:ea typeface="ＭＳ Ｐゴシック" pitchFamily="34" charset="-128"/>
-              </a:defRPr>
-            </a:lvl2pPr>
-            <a:lvl3pPr marL="1143000" indent="-228600">
-              <a:defRPr>
-                <a:solidFill>
-                  <a:schemeClr val="tx1"/>
-                </a:solidFill>
-                <a:latin typeface="Arial" pitchFamily="34" charset="0"/>
-                <a:ea typeface="ＭＳ Ｐゴシック" pitchFamily="34" charset="-128"/>
-              </a:defRPr>
-            </a:lvl3pPr>
-            <a:lvl4pPr marL="1600200" indent="-228600">
-              <a:defRPr>
-                <a:solidFill>
-                  <a:schemeClr val="tx1"/>
-                </a:solidFill>
-                <a:latin typeface="Arial" pitchFamily="34" charset="0"/>
-                <a:ea typeface="ＭＳ Ｐゴシック" pitchFamily="34" charset="-128"/>
-              </a:defRPr>
-            </a:lvl4pPr>
-            <a:lvl5pPr marL="2057400" indent="-228600">
-              <a:defRPr>
-                <a:solidFill>
-                  <a:schemeClr val="tx1"/>
-                </a:solidFill>
-                <a:latin typeface="Arial" pitchFamily="34" charset="0"/>
-                <a:ea typeface="ＭＳ Ｐゴシック" pitchFamily="34" charset="-128"/>
-              </a:defRPr>
-            </a:lvl5pPr>
-            <a:lvl6pPr marL="2514600" indent="-228600" eaLnBrk="0" fontAlgn="base" hangingPunct="0">
-              <a:spcBef>
-                <a:spcPct val="0"/>
-              </a:spcBef>
-              <a:spcAft>
-                <a:spcPct val="0"/>
-              </a:spcAft>
-              <a:defRPr>
-                <a:solidFill>
-                  <a:schemeClr val="tx1"/>
-                </a:solidFill>
-                <a:latin typeface="Arial" pitchFamily="34" charset="0"/>
-                <a:ea typeface="ＭＳ Ｐゴシック" pitchFamily="34" charset="-128"/>
-              </a:defRPr>
-            </a:lvl6pPr>
-            <a:lvl7pPr marL="2971800" indent="-228600" eaLnBrk="0" fontAlgn="base" hangingPunct="0">
-              <a:spcBef>
-                <a:spcPct val="0"/>
-              </a:spcBef>
-              <a:spcAft>
-                <a:spcPct val="0"/>
-              </a:spcAft>
-              <a:defRPr>
-                <a:solidFill>
-                  <a:schemeClr val="tx1"/>
-                </a:solidFill>
-                <a:latin typeface="Arial" pitchFamily="34" charset="0"/>
-                <a:ea typeface="ＭＳ Ｐゴシック" pitchFamily="34" charset="-128"/>
-              </a:defRPr>
-            </a:lvl7pPr>
-            <a:lvl8pPr marL="3429000" indent="-228600" eaLnBrk="0" fontAlgn="base" hangingPunct="0">
-              <a:spcBef>
-                <a:spcPct val="0"/>
-              </a:spcBef>
-              <a:spcAft>
-                <a:spcPct val="0"/>
-              </a:spcAft>
-              <a:defRPr>
-                <a:solidFill>
-                  <a:schemeClr val="tx1"/>
-                </a:solidFill>
-                <a:latin typeface="Arial" pitchFamily="34" charset="0"/>
-                <a:ea typeface="ＭＳ Ｐゴシック" pitchFamily="34" charset="-128"/>
-              </a:defRPr>
-            </a:lvl8pPr>
-            <a:lvl9pPr marL="3886200" indent="-228600" eaLnBrk="0" fontAlgn="base" hangingPunct="0">
-              <a:spcBef>
-                <a:spcPct val="0"/>
-              </a:spcBef>
-              <a:spcAft>
-                <a:spcPct val="0"/>
-              </a:spcAft>
-              <a:defRPr>
-                <a:solidFill>
-                  <a:schemeClr val="tx1"/>
-                </a:solidFill>
-                <a:latin typeface="Arial" pitchFamily="34" charset="0"/>
-                <a:ea typeface="ＭＳ Ｐゴシック" pitchFamily="34" charset="-128"/>
-              </a:defRPr>
-            </a:lvl9pPr>
-          </a:lstStyle>
-          <a:p>
-            <a:r>
-              <a:rPr lang="de-DE" altLang="en-US">
-                <a:latin typeface="Calibri" pitchFamily="34" charset="0"/>
-              </a:rPr>
-              <a:t>Froduald Kabanza</a:t>
-            </a:r>
-            <a:endParaRPr lang="en-US" altLang="en-US">
-              <a:latin typeface="Calibri" pitchFamily="34" charset="0"/>
-            </a:endParaRPr>
-          </a:p>
-        </p:txBody>
-      </p:sp>
-      <p:sp>
-        <p:nvSpPr>
-          <p:cNvPr id="11270" name="Espace réservé du numéro de diapositive 16"/>
-          <p:cNvSpPr>
-            <a:spLocks noGrp="1"/>
-          </p:cNvSpPr>
-          <p:nvPr>
-            <p:ph type="sldNum" sz="quarter" idx="11"/>
-          </p:nvPr>
-        </p:nvSpPr>
-        <p:spPr bwMode="auto">
-          <a:noFill/>
-          <a:extLst>
-            <a:ext uri="{909E8E84-426E-40DD-AFC4-6F175D3DCCD1}">
-              <a14:hiddenFill xmlns:a14="http://schemas.microsoft.com/office/drawing/2010/main">
-                <a:solidFill>
-                  <a:srgbClr val="FFFFFF"/>
-                </a:solidFill>
-              </a14:hiddenFill>
-            </a:ext>
-            <a:ext uri="{91240B29-F687-4F45-9708-019B960494DF}">
-              <a14:hiddenLine xmlns:a14="http://schemas.microsoft.com/office/drawing/2010/main" w="9525">
-                <a:solidFill>
-                  <a:srgbClr val="000000"/>
-                </a:solidFill>
-                <a:miter lim="800000"/>
-                <a:headEnd/>
-                <a:tailEnd/>
-              </a14:hiddenLine>
-            </a:ext>
-          </a:extLst>
-        </p:spPr>
-        <p:txBody>
-          <a:bodyPr/>
-          <a:lstStyle>
-            <a:lvl1pPr>
-              <a:defRPr>
-                <a:solidFill>
-                  <a:schemeClr val="tx1"/>
-                </a:solidFill>
-                <a:latin typeface="Arial" pitchFamily="34" charset="0"/>
-                <a:ea typeface="ＭＳ Ｐゴシック" pitchFamily="34" charset="-128"/>
-              </a:defRPr>
-            </a:lvl1pPr>
-            <a:lvl2pPr marL="742950" indent="-285750">
-              <a:defRPr>
-                <a:solidFill>
-                  <a:schemeClr val="tx1"/>
-                </a:solidFill>
-                <a:latin typeface="Arial" pitchFamily="34" charset="0"/>
-                <a:ea typeface="ＭＳ Ｐゴシック" pitchFamily="34" charset="-128"/>
-              </a:defRPr>
-            </a:lvl2pPr>
-            <a:lvl3pPr marL="1143000" indent="-228600">
-              <a:defRPr>
-                <a:solidFill>
-                  <a:schemeClr val="tx1"/>
-                </a:solidFill>
-                <a:latin typeface="Arial" pitchFamily="34" charset="0"/>
-                <a:ea typeface="ＭＳ Ｐゴシック" pitchFamily="34" charset="-128"/>
-              </a:defRPr>
-            </a:lvl3pPr>
-            <a:lvl4pPr marL="1600200" indent="-228600">
-              <a:defRPr>
-                <a:solidFill>
-                  <a:schemeClr val="tx1"/>
-                </a:solidFill>
-                <a:latin typeface="Arial" pitchFamily="34" charset="0"/>
-                <a:ea typeface="ＭＳ Ｐゴシック" pitchFamily="34" charset="-128"/>
-              </a:defRPr>
-            </a:lvl4pPr>
-            <a:lvl5pPr marL="2057400" indent="-228600">
-              <a:defRPr>
-                <a:solidFill>
-                  <a:schemeClr val="tx1"/>
-                </a:solidFill>
-                <a:latin typeface="Arial" pitchFamily="34" charset="0"/>
-                <a:ea typeface="ＭＳ Ｐゴシック" pitchFamily="34" charset="-128"/>
-              </a:defRPr>
-            </a:lvl5pPr>
-            <a:lvl6pPr marL="2514600" indent="-228600" eaLnBrk="0" fontAlgn="base" hangingPunct="0">
-              <a:spcBef>
-                <a:spcPct val="0"/>
-              </a:spcBef>
-              <a:spcAft>
-                <a:spcPct val="0"/>
-              </a:spcAft>
-              <a:defRPr>
-                <a:solidFill>
-                  <a:schemeClr val="tx1"/>
-                </a:solidFill>
-                <a:latin typeface="Arial" pitchFamily="34" charset="0"/>
-                <a:ea typeface="ＭＳ Ｐゴシック" pitchFamily="34" charset="-128"/>
-              </a:defRPr>
-            </a:lvl6pPr>
-            <a:lvl7pPr marL="2971800" indent="-228600" eaLnBrk="0" fontAlgn="base" hangingPunct="0">
-              <a:spcBef>
-                <a:spcPct val="0"/>
-              </a:spcBef>
-              <a:spcAft>
-                <a:spcPct val="0"/>
-              </a:spcAft>
-              <a:defRPr>
-                <a:solidFill>
-                  <a:schemeClr val="tx1"/>
-                </a:solidFill>
-                <a:latin typeface="Arial" pitchFamily="34" charset="0"/>
-                <a:ea typeface="ＭＳ Ｐゴシック" pitchFamily="34" charset="-128"/>
-              </a:defRPr>
-            </a:lvl7pPr>
-            <a:lvl8pPr marL="3429000" indent="-228600" eaLnBrk="0" fontAlgn="base" hangingPunct="0">
-              <a:spcBef>
-                <a:spcPct val="0"/>
-              </a:spcBef>
-              <a:spcAft>
-                <a:spcPct val="0"/>
-              </a:spcAft>
-              <a:defRPr>
-                <a:solidFill>
-                  <a:schemeClr val="tx1"/>
-                </a:solidFill>
-                <a:latin typeface="Arial" pitchFamily="34" charset="0"/>
-                <a:ea typeface="ＭＳ Ｐゴシック" pitchFamily="34" charset="-128"/>
-              </a:defRPr>
-            </a:lvl8pPr>
-            <a:lvl9pPr marL="3886200" indent="-228600" eaLnBrk="0" fontAlgn="base" hangingPunct="0">
-              <a:spcBef>
-                <a:spcPct val="0"/>
-              </a:spcBef>
-              <a:spcAft>
-                <a:spcPct val="0"/>
-              </a:spcAft>
-              <a:defRPr>
-                <a:solidFill>
-                  <a:schemeClr val="tx1"/>
-                </a:solidFill>
-                <a:latin typeface="Arial" pitchFamily="34" charset="0"/>
-                <a:ea typeface="ＭＳ Ｐゴシック" pitchFamily="34" charset="-128"/>
-              </a:defRPr>
-            </a:lvl9pPr>
-          </a:lstStyle>
-          <a:p>
-            <a:fld id="{6488164F-D671-48E8-95F2-8778AC12C14F}" type="slidenum">
-              <a:rPr lang="en-US" altLang="en-US" smtClean="0">
-                <a:latin typeface="Calibri" pitchFamily="34" charset="0"/>
-              </a:rPr>
-              <a:pPr/>
-              <a:t>4</a:t>
-            </a:fld>
-            <a:endParaRPr lang="en-US" altLang="en-US">
-              <a:latin typeface="Calibri" pitchFamily="34" charset="0"/>
-            </a:endParaRPr>
-          </a:p>
-        </p:txBody>
-      </p:sp>
-      <p:sp>
-        <p:nvSpPr>
-          <p:cNvPr id="11268" name="Espace réservé de la date 14"/>
-          <p:cNvSpPr>
-            <a:spLocks noGrp="1"/>
-          </p:cNvSpPr>
-          <p:nvPr>
-            <p:ph type="dt" sz="half" idx="12"/>
-          </p:nvPr>
-        </p:nvSpPr>
-        <p:spPr bwMode="auto">
-          <a:noFill/>
-          <a:extLst>
-            <a:ext uri="{909E8E84-426E-40DD-AFC4-6F175D3DCCD1}">
-              <a14:hiddenFill xmlns:a14="http://schemas.microsoft.com/office/drawing/2010/main">
-                <a:solidFill>
-                  <a:srgbClr val="FFFFFF"/>
-                </a:solidFill>
-              </a14:hiddenFill>
-            </a:ext>
-            <a:ext uri="{91240B29-F687-4F45-9708-019B960494DF}">
-              <a14:hiddenLine xmlns:a14="http://schemas.microsoft.com/office/drawing/2010/main" w="9525">
-                <a:solidFill>
-                  <a:srgbClr val="000000"/>
-                </a:solidFill>
-                <a:miter lim="800000"/>
-                <a:headEnd/>
-                <a:tailEnd/>
-              </a14:hiddenLine>
-            </a:ext>
-          </a:extLst>
-        </p:spPr>
-        <p:txBody>
-          <a:bodyPr wrap="square" numCol="1" anchorCtr="0" compatLnSpc="1">
-            <a:prstTxWarp prst="textNoShape">
-              <a:avLst/>
-            </a:prstTxWarp>
-          </a:bodyPr>
-          <a:lstStyle>
-            <a:lvl1pPr>
-              <a:defRPr>
-                <a:solidFill>
-                  <a:schemeClr val="tx1"/>
-                </a:solidFill>
-                <a:latin typeface="Arial" pitchFamily="34" charset="0"/>
-                <a:ea typeface="ＭＳ Ｐゴシック" pitchFamily="34" charset="-128"/>
-              </a:defRPr>
-            </a:lvl1pPr>
-            <a:lvl2pPr marL="742950" indent="-285750">
-              <a:defRPr>
-                <a:solidFill>
-                  <a:schemeClr val="tx1"/>
-                </a:solidFill>
-                <a:latin typeface="Arial" pitchFamily="34" charset="0"/>
-                <a:ea typeface="ＭＳ Ｐゴシック" pitchFamily="34" charset="-128"/>
-              </a:defRPr>
-            </a:lvl2pPr>
-            <a:lvl3pPr marL="1143000" indent="-228600">
-              <a:defRPr>
-                <a:solidFill>
-                  <a:schemeClr val="tx1"/>
-                </a:solidFill>
-                <a:latin typeface="Arial" pitchFamily="34" charset="0"/>
-                <a:ea typeface="ＭＳ Ｐゴシック" pitchFamily="34" charset="-128"/>
-              </a:defRPr>
-            </a:lvl3pPr>
-            <a:lvl4pPr marL="1600200" indent="-228600">
-              <a:defRPr>
-                <a:solidFill>
-                  <a:schemeClr val="tx1"/>
-                </a:solidFill>
-                <a:latin typeface="Arial" pitchFamily="34" charset="0"/>
-                <a:ea typeface="ＭＳ Ｐゴシック" pitchFamily="34" charset="-128"/>
-              </a:defRPr>
-            </a:lvl4pPr>
-            <a:lvl5pPr marL="2057400" indent="-228600">
-              <a:defRPr>
-                <a:solidFill>
-                  <a:schemeClr val="tx1"/>
-                </a:solidFill>
-                <a:latin typeface="Arial" pitchFamily="34" charset="0"/>
-                <a:ea typeface="ＭＳ Ｐゴシック" pitchFamily="34" charset="-128"/>
-              </a:defRPr>
-            </a:lvl5pPr>
-            <a:lvl6pPr marL="2514600" indent="-228600" eaLnBrk="0" fontAlgn="base" hangingPunct="0">
-              <a:spcBef>
-                <a:spcPct val="0"/>
-              </a:spcBef>
-              <a:spcAft>
-                <a:spcPct val="0"/>
-              </a:spcAft>
-              <a:defRPr>
-                <a:solidFill>
-                  <a:schemeClr val="tx1"/>
-                </a:solidFill>
-                <a:latin typeface="Arial" pitchFamily="34" charset="0"/>
-                <a:ea typeface="ＭＳ Ｐゴシック" pitchFamily="34" charset="-128"/>
-              </a:defRPr>
-            </a:lvl6pPr>
-            <a:lvl7pPr marL="2971800" indent="-228600" eaLnBrk="0" fontAlgn="base" hangingPunct="0">
-              <a:spcBef>
-                <a:spcPct val="0"/>
-              </a:spcBef>
-              <a:spcAft>
-                <a:spcPct val="0"/>
-              </a:spcAft>
-              <a:defRPr>
-                <a:solidFill>
-                  <a:schemeClr val="tx1"/>
-                </a:solidFill>
-                <a:latin typeface="Arial" pitchFamily="34" charset="0"/>
-                <a:ea typeface="ＭＳ Ｐゴシック" pitchFamily="34" charset="-128"/>
-              </a:defRPr>
-            </a:lvl7pPr>
-            <a:lvl8pPr marL="3429000" indent="-228600" eaLnBrk="0" fontAlgn="base" hangingPunct="0">
-              <a:spcBef>
-                <a:spcPct val="0"/>
-              </a:spcBef>
-              <a:spcAft>
-                <a:spcPct val="0"/>
-              </a:spcAft>
-              <a:defRPr>
-                <a:solidFill>
-                  <a:schemeClr val="tx1"/>
-                </a:solidFill>
-                <a:latin typeface="Arial" pitchFamily="34" charset="0"/>
-                <a:ea typeface="ＭＳ Ｐゴシック" pitchFamily="34" charset="-128"/>
-              </a:defRPr>
-            </a:lvl8pPr>
-            <a:lvl9pPr marL="3886200" indent="-228600" eaLnBrk="0" fontAlgn="base" hangingPunct="0">
-              <a:spcBef>
-                <a:spcPct val="0"/>
-              </a:spcBef>
-              <a:spcAft>
-                <a:spcPct val="0"/>
-              </a:spcAft>
-              <a:defRPr>
-                <a:solidFill>
-                  <a:schemeClr val="tx1"/>
-                </a:solidFill>
-                <a:latin typeface="Arial" pitchFamily="34" charset="0"/>
-                <a:ea typeface="ＭＳ Ｐゴシック" pitchFamily="34" charset="-128"/>
-              </a:defRPr>
-            </a:lvl9pPr>
-          </a:lstStyle>
-          <a:p>
-            <a:r>
-              <a:rPr lang="fr-CA" altLang="en-US">
-                <a:latin typeface="Calibri" pitchFamily="34" charset="0"/>
-              </a:rPr>
-              <a:t>IFT 615</a:t>
-            </a:r>
-            <a:endParaRPr lang="en-US" altLang="en-US">
-              <a:latin typeface="Calibri" pitchFamily="34" charset="0"/>
-            </a:endParaRPr>
-          </a:p>
-        </p:txBody>
-      </p:sp>
-      <p:pic>
-        <p:nvPicPr>
-          <p:cNvPr id="2" name="Picture 1"/>
-          <p:cNvPicPr>
-            <a:picLocks noChangeAspect="1"/>
-          </p:cNvPicPr>
-          <p:nvPr/>
-        </p:nvPicPr>
-        <p:blipFill>
-          <a:blip r:embed="rId2">
-            <a:extLst>
-              <a:ext uri="{28A0092B-C50C-407E-A947-70E740481C1C}">
-                <a14:useLocalDpi xmlns:a14="http://schemas.microsoft.com/office/drawing/2010/main" val="0"/>
-              </a:ext>
-            </a:extLst>
-          </a:blip>
-          <a:stretch>
-            <a:fillRect/>
-          </a:stretch>
-        </p:blipFill>
-        <p:spPr>
-          <a:xfrm>
-            <a:off x="1074824" y="1923136"/>
-            <a:ext cx="7341567" cy="3250113"/>
-          </a:xfrm>
-          <a:prstGeom prst="rect">
-            <a:avLst/>
-          </a:prstGeom>
-        </p:spPr>
-      </p:pic>
-    </p:spTree>
-  </p:cSld>
-  <p:clrMapOvr>
-    <a:masterClrMapping/>
-  </p:clrMapOvr>
-</p:sld>
-</file>
-
-<file path=ppt/slides/slide5.xml><?xml version="1.0" encoding="utf-8"?>
-<p:sld xmlns:a="http://schemas.openxmlformats.org/drawingml/2006/main" xmlns:r="http://schemas.openxmlformats.org/officeDocument/2006/relationships" xmlns:p="http://schemas.openxmlformats.org/presentationml/2006/main">
-  <p:cSld>
-    <p:spTree>
-      <p:nvGrpSpPr>
-        <p:cNvPr id="1" name=""/>
-        <p:cNvGrpSpPr/>
-        <p:nvPr/>
-      </p:nvGrpSpPr>
-      <p:grpSpPr>
-        <a:xfrm>
-          <a:off x="0" y="0"/>
-          <a:ext cx="0" cy="0"/>
-          <a:chOff x="0" y="0"/>
-          <a:chExt cx="0" cy="0"/>
-        </a:xfrm>
-      </p:grpSpPr>
-      <p:sp>
-        <p:nvSpPr>
-          <p:cNvPr id="11267" name="Rectangle 3"/>
-          <p:cNvSpPr>
-            <a:spLocks noGrp="1" noChangeArrowheads="1"/>
-          </p:cNvSpPr>
-          <p:nvPr>
-            <p:ph type="title"/>
-          </p:nvPr>
-        </p:nvSpPr>
-        <p:spPr>
-          <a:xfrm>
-            <a:off x="230187" y="311150"/>
-            <a:ext cx="8683625" cy="990600"/>
-          </a:xfrm>
-        </p:spPr>
-        <p:txBody>
-          <a:bodyPr/>
-          <a:lstStyle/>
-          <a:p>
-            <a:pPr eaLnBrk="1" hangingPunct="1"/>
-            <a:r>
-              <a:rPr lang="fr-CA" altLang="en-US">
-                <a:latin typeface="Arial" pitchFamily="34" charset="0"/>
-                <a:ea typeface="ＭＳ Ｐゴシック" pitchFamily="34" charset="-128"/>
-              </a:rPr>
-              <a:t>Bot générique pour la théorie IFT615</a:t>
-            </a:r>
-          </a:p>
-        </p:txBody>
-      </p:sp>
-      <p:sp>
-        <p:nvSpPr>
-          <p:cNvPr id="11269" name="Espace réservé du pied de page 15"/>
-          <p:cNvSpPr>
-            <a:spLocks noGrp="1"/>
-          </p:cNvSpPr>
-          <p:nvPr>
-            <p:ph type="ftr" sz="quarter" idx="10"/>
-          </p:nvPr>
-        </p:nvSpPr>
-        <p:spPr bwMode="auto">
-          <a:noFill/>
-          <a:extLst>
-            <a:ext uri="{909E8E84-426E-40DD-AFC4-6F175D3DCCD1}">
-              <a14:hiddenFill xmlns:a14="http://schemas.microsoft.com/office/drawing/2010/main">
-                <a:solidFill>
-                  <a:srgbClr val="FFFFFF"/>
-                </a:solidFill>
-              </a14:hiddenFill>
-            </a:ext>
-            <a:ext uri="{91240B29-F687-4F45-9708-019B960494DF}">
-              <a14:hiddenLine xmlns:a14="http://schemas.microsoft.com/office/drawing/2010/main" w="9525">
-                <a:solidFill>
-                  <a:srgbClr val="000000"/>
-                </a:solidFill>
-                <a:miter lim="800000"/>
-                <a:headEnd/>
-                <a:tailEnd/>
-              </a14:hiddenLine>
-            </a:ext>
-          </a:extLst>
-        </p:spPr>
-        <p:txBody>
-          <a:bodyPr wrap="square" numCol="1" anchorCtr="0" compatLnSpc="1">
-            <a:prstTxWarp prst="textNoShape">
-              <a:avLst/>
-            </a:prstTxWarp>
-          </a:bodyPr>
-          <a:lstStyle>
-            <a:lvl1pPr>
-              <a:defRPr>
-                <a:solidFill>
-                  <a:schemeClr val="tx1"/>
-                </a:solidFill>
-                <a:latin typeface="Arial" pitchFamily="34" charset="0"/>
-                <a:ea typeface="ＭＳ Ｐゴシック" pitchFamily="34" charset="-128"/>
-              </a:defRPr>
-            </a:lvl1pPr>
-            <a:lvl2pPr marL="742950" indent="-285750">
-              <a:defRPr>
-                <a:solidFill>
-                  <a:schemeClr val="tx1"/>
-                </a:solidFill>
-                <a:latin typeface="Arial" pitchFamily="34" charset="0"/>
-                <a:ea typeface="ＭＳ Ｐゴシック" pitchFamily="34" charset="-128"/>
-              </a:defRPr>
-            </a:lvl2pPr>
-            <a:lvl3pPr marL="1143000" indent="-228600">
-              <a:defRPr>
-                <a:solidFill>
-                  <a:schemeClr val="tx1"/>
-                </a:solidFill>
-                <a:latin typeface="Arial" pitchFamily="34" charset="0"/>
-                <a:ea typeface="ＭＳ Ｐゴシック" pitchFamily="34" charset="-128"/>
-              </a:defRPr>
-            </a:lvl3pPr>
-            <a:lvl4pPr marL="1600200" indent="-228600">
-              <a:defRPr>
-                <a:solidFill>
-                  <a:schemeClr val="tx1"/>
-                </a:solidFill>
-                <a:latin typeface="Arial" pitchFamily="34" charset="0"/>
-                <a:ea typeface="ＭＳ Ｐゴシック" pitchFamily="34" charset="-128"/>
-              </a:defRPr>
-            </a:lvl4pPr>
-            <a:lvl5pPr marL="2057400" indent="-228600">
-              <a:defRPr>
-                <a:solidFill>
-                  <a:schemeClr val="tx1"/>
-                </a:solidFill>
-                <a:latin typeface="Arial" pitchFamily="34" charset="0"/>
-                <a:ea typeface="ＭＳ Ｐゴシック" pitchFamily="34" charset="-128"/>
-              </a:defRPr>
-            </a:lvl5pPr>
-            <a:lvl6pPr marL="2514600" indent="-228600" eaLnBrk="0" fontAlgn="base" hangingPunct="0">
-              <a:spcBef>
-                <a:spcPct val="0"/>
-              </a:spcBef>
-              <a:spcAft>
-                <a:spcPct val="0"/>
-              </a:spcAft>
-              <a:defRPr>
-                <a:solidFill>
-                  <a:schemeClr val="tx1"/>
-                </a:solidFill>
-                <a:latin typeface="Arial" pitchFamily="34" charset="0"/>
-                <a:ea typeface="ＭＳ Ｐゴシック" pitchFamily="34" charset="-128"/>
-              </a:defRPr>
-            </a:lvl6pPr>
-            <a:lvl7pPr marL="2971800" indent="-228600" eaLnBrk="0" fontAlgn="base" hangingPunct="0">
-              <a:spcBef>
-                <a:spcPct val="0"/>
-              </a:spcBef>
-              <a:spcAft>
-                <a:spcPct val="0"/>
-              </a:spcAft>
-              <a:defRPr>
-                <a:solidFill>
-                  <a:schemeClr val="tx1"/>
-                </a:solidFill>
-                <a:latin typeface="Arial" pitchFamily="34" charset="0"/>
-                <a:ea typeface="ＭＳ Ｐゴシック" pitchFamily="34" charset="-128"/>
-              </a:defRPr>
-            </a:lvl7pPr>
-            <a:lvl8pPr marL="3429000" indent="-228600" eaLnBrk="0" fontAlgn="base" hangingPunct="0">
-              <a:spcBef>
-                <a:spcPct val="0"/>
-              </a:spcBef>
-              <a:spcAft>
-                <a:spcPct val="0"/>
-              </a:spcAft>
-              <a:defRPr>
-                <a:solidFill>
-                  <a:schemeClr val="tx1"/>
-                </a:solidFill>
-                <a:latin typeface="Arial" pitchFamily="34" charset="0"/>
-                <a:ea typeface="ＭＳ Ｐゴシック" pitchFamily="34" charset="-128"/>
-              </a:defRPr>
-            </a:lvl8pPr>
-            <a:lvl9pPr marL="3886200" indent="-228600" eaLnBrk="0" fontAlgn="base" hangingPunct="0">
-              <a:spcBef>
-                <a:spcPct val="0"/>
-              </a:spcBef>
-              <a:spcAft>
-                <a:spcPct val="0"/>
-              </a:spcAft>
-              <a:defRPr>
-                <a:solidFill>
-                  <a:schemeClr val="tx1"/>
-                </a:solidFill>
-                <a:latin typeface="Arial" pitchFamily="34" charset="0"/>
-                <a:ea typeface="ＭＳ Ｐゴシック" pitchFamily="34" charset="-128"/>
-              </a:defRPr>
-            </a:lvl9pPr>
-          </a:lstStyle>
-          <a:p>
-            <a:r>
-              <a:rPr lang="de-DE" altLang="en-US">
-                <a:latin typeface="Calibri" pitchFamily="34" charset="0"/>
-              </a:rPr>
-              <a:t>Froduald Kabanza</a:t>
-            </a:r>
-            <a:endParaRPr lang="en-US" altLang="en-US">
-              <a:latin typeface="Calibri" pitchFamily="34" charset="0"/>
-            </a:endParaRPr>
-          </a:p>
-        </p:txBody>
-      </p:sp>
-      <p:sp>
-        <p:nvSpPr>
-          <p:cNvPr id="11270" name="Espace réservé du numéro de diapositive 16"/>
-          <p:cNvSpPr>
-            <a:spLocks noGrp="1"/>
-          </p:cNvSpPr>
-          <p:nvPr>
-            <p:ph type="sldNum" sz="quarter" idx="11"/>
-          </p:nvPr>
-        </p:nvSpPr>
-        <p:spPr bwMode="auto">
-          <a:noFill/>
-          <a:extLst>
-            <a:ext uri="{909E8E84-426E-40DD-AFC4-6F175D3DCCD1}">
-              <a14:hiddenFill xmlns:a14="http://schemas.microsoft.com/office/drawing/2010/main">
-                <a:solidFill>
-                  <a:srgbClr val="FFFFFF"/>
-                </a:solidFill>
-              </a14:hiddenFill>
-            </a:ext>
-            <a:ext uri="{91240B29-F687-4F45-9708-019B960494DF}">
-              <a14:hiddenLine xmlns:a14="http://schemas.microsoft.com/office/drawing/2010/main" w="9525">
-                <a:solidFill>
-                  <a:srgbClr val="000000"/>
-                </a:solidFill>
-                <a:miter lim="800000"/>
-                <a:headEnd/>
-                <a:tailEnd/>
-              </a14:hiddenLine>
-            </a:ext>
-          </a:extLst>
-        </p:spPr>
-        <p:txBody>
-          <a:bodyPr/>
-          <a:lstStyle>
-            <a:lvl1pPr>
-              <a:defRPr>
-                <a:solidFill>
-                  <a:schemeClr val="tx1"/>
-                </a:solidFill>
-                <a:latin typeface="Arial" pitchFamily="34" charset="0"/>
-                <a:ea typeface="ＭＳ Ｐゴシック" pitchFamily="34" charset="-128"/>
-              </a:defRPr>
-            </a:lvl1pPr>
-            <a:lvl2pPr marL="742950" indent="-285750">
-              <a:defRPr>
-                <a:solidFill>
-                  <a:schemeClr val="tx1"/>
-                </a:solidFill>
-                <a:latin typeface="Arial" pitchFamily="34" charset="0"/>
-                <a:ea typeface="ＭＳ Ｐゴシック" pitchFamily="34" charset="-128"/>
-              </a:defRPr>
-            </a:lvl2pPr>
-            <a:lvl3pPr marL="1143000" indent="-228600">
-              <a:defRPr>
-                <a:solidFill>
-                  <a:schemeClr val="tx1"/>
-                </a:solidFill>
-                <a:latin typeface="Arial" pitchFamily="34" charset="0"/>
-                <a:ea typeface="ＭＳ Ｐゴシック" pitchFamily="34" charset="-128"/>
-              </a:defRPr>
-            </a:lvl3pPr>
-            <a:lvl4pPr marL="1600200" indent="-228600">
-              <a:defRPr>
-                <a:solidFill>
-                  <a:schemeClr val="tx1"/>
-                </a:solidFill>
-                <a:latin typeface="Arial" pitchFamily="34" charset="0"/>
-                <a:ea typeface="ＭＳ Ｐゴシック" pitchFamily="34" charset="-128"/>
-              </a:defRPr>
-            </a:lvl4pPr>
-            <a:lvl5pPr marL="2057400" indent="-228600">
-              <a:defRPr>
-                <a:solidFill>
-                  <a:schemeClr val="tx1"/>
-                </a:solidFill>
-                <a:latin typeface="Arial" pitchFamily="34" charset="0"/>
-                <a:ea typeface="ＭＳ Ｐゴシック" pitchFamily="34" charset="-128"/>
-              </a:defRPr>
-            </a:lvl5pPr>
-            <a:lvl6pPr marL="2514600" indent="-228600" eaLnBrk="0" fontAlgn="base" hangingPunct="0">
-              <a:spcBef>
-                <a:spcPct val="0"/>
-              </a:spcBef>
-              <a:spcAft>
-                <a:spcPct val="0"/>
-              </a:spcAft>
-              <a:defRPr>
-                <a:solidFill>
-                  <a:schemeClr val="tx1"/>
-                </a:solidFill>
-                <a:latin typeface="Arial" pitchFamily="34" charset="0"/>
-                <a:ea typeface="ＭＳ Ｐゴシック" pitchFamily="34" charset="-128"/>
-              </a:defRPr>
-            </a:lvl6pPr>
-            <a:lvl7pPr marL="2971800" indent="-228600" eaLnBrk="0" fontAlgn="base" hangingPunct="0">
-              <a:spcBef>
-                <a:spcPct val="0"/>
-              </a:spcBef>
-              <a:spcAft>
-                <a:spcPct val="0"/>
-              </a:spcAft>
-              <a:defRPr>
-                <a:solidFill>
-                  <a:schemeClr val="tx1"/>
-                </a:solidFill>
-                <a:latin typeface="Arial" pitchFamily="34" charset="0"/>
-                <a:ea typeface="ＭＳ Ｐゴシック" pitchFamily="34" charset="-128"/>
-              </a:defRPr>
-            </a:lvl7pPr>
-            <a:lvl8pPr marL="3429000" indent="-228600" eaLnBrk="0" fontAlgn="base" hangingPunct="0">
-              <a:spcBef>
-                <a:spcPct val="0"/>
-              </a:spcBef>
-              <a:spcAft>
-                <a:spcPct val="0"/>
-              </a:spcAft>
-              <a:defRPr>
-                <a:solidFill>
-                  <a:schemeClr val="tx1"/>
-                </a:solidFill>
-                <a:latin typeface="Arial" pitchFamily="34" charset="0"/>
-                <a:ea typeface="ＭＳ Ｐゴシック" pitchFamily="34" charset="-128"/>
-              </a:defRPr>
-            </a:lvl8pPr>
-            <a:lvl9pPr marL="3886200" indent="-228600" eaLnBrk="0" fontAlgn="base" hangingPunct="0">
-              <a:spcBef>
-                <a:spcPct val="0"/>
-              </a:spcBef>
-              <a:spcAft>
-                <a:spcPct val="0"/>
-              </a:spcAft>
-              <a:defRPr>
-                <a:solidFill>
-                  <a:schemeClr val="tx1"/>
-                </a:solidFill>
-                <a:latin typeface="Arial" pitchFamily="34" charset="0"/>
-                <a:ea typeface="ＭＳ Ｐゴシック" pitchFamily="34" charset="-128"/>
-              </a:defRPr>
-            </a:lvl9pPr>
-          </a:lstStyle>
-          <a:p>
-            <a:fld id="{6488164F-D671-48E8-95F2-8778AC12C14F}" type="slidenum">
-              <a:rPr lang="en-US" altLang="en-US" smtClean="0">
-                <a:latin typeface="Calibri" pitchFamily="34" charset="0"/>
-              </a:rPr>
-              <a:pPr/>
-              <a:t>5</a:t>
-            </a:fld>
-            <a:endParaRPr lang="en-US" altLang="en-US">
-              <a:latin typeface="Calibri" pitchFamily="34" charset="0"/>
-            </a:endParaRPr>
-          </a:p>
-        </p:txBody>
-      </p:sp>
-      <p:sp>
-        <p:nvSpPr>
-          <p:cNvPr id="11268" name="Espace réservé de la date 14"/>
-          <p:cNvSpPr>
-            <a:spLocks noGrp="1"/>
-          </p:cNvSpPr>
-          <p:nvPr>
-            <p:ph type="dt" sz="half" idx="12"/>
-          </p:nvPr>
-        </p:nvSpPr>
-        <p:spPr bwMode="auto">
-          <a:noFill/>
-          <a:extLst>
-            <a:ext uri="{909E8E84-426E-40DD-AFC4-6F175D3DCCD1}">
-              <a14:hiddenFill xmlns:a14="http://schemas.microsoft.com/office/drawing/2010/main">
-                <a:solidFill>
-                  <a:srgbClr val="FFFFFF"/>
-                </a:solidFill>
-              </a14:hiddenFill>
-            </a:ext>
-            <a:ext uri="{91240B29-F687-4F45-9708-019B960494DF}">
-              <a14:hiddenLine xmlns:a14="http://schemas.microsoft.com/office/drawing/2010/main" w="9525">
-                <a:solidFill>
-                  <a:srgbClr val="000000"/>
-                </a:solidFill>
-                <a:miter lim="800000"/>
-                <a:headEnd/>
-                <a:tailEnd/>
-              </a14:hiddenLine>
-            </a:ext>
-          </a:extLst>
-        </p:spPr>
-        <p:txBody>
-          <a:bodyPr wrap="square" numCol="1" anchorCtr="0" compatLnSpc="1">
-            <a:prstTxWarp prst="textNoShape">
-              <a:avLst/>
-            </a:prstTxWarp>
-          </a:bodyPr>
-          <a:lstStyle>
-            <a:lvl1pPr>
-              <a:defRPr>
-                <a:solidFill>
-                  <a:schemeClr val="tx1"/>
-                </a:solidFill>
-                <a:latin typeface="Arial" pitchFamily="34" charset="0"/>
-                <a:ea typeface="ＭＳ Ｐゴシック" pitchFamily="34" charset="-128"/>
-              </a:defRPr>
-            </a:lvl1pPr>
-            <a:lvl2pPr marL="742950" indent="-285750">
-              <a:defRPr>
-                <a:solidFill>
-                  <a:schemeClr val="tx1"/>
-                </a:solidFill>
-                <a:latin typeface="Arial" pitchFamily="34" charset="0"/>
-                <a:ea typeface="ＭＳ Ｐゴシック" pitchFamily="34" charset="-128"/>
-              </a:defRPr>
-            </a:lvl2pPr>
-            <a:lvl3pPr marL="1143000" indent="-228600">
-              <a:defRPr>
-                <a:solidFill>
-                  <a:schemeClr val="tx1"/>
-                </a:solidFill>
-                <a:latin typeface="Arial" pitchFamily="34" charset="0"/>
-                <a:ea typeface="ＭＳ Ｐゴシック" pitchFamily="34" charset="-128"/>
-              </a:defRPr>
-            </a:lvl3pPr>
-            <a:lvl4pPr marL="1600200" indent="-228600">
-              <a:defRPr>
-                <a:solidFill>
-                  <a:schemeClr val="tx1"/>
-                </a:solidFill>
-                <a:latin typeface="Arial" pitchFamily="34" charset="0"/>
-                <a:ea typeface="ＭＳ Ｐゴシック" pitchFamily="34" charset="-128"/>
-              </a:defRPr>
-            </a:lvl4pPr>
-            <a:lvl5pPr marL="2057400" indent="-228600">
-              <a:defRPr>
-                <a:solidFill>
-                  <a:schemeClr val="tx1"/>
-                </a:solidFill>
-                <a:latin typeface="Arial" pitchFamily="34" charset="0"/>
-                <a:ea typeface="ＭＳ Ｐゴシック" pitchFamily="34" charset="-128"/>
-              </a:defRPr>
-            </a:lvl5pPr>
-            <a:lvl6pPr marL="2514600" indent="-228600" eaLnBrk="0" fontAlgn="base" hangingPunct="0">
-              <a:spcBef>
-                <a:spcPct val="0"/>
-              </a:spcBef>
-              <a:spcAft>
-                <a:spcPct val="0"/>
-              </a:spcAft>
-              <a:defRPr>
-                <a:solidFill>
-                  <a:schemeClr val="tx1"/>
-                </a:solidFill>
-                <a:latin typeface="Arial" pitchFamily="34" charset="0"/>
-                <a:ea typeface="ＭＳ Ｐゴシック" pitchFamily="34" charset="-128"/>
-              </a:defRPr>
-            </a:lvl6pPr>
-            <a:lvl7pPr marL="2971800" indent="-228600" eaLnBrk="0" fontAlgn="base" hangingPunct="0">
-              <a:spcBef>
-                <a:spcPct val="0"/>
-              </a:spcBef>
-              <a:spcAft>
-                <a:spcPct val="0"/>
-              </a:spcAft>
-              <a:defRPr>
-                <a:solidFill>
-                  <a:schemeClr val="tx1"/>
-                </a:solidFill>
-                <a:latin typeface="Arial" pitchFamily="34" charset="0"/>
-                <a:ea typeface="ＭＳ Ｐゴシック" pitchFamily="34" charset="-128"/>
-              </a:defRPr>
-            </a:lvl7pPr>
-            <a:lvl8pPr marL="3429000" indent="-228600" eaLnBrk="0" fontAlgn="base" hangingPunct="0">
-              <a:spcBef>
-                <a:spcPct val="0"/>
-              </a:spcBef>
-              <a:spcAft>
-                <a:spcPct val="0"/>
-              </a:spcAft>
-              <a:defRPr>
-                <a:solidFill>
-                  <a:schemeClr val="tx1"/>
-                </a:solidFill>
-                <a:latin typeface="Arial" pitchFamily="34" charset="0"/>
-                <a:ea typeface="ＭＳ Ｐゴシック" pitchFamily="34" charset="-128"/>
-              </a:defRPr>
-            </a:lvl8pPr>
-            <a:lvl9pPr marL="3886200" indent="-228600" eaLnBrk="0" fontAlgn="base" hangingPunct="0">
-              <a:spcBef>
-                <a:spcPct val="0"/>
-              </a:spcBef>
-              <a:spcAft>
-                <a:spcPct val="0"/>
-              </a:spcAft>
-              <a:defRPr>
-                <a:solidFill>
-                  <a:schemeClr val="tx1"/>
-                </a:solidFill>
-                <a:latin typeface="Arial" pitchFamily="34" charset="0"/>
-                <a:ea typeface="ＭＳ Ｐゴシック" pitchFamily="34" charset="-128"/>
-              </a:defRPr>
-            </a:lvl9pPr>
-          </a:lstStyle>
-          <a:p>
-            <a:r>
-              <a:rPr lang="fr-CA" altLang="en-US">
-                <a:latin typeface="Calibri" pitchFamily="34" charset="0"/>
-              </a:rPr>
-              <a:t>IFT 615</a:t>
-            </a:r>
-            <a:endParaRPr lang="en-US" altLang="en-US">
-              <a:latin typeface="Calibri" pitchFamily="34" charset="0"/>
-            </a:endParaRPr>
-          </a:p>
-        </p:txBody>
-      </p:sp>
-      <p:pic>
-        <p:nvPicPr>
-          <p:cNvPr id="3" name="Picture 2"/>
-          <p:cNvPicPr>
-            <a:picLocks noChangeAspect="1"/>
-          </p:cNvPicPr>
-          <p:nvPr/>
-        </p:nvPicPr>
-        <p:blipFill>
-          <a:blip r:embed="rId2"/>
-          <a:stretch>
-            <a:fillRect/>
-          </a:stretch>
-        </p:blipFill>
-        <p:spPr>
-          <a:xfrm>
-            <a:off x="1445658" y="1893629"/>
-            <a:ext cx="6252684" cy="2812841"/>
-          </a:xfrm>
-          <a:prstGeom prst="rect">
-            <a:avLst/>
-          </a:prstGeom>
-        </p:spPr>
-      </p:pic>
-    </p:spTree>
-    <p:extLst>
-      <p:ext uri="{BB962C8B-B14F-4D97-AF65-F5344CB8AC3E}">
-        <p14:creationId xmlns:p14="http://schemas.microsoft.com/office/powerpoint/2010/main" val="1152797728"/>
-      </p:ext>
-    </p:extLst>
-  </p:cSld>
-  <p:clrMapOvr>
-    <a:masterClrMapping/>
-  </p:clrMapOvr>
-</p:sld>
-</file>
-
 <file path=ppt/slides/slide6.xml><?xml version="1.0" encoding="utf-8"?>
-<p:sld xmlns:a="http://schemas.openxmlformats.org/drawingml/2006/main" xmlns:r="http://schemas.openxmlformats.org/officeDocument/2006/relationships" xmlns:p="http://schemas.openxmlformats.org/presentationml/2006/main">
-  <p:cSld>
-    <p:spTree>
-      <p:nvGrpSpPr>
-        <p:cNvPr id="1" name=""/>
-        <p:cNvGrpSpPr/>
-        <p:nvPr/>
-      </p:nvGrpSpPr>
-      <p:grpSpPr>
-        <a:xfrm>
-          <a:off x="0" y="0"/>
-          <a:ext cx="0" cy="0"/>
-          <a:chOff x="0" y="0"/>
-          <a:chExt cx="0" cy="0"/>
-        </a:xfrm>
-      </p:grpSpPr>
-      <p:sp>
-        <p:nvSpPr>
-          <p:cNvPr id="7170" name="Rectangle 3"/>
-          <p:cNvSpPr>
-            <a:spLocks noGrp="1" noChangeArrowheads="1"/>
-          </p:cNvSpPr>
-          <p:nvPr>
-            <p:ph type="title"/>
-          </p:nvPr>
-        </p:nvSpPr>
-        <p:spPr/>
-        <p:txBody>
-          <a:bodyPr/>
-          <a:lstStyle/>
-          <a:p>
-            <a:pPr eaLnBrk="1" hangingPunct="1"/>
-            <a:r>
-              <a:rPr lang="fr-CA" altLang="en-US">
-                <a:latin typeface="Arial" pitchFamily="34" charset="0"/>
-                <a:ea typeface="ＭＳ Ｐゴシック" pitchFamily="34" charset="-128"/>
-              </a:rPr>
-              <a:t>IA et Sciences des données</a:t>
-            </a:r>
-          </a:p>
-        </p:txBody>
-      </p:sp>
-      <p:sp>
-        <p:nvSpPr>
-          <p:cNvPr id="7173" name="Espace réservé du pied de page 13"/>
-          <p:cNvSpPr>
-            <a:spLocks noGrp="1"/>
-          </p:cNvSpPr>
-          <p:nvPr>
-            <p:ph type="ftr" sz="quarter" idx="10"/>
-          </p:nvPr>
-        </p:nvSpPr>
-        <p:spPr bwMode="auto">
-          <a:noFill/>
-          <a:extLst>
-            <a:ext uri="{909E8E84-426E-40DD-AFC4-6F175D3DCCD1}">
-              <a14:hiddenFill xmlns:a14="http://schemas.microsoft.com/office/drawing/2010/main">
-                <a:solidFill>
-                  <a:srgbClr val="FFFFFF"/>
-                </a:solidFill>
-              </a14:hiddenFill>
-            </a:ext>
-            <a:ext uri="{91240B29-F687-4F45-9708-019B960494DF}">
-              <a14:hiddenLine xmlns:a14="http://schemas.microsoft.com/office/drawing/2010/main" w="9525">
-                <a:solidFill>
-                  <a:srgbClr val="000000"/>
-                </a:solidFill>
-                <a:miter lim="800000"/>
-                <a:headEnd/>
-                <a:tailEnd/>
-              </a14:hiddenLine>
-            </a:ext>
-          </a:extLst>
-        </p:spPr>
-        <p:txBody>
-          <a:bodyPr wrap="square" numCol="1" anchorCtr="0" compatLnSpc="1">
-            <a:prstTxWarp prst="textNoShape">
-              <a:avLst/>
-            </a:prstTxWarp>
-          </a:bodyPr>
-          <a:lstStyle>
-            <a:lvl1pPr>
-              <a:defRPr>
-                <a:solidFill>
-                  <a:schemeClr val="tx1"/>
-                </a:solidFill>
-                <a:latin typeface="Arial" pitchFamily="34" charset="0"/>
-                <a:ea typeface="ＭＳ Ｐゴシック" pitchFamily="34" charset="-128"/>
-              </a:defRPr>
-            </a:lvl1pPr>
-            <a:lvl2pPr marL="742950" indent="-285750">
-              <a:defRPr>
-                <a:solidFill>
-                  <a:schemeClr val="tx1"/>
-                </a:solidFill>
-                <a:latin typeface="Arial" pitchFamily="34" charset="0"/>
-                <a:ea typeface="ＭＳ Ｐゴシック" pitchFamily="34" charset="-128"/>
-              </a:defRPr>
-            </a:lvl2pPr>
-            <a:lvl3pPr marL="1143000" indent="-228600">
-              <a:defRPr>
-                <a:solidFill>
-                  <a:schemeClr val="tx1"/>
-                </a:solidFill>
-                <a:latin typeface="Arial" pitchFamily="34" charset="0"/>
-                <a:ea typeface="ＭＳ Ｐゴシック" pitchFamily="34" charset="-128"/>
-              </a:defRPr>
-            </a:lvl3pPr>
-            <a:lvl4pPr marL="1600200" indent="-228600">
-              <a:defRPr>
-                <a:solidFill>
-                  <a:schemeClr val="tx1"/>
-                </a:solidFill>
-                <a:latin typeface="Arial" pitchFamily="34" charset="0"/>
-                <a:ea typeface="ＭＳ Ｐゴシック" pitchFamily="34" charset="-128"/>
-              </a:defRPr>
-            </a:lvl4pPr>
-            <a:lvl5pPr marL="2057400" indent="-228600">
-              <a:defRPr>
-                <a:solidFill>
-                  <a:schemeClr val="tx1"/>
-                </a:solidFill>
-                <a:latin typeface="Arial" pitchFamily="34" charset="0"/>
-                <a:ea typeface="ＭＳ Ｐゴシック" pitchFamily="34" charset="-128"/>
-              </a:defRPr>
-            </a:lvl5pPr>
-            <a:lvl6pPr marL="2514600" indent="-228600" eaLnBrk="0" fontAlgn="base" hangingPunct="0">
-              <a:spcBef>
-                <a:spcPct val="0"/>
-              </a:spcBef>
-              <a:spcAft>
-                <a:spcPct val="0"/>
-              </a:spcAft>
-              <a:defRPr>
-                <a:solidFill>
-                  <a:schemeClr val="tx1"/>
-                </a:solidFill>
-                <a:latin typeface="Arial" pitchFamily="34" charset="0"/>
-                <a:ea typeface="ＭＳ Ｐゴシック" pitchFamily="34" charset="-128"/>
-              </a:defRPr>
-            </a:lvl6pPr>
-            <a:lvl7pPr marL="2971800" indent="-228600" eaLnBrk="0" fontAlgn="base" hangingPunct="0">
-              <a:spcBef>
-                <a:spcPct val="0"/>
-              </a:spcBef>
-              <a:spcAft>
-                <a:spcPct val="0"/>
-              </a:spcAft>
-              <a:defRPr>
-                <a:solidFill>
-                  <a:schemeClr val="tx1"/>
-                </a:solidFill>
-                <a:latin typeface="Arial" pitchFamily="34" charset="0"/>
-                <a:ea typeface="ＭＳ Ｐゴシック" pitchFamily="34" charset="-128"/>
-              </a:defRPr>
-            </a:lvl7pPr>
-            <a:lvl8pPr marL="3429000" indent="-228600" eaLnBrk="0" fontAlgn="base" hangingPunct="0">
-              <a:spcBef>
-                <a:spcPct val="0"/>
-              </a:spcBef>
-              <a:spcAft>
-                <a:spcPct val="0"/>
-              </a:spcAft>
-              <a:defRPr>
-                <a:solidFill>
-                  <a:schemeClr val="tx1"/>
-                </a:solidFill>
-                <a:latin typeface="Arial" pitchFamily="34" charset="0"/>
-                <a:ea typeface="ＭＳ Ｐゴシック" pitchFamily="34" charset="-128"/>
-              </a:defRPr>
-            </a:lvl8pPr>
-            <a:lvl9pPr marL="3886200" indent="-228600" eaLnBrk="0" fontAlgn="base" hangingPunct="0">
-              <a:spcBef>
-                <a:spcPct val="0"/>
-              </a:spcBef>
-              <a:spcAft>
-                <a:spcPct val="0"/>
-              </a:spcAft>
-              <a:defRPr>
-                <a:solidFill>
-                  <a:schemeClr val="tx1"/>
-                </a:solidFill>
-                <a:latin typeface="Arial" pitchFamily="34" charset="0"/>
-                <a:ea typeface="ＭＳ Ｐゴシック" pitchFamily="34" charset="-128"/>
-              </a:defRPr>
-            </a:lvl9pPr>
-          </a:lstStyle>
-          <a:p>
-            <a:r>
-              <a:rPr lang="de-DE" altLang="en-US">
-                <a:latin typeface="Calibri" pitchFamily="34" charset="0"/>
-              </a:rPr>
-              <a:t>Froduald Kabanza</a:t>
-            </a:r>
-            <a:endParaRPr lang="en-US" altLang="en-US">
-              <a:latin typeface="Calibri" pitchFamily="34" charset="0"/>
-            </a:endParaRPr>
-          </a:p>
-        </p:txBody>
-      </p:sp>
-      <p:sp>
-        <p:nvSpPr>
-          <p:cNvPr id="7174" name="Espace réservé du numéro de diapositive 14"/>
-          <p:cNvSpPr>
-            <a:spLocks noGrp="1"/>
-          </p:cNvSpPr>
-          <p:nvPr>
-            <p:ph type="sldNum" sz="quarter" idx="11"/>
-          </p:nvPr>
-        </p:nvSpPr>
-        <p:spPr bwMode="auto">
-          <a:noFill/>
-          <a:extLst>
-            <a:ext uri="{909E8E84-426E-40DD-AFC4-6F175D3DCCD1}">
-              <a14:hiddenFill xmlns:a14="http://schemas.microsoft.com/office/drawing/2010/main">
-                <a:solidFill>
-                  <a:srgbClr val="FFFFFF"/>
-                </a:solidFill>
-              </a14:hiddenFill>
-            </a:ext>
-            <a:ext uri="{91240B29-F687-4F45-9708-019B960494DF}">
-              <a14:hiddenLine xmlns:a14="http://schemas.microsoft.com/office/drawing/2010/main" w="9525">
-                <a:solidFill>
-                  <a:srgbClr val="000000"/>
-                </a:solidFill>
-                <a:miter lim="800000"/>
-                <a:headEnd/>
-                <a:tailEnd/>
-              </a14:hiddenLine>
-            </a:ext>
-          </a:extLst>
-        </p:spPr>
-        <p:txBody>
-          <a:bodyPr/>
-          <a:lstStyle>
-            <a:lvl1pPr>
-              <a:defRPr>
-                <a:solidFill>
-                  <a:schemeClr val="tx1"/>
-                </a:solidFill>
-                <a:latin typeface="Arial" pitchFamily="34" charset="0"/>
-                <a:ea typeface="ＭＳ Ｐゴシック" pitchFamily="34" charset="-128"/>
-              </a:defRPr>
-            </a:lvl1pPr>
-            <a:lvl2pPr marL="742950" indent="-285750">
-              <a:defRPr>
-                <a:solidFill>
-                  <a:schemeClr val="tx1"/>
-                </a:solidFill>
-                <a:latin typeface="Arial" pitchFamily="34" charset="0"/>
-                <a:ea typeface="ＭＳ Ｐゴシック" pitchFamily="34" charset="-128"/>
-              </a:defRPr>
-            </a:lvl2pPr>
-            <a:lvl3pPr marL="1143000" indent="-228600">
-              <a:defRPr>
-                <a:solidFill>
-                  <a:schemeClr val="tx1"/>
-                </a:solidFill>
-                <a:latin typeface="Arial" pitchFamily="34" charset="0"/>
-                <a:ea typeface="ＭＳ Ｐゴシック" pitchFamily="34" charset="-128"/>
-              </a:defRPr>
-            </a:lvl3pPr>
-            <a:lvl4pPr marL="1600200" indent="-228600">
-              <a:defRPr>
-                <a:solidFill>
-                  <a:schemeClr val="tx1"/>
-                </a:solidFill>
-                <a:latin typeface="Arial" pitchFamily="34" charset="0"/>
-                <a:ea typeface="ＭＳ Ｐゴシック" pitchFamily="34" charset="-128"/>
-              </a:defRPr>
-            </a:lvl4pPr>
-            <a:lvl5pPr marL="2057400" indent="-228600">
-              <a:defRPr>
-                <a:solidFill>
-                  <a:schemeClr val="tx1"/>
-                </a:solidFill>
-                <a:latin typeface="Arial" pitchFamily="34" charset="0"/>
-                <a:ea typeface="ＭＳ Ｐゴシック" pitchFamily="34" charset="-128"/>
-              </a:defRPr>
-            </a:lvl5pPr>
-            <a:lvl6pPr marL="2514600" indent="-228600" eaLnBrk="0" fontAlgn="base" hangingPunct="0">
-              <a:spcBef>
-                <a:spcPct val="0"/>
-              </a:spcBef>
-              <a:spcAft>
-                <a:spcPct val="0"/>
-              </a:spcAft>
-              <a:defRPr>
-                <a:solidFill>
-                  <a:schemeClr val="tx1"/>
-                </a:solidFill>
-                <a:latin typeface="Arial" pitchFamily="34" charset="0"/>
-                <a:ea typeface="ＭＳ Ｐゴシック" pitchFamily="34" charset="-128"/>
-              </a:defRPr>
-            </a:lvl6pPr>
-            <a:lvl7pPr marL="2971800" indent="-228600" eaLnBrk="0" fontAlgn="base" hangingPunct="0">
-              <a:spcBef>
-                <a:spcPct val="0"/>
-              </a:spcBef>
-              <a:spcAft>
-                <a:spcPct val="0"/>
-              </a:spcAft>
-              <a:defRPr>
-                <a:solidFill>
-                  <a:schemeClr val="tx1"/>
-                </a:solidFill>
-                <a:latin typeface="Arial" pitchFamily="34" charset="0"/>
-                <a:ea typeface="ＭＳ Ｐゴシック" pitchFamily="34" charset="-128"/>
-              </a:defRPr>
-            </a:lvl7pPr>
-            <a:lvl8pPr marL="3429000" indent="-228600" eaLnBrk="0" fontAlgn="base" hangingPunct="0">
-              <a:spcBef>
-                <a:spcPct val="0"/>
-              </a:spcBef>
-              <a:spcAft>
-                <a:spcPct val="0"/>
-              </a:spcAft>
-              <a:defRPr>
-                <a:solidFill>
-                  <a:schemeClr val="tx1"/>
-                </a:solidFill>
-                <a:latin typeface="Arial" pitchFamily="34" charset="0"/>
-                <a:ea typeface="ＭＳ Ｐゴシック" pitchFamily="34" charset="-128"/>
-              </a:defRPr>
-            </a:lvl8pPr>
-            <a:lvl9pPr marL="3886200" indent="-228600" eaLnBrk="0" fontAlgn="base" hangingPunct="0">
-              <a:spcBef>
-                <a:spcPct val="0"/>
-              </a:spcBef>
-              <a:spcAft>
-                <a:spcPct val="0"/>
-              </a:spcAft>
-              <a:defRPr>
-                <a:solidFill>
-                  <a:schemeClr val="tx1"/>
-                </a:solidFill>
-                <a:latin typeface="Arial" pitchFamily="34" charset="0"/>
-                <a:ea typeface="ＭＳ Ｐゴシック" pitchFamily="34" charset="-128"/>
-              </a:defRPr>
-            </a:lvl9pPr>
-          </a:lstStyle>
-          <a:p>
-            <a:fld id="{A64B2F49-A109-430B-B05B-28A8603B127A}" type="slidenum">
-              <a:rPr lang="en-US" altLang="en-US" smtClean="0">
-                <a:latin typeface="Calibri" pitchFamily="34" charset="0"/>
-              </a:rPr>
-              <a:pPr/>
-              <a:t>6</a:t>
-            </a:fld>
-            <a:endParaRPr lang="en-US" altLang="en-US">
-              <a:latin typeface="Calibri" pitchFamily="34" charset="0"/>
-            </a:endParaRPr>
-          </a:p>
-        </p:txBody>
-      </p:sp>
-      <p:sp>
-        <p:nvSpPr>
-          <p:cNvPr id="7172" name="Espace réservé de la date 12"/>
-          <p:cNvSpPr>
-            <a:spLocks noGrp="1"/>
-          </p:cNvSpPr>
-          <p:nvPr>
-            <p:ph type="dt" sz="half" idx="12"/>
-          </p:nvPr>
-        </p:nvSpPr>
-        <p:spPr bwMode="auto">
-          <a:xfrm>
-            <a:off x="228600" y="6562725"/>
-            <a:ext cx="2133600" cy="295275"/>
-          </a:xfrm>
-          <a:noFill/>
-          <a:extLst>
-            <a:ext uri="{909E8E84-426E-40DD-AFC4-6F175D3DCCD1}">
-              <a14:hiddenFill xmlns:a14="http://schemas.microsoft.com/office/drawing/2010/main">
-                <a:solidFill>
-                  <a:srgbClr val="FFFFFF"/>
-                </a:solidFill>
-              </a14:hiddenFill>
-            </a:ext>
-            <a:ext uri="{91240B29-F687-4F45-9708-019B960494DF}">
-              <a14:hiddenLine xmlns:a14="http://schemas.microsoft.com/office/drawing/2010/main" w="9525">
-                <a:solidFill>
-                  <a:srgbClr val="000000"/>
-                </a:solidFill>
-                <a:miter lim="800000"/>
-                <a:headEnd/>
-                <a:tailEnd/>
-              </a14:hiddenLine>
-            </a:ext>
-          </a:extLst>
-        </p:spPr>
-        <p:txBody>
-          <a:bodyPr wrap="square" numCol="1" anchorCtr="0" compatLnSpc="1">
-            <a:prstTxWarp prst="textNoShape">
-              <a:avLst/>
-            </a:prstTxWarp>
-          </a:bodyPr>
-          <a:lstStyle>
-            <a:lvl1pPr>
-              <a:defRPr>
-                <a:solidFill>
-                  <a:schemeClr val="tx1"/>
-                </a:solidFill>
-                <a:latin typeface="Arial" pitchFamily="34" charset="0"/>
-                <a:ea typeface="ＭＳ Ｐゴシック" pitchFamily="34" charset="-128"/>
-              </a:defRPr>
-            </a:lvl1pPr>
-            <a:lvl2pPr marL="742950" indent="-285750">
-              <a:defRPr>
-                <a:solidFill>
-                  <a:schemeClr val="tx1"/>
-                </a:solidFill>
-                <a:latin typeface="Arial" pitchFamily="34" charset="0"/>
-                <a:ea typeface="ＭＳ Ｐゴシック" pitchFamily="34" charset="-128"/>
-              </a:defRPr>
-            </a:lvl2pPr>
-            <a:lvl3pPr marL="1143000" indent="-228600">
-              <a:defRPr>
-                <a:solidFill>
-                  <a:schemeClr val="tx1"/>
-                </a:solidFill>
-                <a:latin typeface="Arial" pitchFamily="34" charset="0"/>
-                <a:ea typeface="ＭＳ Ｐゴシック" pitchFamily="34" charset="-128"/>
-              </a:defRPr>
-            </a:lvl3pPr>
-            <a:lvl4pPr marL="1600200" indent="-228600">
-              <a:defRPr>
-                <a:solidFill>
-                  <a:schemeClr val="tx1"/>
-                </a:solidFill>
-                <a:latin typeface="Arial" pitchFamily="34" charset="0"/>
-                <a:ea typeface="ＭＳ Ｐゴシック" pitchFamily="34" charset="-128"/>
-              </a:defRPr>
-            </a:lvl4pPr>
-            <a:lvl5pPr marL="2057400" indent="-228600">
-              <a:defRPr>
-                <a:solidFill>
-                  <a:schemeClr val="tx1"/>
-                </a:solidFill>
-                <a:latin typeface="Arial" pitchFamily="34" charset="0"/>
-                <a:ea typeface="ＭＳ Ｐゴシック" pitchFamily="34" charset="-128"/>
-              </a:defRPr>
-            </a:lvl5pPr>
-            <a:lvl6pPr marL="2514600" indent="-228600" eaLnBrk="0" fontAlgn="base" hangingPunct="0">
-              <a:spcBef>
-                <a:spcPct val="0"/>
-              </a:spcBef>
-              <a:spcAft>
-                <a:spcPct val="0"/>
-              </a:spcAft>
-              <a:defRPr>
-                <a:solidFill>
-                  <a:schemeClr val="tx1"/>
-                </a:solidFill>
-                <a:latin typeface="Arial" pitchFamily="34" charset="0"/>
-                <a:ea typeface="ＭＳ Ｐゴシック" pitchFamily="34" charset="-128"/>
-              </a:defRPr>
-            </a:lvl6pPr>
-            <a:lvl7pPr marL="2971800" indent="-228600" eaLnBrk="0" fontAlgn="base" hangingPunct="0">
-              <a:spcBef>
-                <a:spcPct val="0"/>
-              </a:spcBef>
-              <a:spcAft>
-                <a:spcPct val="0"/>
-              </a:spcAft>
-              <a:defRPr>
-                <a:solidFill>
-                  <a:schemeClr val="tx1"/>
-                </a:solidFill>
-                <a:latin typeface="Arial" pitchFamily="34" charset="0"/>
-                <a:ea typeface="ＭＳ Ｐゴシック" pitchFamily="34" charset="-128"/>
-              </a:defRPr>
-            </a:lvl7pPr>
-            <a:lvl8pPr marL="3429000" indent="-228600" eaLnBrk="0" fontAlgn="base" hangingPunct="0">
-              <a:spcBef>
-                <a:spcPct val="0"/>
-              </a:spcBef>
-              <a:spcAft>
-                <a:spcPct val="0"/>
-              </a:spcAft>
-              <a:defRPr>
-                <a:solidFill>
-                  <a:schemeClr val="tx1"/>
-                </a:solidFill>
-                <a:latin typeface="Arial" pitchFamily="34" charset="0"/>
-                <a:ea typeface="ＭＳ Ｐゴシック" pitchFamily="34" charset="-128"/>
-              </a:defRPr>
-            </a:lvl8pPr>
-            <a:lvl9pPr marL="3886200" indent="-228600" eaLnBrk="0" fontAlgn="base" hangingPunct="0">
-              <a:spcBef>
-                <a:spcPct val="0"/>
-              </a:spcBef>
-              <a:spcAft>
-                <a:spcPct val="0"/>
-              </a:spcAft>
-              <a:defRPr>
-                <a:solidFill>
-                  <a:schemeClr val="tx1"/>
-                </a:solidFill>
-                <a:latin typeface="Arial" pitchFamily="34" charset="0"/>
-                <a:ea typeface="ＭＳ Ｐゴシック" pitchFamily="34" charset="-128"/>
-              </a:defRPr>
-            </a:lvl9pPr>
-          </a:lstStyle>
-          <a:p>
-            <a:r>
-              <a:rPr lang="fr-CA" altLang="en-US">
-                <a:latin typeface="Calibri" pitchFamily="34" charset="0"/>
-              </a:rPr>
-              <a:t>IFT 615</a:t>
-            </a:r>
-            <a:endParaRPr lang="en-US" altLang="en-US">
-              <a:latin typeface="Calibri" pitchFamily="34" charset="0"/>
-            </a:endParaRPr>
-          </a:p>
-        </p:txBody>
-      </p:sp>
-      <p:sp>
-        <p:nvSpPr>
-          <p:cNvPr id="24" name="Rectangle: Rounded Corners 23">
-            <a:extLst>
-              <a:ext uri="{FF2B5EF4-FFF2-40B4-BE49-F238E27FC236}">
-                <a16:creationId xmlns:a16="http://schemas.microsoft.com/office/drawing/2014/main" id="{FEACA3E2-AD28-4D9A-98C1-0A927A7183D2}"/>
-              </a:ext>
-            </a:extLst>
-          </p:cNvPr>
-          <p:cNvSpPr/>
-          <p:nvPr/>
-        </p:nvSpPr>
-        <p:spPr>
-          <a:xfrm>
-            <a:off x="697404" y="3079996"/>
-            <a:ext cx="2287093" cy="851539"/>
-          </a:xfrm>
-          <a:prstGeom prst="roundRect">
-            <a:avLst/>
-          </a:prstGeom>
-          <a:solidFill>
-            <a:sysClr val="window" lastClr="FFFFFF"/>
-          </a:solidFill>
-          <a:ln w="12700" cap="flat" cmpd="sng" algn="ctr">
-            <a:solidFill>
-              <a:sysClr val="windowText" lastClr="000000"/>
-            </a:solidFill>
-            <a:prstDash val="solid"/>
-            <a:miter lim="800000"/>
-          </a:ln>
-          <a:effectLst/>
-        </p:spPr>
-        <p:txBody>
-          <a:bodyPr rtlCol="0" anchor="ctr"/>
-          <a:lstStyle/>
-          <a:p>
-            <a:pPr marL="0" marR="0" lvl="0" indent="0" algn="ctr" defTabSz="1828709" eaLnBrk="1" fontAlgn="auto" latinLnBrk="0" hangingPunct="1">
-              <a:lnSpc>
-                <a:spcPct val="100000"/>
-              </a:lnSpc>
-              <a:spcBef>
-                <a:spcPts val="0"/>
-              </a:spcBef>
-              <a:spcAft>
-                <a:spcPts val="0"/>
-              </a:spcAft>
-              <a:buClrTx/>
-              <a:buSzTx/>
-              <a:buFontTx/>
-              <a:buNone/>
-              <a:tabLst/>
-              <a:defRPr/>
-            </a:pPr>
-            <a:r>
-              <a:rPr kumimoji="0" lang="fr-CA" sz="2800" b="0" i="0" u="none" strike="noStrike" kern="0" cap="none" spc="0" normalizeH="0" baseline="0">
-                <a:ln>
-                  <a:noFill/>
-                </a:ln>
-                <a:solidFill>
-                  <a:prstClr val="black"/>
-                </a:solidFill>
-                <a:effectLst/>
-                <a:uLnTx/>
-                <a:uFillTx/>
-                <a:latin typeface="Arial" panose="020B0604020202020204"/>
-                <a:ea typeface="+mn-ea"/>
-                <a:cs typeface="+mn-cs"/>
-              </a:rPr>
-              <a:t>Comprendre</a:t>
-            </a:r>
-          </a:p>
-        </p:txBody>
-      </p:sp>
-      <p:sp>
-        <p:nvSpPr>
-          <p:cNvPr id="25" name="Rectangle: Rounded Corners 24">
-            <a:extLst>
-              <a:ext uri="{FF2B5EF4-FFF2-40B4-BE49-F238E27FC236}">
-                <a16:creationId xmlns:a16="http://schemas.microsoft.com/office/drawing/2014/main" id="{22C3B9B2-9052-47E6-9957-90E52F14EC52}"/>
-              </a:ext>
-            </a:extLst>
-          </p:cNvPr>
-          <p:cNvSpPr/>
-          <p:nvPr/>
-        </p:nvSpPr>
-        <p:spPr>
-          <a:xfrm>
-            <a:off x="3391447" y="3079996"/>
-            <a:ext cx="2221403" cy="808053"/>
-          </a:xfrm>
-          <a:prstGeom prst="roundRect">
-            <a:avLst/>
-          </a:prstGeom>
-          <a:solidFill>
-            <a:sysClr val="window" lastClr="FFFFFF"/>
-          </a:solidFill>
-          <a:ln w="12700" cap="flat" cmpd="sng" algn="ctr">
-            <a:solidFill>
-              <a:sysClr val="windowText" lastClr="000000"/>
-            </a:solidFill>
-            <a:prstDash val="solid"/>
-            <a:miter lim="800000"/>
-          </a:ln>
-          <a:effectLst/>
-        </p:spPr>
-        <p:txBody>
-          <a:bodyPr rtlCol="0" anchor="ctr"/>
-          <a:lstStyle/>
-          <a:p>
-            <a:pPr marL="0" marR="0" lvl="0" indent="0" algn="ctr" defTabSz="1828709" eaLnBrk="1" fontAlgn="auto" latinLnBrk="0" hangingPunct="1">
-              <a:lnSpc>
-                <a:spcPct val="100000"/>
-              </a:lnSpc>
-              <a:spcBef>
-                <a:spcPts val="0"/>
-              </a:spcBef>
-              <a:spcAft>
-                <a:spcPts val="0"/>
-              </a:spcAft>
-              <a:buClrTx/>
-              <a:buSzTx/>
-              <a:buFontTx/>
-              <a:buNone/>
-              <a:tabLst/>
-              <a:defRPr/>
-            </a:pPr>
-            <a:r>
-              <a:rPr kumimoji="0" lang="fr-CA" sz="2800" b="0" i="0" u="none" strike="noStrike" kern="0" cap="none" spc="0" normalizeH="0" baseline="0">
-                <a:ln>
-                  <a:noFill/>
-                </a:ln>
-                <a:solidFill>
-                  <a:prstClr val="black"/>
-                </a:solidFill>
-                <a:effectLst/>
-                <a:uLnTx/>
-                <a:uFillTx/>
-                <a:latin typeface="Arial" panose="020B0604020202020204"/>
-                <a:ea typeface="+mn-ea"/>
-                <a:cs typeface="+mn-cs"/>
-              </a:rPr>
-              <a:t>Prédire</a:t>
-            </a:r>
-          </a:p>
-        </p:txBody>
-      </p:sp>
-      <p:sp>
-        <p:nvSpPr>
-          <p:cNvPr id="26" name="Rectangle: Rounded Corners 25">
-            <a:extLst>
-              <a:ext uri="{FF2B5EF4-FFF2-40B4-BE49-F238E27FC236}">
-                <a16:creationId xmlns:a16="http://schemas.microsoft.com/office/drawing/2014/main" id="{6E3C7AE8-24AF-491E-B987-9B6DD346C401}"/>
-              </a:ext>
-            </a:extLst>
-          </p:cNvPr>
-          <p:cNvSpPr/>
-          <p:nvPr/>
-        </p:nvSpPr>
-        <p:spPr>
-          <a:xfrm>
-            <a:off x="6019800" y="3068680"/>
-            <a:ext cx="2221403" cy="851539"/>
-          </a:xfrm>
-          <a:prstGeom prst="roundRect">
-            <a:avLst/>
-          </a:prstGeom>
-          <a:solidFill>
-            <a:sysClr val="window" lastClr="FFFFFF"/>
-          </a:solidFill>
-          <a:ln w="12700" cap="flat" cmpd="sng" algn="ctr">
-            <a:solidFill>
-              <a:sysClr val="windowText" lastClr="000000"/>
-            </a:solidFill>
-            <a:prstDash val="solid"/>
-            <a:miter lim="800000"/>
-          </a:ln>
-          <a:effectLst/>
-        </p:spPr>
-        <p:txBody>
-          <a:bodyPr rtlCol="0" anchor="ctr"/>
-          <a:lstStyle/>
-          <a:p>
-            <a:pPr marL="0" marR="0" lvl="0" indent="0" algn="ctr" defTabSz="1828709" eaLnBrk="1" fontAlgn="auto" latinLnBrk="0" hangingPunct="1">
-              <a:lnSpc>
-                <a:spcPct val="100000"/>
-              </a:lnSpc>
-              <a:spcBef>
-                <a:spcPts val="0"/>
-              </a:spcBef>
-              <a:spcAft>
-                <a:spcPts val="0"/>
-              </a:spcAft>
-              <a:buClrTx/>
-              <a:buSzTx/>
-              <a:buFontTx/>
-              <a:buNone/>
-              <a:tabLst/>
-              <a:defRPr/>
-            </a:pPr>
-            <a:r>
-              <a:rPr kumimoji="0" lang="en-CA" sz="2800" b="0" i="0" u="none" strike="noStrike" kern="0" cap="none" spc="0" normalizeH="0" baseline="0" noProof="0">
-                <a:ln>
-                  <a:noFill/>
-                </a:ln>
-                <a:solidFill>
-                  <a:prstClr val="black"/>
-                </a:solidFill>
-                <a:effectLst/>
-                <a:uLnTx/>
-                <a:uFillTx/>
-                <a:latin typeface="Arial" panose="020B0604020202020204"/>
-                <a:ea typeface="+mn-ea"/>
-                <a:cs typeface="+mn-cs"/>
-              </a:rPr>
-              <a:t>Decider</a:t>
-            </a:r>
-            <a:endParaRPr kumimoji="0" lang="en-US" sz="2800" b="0" i="0" u="none" strike="noStrike" kern="0" cap="none" spc="0" normalizeH="0" baseline="0" noProof="0">
-              <a:ln>
-                <a:noFill/>
-              </a:ln>
-              <a:solidFill>
-                <a:prstClr val="black"/>
-              </a:solidFill>
-              <a:effectLst/>
-              <a:uLnTx/>
-              <a:uFillTx/>
-              <a:latin typeface="Arial" panose="020B0604020202020204"/>
-              <a:ea typeface="+mn-ea"/>
-              <a:cs typeface="+mn-cs"/>
-            </a:endParaRPr>
-          </a:p>
-        </p:txBody>
-      </p:sp>
-      <p:sp>
-        <p:nvSpPr>
-          <p:cNvPr id="29" name="Left Brace 28">
-            <a:extLst>
-              <a:ext uri="{FF2B5EF4-FFF2-40B4-BE49-F238E27FC236}">
-                <a16:creationId xmlns:a16="http://schemas.microsoft.com/office/drawing/2014/main" id="{240006B8-5D40-439D-A0E2-0671E498E2BE}"/>
-              </a:ext>
-            </a:extLst>
-          </p:cNvPr>
-          <p:cNvSpPr/>
-          <p:nvPr/>
-        </p:nvSpPr>
-        <p:spPr>
-          <a:xfrm rot="5400000">
-            <a:off x="4825893" y="765833"/>
-            <a:ext cx="762000" cy="3218136"/>
-          </a:xfrm>
-          <a:prstGeom prst="leftBrace">
-            <a:avLst>
-              <a:gd name="adj1" fmla="val 8333"/>
-              <a:gd name="adj2" fmla="val 51583"/>
-            </a:avLst>
-          </a:prstGeom>
-          <a:noFill/>
-          <a:ln w="6350" cap="flat" cmpd="sng" algn="ctr">
-            <a:solidFill>
-              <a:srgbClr val="8CC540"/>
-            </a:solidFill>
-            <a:prstDash val="solid"/>
-            <a:miter lim="800000"/>
-          </a:ln>
-          <a:effectLst/>
-        </p:spPr>
-        <p:txBody>
-          <a:bodyPr rtlCol="0" anchor="ctr"/>
-          <a:lstStyle/>
-          <a:p>
-            <a:pPr marL="0" marR="0" lvl="0" indent="0" algn="ctr" defTabSz="1828709" eaLnBrk="1" fontAlgn="auto" latinLnBrk="0" hangingPunct="1">
-              <a:lnSpc>
-                <a:spcPct val="100000"/>
-              </a:lnSpc>
-              <a:spcBef>
-                <a:spcPts val="0"/>
-              </a:spcBef>
-              <a:spcAft>
-                <a:spcPts val="0"/>
-              </a:spcAft>
-              <a:buClrTx/>
-              <a:buSzTx/>
-              <a:buFontTx/>
-              <a:buNone/>
-              <a:tabLst/>
-              <a:defRPr/>
-            </a:pPr>
-            <a:endParaRPr kumimoji="0" lang="en-US" sz="3600" b="0" i="0" u="none" strike="noStrike" kern="0" cap="none" spc="0" normalizeH="0" baseline="0" noProof="0">
-              <a:ln>
-                <a:noFill/>
-              </a:ln>
-              <a:solidFill>
-                <a:prstClr val="black"/>
-              </a:solidFill>
-              <a:effectLst/>
-              <a:uLnTx/>
-              <a:uFillTx/>
-              <a:latin typeface="Arial" panose="020B0604020202020204"/>
-              <a:ea typeface="+mn-ea"/>
-              <a:cs typeface="+mn-cs"/>
-            </a:endParaRPr>
-          </a:p>
-        </p:txBody>
-      </p:sp>
-      <p:sp>
-        <p:nvSpPr>
-          <p:cNvPr id="30" name="Left Brace 29">
-            <a:extLst>
-              <a:ext uri="{FF2B5EF4-FFF2-40B4-BE49-F238E27FC236}">
-                <a16:creationId xmlns:a16="http://schemas.microsoft.com/office/drawing/2014/main" id="{E041064B-8F88-4517-89E5-C95200102A40}"/>
-              </a:ext>
-            </a:extLst>
-          </p:cNvPr>
-          <p:cNvSpPr/>
-          <p:nvPr/>
-        </p:nvSpPr>
-        <p:spPr>
-          <a:xfrm rot="16200000">
-            <a:off x="4367595" y="1385123"/>
-            <a:ext cx="762001" cy="6200010"/>
-          </a:xfrm>
-          <a:prstGeom prst="leftBrace">
-            <a:avLst>
-              <a:gd name="adj1" fmla="val 8333"/>
-              <a:gd name="adj2" fmla="val 52767"/>
-            </a:avLst>
-          </a:prstGeom>
-          <a:noFill/>
-          <a:ln w="6350" cap="flat" cmpd="sng" algn="ctr">
-            <a:solidFill>
-              <a:srgbClr val="8CC540"/>
-            </a:solidFill>
-            <a:prstDash val="solid"/>
-            <a:miter lim="800000"/>
-          </a:ln>
-          <a:effectLst/>
-        </p:spPr>
-        <p:txBody>
-          <a:bodyPr rtlCol="0" anchor="ctr"/>
-          <a:lstStyle/>
-          <a:p>
-            <a:pPr marL="0" marR="0" lvl="0" indent="0" algn="ctr" defTabSz="1828709" eaLnBrk="1" fontAlgn="auto" latinLnBrk="0" hangingPunct="1">
-              <a:lnSpc>
-                <a:spcPct val="100000"/>
-              </a:lnSpc>
-              <a:spcBef>
-                <a:spcPts val="0"/>
-              </a:spcBef>
-              <a:spcAft>
-                <a:spcPts val="0"/>
-              </a:spcAft>
-              <a:buClrTx/>
-              <a:buSzTx/>
-              <a:buFontTx/>
-              <a:buNone/>
-              <a:tabLst/>
-              <a:defRPr/>
-            </a:pPr>
-            <a:endParaRPr kumimoji="0" lang="en-US" sz="3600" b="0" i="0" u="none" strike="noStrike" kern="0" cap="none" spc="0" normalizeH="0" baseline="0" noProof="0">
-              <a:ln>
-                <a:noFill/>
-              </a:ln>
-              <a:solidFill>
-                <a:prstClr val="black"/>
-              </a:solidFill>
-              <a:effectLst/>
-              <a:uLnTx/>
-              <a:uFillTx/>
-              <a:latin typeface="Arial" panose="020B0604020202020204"/>
-              <a:ea typeface="+mn-ea"/>
-              <a:cs typeface="+mn-cs"/>
-            </a:endParaRPr>
-          </a:p>
-        </p:txBody>
-      </p:sp>
-      <p:sp>
-        <p:nvSpPr>
-          <p:cNvPr id="31" name="TextBox 30">
-            <a:extLst>
-              <a:ext uri="{FF2B5EF4-FFF2-40B4-BE49-F238E27FC236}">
-                <a16:creationId xmlns:a16="http://schemas.microsoft.com/office/drawing/2014/main" id="{DF1EEF75-29E2-4AF4-91BD-E251CF382079}"/>
-              </a:ext>
-            </a:extLst>
-          </p:cNvPr>
-          <p:cNvSpPr txBox="1"/>
-          <p:nvPr/>
-        </p:nvSpPr>
-        <p:spPr>
-          <a:xfrm>
-            <a:off x="4655096" y="4625007"/>
-            <a:ext cx="914400" cy="914400"/>
-          </a:xfrm>
-          <a:prstGeom prst="rect">
-            <a:avLst/>
-          </a:prstGeom>
-        </p:spPr>
-        <p:txBody>
-          <a:bodyPr vert="horz" wrap="none" lIns="91440" tIns="45720" rIns="91440" bIns="45720" rtlCol="0" anchor="b">
-            <a:noAutofit/>
-          </a:bodyPr>
-          <a:lstStyle/>
-          <a:p>
-            <a:pPr defTabSz="1828709" eaLnBrk="1" fontAlgn="auto" hangingPunct="1">
-              <a:spcBef>
-                <a:spcPts val="0"/>
-              </a:spcBef>
-              <a:spcAft>
-                <a:spcPts val="0"/>
-              </a:spcAft>
-            </a:pPr>
-            <a:r>
-              <a:rPr lang="en-CA" sz="3200">
-                <a:solidFill>
-                  <a:srgbClr val="194E62"/>
-                </a:solidFill>
-                <a:latin typeface="Arial" panose="020B0604020202020204"/>
-                <a:ea typeface="+mn-ea"/>
-              </a:rPr>
-              <a:t>IA</a:t>
-            </a:r>
-            <a:endParaRPr lang="en-US" sz="3200">
-              <a:solidFill>
-                <a:srgbClr val="194E62"/>
-              </a:solidFill>
-              <a:latin typeface="Arial" panose="020B0604020202020204"/>
-              <a:ea typeface="+mn-ea"/>
-            </a:endParaRPr>
-          </a:p>
-        </p:txBody>
-      </p:sp>
-      <p:sp>
-        <p:nvSpPr>
-          <p:cNvPr id="32" name="TextBox 31">
-            <a:extLst>
-              <a:ext uri="{FF2B5EF4-FFF2-40B4-BE49-F238E27FC236}">
-                <a16:creationId xmlns:a16="http://schemas.microsoft.com/office/drawing/2014/main" id="{71EA5068-5EBC-41B4-88CE-65EE660C495F}"/>
-              </a:ext>
-            </a:extLst>
-          </p:cNvPr>
-          <p:cNvSpPr txBox="1"/>
-          <p:nvPr/>
-        </p:nvSpPr>
-        <p:spPr>
-          <a:xfrm>
-            <a:off x="4087870" y="1497700"/>
-            <a:ext cx="4008380" cy="512960"/>
-          </a:xfrm>
-          <a:prstGeom prst="rect">
-            <a:avLst/>
-          </a:prstGeom>
-        </p:spPr>
-        <p:txBody>
-          <a:bodyPr vert="horz" wrap="none" lIns="91440" tIns="45720" rIns="91440" bIns="45720" rtlCol="0" anchor="b">
-            <a:noAutofit/>
-          </a:bodyPr>
-          <a:lstStyle/>
-          <a:p>
-            <a:pPr defTabSz="1828709" eaLnBrk="1" fontAlgn="auto" hangingPunct="1">
-              <a:spcBef>
-                <a:spcPts val="0"/>
-              </a:spcBef>
-              <a:spcAft>
-                <a:spcPts val="0"/>
-              </a:spcAft>
-            </a:pPr>
-            <a:r>
-              <a:rPr lang="fr-CA" sz="3200">
-                <a:solidFill>
-                  <a:srgbClr val="194E62"/>
-                </a:solidFill>
-                <a:latin typeface="Arial" panose="020B0604020202020204"/>
-                <a:ea typeface="+mn-ea"/>
-              </a:rPr>
-              <a:t>Science des données</a:t>
-            </a:r>
-          </a:p>
-        </p:txBody>
-      </p:sp>
-    </p:spTree>
-    <p:extLst>
-      <p:ext uri="{BB962C8B-B14F-4D97-AF65-F5344CB8AC3E}">
-        <p14:creationId xmlns:p14="http://schemas.microsoft.com/office/powerpoint/2010/main" val="3679911917"/>
-      </p:ext>
-    </p:extLst>
-  </p:cSld>
-  <p:clrMapOvr>
-    <a:masterClrMapping/>
-  </p:clrMapOvr>
-</p:sld>
-</file>
-
-<file path=ppt/slides/slide7.xml><?xml version="1.0" encoding="utf-8"?>
 <p:sld xmlns:a="http://schemas.openxmlformats.org/drawingml/2006/main" xmlns:r="http://schemas.openxmlformats.org/officeDocument/2006/relationships" xmlns:p="http://schemas.openxmlformats.org/presentationml/2006/main">
   <p:cSld>
     <p:spTree>
@@ -22354,7 +20324,7 @@
                 <a:latin typeface="Calibri" pitchFamily="34" charset="0"/>
               </a:rPr>
               <a:pPr/>
-              <a:t>7</a:t>
+              <a:t>6</a:t>
             </a:fld>
             <a:endParaRPr lang="en-US" altLang="en-US">
               <a:latin typeface="Calibri" pitchFamily="34" charset="0"/>
@@ -22556,33 +20526,46 @@
               </a:lnSpc>
             </a:pPr>
             <a:r>
-              <a:rPr lang="fr-CA" altLang="ko-KR">
+              <a:rPr lang="fr-CA" altLang="ko-KR" dirty="0">
                 <a:ea typeface="Gulim" pitchFamily="34" charset="-127"/>
               </a:rPr>
               <a:t>Commerciales: Azure AI, Amazon </a:t>
             </a:r>
             <a:r>
-              <a:rPr lang="fr-CA" altLang="ko-KR" err="1">
+              <a:rPr lang="fr-CA" altLang="ko-KR" dirty="0" err="1">
                 <a:ea typeface="Gulim" pitchFamily="34" charset="-127"/>
               </a:rPr>
               <a:t>Sagemaker</a:t>
             </a:r>
             <a:r>
-              <a:rPr lang="fr-CA" altLang="ko-KR">
+              <a:rPr lang="fr-CA" altLang="ko-KR" dirty="0">
                 <a:ea typeface="Gulim" pitchFamily="34" charset="-127"/>
               </a:rPr>
-              <a:t>, Google AI, etc.</a:t>
+              <a:t>, Google AI,  </a:t>
             </a:r>
           </a:p>
           <a:p>
-            <a:pPr lvl="1">
+            <a:pPr marL="0" indent="0">
               <a:lnSpc>
                 <a:spcPct val="120000"/>
               </a:lnSpc>
-              <a:buFont typeface="Monotype Sorts" pitchFamily="2" charset="2"/>
               <a:buNone/>
             </a:pPr>
-            <a:endParaRPr lang="fr-CA" altLang="ko-KR" sz="2000">
+            <a:r>
+              <a:rPr lang="fr-CA" altLang="ko-KR" dirty="0">
+                <a:ea typeface="Gulim" pitchFamily="34" charset="-127"/>
+              </a:rPr>
+              <a:t>                               Open AI, etc.</a:t>
+            </a:r>
+          </a:p>
+          <a:p>
+            <a:pPr marL="0" indent="0">
+              <a:lnSpc>
+                <a:spcPct val="120000"/>
+              </a:lnSpc>
+              <a:buNone/>
+            </a:pPr>
+            <a:endParaRPr lang="fr-CA" altLang="ko-KR" sz="2000" dirty="0">
               <a:ea typeface="Gulim" pitchFamily="34" charset="-127"/>
             </a:endParaRPr>
           </a:p>
@@ -22593,19 +20576,19 @@
               </a:lnSpc>
             </a:pPr>
             <a:r>
-              <a:rPr lang="fr-CA" altLang="ko-KR">
+              <a:rPr lang="fr-CA" altLang="ko-KR" dirty="0">
                 <a:ea typeface="Gulim" pitchFamily="34" charset="-127"/>
               </a:rPr>
               <a:t>Publics: Anaconda, </a:t>
             </a:r>
             <a:r>
-              <a:rPr lang="fr-CA" altLang="ko-KR" err="1">
+              <a:rPr lang="fr-CA" altLang="ko-KR" dirty="0" err="1">
                 <a:ea typeface="Gulim" pitchFamily="34" charset="-127"/>
               </a:rPr>
               <a:t>scitkit-learn</a:t>
             </a:r>
             <a:r>
-              <a:rPr lang="fr-CA" altLang="ko-KR">
+              <a:rPr lang="fr-CA" altLang="ko-KR" dirty="0">
                 <a:ea typeface="Gulim" pitchFamily="34" charset="-127"/>
               </a:rPr>
               <a:t>, etc.</a:t>
@@ -22626,7 +20609,7 @@
 </p:sld>
 </file>
 
-<file path=ppt/slides/slide8.xml><?xml version="1.0" encoding="utf-8"?>
+<file path=ppt/slides/slide7.xml><?xml version="1.0" encoding="utf-8"?>
 <p:sld xmlns:a="http://schemas.openxmlformats.org/drawingml/2006/main" xmlns:r="http://schemas.openxmlformats.org/officeDocument/2006/relationships" xmlns:p="http://schemas.openxmlformats.org/presentationml/2006/main">
   <p:cSld>
     <p:spTree>
@@ -22979,7 +20962,7 @@
                 <a:latin typeface="Calibri" pitchFamily="34" charset="0"/>
               </a:rPr>
               <a:pPr/>
-              <a:t>8</a:t>
+              <a:t>7</a:t>
             </a:fld>
             <a:endParaRPr lang="en-US" altLang="en-US">
               <a:latin typeface="Calibri" pitchFamily="34" charset="0"/>
@@ -24188,7 +22171,7 @@
 </p:sld>
 </file>
 
-<file path=ppt/slides/slide9.xml><?xml version="1.0" encoding="utf-8"?>
+<file path=ppt/slides/slide8.xml><?xml version="1.0" encoding="utf-8"?>
 <p:sld xmlns:a="http://schemas.openxmlformats.org/drawingml/2006/main" xmlns:r="http://schemas.openxmlformats.org/officeDocument/2006/relationships" xmlns:p="http://schemas.openxmlformats.org/presentationml/2006/main">
   <p:cSld>
     <p:spTree>
@@ -24538,7 +22521,7 @@
                 <a:latin typeface="Calibri" pitchFamily="34" charset="0"/>
               </a:rPr>
               <a:pPr/>
-              <a:t>9</a:t>
+              <a:t>8</a:t>
             </a:fld>
             <a:endParaRPr lang="fr-CA" altLang="en-US">
               <a:latin typeface="Calibri" pitchFamily="34" charset="0"/>
@@ -24561,7 +22544,7 @@
           <p:nvPr/>
         </p:nvPicPr>
         <p:blipFill>
-          <a:blip r:embed="rId2">
+          <a:blip r:embed="rId3">
             <a:extLst>
               <a:ext uri="{28A0092B-C50C-407E-A947-70E740481C1C}">
                 <a14:useLocalDpi xmlns:a14="http://schemas.microsoft.com/office/drawing/2010/main" val="0"/>
@@ -27444,7 +25427,7 @@
           <p:nvPr/>
         </p:nvPicPr>
         <p:blipFill>
-          <a:blip r:embed="rId3"/>
+          <a:blip r:embed="rId4"/>
           <a:stretch>
             <a:fillRect/>
           </a:stretch>
@@ -27474,7 +25457,7 @@
           <p:nvPr/>
         </p:nvPicPr>
         <p:blipFill>
-          <a:blip r:embed="rId4">
+          <a:blip r:embed="rId5">
             <a:extLst>
               <a:ext uri="{28A0092B-C50C-407E-A947-70E740481C1C}">
                 <a14:useLocalDpi xmlns:a14="http://schemas.microsoft.com/office/drawing/2010/main" val="0"/>
@@ -27590,39 +25573,21 @@
                                   </p:childTnLst>
                                 </p:cTn>
                               </p:par>
-                            </p:childTnLst>
-                          </p:cTn>
-                        </p:par>
-                      </p:childTnLst>
-                    </p:cTn>
-                  </p:par>
-                  <p:par>
-                    <p:cTn id="9" fill="hold">
-                      <p:stCondLst>
-                        <p:cond delay="indefinite"/>
-                      </p:stCondLst>
-                      <p:childTnLst>
-                        <p:par>
-                          <p:cTn id="10" fill="hold">
-                            <p:stCondLst>
-                              <p:cond delay="0"/>
-                            </p:stCondLst>
-                            <p:childTnLst>
                               <p:par>
-                                <p:cTn id="11" presetID="1" presetClass="entr" presetSubtype="0" fill="hold" grpId="0" nodeType="clickEffect">
+                                <p:cTn id="9" presetID="1" presetClass="entr" presetSubtype="0" fill="hold" nodeType="withEffect">
                                   <p:stCondLst>
                                     <p:cond delay="0"/>
                                   </p:stCondLst>
                                   <p:childTnLst>
                                     <p:set>
                                       <p:cBhvr>
-                                        <p:cTn id="12" dur="1" fill="hold">
+                                        <p:cTn id="10" dur="1" fill="hold">
                                           <p:stCondLst>
                                             <p:cond delay="0"/>
                                           </p:stCondLst>
                                         </p:cTn>
                                         <p:tgtEl>
-                                          <p:spTgt spid="92"/>
+                                          <p:spTgt spid="103"/>
                                         </p:tgtEl>
                                         <p:attrNameLst>
                                           <p:attrName>style.visibility</p:attrName>
@@ -27636,20 +25601,20 @@
                                 </p:cTn>
                               </p:par>
                               <p:par>
-                                <p:cTn id="13" presetID="1" presetClass="entr" presetSubtype="0" fill="hold" grpId="0" nodeType="withEffect">
+                                <p:cTn id="11" presetID="1" presetClass="entr" presetSubtype="0" fill="hold" nodeType="withEffect">
                                   <p:stCondLst>
                                     <p:cond delay="0"/>
                                   </p:stCondLst>
                                   <p:childTnLst>
                                     <p:set>
                                       <p:cBhvr>
-                                        <p:cTn id="14" dur="1" fill="hold">
+                                        <p:cTn id="12" dur="1" fill="hold">
                                           <p:stCondLst>
                                             <p:cond delay="0"/>
                                           </p:stCondLst>
                                         </p:cTn>
                                         <p:tgtEl>
-                                          <p:spTgt spid="93"/>
+                                          <p:spTgt spid="74"/>
                                         </p:tgtEl>
                                         <p:attrNameLst>
                                           <p:attrName>style.visibility</p:attrName>
@@ -27662,8 +25627,26 @@
                                   </p:childTnLst>
                                 </p:cTn>
                               </p:par>
+                            </p:childTnLst>
+                          </p:cTn>
+                        </p:par>
+                      </p:childTnLst>
+                    </p:cTn>
+                  </p:par>
+                  <p:par>
+                    <p:cTn id="13" fill="hold">
+                      <p:stCondLst>
+                        <p:cond delay="indefinite"/>
+                      </p:stCondLst>
+                      <p:childTnLst>
+                        <p:par>
+                          <p:cTn id="14" fill="hold">
+                            <p:stCondLst>
+                              <p:cond delay="0"/>
+                            </p:stCondLst>
+                            <p:childTnLst>
                               <p:par>
-                                <p:cTn id="15" presetID="1" presetClass="entr" presetSubtype="0" fill="hold" grpId="0" nodeType="withEffect">
+                                <p:cTn id="15" presetID="1" presetClass="entr" presetSubtype="0" fill="hold" grpId="0" nodeType="clickEffect">
                                   <p:stCondLst>
                                     <p:cond delay="0"/>
                                   </p:stCondLst>
@@ -27676,7 +25659,7 @@
                                           </p:stCondLst>
                                         </p:cTn>
                                         <p:tgtEl>
-                                          <p:spTgt spid="94"/>
+                                          <p:spTgt spid="92"/>
                                         </p:tgtEl>
                                         <p:attrNameLst>
                                           <p:attrName>style.visibility</p:attrName>
@@ -27703,7 +25686,7 @@
                                           </p:stCondLst>
                                         </p:cTn>
                                         <p:tgtEl>
-                                          <p:spTgt spid="95"/>
+                                          <p:spTgt spid="93"/>
                                         </p:tgtEl>
                                         <p:attrNameLst>
                                           <p:attrName>style.visibility</p:attrName>
@@ -27730,7 +25713,7 @@
                                           </p:stCondLst>
                                         </p:cTn>
                                         <p:tgtEl>
-                                          <p:spTgt spid="96"/>
+                                          <p:spTgt spid="94"/>
                                         </p:tgtEl>
                                         <p:attrNameLst>
                                           <p:attrName>style.visibility</p:attrName>
@@ -27757,7 +25740,7 @@
                                           </p:stCondLst>
                                         </p:cTn>
                                         <p:tgtEl>
-                                          <p:spTgt spid="97"/>
+                                          <p:spTgt spid="95"/>
                                         </p:tgtEl>
                                         <p:attrNameLst>
                                           <p:attrName>style.visibility</p:attrName>
@@ -27784,7 +25767,7 @@
                                           </p:stCondLst>
                                         </p:cTn>
                                         <p:tgtEl>
-                                          <p:spTgt spid="98"/>
+                                          <p:spTgt spid="96"/>
                                         </p:tgtEl>
                                         <p:attrNameLst>
                                           <p:attrName>style.visibility</p:attrName>
@@ -27811,7 +25794,7 @@
                                           </p:stCondLst>
                                         </p:cTn>
                                         <p:tgtEl>
-                                          <p:spTgt spid="99"/>
+                                          <p:spTgt spid="97"/>
                                         </p:tgtEl>
                                         <p:attrNameLst>
                                           <p:attrName>style.visibility</p:attrName>
@@ -27838,7 +25821,7 @@
                                           </p:stCondLst>
                                         </p:cTn>
                                         <p:tgtEl>
-                                          <p:spTgt spid="100"/>
+                                          <p:spTgt spid="98"/>
                                         </p:tgtEl>
                                         <p:attrNameLst>
                                           <p:attrName>style.visibility</p:attrName>
@@ -27865,7 +25848,88 @@
                                           </p:stCondLst>
                                         </p:cTn>
                                         <p:tgtEl>
+                                          <p:spTgt spid="99"/>
+                                        </p:tgtEl>
+                                        <p:attrNameLst>
+                                          <p:attrName>style.visibility</p:attrName>
+                                        </p:attrNameLst>
+                                      </p:cBhvr>
+                                      <p:to>
+                                        <p:strVal val="visible"/>
+                                      </p:to>
+                                    </p:set>
+                                  </p:childTnLst>
+                                </p:cTn>
+                              </p:par>
+                              <p:par>
+                                <p:cTn id="31" presetID="1" presetClass="entr" presetSubtype="0" fill="hold" grpId="0" nodeType="withEffect">
+                                  <p:stCondLst>
+                                    <p:cond delay="0"/>
+                                  </p:stCondLst>
+                                  <p:childTnLst>
+                                    <p:set>
+                                      <p:cBhvr>
+                                        <p:cTn id="32" dur="1" fill="hold">
+                                          <p:stCondLst>
+                                            <p:cond delay="0"/>
+                                          </p:stCondLst>
+                                        </p:cTn>
+                                        <p:tgtEl>
+                                          <p:spTgt spid="100"/>
+                                        </p:tgtEl>
+                                        <p:attrNameLst>
+                                          <p:attrName>style.visibility</p:attrName>
+                                        </p:attrNameLst>
+                                      </p:cBhvr>
+                                      <p:to>
+                                        <p:strVal val="visible"/>
+                                      </p:to>
+                                    </p:set>
+                                  </p:childTnLst>
+                                </p:cTn>
+                              </p:par>
+                              <p:par>
+                                <p:cTn id="33" presetID="1" presetClass="entr" presetSubtype="0" fill="hold" grpId="0" nodeType="withEffect">
+                                  <p:stCondLst>
+                                    <p:cond delay="0"/>
+                                  </p:stCondLst>
+                                  <p:childTnLst>
+                                    <p:set>
+                                      <p:cBhvr>
+                                        <p:cTn id="34" dur="1" fill="hold">
+                                          <p:stCondLst>
+                                            <p:cond delay="0"/>
+                                          </p:stCondLst>
+                                        </p:cTn>
+                                        <p:tgtEl>
                                           <p:spTgt spid="101"/>
+                                        </p:tgtEl>
+                                        <p:attrNameLst>
+                                          <p:attrName>style.visibility</p:attrName>
+                                        </p:attrNameLst>
+                                      </p:cBhvr>
+                                      <p:to>
+                                        <p:strVal val="visible"/>
+                                      </p:to>
+                                    </p:set>
+                                  </p:childTnLst>
+                                </p:cTn>
+                              </p:par>
+                              <p:par>
+                                <p:cTn id="35" presetID="1" presetClass="entr" presetSubtype="0" fill="hold" nodeType="withEffect">
+                                  <p:stCondLst>
+                                    <p:cond delay="0"/>
+                                  </p:stCondLst>
+                                  <p:childTnLst>
+                                    <p:set>
+                                      <p:cBhvr>
+                                        <p:cTn id="36" dur="1" fill="hold">
+                                          <p:stCondLst>
+                                            <p:cond delay="0"/>
+                                          </p:stCondLst>
+                                        </p:cTn>
+                                        <p:tgtEl>
+                                          <p:spTgt spid="1026"/>
                                         </p:tgtEl>
                                         <p:attrNameLst>
                                           <p:attrName>style.visibility</p:attrName>
@@ -27919,6 +25983,664 @@
       <p:bldP spid="101" grpId="0"/>
     </p:bldLst>
   </p:timing>
+</p:sld>
+</file>
+
+<file path=ppt/slides/slide9.xml><?xml version="1.0" encoding="utf-8"?>
+<p:sld xmlns:a="http://schemas.openxmlformats.org/drawingml/2006/main" xmlns:r="http://schemas.openxmlformats.org/officeDocument/2006/relationships" xmlns:p="http://schemas.openxmlformats.org/presentationml/2006/main" showMasterPhAnim="0">
+  <p:cSld>
+    <p:spTree>
+      <p:nvGrpSpPr>
+        <p:cNvPr id="1" name=""/>
+        <p:cNvGrpSpPr/>
+        <p:nvPr/>
+      </p:nvGrpSpPr>
+      <p:grpSpPr>
+        <a:xfrm>
+          <a:off x="0" y="0"/>
+          <a:ext cx="0" cy="0"/>
+          <a:chOff x="0" y="0"/>
+          <a:chExt cx="0" cy="0"/>
+        </a:xfrm>
+      </p:grpSpPr>
+      <p:sp>
+        <p:nvSpPr>
+          <p:cNvPr id="1039362" name="Rectangle 2"/>
+          <p:cNvSpPr>
+            <a:spLocks noGrp="1" noChangeArrowheads="1"/>
+          </p:cNvSpPr>
+          <p:nvPr>
+            <p:ph type="title"/>
+          </p:nvPr>
+        </p:nvSpPr>
+        <p:spPr>
+          <a:xfrm>
+            <a:off x="523875" y="409575"/>
+            <a:ext cx="8080375" cy="590550"/>
+          </a:xfrm>
+        </p:spPr>
+        <p:txBody>
+          <a:bodyPr/>
+          <a:lstStyle/>
+          <a:p>
+            <a:pPr>
+              <a:defRPr/>
+            </a:pPr>
+            <a:r>
+              <a:rPr lang="fr-CA" sz="2400">
+                <a:latin typeface="Arial" pitchFamily="34" charset="0"/>
+                <a:ea typeface="ＭＳ Ｐゴシック" pitchFamily="34" charset="-128"/>
+              </a:rPr>
+              <a:t>Objectifs du cours</a:t>
+            </a:r>
+            <a:endParaRPr lang="fr-CA" altLang="ko-KR" sz="2400" b="0">
+              <a:effectLst>
+                <a:outerShdw blurRad="38100" dist="38100" dir="2700000" algn="tl">
+                  <a:srgbClr val="C0C0C0"/>
+                </a:outerShdw>
+              </a:effectLst>
+              <a:ea typeface="굴림" pitchFamily="50" charset="-127"/>
+            </a:endParaRPr>
+          </a:p>
+        </p:txBody>
+      </p:sp>
+      <p:sp>
+        <p:nvSpPr>
+          <p:cNvPr id="21510" name="Rectangle 3"/>
+          <p:cNvSpPr>
+            <a:spLocks noGrp="1" noChangeArrowheads="1"/>
+          </p:cNvSpPr>
+          <p:nvPr>
+            <p:ph idx="1"/>
+          </p:nvPr>
+        </p:nvSpPr>
+        <p:spPr>
+          <a:xfrm>
+            <a:off x="685800" y="1257300"/>
+            <a:ext cx="8093075" cy="5021263"/>
+          </a:xfrm>
+        </p:spPr>
+        <p:txBody>
+          <a:bodyPr/>
+          <a:lstStyle/>
+          <a:p>
+            <a:pPr>
+              <a:lnSpc>
+                <a:spcPct val="120000"/>
+              </a:lnSpc>
+            </a:pPr>
+            <a:r>
+              <a:rPr lang="fr-CA" altLang="ko-KR">
+                <a:ea typeface="Gulim" pitchFamily="34" charset="-127"/>
+              </a:rPr>
+              <a:t>Acquérir </a:t>
+            </a:r>
+          </a:p>
+          <a:p>
+            <a:pPr lvl="1">
+              <a:lnSpc>
+                <a:spcPct val="120000"/>
+              </a:lnSpc>
+            </a:pPr>
+            <a:r>
+              <a:rPr lang="fr-CA" altLang="ko-KR" sz="2000">
+                <a:ea typeface="Gulim" pitchFamily="34" charset="-127"/>
+              </a:rPr>
+              <a:t>Les principes et les techniques algorithmes de base pour développer des applications d’IA</a:t>
+            </a:r>
+          </a:p>
+          <a:p>
+            <a:pPr lvl="1">
+              <a:lnSpc>
+                <a:spcPct val="120000"/>
+              </a:lnSpc>
+              <a:buFont typeface="Monotype Sorts" pitchFamily="2" charset="2"/>
+              <a:buNone/>
+            </a:pPr>
+            <a:endParaRPr lang="fr-CA" altLang="ko-KR" sz="2000">
+              <a:ea typeface="Gulim" pitchFamily="34" charset="-127"/>
+            </a:endParaRPr>
+          </a:p>
+          <a:p>
+            <a:pPr>
+              <a:lnSpc>
+                <a:spcPct val="120000"/>
+              </a:lnSpc>
+            </a:pPr>
+            <a:r>
+              <a:rPr lang="fr-CA" altLang="ko-KR">
+                <a:ea typeface="Gulim" pitchFamily="34" charset="-127"/>
+              </a:rPr>
+              <a:t>Comment?</a:t>
+            </a:r>
+          </a:p>
+          <a:p>
+            <a:pPr lvl="1">
+              <a:lnSpc>
+                <a:spcPct val="120000"/>
+              </a:lnSpc>
+            </a:pPr>
+            <a:r>
+              <a:rPr lang="fr-CA" altLang="ko-KR" sz="2000">
+                <a:ea typeface="Gulim" pitchFamily="34" charset="-127"/>
+              </a:rPr>
+              <a:t>Introduction des types de problèmes, de concepts et d’algorithmes de base</a:t>
+            </a:r>
+          </a:p>
+          <a:p>
+            <a:pPr lvl="1">
+              <a:lnSpc>
+                <a:spcPct val="120000"/>
+              </a:lnSpc>
+            </a:pPr>
+            <a:r>
+              <a:rPr lang="fr-CA" altLang="ko-KR" sz="2000">
+                <a:ea typeface="Gulim" pitchFamily="34" charset="-127"/>
+              </a:rPr>
+              <a:t>5 travaux pratiques de programmation</a:t>
+            </a:r>
+          </a:p>
+          <a:p>
+            <a:pPr lvl="1">
+              <a:lnSpc>
+                <a:spcPct val="120000"/>
+              </a:lnSpc>
+            </a:pPr>
+            <a:r>
+              <a:rPr lang="fr-CA" altLang="ko-KR" sz="2000">
+                <a:ea typeface="Gulim" pitchFamily="34" charset="-127"/>
+              </a:rPr>
+              <a:t>3 devoirs</a:t>
+            </a:r>
+          </a:p>
+        </p:txBody>
+      </p:sp>
+      <p:sp>
+        <p:nvSpPr>
+          <p:cNvPr id="21506" name="Footer Placeholder 3"/>
+          <p:cNvSpPr>
+            <a:spLocks noGrp="1"/>
+          </p:cNvSpPr>
+          <p:nvPr>
+            <p:ph type="ftr" sz="quarter" idx="10"/>
+          </p:nvPr>
+        </p:nvSpPr>
+        <p:spPr bwMode="auto">
+          <a:xfrm>
+            <a:off x="403225" y="6438900"/>
+            <a:ext cx="1763713" cy="365125"/>
+          </a:xfrm>
+          <a:noFill/>
+          <a:extLst>
+            <a:ext uri="{909E8E84-426E-40DD-AFC4-6F175D3DCCD1}">
+              <a14:hiddenFill xmlns:a14="http://schemas.microsoft.com/office/drawing/2010/main">
+                <a:solidFill>
+                  <a:srgbClr val="FFFFFF"/>
+                </a:solidFill>
+              </a14:hiddenFill>
+            </a:ext>
+            <a:ext uri="{91240B29-F687-4F45-9708-019B960494DF}">
+              <a14:hiddenLine xmlns:a14="http://schemas.microsoft.com/office/drawing/2010/main" w="9525">
+                <a:solidFill>
+                  <a:srgbClr val="000000"/>
+                </a:solidFill>
+                <a:miter lim="800000"/>
+                <a:headEnd/>
+                <a:tailEnd/>
+              </a14:hiddenLine>
+            </a:ext>
+          </a:extLst>
+        </p:spPr>
+        <p:txBody>
+          <a:bodyPr wrap="square" numCol="1" anchorCtr="0" compatLnSpc="1">
+            <a:prstTxWarp prst="textNoShape">
+              <a:avLst/>
+            </a:prstTxWarp>
+          </a:bodyPr>
+          <a:lstStyle>
+            <a:lvl1pPr>
+              <a:defRPr>
+                <a:solidFill>
+                  <a:schemeClr val="tx1"/>
+                </a:solidFill>
+                <a:latin typeface="Arial" pitchFamily="34" charset="0"/>
+                <a:ea typeface="ＭＳ Ｐゴシック" pitchFamily="34" charset="-128"/>
+              </a:defRPr>
+            </a:lvl1pPr>
+            <a:lvl2pPr marL="742950" indent="-285750">
+              <a:defRPr>
+                <a:solidFill>
+                  <a:schemeClr val="tx1"/>
+                </a:solidFill>
+                <a:latin typeface="Arial" pitchFamily="34" charset="0"/>
+                <a:ea typeface="ＭＳ Ｐゴシック" pitchFamily="34" charset="-128"/>
+              </a:defRPr>
+            </a:lvl2pPr>
+            <a:lvl3pPr marL="1143000" indent="-228600">
+              <a:defRPr>
+                <a:solidFill>
+                  <a:schemeClr val="tx1"/>
+                </a:solidFill>
+                <a:latin typeface="Arial" pitchFamily="34" charset="0"/>
+                <a:ea typeface="ＭＳ Ｐゴシック" pitchFamily="34" charset="-128"/>
+              </a:defRPr>
+            </a:lvl3pPr>
+            <a:lvl4pPr marL="1600200" indent="-228600">
+              <a:defRPr>
+                <a:solidFill>
+                  <a:schemeClr val="tx1"/>
+                </a:solidFill>
+                <a:latin typeface="Arial" pitchFamily="34" charset="0"/>
+                <a:ea typeface="ＭＳ Ｐゴシック" pitchFamily="34" charset="-128"/>
+              </a:defRPr>
+            </a:lvl4pPr>
+            <a:lvl5pPr marL="2057400" indent="-228600">
+              <a:defRPr>
+                <a:solidFill>
+                  <a:schemeClr val="tx1"/>
+                </a:solidFill>
+                <a:latin typeface="Arial" pitchFamily="34" charset="0"/>
+                <a:ea typeface="ＭＳ Ｐゴシック" pitchFamily="34" charset="-128"/>
+              </a:defRPr>
+            </a:lvl5pPr>
+            <a:lvl6pPr marL="2514600" indent="-228600" eaLnBrk="0" fontAlgn="base" hangingPunct="0">
+              <a:spcBef>
+                <a:spcPct val="0"/>
+              </a:spcBef>
+              <a:spcAft>
+                <a:spcPct val="0"/>
+              </a:spcAft>
+              <a:defRPr>
+                <a:solidFill>
+                  <a:schemeClr val="tx1"/>
+                </a:solidFill>
+                <a:latin typeface="Arial" pitchFamily="34" charset="0"/>
+                <a:ea typeface="ＭＳ Ｐゴシック" pitchFamily="34" charset="-128"/>
+              </a:defRPr>
+            </a:lvl6pPr>
+            <a:lvl7pPr marL="2971800" indent="-228600" eaLnBrk="0" fontAlgn="base" hangingPunct="0">
+              <a:spcBef>
+                <a:spcPct val="0"/>
+              </a:spcBef>
+              <a:spcAft>
+                <a:spcPct val="0"/>
+              </a:spcAft>
+              <a:defRPr>
+                <a:solidFill>
+                  <a:schemeClr val="tx1"/>
+                </a:solidFill>
+                <a:latin typeface="Arial" pitchFamily="34" charset="0"/>
+                <a:ea typeface="ＭＳ Ｐゴシック" pitchFamily="34" charset="-128"/>
+              </a:defRPr>
+            </a:lvl7pPr>
+            <a:lvl8pPr marL="3429000" indent="-228600" eaLnBrk="0" fontAlgn="base" hangingPunct="0">
+              <a:spcBef>
+                <a:spcPct val="0"/>
+              </a:spcBef>
+              <a:spcAft>
+                <a:spcPct val="0"/>
+              </a:spcAft>
+              <a:defRPr>
+                <a:solidFill>
+                  <a:schemeClr val="tx1"/>
+                </a:solidFill>
+                <a:latin typeface="Arial" pitchFamily="34" charset="0"/>
+                <a:ea typeface="ＭＳ Ｐゴシック" pitchFamily="34" charset="-128"/>
+              </a:defRPr>
+            </a:lvl8pPr>
+            <a:lvl9pPr marL="3886200" indent="-228600" eaLnBrk="0" fontAlgn="base" hangingPunct="0">
+              <a:spcBef>
+                <a:spcPct val="0"/>
+              </a:spcBef>
+              <a:spcAft>
+                <a:spcPct val="0"/>
+              </a:spcAft>
+              <a:defRPr>
+                <a:solidFill>
+                  <a:schemeClr val="tx1"/>
+                </a:solidFill>
+                <a:latin typeface="Arial" pitchFamily="34" charset="0"/>
+                <a:ea typeface="ＭＳ Ｐゴシック" pitchFamily="34" charset="-128"/>
+              </a:defRPr>
+            </a:lvl9pPr>
+          </a:lstStyle>
+          <a:p>
+            <a:pPr algn="l"/>
+            <a:r>
+              <a:rPr lang="en-US" altLang="en-US">
+                <a:latin typeface="Calibri" pitchFamily="34" charset="0"/>
+              </a:rPr>
+              <a:t>© Froduald Kabanza</a:t>
+            </a:r>
+          </a:p>
+        </p:txBody>
+      </p:sp>
+      <p:sp>
+        <p:nvSpPr>
+          <p:cNvPr id="21507" name="Slide Number Placeholder 4"/>
+          <p:cNvSpPr>
+            <a:spLocks noGrp="1"/>
+          </p:cNvSpPr>
+          <p:nvPr>
+            <p:ph type="sldNum" sz="quarter" idx="11"/>
+          </p:nvPr>
+        </p:nvSpPr>
+        <p:spPr bwMode="auto">
+          <a:xfrm>
+            <a:off x="3173413" y="6438900"/>
+            <a:ext cx="2895600" cy="365125"/>
+          </a:xfrm>
+          <a:noFill/>
+          <a:extLst>
+            <a:ext uri="{909E8E84-426E-40DD-AFC4-6F175D3DCCD1}">
+              <a14:hiddenFill xmlns:a14="http://schemas.microsoft.com/office/drawing/2010/main">
+                <a:solidFill>
+                  <a:srgbClr val="FFFFFF"/>
+                </a:solidFill>
+              </a14:hiddenFill>
+            </a:ext>
+            <a:ext uri="{91240B29-F687-4F45-9708-019B960494DF}">
+              <a14:hiddenLine xmlns:a14="http://schemas.microsoft.com/office/drawing/2010/main" w="9525">
+                <a:solidFill>
+                  <a:srgbClr val="000000"/>
+                </a:solidFill>
+                <a:miter lim="800000"/>
+                <a:headEnd/>
+                <a:tailEnd/>
+              </a14:hiddenLine>
+            </a:ext>
+          </a:extLst>
+        </p:spPr>
+        <p:txBody>
+          <a:bodyPr/>
+          <a:lstStyle>
+            <a:lvl1pPr>
+              <a:defRPr>
+                <a:solidFill>
+                  <a:schemeClr val="tx1"/>
+                </a:solidFill>
+                <a:latin typeface="Arial" pitchFamily="34" charset="0"/>
+                <a:ea typeface="ＭＳ Ｐゴシック" pitchFamily="34" charset="-128"/>
+              </a:defRPr>
+            </a:lvl1pPr>
+            <a:lvl2pPr marL="742950" indent="-285750">
+              <a:defRPr>
+                <a:solidFill>
+                  <a:schemeClr val="tx1"/>
+                </a:solidFill>
+                <a:latin typeface="Arial" pitchFamily="34" charset="0"/>
+                <a:ea typeface="ＭＳ Ｐゴシック" pitchFamily="34" charset="-128"/>
+              </a:defRPr>
+            </a:lvl2pPr>
+            <a:lvl3pPr marL="1143000" indent="-228600">
+              <a:defRPr>
+                <a:solidFill>
+                  <a:schemeClr val="tx1"/>
+                </a:solidFill>
+                <a:latin typeface="Arial" pitchFamily="34" charset="0"/>
+                <a:ea typeface="ＭＳ Ｐゴシック" pitchFamily="34" charset="-128"/>
+              </a:defRPr>
+            </a:lvl3pPr>
+            <a:lvl4pPr marL="1600200" indent="-228600">
+              <a:defRPr>
+                <a:solidFill>
+                  <a:schemeClr val="tx1"/>
+                </a:solidFill>
+                <a:latin typeface="Arial" pitchFamily="34" charset="0"/>
+                <a:ea typeface="ＭＳ Ｐゴシック" pitchFamily="34" charset="-128"/>
+              </a:defRPr>
+            </a:lvl4pPr>
+            <a:lvl5pPr marL="2057400" indent="-228600">
+              <a:defRPr>
+                <a:solidFill>
+                  <a:schemeClr val="tx1"/>
+                </a:solidFill>
+                <a:latin typeface="Arial" pitchFamily="34" charset="0"/>
+                <a:ea typeface="ＭＳ Ｐゴシック" pitchFamily="34" charset="-128"/>
+              </a:defRPr>
+            </a:lvl5pPr>
+            <a:lvl6pPr marL="2514600" indent="-228600" eaLnBrk="0" fontAlgn="base" hangingPunct="0">
+              <a:spcBef>
+                <a:spcPct val="0"/>
+              </a:spcBef>
+              <a:spcAft>
+                <a:spcPct val="0"/>
+              </a:spcAft>
+              <a:defRPr>
+                <a:solidFill>
+                  <a:schemeClr val="tx1"/>
+                </a:solidFill>
+                <a:latin typeface="Arial" pitchFamily="34" charset="0"/>
+                <a:ea typeface="ＭＳ Ｐゴシック" pitchFamily="34" charset="-128"/>
+              </a:defRPr>
+            </a:lvl6pPr>
+            <a:lvl7pPr marL="2971800" indent="-228600" eaLnBrk="0" fontAlgn="base" hangingPunct="0">
+              <a:spcBef>
+                <a:spcPct val="0"/>
+              </a:spcBef>
+              <a:spcAft>
+                <a:spcPct val="0"/>
+              </a:spcAft>
+              <a:defRPr>
+                <a:solidFill>
+                  <a:schemeClr val="tx1"/>
+                </a:solidFill>
+                <a:latin typeface="Arial" pitchFamily="34" charset="0"/>
+                <a:ea typeface="ＭＳ Ｐゴシック" pitchFamily="34" charset="-128"/>
+              </a:defRPr>
+            </a:lvl7pPr>
+            <a:lvl8pPr marL="3429000" indent="-228600" eaLnBrk="0" fontAlgn="base" hangingPunct="0">
+              <a:spcBef>
+                <a:spcPct val="0"/>
+              </a:spcBef>
+              <a:spcAft>
+                <a:spcPct val="0"/>
+              </a:spcAft>
+              <a:defRPr>
+                <a:solidFill>
+                  <a:schemeClr val="tx1"/>
+                </a:solidFill>
+                <a:latin typeface="Arial" pitchFamily="34" charset="0"/>
+                <a:ea typeface="ＭＳ Ｐゴシック" pitchFamily="34" charset="-128"/>
+              </a:defRPr>
+            </a:lvl8pPr>
+            <a:lvl9pPr marL="3886200" indent="-228600" eaLnBrk="0" fontAlgn="base" hangingPunct="0">
+              <a:spcBef>
+                <a:spcPct val="0"/>
+              </a:spcBef>
+              <a:spcAft>
+                <a:spcPct val="0"/>
+              </a:spcAft>
+              <a:defRPr>
+                <a:solidFill>
+                  <a:schemeClr val="tx1"/>
+                </a:solidFill>
+                <a:latin typeface="Arial" pitchFamily="34" charset="0"/>
+                <a:ea typeface="ＭＳ Ｐゴシック" pitchFamily="34" charset="-128"/>
+              </a:defRPr>
+            </a:lvl9pPr>
+          </a:lstStyle>
+          <a:p>
+            <a:pPr algn="ctr"/>
+            <a:fld id="{7ACBD824-B56C-401F-B085-4EB9A060C900}" type="slidenum">
+              <a:rPr lang="en-US" altLang="en-US" smtClean="0">
+                <a:latin typeface="Calibri" pitchFamily="34" charset="0"/>
+              </a:rPr>
+              <a:pPr algn="ctr"/>
+              <a:t>9</a:t>
+            </a:fld>
+            <a:endParaRPr lang="en-US" altLang="en-US">
+              <a:latin typeface="Calibri" pitchFamily="34" charset="0"/>
+            </a:endParaRPr>
+          </a:p>
+        </p:txBody>
+      </p:sp>
+      <p:sp>
+        <p:nvSpPr>
+          <p:cNvPr id="21508" name="Date Placeholder 5"/>
+          <p:cNvSpPr>
+            <a:spLocks noGrp="1"/>
+          </p:cNvSpPr>
+          <p:nvPr>
+            <p:ph type="dt" sz="half" idx="12"/>
+          </p:nvPr>
+        </p:nvSpPr>
+        <p:spPr bwMode="auto">
+          <a:xfrm>
+            <a:off x="6584950" y="6438900"/>
+            <a:ext cx="2133600" cy="365125"/>
+          </a:xfrm>
+          <a:noFill/>
+          <a:extLst>
+            <a:ext uri="{909E8E84-426E-40DD-AFC4-6F175D3DCCD1}">
+              <a14:hiddenFill xmlns:a14="http://schemas.microsoft.com/office/drawing/2010/main">
+                <a:solidFill>
+                  <a:srgbClr val="FFFFFF"/>
+                </a:solidFill>
+              </a14:hiddenFill>
+            </a:ext>
+            <a:ext uri="{91240B29-F687-4F45-9708-019B960494DF}">
+              <a14:hiddenLine xmlns:a14="http://schemas.microsoft.com/office/drawing/2010/main" w="9525">
+                <a:solidFill>
+                  <a:srgbClr val="000000"/>
+                </a:solidFill>
+                <a:miter lim="800000"/>
+                <a:headEnd/>
+                <a:tailEnd/>
+              </a14:hiddenLine>
+            </a:ext>
+          </a:extLst>
+        </p:spPr>
+        <p:txBody>
+          <a:bodyPr wrap="square" numCol="1" anchorCtr="0" compatLnSpc="1">
+            <a:prstTxWarp prst="textNoShape">
+              <a:avLst/>
+            </a:prstTxWarp>
+          </a:bodyPr>
+          <a:lstStyle>
+            <a:lvl1pPr>
+              <a:defRPr>
+                <a:solidFill>
+                  <a:schemeClr val="tx1"/>
+                </a:solidFill>
+                <a:latin typeface="Arial" pitchFamily="34" charset="0"/>
+                <a:ea typeface="ＭＳ Ｐゴシック" pitchFamily="34" charset="-128"/>
+              </a:defRPr>
+            </a:lvl1pPr>
+            <a:lvl2pPr marL="742950" indent="-285750">
+              <a:defRPr>
+                <a:solidFill>
+                  <a:schemeClr val="tx1"/>
+                </a:solidFill>
+                <a:latin typeface="Arial" pitchFamily="34" charset="0"/>
+                <a:ea typeface="ＭＳ Ｐゴシック" pitchFamily="34" charset="-128"/>
+              </a:defRPr>
+            </a:lvl2pPr>
+            <a:lvl3pPr marL="1143000" indent="-228600">
+              <a:defRPr>
+                <a:solidFill>
+                  <a:schemeClr val="tx1"/>
+                </a:solidFill>
+                <a:latin typeface="Arial" pitchFamily="34" charset="0"/>
+                <a:ea typeface="ＭＳ Ｐゴシック" pitchFamily="34" charset="-128"/>
+              </a:defRPr>
+            </a:lvl3pPr>
+            <a:lvl4pPr marL="1600200" indent="-228600">
+              <a:defRPr>
+                <a:solidFill>
+                  <a:schemeClr val="tx1"/>
+                </a:solidFill>
+                <a:latin typeface="Arial" pitchFamily="34" charset="0"/>
+                <a:ea typeface="ＭＳ Ｐゴシック" pitchFamily="34" charset="-128"/>
+              </a:defRPr>
+            </a:lvl4pPr>
+            <a:lvl5pPr marL="2057400" indent="-228600">
+              <a:defRPr>
+                <a:solidFill>
+                  <a:schemeClr val="tx1"/>
+                </a:solidFill>
+                <a:latin typeface="Arial" pitchFamily="34" charset="0"/>
+                <a:ea typeface="ＭＳ Ｐゴシック" pitchFamily="34" charset="-128"/>
+              </a:defRPr>
+            </a:lvl5pPr>
+            <a:lvl6pPr marL="2514600" indent="-228600" eaLnBrk="0" fontAlgn="base" hangingPunct="0">
+              <a:spcBef>
+                <a:spcPct val="0"/>
+              </a:spcBef>
+              <a:spcAft>
+                <a:spcPct val="0"/>
+              </a:spcAft>
+              <a:defRPr>
+                <a:solidFill>
+                  <a:schemeClr val="tx1"/>
+                </a:solidFill>
+                <a:latin typeface="Arial" pitchFamily="34" charset="0"/>
+                <a:ea typeface="ＭＳ Ｐゴシック" pitchFamily="34" charset="-128"/>
+              </a:defRPr>
+            </a:lvl6pPr>
+            <a:lvl7pPr marL="2971800" indent="-228600" eaLnBrk="0" fontAlgn="base" hangingPunct="0">
+              <a:spcBef>
+                <a:spcPct val="0"/>
+              </a:spcBef>
+              <a:spcAft>
+                <a:spcPct val="0"/>
+              </a:spcAft>
+              <a:defRPr>
+                <a:solidFill>
+                  <a:schemeClr val="tx1"/>
+                </a:solidFill>
+                <a:latin typeface="Arial" pitchFamily="34" charset="0"/>
+                <a:ea typeface="ＭＳ Ｐゴシック" pitchFamily="34" charset="-128"/>
+              </a:defRPr>
+            </a:lvl7pPr>
+            <a:lvl8pPr marL="3429000" indent="-228600" eaLnBrk="0" fontAlgn="base" hangingPunct="0">
+              <a:spcBef>
+                <a:spcPct val="0"/>
+              </a:spcBef>
+              <a:spcAft>
+                <a:spcPct val="0"/>
+              </a:spcAft>
+              <a:defRPr>
+                <a:solidFill>
+                  <a:schemeClr val="tx1"/>
+                </a:solidFill>
+                <a:latin typeface="Arial" pitchFamily="34" charset="0"/>
+                <a:ea typeface="ＭＳ Ｐゴシック" pitchFamily="34" charset="-128"/>
+              </a:defRPr>
+            </a:lvl8pPr>
+            <a:lvl9pPr marL="3886200" indent="-228600" eaLnBrk="0" fontAlgn="base" hangingPunct="0">
+              <a:spcBef>
+                <a:spcPct val="0"/>
+              </a:spcBef>
+              <a:spcAft>
+                <a:spcPct val="0"/>
+              </a:spcAft>
+              <a:defRPr>
+                <a:solidFill>
+                  <a:schemeClr val="tx1"/>
+                </a:solidFill>
+                <a:latin typeface="Arial" pitchFamily="34" charset="0"/>
+                <a:ea typeface="ＭＳ Ｐゴシック" pitchFamily="34" charset="-128"/>
+              </a:defRPr>
+            </a:lvl9pPr>
+          </a:lstStyle>
+          <a:p>
+            <a:pPr algn="r"/>
+            <a:r>
+              <a:rPr lang="en-US" altLang="en-US">
+                <a:latin typeface="Calibri" pitchFamily="34" charset="0"/>
+              </a:rPr>
+              <a:t>IFT615</a:t>
+            </a:r>
+          </a:p>
+        </p:txBody>
+      </p:sp>
+    </p:spTree>
+  </p:cSld>
+  <p:clrMapOvr>
+    <a:masterClrMapping/>
+  </p:clrMapOvr>
+  <p:transition advClick="0"/>
 </p:sld>
 </file>
 
@@ -29400,15 +28122,6 @@
 </file>
 
 <file path=customXml/item1.xml><?xml version="1.0" encoding="utf-8"?>
-<?mso-contentType ?>
-<FormTemplates xmlns="http://schemas.microsoft.com/sharepoint/v3/contenttype/forms">
-  <Display>DocumentLibraryForm</Display>
-  <Edit>DocumentLibraryForm</Edit>
-  <New>DocumentLibraryForm</New>
-</FormTemplates>
-</file>
-
-<file path=customXml/item2.xml><?xml version="1.0" encoding="utf-8"?>
 <p:properties xmlns:p="http://schemas.microsoft.com/office/2006/metadata/properties" xmlns:xsi="http://www.w3.org/2001/XMLSchema-instance" xmlns:pc="http://schemas.microsoft.com/office/infopath/2007/PartnerControls">
   <documentManagement>
     <lcf76f155ced4ddcb4097134ff3c332f xmlns="be95ad7f-f2d3-4ad5-827d-a3392f6d419f">
@@ -29419,7 +28132,7 @@
 </p:properties>
 </file>
 
-<file path=customXml/item3.xml><?xml version="1.0" encoding="utf-8"?>
+<file path=customXml/item2.xml><?xml version="1.0" encoding="utf-8"?>
 <ct:contentTypeSchema xmlns:ct="http://schemas.microsoft.com/office/2006/metadata/contentType" xmlns:ma="http://schemas.microsoft.com/office/2006/metadata/properties/metaAttributes" ct:_="" ma:_="" ma:contentTypeName="Document" ma:contentTypeID="0x01010081A5D1C58639CC438A0985A5163AD7E3" ma:contentTypeVersion="16" ma:contentTypeDescription="Crée un document." ma:contentTypeScope="" ma:versionID="adde1713dad0237bebe5b7f0a48ecfba">
   <xsd:schema xmlns:xsd="http://www.w3.org/2001/XMLSchema" xmlns:xs="http://www.w3.org/2001/XMLSchema" xmlns:p="http://schemas.microsoft.com/office/2006/metadata/properties" xmlns:ns2="be95ad7f-f2d3-4ad5-827d-a3392f6d419f" xmlns:ns3="461e6b72-1c26-445f-8625-322369705492" targetNamespace="http://schemas.microsoft.com/office/2006/metadata/properties" ma:root="true" ma:fieldsID="34d9627e19b6e0ed2eb421ed6e1fb46a" ns2:_="" ns3:_="">
     <xsd:import namespace="be95ad7f-f2d3-4ad5-827d-a3392f6d419f"/>
@@ -29656,15 +28369,16 @@
 </ct:contentTypeSchema>
 </file>
 
-<file path=customXml/itemProps1.xml><?xml version="1.0" encoding="utf-8"?>
-<ds:datastoreItem xmlns:ds="http://schemas.openxmlformats.org/officeDocument/2006/customXml" ds:itemID="{9974C2F4-8CCD-406C-A794-600FD2FA860F}">
-  <ds:schemaRefs>
-    <ds:schemaRef ds:uri="http://schemas.microsoft.com/sharepoint/v3/contenttype/forms"/>
-  </ds:schemaRefs>
-</ds:datastoreItem>
+<file path=customXml/item3.xml><?xml version="1.0" encoding="utf-8"?>
+<?mso-contentType ?>
+<FormTemplates xmlns="http://schemas.microsoft.com/sharepoint/v3/contenttype/forms">
+  <Display>DocumentLibraryForm</Display>
+  <Edit>DocumentLibraryForm</Edit>
+  <New>DocumentLibraryForm</New>
+</FormTemplates>
 </file>
 
-<file path=customXml/itemProps2.xml><?xml version="1.0" encoding="utf-8"?>
+<file path=customXml/itemProps1.xml><?xml version="1.0" encoding="utf-8"?>
 <ds:datastoreItem xmlns:ds="http://schemas.openxmlformats.org/officeDocument/2006/customXml" ds:itemID="{24DA2006-6440-4976-BC53-B7AAE5097698}">
   <ds:schemaRefs>
     <ds:schemaRef ds:uri="461e6b72-1c26-445f-8625-322369705492"/>
@@ -29681,7 +28395,7 @@
 </ds:datastoreItem>
 </file>
 
-<file path=customXml/itemProps3.xml><?xml version="1.0" encoding="utf-8"?>
+<file path=customXml/itemProps2.xml><?xml version="1.0" encoding="utf-8"?>
 <ds:datastoreItem xmlns:ds="http://schemas.openxmlformats.org/officeDocument/2006/customXml" ds:itemID="{850017F6-8206-48C9-8293-41EE07368398}">
   <ds:schemaRefs>
     <ds:schemaRef ds:uri="461e6b72-1c26-445f-8625-322369705492"/>
@@ -29698,4 +28412,12 @@
     <ds:schemaRef ds:uri="http://www.w3.org/2001/XMLSchema"/>
   </ds:schemaRefs>
 </ds:datastoreItem>
+</file>
+
+<file path=customXml/itemProps3.xml><?xml version="1.0" encoding="utf-8"?>
+<ds:datastoreItem xmlns:ds="http://schemas.openxmlformats.org/officeDocument/2006/customXml" ds:itemID="{9974C2F4-8CCD-406C-A794-600FD2FA860F}">
+  <ds:schemaRefs>
+    <ds:schemaRef ds:uri="http://schemas.microsoft.com/sharepoint/v3/contenttype/forms"/>
+  </ds:schemaRefs>
+</ds:datastoreItem>
 </file>
--- a/ift/assets/slides/ift615-01-Intro.pptx
+++ b/ift/assets/slides/ift615-01-Intro.pptx
@@ -192,7 +192,7 @@
 <file path=ppt/revisionInfo.xml><?xml version="1.0" encoding="utf-8"?>
 <p1510:revInfo xmlns:a="http://schemas.openxmlformats.org/drawingml/2006/main" xmlns:r="http://schemas.openxmlformats.org/officeDocument/2006/relationships" xmlns:p1510="http://schemas.microsoft.com/office/powerpoint/2015/10/main">
   <p1510:revLst>
-    <p1510:client id="{7642A362-B159-4960-ABCC-9DCCA8534FF7}" v="9" dt="2023-05-01T09:52:16.609"/>
+    <p1510:client id="{66E14B12-2BA7-4FCF-B090-34275B0B1650}" v="7" dt="2024-01-10T22:25:02.546"/>
   </p1510:revLst>
 </p1510:revInfo>
 </file>
@@ -2587,6 +2587,225 @@
           </pc:sldLayoutMkLst>
         </pc:sldLayoutChg>
       </pc:sldMasterChg>
+    </pc:docChg>
+  </pc:docChgLst>
+  <pc:docChgLst>
+    <pc:chgData name="Froduald Kabanza" userId="edf393d0-642b-4b9e-8c75-f62133241689" providerId="ADAL" clId="{66E14B12-2BA7-4FCF-B090-34275B0B1650}"/>
+    <pc:docChg chg="undo custSel modSld">
+      <pc:chgData name="Froduald Kabanza" userId="edf393d0-642b-4b9e-8c75-f62133241689" providerId="ADAL" clId="{66E14B12-2BA7-4FCF-B090-34275B0B1650}" dt="2024-01-10T22:25:02.546" v="300" actId="1076"/>
+      <pc:docMkLst>
+        <pc:docMk/>
+      </pc:docMkLst>
+      <pc:sldChg chg="modSp mod">
+        <pc:chgData name="Froduald Kabanza" userId="edf393d0-642b-4b9e-8c75-f62133241689" providerId="ADAL" clId="{66E14B12-2BA7-4FCF-B090-34275B0B1650}" dt="2024-01-10T22:15:33.717" v="233" actId="20577"/>
+        <pc:sldMkLst>
+          <pc:docMk/>
+          <pc:sldMk cId="0" sldId="700"/>
+        </pc:sldMkLst>
+        <pc:spChg chg="mod">
+          <ac:chgData name="Froduald Kabanza" userId="edf393d0-642b-4b9e-8c75-f62133241689" providerId="ADAL" clId="{66E14B12-2BA7-4FCF-B090-34275B0B1650}" dt="2024-01-10T22:15:33.717" v="233" actId="20577"/>
+          <ac:spMkLst>
+            <pc:docMk/>
+            <pc:sldMk cId="0" sldId="700"/>
+            <ac:spMk id="21510" creationId="{00000000-0000-0000-0000-000000000000}"/>
+          </ac:spMkLst>
+        </pc:spChg>
+      </pc:sldChg>
+      <pc:sldChg chg="modSp mod">
+        <pc:chgData name="Froduald Kabanza" userId="edf393d0-642b-4b9e-8c75-f62133241689" providerId="ADAL" clId="{66E14B12-2BA7-4FCF-B090-34275B0B1650}" dt="2024-01-10T22:25:02.546" v="300" actId="1076"/>
+        <pc:sldMkLst>
+          <pc:docMk/>
+          <pc:sldMk cId="4079790285" sldId="706"/>
+        </pc:sldMkLst>
+        <pc:spChg chg="mod">
+          <ac:chgData name="Froduald Kabanza" userId="edf393d0-642b-4b9e-8c75-f62133241689" providerId="ADAL" clId="{66E14B12-2BA7-4FCF-B090-34275B0B1650}" dt="2024-01-10T22:25:02.546" v="300" actId="1076"/>
+          <ac:spMkLst>
+            <pc:docMk/>
+            <pc:sldMk cId="4079790285" sldId="706"/>
+            <ac:spMk id="7171" creationId="{00000000-0000-0000-0000-000000000000}"/>
+          </ac:spMkLst>
+        </pc:spChg>
+        <pc:picChg chg="mod">
+          <ac:chgData name="Froduald Kabanza" userId="edf393d0-642b-4b9e-8c75-f62133241689" providerId="ADAL" clId="{66E14B12-2BA7-4FCF-B090-34275B0B1650}" dt="2024-01-10T22:11:05.230" v="36" actId="1076"/>
+          <ac:picMkLst>
+            <pc:docMk/>
+            <pc:sldMk cId="4079790285" sldId="706"/>
+            <ac:picMk id="2" creationId="{A3F7B5CA-5A51-E9D3-4709-89BDE2055729}"/>
+          </ac:picMkLst>
+        </pc:picChg>
+        <pc:picChg chg="mod">
+          <ac:chgData name="Froduald Kabanza" userId="edf393d0-642b-4b9e-8c75-f62133241689" providerId="ADAL" clId="{66E14B12-2BA7-4FCF-B090-34275B0B1650}" dt="2024-01-10T22:11:05.230" v="36" actId="1076"/>
+          <ac:picMkLst>
+            <pc:docMk/>
+            <pc:sldMk cId="4079790285" sldId="706"/>
+            <ac:picMk id="3" creationId="{6A654781-6861-9762-76D1-E86D9624EC11}"/>
+          </ac:picMkLst>
+        </pc:picChg>
+        <pc:picChg chg="mod">
+          <ac:chgData name="Froduald Kabanza" userId="edf393d0-642b-4b9e-8c75-f62133241689" providerId="ADAL" clId="{66E14B12-2BA7-4FCF-B090-34275B0B1650}" dt="2024-01-10T22:11:05.230" v="36" actId="1076"/>
+          <ac:picMkLst>
+            <pc:docMk/>
+            <pc:sldMk cId="4079790285" sldId="706"/>
+            <ac:picMk id="5" creationId="{D6637DB4-625A-9D77-BA2B-31F7B5F35042}"/>
+          </ac:picMkLst>
+        </pc:picChg>
+        <pc:picChg chg="mod">
+          <ac:chgData name="Froduald Kabanza" userId="edf393d0-642b-4b9e-8c75-f62133241689" providerId="ADAL" clId="{66E14B12-2BA7-4FCF-B090-34275B0B1650}" dt="2024-01-10T22:11:05.230" v="36" actId="1076"/>
+          <ac:picMkLst>
+            <pc:docMk/>
+            <pc:sldMk cId="4079790285" sldId="706"/>
+            <ac:picMk id="7" creationId="{5144745D-13A6-B061-C767-D42E42325780}"/>
+          </ac:picMkLst>
+        </pc:picChg>
+        <pc:picChg chg="mod">
+          <ac:chgData name="Froduald Kabanza" userId="edf393d0-642b-4b9e-8c75-f62133241689" providerId="ADAL" clId="{66E14B12-2BA7-4FCF-B090-34275B0B1650}" dt="2024-01-10T22:11:05.230" v="36" actId="1076"/>
+          <ac:picMkLst>
+            <pc:docMk/>
+            <pc:sldMk cId="4079790285" sldId="706"/>
+            <ac:picMk id="9" creationId="{3B6DB229-9C30-670E-A47E-0D9F449AE9CB}"/>
+          </ac:picMkLst>
+        </pc:picChg>
+        <pc:picChg chg="mod">
+          <ac:chgData name="Froduald Kabanza" userId="edf393d0-642b-4b9e-8c75-f62133241689" providerId="ADAL" clId="{66E14B12-2BA7-4FCF-B090-34275B0B1650}" dt="2024-01-10T22:11:05.230" v="36" actId="1076"/>
+          <ac:picMkLst>
+            <pc:docMk/>
+            <pc:sldMk cId="4079790285" sldId="706"/>
+            <ac:picMk id="12" creationId="{EC58F3E6-1F3B-30E2-FC4B-198B6364DD98}"/>
+          </ac:picMkLst>
+        </pc:picChg>
+        <pc:picChg chg="mod">
+          <ac:chgData name="Froduald Kabanza" userId="edf393d0-642b-4b9e-8c75-f62133241689" providerId="ADAL" clId="{66E14B12-2BA7-4FCF-B090-34275B0B1650}" dt="2024-01-10T22:11:05.230" v="36" actId="1076"/>
+          <ac:picMkLst>
+            <pc:docMk/>
+            <pc:sldMk cId="4079790285" sldId="706"/>
+            <ac:picMk id="15" creationId="{81466BE9-78E7-23FD-2BB1-704422725039}"/>
+          </ac:picMkLst>
+        </pc:picChg>
+      </pc:sldChg>
+      <pc:sldChg chg="modSp mod">
+        <pc:chgData name="Froduald Kabanza" userId="edf393d0-642b-4b9e-8c75-f62133241689" providerId="ADAL" clId="{66E14B12-2BA7-4FCF-B090-34275B0B1650}" dt="2024-01-10T22:17:07.154" v="242" actId="1582"/>
+        <pc:sldMkLst>
+          <pc:docMk/>
+          <pc:sldMk cId="918217908" sldId="711"/>
+        </pc:sldMkLst>
+        <pc:spChg chg="mod">
+          <ac:chgData name="Froduald Kabanza" userId="edf393d0-642b-4b9e-8c75-f62133241689" providerId="ADAL" clId="{66E14B12-2BA7-4FCF-B090-34275B0B1650}" dt="2024-01-10T22:16:47.258" v="239" actId="1582"/>
+          <ac:spMkLst>
+            <pc:docMk/>
+            <pc:sldMk cId="918217908" sldId="711"/>
+            <ac:spMk id="8" creationId="{00000000-0000-0000-0000-000000000000}"/>
+          </ac:spMkLst>
+        </pc:spChg>
+        <pc:spChg chg="mod">
+          <ac:chgData name="Froduald Kabanza" userId="edf393d0-642b-4b9e-8c75-f62133241689" providerId="ADAL" clId="{66E14B12-2BA7-4FCF-B090-34275B0B1650}" dt="2024-01-10T22:17:07.154" v="242" actId="1582"/>
+          <ac:spMkLst>
+            <pc:docMk/>
+            <pc:sldMk cId="918217908" sldId="711"/>
+            <ac:spMk id="9" creationId="{00000000-0000-0000-0000-000000000000}"/>
+          </ac:spMkLst>
+        </pc:spChg>
+        <pc:spChg chg="mod">
+          <ac:chgData name="Froduald Kabanza" userId="edf393d0-642b-4b9e-8c75-f62133241689" providerId="ADAL" clId="{66E14B12-2BA7-4FCF-B090-34275B0B1650}" dt="2024-01-10T22:16:58.127" v="241" actId="1582"/>
+          <ac:spMkLst>
+            <pc:docMk/>
+            <pc:sldMk cId="918217908" sldId="711"/>
+            <ac:spMk id="17" creationId="{950B307E-41E4-4877-AEC1-4E2B963908D6}"/>
+          </ac:spMkLst>
+        </pc:spChg>
+        <pc:spChg chg="mod">
+          <ac:chgData name="Froduald Kabanza" userId="edf393d0-642b-4b9e-8c75-f62133241689" providerId="ADAL" clId="{66E14B12-2BA7-4FCF-B090-34275B0B1650}" dt="2024-01-10T22:16:40.431" v="238" actId="1582"/>
+          <ac:spMkLst>
+            <pc:docMk/>
+            <pc:sldMk cId="918217908" sldId="711"/>
+            <ac:spMk id="18" creationId="{AD870AEB-30F7-421A-823A-E7818AD251FB}"/>
+          </ac:spMkLst>
+        </pc:spChg>
+        <pc:spChg chg="mod">
+          <ac:chgData name="Froduald Kabanza" userId="edf393d0-642b-4b9e-8c75-f62133241689" providerId="ADAL" clId="{66E14B12-2BA7-4FCF-B090-34275B0B1650}" dt="2024-01-10T22:16:02.190" v="234" actId="1076"/>
+          <ac:spMkLst>
+            <pc:docMk/>
+            <pc:sldMk cId="918217908" sldId="711"/>
+            <ac:spMk id="34" creationId="{00000000-0000-0000-0000-000000000000}"/>
+          </ac:spMkLst>
+        </pc:spChg>
+        <pc:spChg chg="mod">
+          <ac:chgData name="Froduald Kabanza" userId="edf393d0-642b-4b9e-8c75-f62133241689" providerId="ADAL" clId="{66E14B12-2BA7-4FCF-B090-34275B0B1650}" dt="2024-01-10T22:16:52.629" v="240" actId="1582"/>
+          <ac:spMkLst>
+            <pc:docMk/>
+            <pc:sldMk cId="918217908" sldId="711"/>
+            <ac:spMk id="38" creationId="{00000000-0000-0000-0000-000000000000}"/>
+          </ac:spMkLst>
+        </pc:spChg>
+        <pc:cxnChg chg="mod">
+          <ac:chgData name="Froduald Kabanza" userId="edf393d0-642b-4b9e-8c75-f62133241689" providerId="ADAL" clId="{66E14B12-2BA7-4FCF-B090-34275B0B1650}" dt="2024-01-10T22:16:06.856" v="235" actId="14100"/>
+          <ac:cxnSpMkLst>
+            <pc:docMk/>
+            <pc:sldMk cId="918217908" sldId="711"/>
+            <ac:cxnSpMk id="35" creationId="{00000000-0000-0000-0000-000000000000}"/>
+          </ac:cxnSpMkLst>
+        </pc:cxnChg>
+        <pc:cxnChg chg="mod">
+          <ac:chgData name="Froduald Kabanza" userId="edf393d0-642b-4b9e-8c75-f62133241689" providerId="ADAL" clId="{66E14B12-2BA7-4FCF-B090-34275B0B1650}" dt="2024-01-10T22:16:12.086" v="236" actId="14100"/>
+          <ac:cxnSpMkLst>
+            <pc:docMk/>
+            <pc:sldMk cId="918217908" sldId="711"/>
+            <ac:cxnSpMk id="42" creationId="{00000000-0000-0000-0000-000000000000}"/>
+          </ac:cxnSpMkLst>
+        </pc:cxnChg>
+        <pc:cxnChg chg="mod">
+          <ac:chgData name="Froduald Kabanza" userId="edf393d0-642b-4b9e-8c75-f62133241689" providerId="ADAL" clId="{66E14B12-2BA7-4FCF-B090-34275B0B1650}" dt="2024-01-10T22:16:15.791" v="237" actId="14100"/>
+          <ac:cxnSpMkLst>
+            <pc:docMk/>
+            <pc:sldMk cId="918217908" sldId="711"/>
+            <ac:cxnSpMk id="44" creationId="{00000000-0000-0000-0000-000000000000}"/>
+          </ac:cxnSpMkLst>
+        </pc:cxnChg>
+      </pc:sldChg>
+      <pc:sldChg chg="modSp">
+        <pc:chgData name="Froduald Kabanza" userId="edf393d0-642b-4b9e-8c75-f62133241689" providerId="ADAL" clId="{66E14B12-2BA7-4FCF-B090-34275B0B1650}" dt="2024-01-10T22:12:38.017" v="54" actId="20577"/>
+        <pc:sldMkLst>
+          <pc:docMk/>
+          <pc:sldMk cId="2960840821" sldId="713"/>
+        </pc:sldMkLst>
+        <pc:spChg chg="mod">
+          <ac:chgData name="Froduald Kabanza" userId="edf393d0-642b-4b9e-8c75-f62133241689" providerId="ADAL" clId="{66E14B12-2BA7-4FCF-B090-34275B0B1650}" dt="2024-01-10T22:12:38.017" v="54" actId="20577"/>
+          <ac:spMkLst>
+            <pc:docMk/>
+            <pc:sldMk cId="2960840821" sldId="713"/>
+            <ac:spMk id="95" creationId="{E6C2EEAC-B9A8-4DDE-BEEE-172C2C51C115}"/>
+          </ac:spMkLst>
+        </pc:spChg>
+      </pc:sldChg>
+      <pc:sldChg chg="mod modShow">
+        <pc:chgData name="Froduald Kabanza" userId="edf393d0-642b-4b9e-8c75-f62133241689" providerId="ADAL" clId="{66E14B12-2BA7-4FCF-B090-34275B0B1650}" dt="2024-01-10T22:12:25.422" v="53" actId="729"/>
+        <pc:sldMkLst>
+          <pc:docMk/>
+          <pc:sldMk cId="1630510579" sldId="4500"/>
+        </pc:sldMkLst>
+      </pc:sldChg>
+      <pc:sldChg chg="addSp delSp modSp mod">
+        <pc:chgData name="Froduald Kabanza" userId="edf393d0-642b-4b9e-8c75-f62133241689" providerId="ADAL" clId="{66E14B12-2BA7-4FCF-B090-34275B0B1650}" dt="2024-01-10T22:23:51.956" v="296" actId="1076"/>
+        <pc:sldMkLst>
+          <pc:docMk/>
+          <pc:sldMk cId="2074318206" sldId="4503"/>
+        </pc:sldMkLst>
+        <pc:graphicFrameChg chg="del mod">
+          <ac:chgData name="Froduald Kabanza" userId="edf393d0-642b-4b9e-8c75-f62133241689" providerId="ADAL" clId="{66E14B12-2BA7-4FCF-B090-34275B0B1650}" dt="2024-01-10T22:18:32.735" v="244" actId="478"/>
+          <ac:graphicFrameMkLst>
+            <pc:docMk/>
+            <pc:sldMk cId="2074318206" sldId="4503"/>
+            <ac:graphicFrameMk id="2" creationId="{7B3B459A-0E5D-FD53-4C38-BF00A6F06489}"/>
+          </ac:graphicFrameMkLst>
+        </pc:graphicFrameChg>
+        <pc:graphicFrameChg chg="add mod modGraphic">
+          <ac:chgData name="Froduald Kabanza" userId="edf393d0-642b-4b9e-8c75-f62133241689" providerId="ADAL" clId="{66E14B12-2BA7-4FCF-B090-34275B0B1650}" dt="2024-01-10T22:23:51.956" v="296" actId="1076"/>
+          <ac:graphicFrameMkLst>
+            <pc:docMk/>
+            <pc:sldMk cId="2074318206" sldId="4503"/>
+            <ac:graphicFrameMk id="3" creationId="{FC016AA9-4AA9-8F2C-C802-CCB8A388C327}"/>
+          </ac:graphicFrameMkLst>
+        </pc:graphicFrameChg>
+      </pc:sldChg>
     </pc:docChg>
   </pc:docChgLst>
   <pc:docChgLst>
@@ -12097,7 +12316,7 @@
           <a:solidFill>
             <a:schemeClr val="bg1"/>
           </a:solidFill>
-          <a:ln w="25400">
+          <a:ln w="76200">
             <a:solidFill>
               <a:srgbClr val="000090"/>
             </a:solidFill>
@@ -12167,7 +12386,7 @@
           <a:solidFill>
             <a:schemeClr val="bg1"/>
           </a:solidFill>
-          <a:ln w="25400">
+          <a:ln w="76200">
             <a:solidFill>
               <a:srgbClr val="800000"/>
             </a:solidFill>
@@ -12329,8 +12548,8 @@
         </p:nvCxnSpPr>
         <p:spPr bwMode="auto">
           <a:xfrm flipH="1">
-            <a:off x="3389107" y="4023161"/>
-            <a:ext cx="315186" cy="882261"/>
+            <a:off x="3389107" y="4044607"/>
+            <a:ext cx="315185" cy="860815"/>
           </a:xfrm>
           <a:prstGeom prst="straightConnector1">
             <a:avLst/>
@@ -12398,7 +12617,7 @@
         </p:nvSpPr>
         <p:spPr bwMode="auto">
           <a:xfrm>
-            <a:off x="5791200" y="4737209"/>
+            <a:off x="5439709" y="5146088"/>
             <a:ext cx="2895600" cy="646331"/>
           </a:xfrm>
           <a:prstGeom prst="rect">
@@ -12433,7 +12652,7 @@
               <a:defRPr/>
             </a:pPr>
             <a:r>
-              <a:rPr lang="fr-CA" altLang="ko-KR">
+              <a:rPr lang="fr-CA" altLang="ko-KR" dirty="0">
                 <a:latin typeface="Calibri" charset="0"/>
                 <a:ea typeface="+mn-ea"/>
               </a:rPr>
@@ -12445,20 +12664,20 @@
               <a:defRPr/>
             </a:pPr>
             <a:r>
-              <a:rPr lang="en-CA">
+              <a:rPr lang="en-CA" dirty="0">
                 <a:latin typeface="Calibri" charset="0"/>
                 <a:ea typeface="+mn-ea"/>
               </a:rPr>
               <a:t>Informatique </a:t>
             </a:r>
             <a:r>
-              <a:rPr lang="en-CA" err="1">
+              <a:rPr lang="en-CA" dirty="0" err="1">
                 <a:latin typeface="Calibri" charset="0"/>
                 <a:ea typeface="+mn-ea"/>
               </a:rPr>
               <a:t>cognitif</a:t>
             </a:r>
-            <a:endParaRPr lang="fr-FR">
+            <a:endParaRPr lang="fr-FR" dirty="0">
               <a:latin typeface="+mn-lt"/>
               <a:ea typeface="+mn-ea"/>
             </a:endParaRPr>
@@ -12476,8 +12695,8 @@
         </p:nvCxnSpPr>
         <p:spPr bwMode="auto">
           <a:xfrm>
-            <a:off x="5049719" y="4044871"/>
-            <a:ext cx="2189281" cy="692338"/>
+            <a:off x="4836907" y="4044607"/>
+            <a:ext cx="2050602" cy="1101481"/>
           </a:xfrm>
           <a:prstGeom prst="straightConnector1">
             <a:avLst/>
@@ -12519,7 +12738,7 @@
           <a:solidFill>
             <a:schemeClr val="bg1"/>
           </a:solidFill>
-          <a:ln w="25400">
+          <a:ln w="76200">
             <a:solidFill>
               <a:srgbClr val="800000"/>
             </a:solidFill>
@@ -12608,14 +12827,13 @@
           <p:cNvPr id="42" name="Connecteur droit avec flèche 46"/>
           <p:cNvCxnSpPr>
             <a:cxnSpLocks noChangeShapeType="1"/>
-            <a:endCxn id="38" idx="2"/>
           </p:cNvCxnSpPr>
           <p:nvPr/>
         </p:nvCxnSpPr>
         <p:spPr bwMode="auto">
           <a:xfrm flipV="1">
-            <a:off x="5049719" y="2719505"/>
-            <a:ext cx="1535231" cy="669096"/>
+            <a:off x="5049719" y="2752209"/>
+            <a:ext cx="411429" cy="636392"/>
           </a:xfrm>
           <a:prstGeom prst="straightConnector1">
             <a:avLst/>
@@ -12663,7 +12881,7 @@
           <a:solidFill>
             <a:schemeClr val="bg1"/>
           </a:solidFill>
-          <a:ln w="25400">
+          <a:ln w="76200">
             <a:solidFill>
               <a:srgbClr val="800000"/>
             </a:solidFill>
@@ -12793,7 +13011,7 @@
           <a:solidFill>
             <a:schemeClr val="bg1"/>
           </a:solidFill>
-          <a:ln w="25400">
+          <a:ln w="76200">
             <a:solidFill>
               <a:srgbClr val="800000"/>
             </a:solidFill>
@@ -13696,10 +13914,10 @@
       </p:sp>
       <p:graphicFrame>
         <p:nvGraphicFramePr>
-          <p:cNvPr id="2" name="Table 1">
+          <p:cNvPr id="3" name="Table 2">
             <a:extLst>
               <a:ext uri="{FF2B5EF4-FFF2-40B4-BE49-F238E27FC236}">
-                <a16:creationId xmlns:a16="http://schemas.microsoft.com/office/drawing/2014/main" id="{7B3B459A-0E5D-FD53-4C38-BF00A6F06489}"/>
+                <a16:creationId xmlns:a16="http://schemas.microsoft.com/office/drawing/2014/main" id="{FC016AA9-4AA9-8F2C-C802-CCB8A388C327}"/>
               </a:ext>
             </a:extLst>
           </p:cNvPr>
@@ -13709,14 +13927,14 @@
           <p:nvPr>
             <p:extLst>
               <p:ext uri="{D42A27DB-BD31-4B8C-83A1-F6EECF244321}">
-                <p14:modId xmlns:p14="http://schemas.microsoft.com/office/powerpoint/2010/main" val="3922914464"/>
+                <p14:modId xmlns:p14="http://schemas.microsoft.com/office/powerpoint/2010/main" val="3153727818"/>
               </p:ext>
             </p:extLst>
           </p:nvPr>
         </p:nvGraphicFramePr>
         <p:xfrm>
-          <a:off x="524106" y="1474746"/>
-          <a:ext cx="8095787" cy="4024694"/>
+          <a:off x="553532" y="1605868"/>
+          <a:ext cx="8036936" cy="3369541"/>
         </p:xfrm>
         <a:graphic>
           <a:graphicData uri="http://schemas.openxmlformats.org/drawingml/2006/table">
@@ -13725,49 +13943,52 @@
                 <a:tableStyleId>{5C22544A-7EE6-4342-B048-85BDC9FD1C3A}</a:tableStyleId>
               </a:tblPr>
               <a:tblGrid>
-                <a:gridCol w="1195430">
+                <a:gridCol w="921123">
                   <a:extLst>
                     <a:ext uri="{9D8B030D-6E8A-4147-A177-3AD203B41FA5}">
-                      <a16:colId xmlns:a16="http://schemas.microsoft.com/office/drawing/2014/main" val="294174165"/>
+                      <a16:colId xmlns:a16="http://schemas.microsoft.com/office/drawing/2014/main" val="966508513"/>
                     </a:ext>
                   </a:extLst>
                 </a:gridCol>
-                <a:gridCol w="1597853">
+                <a:gridCol w="1889312">
                   <a:extLst>
                     <a:ext uri="{9D8B030D-6E8A-4147-A177-3AD203B41FA5}">
-                      <a16:colId xmlns:a16="http://schemas.microsoft.com/office/drawing/2014/main" val="2678101776"/>
+                      <a16:colId xmlns:a16="http://schemas.microsoft.com/office/drawing/2014/main" val="1855733920"/>
                     </a:ext>
                   </a:extLst>
                 </a:gridCol>
-                <a:gridCol w="2224767">
+                <a:gridCol w="1942641">
                   <a:extLst>
                     <a:ext uri="{9D8B030D-6E8A-4147-A177-3AD203B41FA5}">
-                      <a16:colId xmlns:a16="http://schemas.microsoft.com/office/drawing/2014/main" val="1903016084"/>
+                      <a16:colId xmlns:a16="http://schemas.microsoft.com/office/drawing/2014/main" val="651136222"/>
                     </a:ext>
                   </a:extLst>
                 </a:gridCol>
-                <a:gridCol w="947268">
+                <a:gridCol w="746771">
                   <a:extLst>
                     <a:ext uri="{9D8B030D-6E8A-4147-A177-3AD203B41FA5}">
-                      <a16:colId xmlns:a16="http://schemas.microsoft.com/office/drawing/2014/main" val="3523609534"/>
+                      <a16:colId xmlns:a16="http://schemas.microsoft.com/office/drawing/2014/main" val="3297811800"/>
                     </a:ext>
                   </a:extLst>
                 </a:gridCol>
-                <a:gridCol w="2130469">
+                <a:gridCol w="2537089">
                   <a:extLst>
                     <a:ext uri="{9D8B030D-6E8A-4147-A177-3AD203B41FA5}">
-                      <a16:colId xmlns:a16="http://schemas.microsoft.com/office/drawing/2014/main" val="1966663824"/>
+                      <a16:colId xmlns:a16="http://schemas.microsoft.com/office/drawing/2014/main" val="3189292055"/>
                     </a:ext>
                   </a:extLst>
                 </a:gridCol>
               </a:tblGrid>
-              <a:tr h="310503">
+              <a:tr h="436837">
                 <a:tc>
                   <a:txBody>
                     <a:bodyPr/>
                     <a:lstStyle/>
                     <a:p>
-                      <a:pPr algn="l">
+                      <a:pPr marL="72000" algn="l">
+                        <a:spcBef>
+                          <a:spcPts val="300"/>
+                        </a:spcBef>
                         <a:tabLst>
                           <a:tab pos="457200" algn="l"/>
                           <a:tab pos="3060065" algn="ctr"/>
@@ -13779,12 +14000,12 @@
                         </a:tabLst>
                       </a:pPr>
                       <a:r>
-                        <a:rPr lang="fr-FR" sz="1600" dirty="0">
+                        <a:rPr lang="fr-FR" sz="1300" dirty="0">
                           <a:effectLst/>
                         </a:rPr>
-                        <a:t>TP/Quiz</a:t>
+                        <a:t>Travail pratique</a:t>
                       </a:r>
-                      <a:endParaRPr lang="en-US" sz="1600" dirty="0">
+                      <a:endParaRPr lang="en-CA" sz="2000" dirty="0">
                         <a:solidFill>
                           <a:srgbClr val="00000A"/>
                         </a:solidFill>
@@ -13795,16 +14016,16 @@
                       </a:endParaRPr>
                     </a:p>
                   </a:txBody>
-                  <a:tcPr marL="62089" marR="62089" marT="0" marB="0"/>
+                  <a:tcPr marL="18945" marR="18945" marT="0" marB="0"/>
                 </a:tc>
                 <a:tc>
                   <a:txBody>
                     <a:bodyPr/>
                     <a:lstStyle/>
                     <a:p>
-                      <a:pPr marL="457200" indent="-228600" algn="l">
+                      <a:pPr marL="72000" indent="0" algn="l">
                         <a:spcBef>
-                          <a:spcPts val="600"/>
+                          <a:spcPts val="300"/>
                         </a:spcBef>
                         <a:spcAft>
                           <a:spcPts val="0"/>
@@ -13816,12 +14037,12 @@
                         </a:tabLst>
                       </a:pPr>
                       <a:r>
-                        <a:rPr lang="fr-CA" sz="1600" dirty="0">
+                        <a:rPr lang="fr-CA" sz="1300" dirty="0">
                           <a:effectLst/>
                         </a:rPr>
-                        <a:t>Énoncé</a:t>
+                        <a:t>Publication de l’énoncé</a:t>
                       </a:r>
-                      <a:endParaRPr lang="en-US" sz="1600" b="1" dirty="0">
+                      <a:endParaRPr lang="en-CA" sz="1300" b="1" dirty="0">
                         <a:effectLst/>
                         <a:latin typeface="Times New Roman" panose="02020603050405020304" pitchFamily="18" charset="0"/>
                         <a:ea typeface="Times New Roman" panose="02020603050405020304" pitchFamily="18" charset="0"/>
@@ -13829,16 +14050,16 @@
                       </a:endParaRPr>
                     </a:p>
                   </a:txBody>
-                  <a:tcPr marL="62089" marR="62089" marT="0" marB="0"/>
+                  <a:tcPr marL="18945" marR="18945" marT="0" marB="0"/>
                 </a:tc>
                 <a:tc>
                   <a:txBody>
                     <a:bodyPr/>
                     <a:lstStyle/>
                     <a:p>
-                      <a:pPr marL="457200" indent="-228600" algn="l">
+                      <a:pPr marL="72000" indent="0" algn="l">
                         <a:spcBef>
-                          <a:spcPts val="600"/>
+                          <a:spcPts val="300"/>
                         </a:spcBef>
                         <a:spcAft>
                           <a:spcPts val="0"/>
@@ -13850,12 +14071,24 @@
                         </a:tabLst>
                       </a:pPr>
                       <a:r>
-                        <a:rPr lang="en-CA" sz="1600" dirty="0">
+                        <a:rPr lang="en-CA" sz="1300" dirty="0">
                           <a:effectLst/>
                         </a:rPr>
-                        <a:t>Remise</a:t>
+                        <a:t>Date </a:t>
                       </a:r>
-                      <a:endParaRPr lang="en-US" sz="1600" b="1" dirty="0">
+                      <a:r>
+                        <a:rPr lang="en-CA" sz="1300" dirty="0" err="1">
+                          <a:effectLst/>
+                        </a:rPr>
+                        <a:t>limite</a:t>
+                      </a:r>
+                      <a:r>
+                        <a:rPr lang="en-CA" sz="1300" dirty="0">
+                          <a:effectLst/>
+                        </a:rPr>
+                        <a:t> de remise</a:t>
+                      </a:r>
+                      <a:endParaRPr lang="en-CA" sz="1300" b="1" dirty="0">
                         <a:effectLst/>
                         <a:latin typeface="Times New Roman" panose="02020603050405020304" pitchFamily="18" charset="0"/>
                         <a:ea typeface="Times New Roman" panose="02020603050405020304" pitchFamily="18" charset="0"/>
@@ -13863,16 +14096,16 @@
                       </a:endParaRPr>
                     </a:p>
                   </a:txBody>
-                  <a:tcPr marL="62089" marR="62089" marT="0" marB="0"/>
+                  <a:tcPr marL="18945" marR="18945" marT="0" marB="0"/>
                 </a:tc>
                 <a:tc>
                   <a:txBody>
                     <a:bodyPr/>
                     <a:lstStyle/>
                     <a:p>
-                      <a:pPr marL="457200" indent="-228600" algn="l">
+                      <a:pPr marL="72000" indent="0" algn="l">
                         <a:spcBef>
-                          <a:spcPts val="600"/>
+                          <a:spcPts val="300"/>
                         </a:spcBef>
                         <a:spcAft>
                           <a:spcPts val="0"/>
@@ -13884,12 +14117,12 @@
                         </a:tabLst>
                       </a:pPr>
                       <a:r>
-                        <a:rPr lang="fr-CA" sz="1600" dirty="0">
+                        <a:rPr lang="fr-CA" sz="1300" dirty="0" err="1">
                           <a:effectLst/>
                         </a:rPr>
-                        <a:t>Poids</a:t>
+                        <a:t>Pondé-ration</a:t>
                       </a:r>
-                      <a:endParaRPr lang="en-US" sz="1600" b="1" dirty="0">
+                      <a:endParaRPr lang="en-CA" sz="1300" b="1" dirty="0">
                         <a:effectLst/>
                         <a:latin typeface="Times New Roman" panose="02020603050405020304" pitchFamily="18" charset="0"/>
                         <a:ea typeface="Times New Roman" panose="02020603050405020304" pitchFamily="18" charset="0"/>
@@ -13897,16 +14130,16 @@
                       </a:endParaRPr>
                     </a:p>
                   </a:txBody>
-                  <a:tcPr marL="62089" marR="62089" marT="0" marB="0"/>
+                  <a:tcPr marL="18945" marR="18945" marT="0" marB="0"/>
                 </a:tc>
                 <a:tc>
                   <a:txBody>
                     <a:bodyPr/>
                     <a:lstStyle/>
                     <a:p>
-                      <a:pPr marL="457200" indent="-228600" algn="l">
+                      <a:pPr marL="72000" indent="0" algn="l">
                         <a:spcBef>
-                          <a:spcPts val="600"/>
+                          <a:spcPts val="300"/>
                         </a:spcBef>
                         <a:spcAft>
                           <a:spcPts val="0"/>
@@ -13918,12 +14151,12 @@
                         </a:tabLst>
                       </a:pPr>
                       <a:r>
-                        <a:rPr lang="fr-CA" sz="1600" dirty="0">
+                        <a:rPr lang="fr-CA" sz="1300" dirty="0">
                           <a:effectLst/>
                         </a:rPr>
                         <a:t>Sujet</a:t>
                       </a:r>
-                      <a:endParaRPr lang="en-US" sz="1600" b="1" dirty="0">
+                      <a:endParaRPr lang="en-CA" sz="1300" b="1" dirty="0">
                         <a:effectLst/>
                         <a:latin typeface="Times New Roman" panose="02020603050405020304" pitchFamily="18" charset="0"/>
                         <a:ea typeface="Times New Roman" panose="02020603050405020304" pitchFamily="18" charset="0"/>
@@ -13931,23 +14164,23 @@
                       </a:endParaRPr>
                     </a:p>
                   </a:txBody>
-                  <a:tcPr marL="62089" marR="62089" marT="0" marB="0"/>
+                  <a:tcPr marL="18945" marR="18945" marT="0" marB="0"/>
                 </a:tc>
                 <a:extLst>
                   <a:ext uri="{0D108BD9-81ED-4DB2-BD59-A6C34878D82A}">
-                    <a16:rowId xmlns:a16="http://schemas.microsoft.com/office/drawing/2014/main" val="38668393"/>
+                    <a16:rowId xmlns:a16="http://schemas.microsoft.com/office/drawing/2014/main" val="360670896"/>
                   </a:ext>
                 </a:extLst>
               </a:tr>
-              <a:tr h="453302">
+              <a:tr h="436837">
                 <a:tc>
                   <a:txBody>
                     <a:bodyPr/>
                     <a:lstStyle/>
                     <a:p>
-                      <a:pPr marL="457200" indent="-228600" algn="l">
+                      <a:pPr marL="108000" indent="0" algn="l">
                         <a:spcBef>
-                          <a:spcPts val="600"/>
+                          <a:spcPts val="300"/>
                         </a:spcBef>
                         <a:spcAft>
                           <a:spcPts val="0"/>
@@ -13959,12 +14192,12 @@
                         </a:tabLst>
                       </a:pPr>
                       <a:r>
-                        <a:rPr lang="fr-CA" sz="1600">
+                        <a:rPr lang="fr-CA" sz="1300" dirty="0">
                           <a:effectLst/>
                         </a:rPr>
-                        <a:t>TP1</a:t>
+                        <a:t>TP 1</a:t>
                       </a:r>
-                      <a:endParaRPr lang="en-US" sz="1600" b="1">
+                      <a:endParaRPr lang="en-CA" sz="1300" b="1" dirty="0">
                         <a:effectLst/>
                         <a:latin typeface="Times New Roman" panose="02020603050405020304" pitchFamily="18" charset="0"/>
                         <a:ea typeface="Times New Roman" panose="02020603050405020304" pitchFamily="18" charset="0"/>
@@ -13972,16 +14205,16 @@
                       </a:endParaRPr>
                     </a:p>
                   </a:txBody>
-                  <a:tcPr marL="62089" marR="62089" marT="0" marB="0"/>
+                  <a:tcPr marL="18945" marR="18945" marT="0" marB="0"/>
                 </a:tc>
                 <a:tc>
                   <a:txBody>
                     <a:bodyPr/>
                     <a:lstStyle/>
                     <a:p>
-                      <a:pPr marL="0" indent="0" algn="l">
+                      <a:pPr marL="108000" indent="0" algn="l">
                         <a:spcBef>
-                          <a:spcPts val="0"/>
+                          <a:spcPts val="300"/>
                         </a:spcBef>
                         <a:spcAft>
                           <a:spcPts val="0"/>
@@ -13993,18 +14226,24 @@
                         </a:tabLst>
                       </a:pPr>
                       <a:r>
-                        <a:rPr lang="en-CA" sz="1600" dirty="0">
+                        <a:rPr lang="en-CA" sz="1300" dirty="0" err="1">
                           <a:effectLst/>
                         </a:rPr>
-                        <a:t>Mardi 2 </a:t>
+                        <a:t>Vendredi</a:t>
                       </a:r>
                       <a:r>
-                        <a:rPr lang="en-CA" sz="1600" dirty="0" err="1">
+                        <a:rPr lang="en-CA" sz="1300" dirty="0">
                           <a:effectLst/>
                         </a:rPr>
-                        <a:t>mai</a:t>
+                        <a:t> 12 </a:t>
                       </a:r>
-                      <a:endParaRPr lang="en-US" sz="1600" b="1" dirty="0">
+                      <a:r>
+                        <a:rPr lang="en-CA" sz="1300" dirty="0" err="1">
+                          <a:effectLst/>
+                        </a:rPr>
+                        <a:t>janvier</a:t>
+                      </a:r>
+                      <a:endParaRPr lang="en-CA" sz="1300" b="1" dirty="0">
                         <a:effectLst/>
                         <a:latin typeface="Times New Roman" panose="02020603050405020304" pitchFamily="18" charset="0"/>
                         <a:ea typeface="Times New Roman" panose="02020603050405020304" pitchFamily="18" charset="0"/>
@@ -14012,16 +14251,16 @@
                       </a:endParaRPr>
                     </a:p>
                   </a:txBody>
-                  <a:tcPr marL="62089" marR="62089" marT="0" marB="0"/>
+                  <a:tcPr marL="18945" marR="18945" marT="0" marB="0"/>
                 </a:tc>
                 <a:tc>
                   <a:txBody>
                     <a:bodyPr/>
                     <a:lstStyle/>
                     <a:p>
-                      <a:pPr marL="0" indent="0" algn="l">
+                      <a:pPr marL="108000" indent="0" algn="l">
                         <a:spcBef>
-                          <a:spcPts val="0"/>
+                          <a:spcPts val="300"/>
                         </a:spcBef>
                         <a:spcAft>
                           <a:spcPts val="0"/>
@@ -14033,12 +14272,12 @@
                         </a:tabLst>
                       </a:pPr>
                       <a:r>
-                        <a:rPr lang="fr-CA" sz="1600">
+                        <a:rPr lang="fr-CA" sz="1300">
                           <a:effectLst/>
                         </a:rPr>
-                        <a:t>Mardi 16 mai à minuit</a:t>
+                        <a:t>Jeudi 25 janvier à minuit</a:t>
                       </a:r>
-                      <a:endParaRPr lang="en-US" sz="1600" b="1">
+                      <a:endParaRPr lang="en-CA" sz="1300" b="1">
                         <a:effectLst/>
                         <a:latin typeface="Times New Roman" panose="02020603050405020304" pitchFamily="18" charset="0"/>
                         <a:ea typeface="Times New Roman" panose="02020603050405020304" pitchFamily="18" charset="0"/>
@@ -14046,16 +14285,16 @@
                       </a:endParaRPr>
                     </a:p>
                   </a:txBody>
-                  <a:tcPr marL="62089" marR="62089" marT="0" marB="0"/>
+                  <a:tcPr marL="18945" marR="18945" marT="0" marB="0"/>
                 </a:tc>
                 <a:tc>
                   <a:txBody>
                     <a:bodyPr/>
                     <a:lstStyle/>
                     <a:p>
-                      <a:pPr marL="457200" indent="-228600" algn="ctr">
+                      <a:pPr marL="108000" indent="0" algn="ctr">
                         <a:spcBef>
-                          <a:spcPts val="600"/>
+                          <a:spcPts val="300"/>
                         </a:spcBef>
                         <a:spcAft>
                           <a:spcPts val="0"/>
@@ -14067,12 +14306,12 @@
                         </a:tabLst>
                       </a:pPr>
                       <a:r>
-                        <a:rPr lang="fr-CA" sz="1600">
+                        <a:rPr lang="fr-CA" sz="1300">
                           <a:effectLst/>
                         </a:rPr>
                         <a:t>8 %</a:t>
                       </a:r>
-                      <a:endParaRPr lang="en-US" sz="1600" b="1">
+                      <a:endParaRPr lang="en-CA" sz="1300" b="1">
                         <a:effectLst/>
                         <a:latin typeface="Times New Roman" panose="02020603050405020304" pitchFamily="18" charset="0"/>
                         <a:ea typeface="Times New Roman" panose="02020603050405020304" pitchFamily="18" charset="0"/>
@@ -14080,16 +14319,16 @@
                       </a:endParaRPr>
                     </a:p>
                   </a:txBody>
-                  <a:tcPr marL="62089" marR="62089" marT="0" marB="0"/>
+                  <a:tcPr marL="18945" marR="18945" marT="0" marB="0"/>
                 </a:tc>
                 <a:tc>
                   <a:txBody>
                     <a:bodyPr/>
                     <a:lstStyle/>
                     <a:p>
-                      <a:pPr marL="0" indent="0" algn="l">
+                      <a:pPr marL="108000" indent="0" algn="l">
                         <a:spcBef>
-                          <a:spcPts val="0"/>
+                          <a:spcPts val="300"/>
                         </a:spcBef>
                         <a:spcAft>
                           <a:spcPts val="0"/>
@@ -14101,12 +14340,12 @@
                         </a:tabLst>
                       </a:pPr>
                       <a:r>
-                        <a:rPr lang="en-CA" sz="1600" dirty="0">
+                        <a:rPr lang="en-CA" sz="1300">
                           <a:effectLst/>
                         </a:rPr>
                         <a:t>Perceptron</a:t>
                       </a:r>
-                      <a:endParaRPr lang="en-US" sz="1600" b="1" dirty="0">
+                      <a:endParaRPr lang="en-CA" sz="1300" b="1">
                         <a:effectLst/>
                         <a:latin typeface="Times New Roman" panose="02020603050405020304" pitchFamily="18" charset="0"/>
                         <a:ea typeface="Times New Roman" panose="02020603050405020304" pitchFamily="18" charset="0"/>
@@ -14114,23 +14353,23 @@
                       </a:endParaRPr>
                     </a:p>
                   </a:txBody>
-                  <a:tcPr marL="62089" marR="62089" marT="0" marB="0"/>
+                  <a:tcPr marL="18945" marR="18945" marT="0" marB="0"/>
                 </a:tc>
                 <a:extLst>
                   <a:ext uri="{0D108BD9-81ED-4DB2-BD59-A6C34878D82A}">
-                    <a16:rowId xmlns:a16="http://schemas.microsoft.com/office/drawing/2014/main" val="686342160"/>
+                    <a16:rowId xmlns:a16="http://schemas.microsoft.com/office/drawing/2014/main" val="2996746469"/>
                   </a:ext>
                 </a:extLst>
               </a:tr>
-              <a:tr h="453302">
+              <a:tr h="332968">
                 <a:tc>
                   <a:txBody>
                     <a:bodyPr/>
                     <a:lstStyle/>
                     <a:p>
-                      <a:pPr marL="457200" indent="-228600" algn="l">
+                      <a:pPr marL="108000" indent="0" algn="l">
                         <a:spcBef>
-                          <a:spcPts val="600"/>
+                          <a:spcPts val="300"/>
                         </a:spcBef>
                         <a:spcAft>
                           <a:spcPts val="0"/>
@@ -14142,12 +14381,12 @@
                         </a:tabLst>
                       </a:pPr>
                       <a:r>
-                        <a:rPr lang="fr-CA" sz="1600">
+                        <a:rPr lang="fr-CA" sz="1300">
                           <a:effectLst/>
                         </a:rPr>
-                        <a:t>TP 2                         </a:t>
+                        <a:t>TP 2                         </a:t>
                       </a:r>
-                      <a:endParaRPr lang="en-US" sz="1600" b="1">
+                      <a:endParaRPr lang="en-CA" sz="1300" b="1">
                         <a:effectLst/>
                         <a:latin typeface="Times New Roman" panose="02020603050405020304" pitchFamily="18" charset="0"/>
                         <a:ea typeface="Times New Roman" panose="02020603050405020304" pitchFamily="18" charset="0"/>
@@ -14155,16 +14394,16 @@
                       </a:endParaRPr>
                     </a:p>
                   </a:txBody>
-                  <a:tcPr marL="62089" marR="62089" marT="0" marB="0"/>
+                  <a:tcPr marL="18945" marR="18945" marT="0" marB="0"/>
                 </a:tc>
                 <a:tc>
                   <a:txBody>
                     <a:bodyPr/>
                     <a:lstStyle/>
                     <a:p>
-                      <a:pPr marL="0" indent="0" algn="l">
+                      <a:pPr marL="108000" indent="0" algn="l">
                         <a:spcBef>
-                          <a:spcPts val="0"/>
+                          <a:spcPts val="300"/>
                         </a:spcBef>
                         <a:spcAft>
                           <a:spcPts val="0"/>
@@ -14176,18 +14415,24 @@
                         </a:tabLst>
                       </a:pPr>
                       <a:r>
-                        <a:rPr lang="en-CA" sz="1600" dirty="0">
+                        <a:rPr lang="en-CA" sz="1300" dirty="0" err="1">
                           <a:effectLst/>
                         </a:rPr>
-                        <a:t>Mardi 16 </a:t>
+                        <a:t>Vendredi</a:t>
                       </a:r>
                       <a:r>
-                        <a:rPr lang="en-CA" sz="1600" dirty="0" err="1">
+                        <a:rPr lang="en-CA" sz="1300" dirty="0">
+                          <a:effectLst/>
+                        </a:rPr>
+                        <a:t> 26 </a:t>
+                      </a:r>
+                      <a:r>
+                        <a:rPr lang="en-CA" sz="1300" dirty="0" err="1">
                           <a:effectLst/>
                         </a:rPr>
                         <a:t>janvier</a:t>
                       </a:r>
-                      <a:endParaRPr lang="en-US" sz="1600" b="1" dirty="0">
+                      <a:endParaRPr lang="en-CA" sz="1300" b="1" dirty="0">
                         <a:effectLst/>
                         <a:latin typeface="Times New Roman" panose="02020603050405020304" pitchFamily="18" charset="0"/>
                         <a:ea typeface="Times New Roman" panose="02020603050405020304" pitchFamily="18" charset="0"/>
@@ -14195,16 +14440,16 @@
                       </a:endParaRPr>
                     </a:p>
                   </a:txBody>
-                  <a:tcPr marL="62089" marR="62089" marT="0" marB="0"/>
+                  <a:tcPr marL="18945" marR="18945" marT="0" marB="0"/>
                 </a:tc>
                 <a:tc>
                   <a:txBody>
                     <a:bodyPr/>
                     <a:lstStyle/>
                     <a:p>
-                      <a:pPr marL="0" indent="0" algn="l">
+                      <a:pPr marL="108000" indent="0" algn="l">
                         <a:spcBef>
-                          <a:spcPts val="0"/>
+                          <a:spcPts val="300"/>
                         </a:spcBef>
                         <a:spcAft>
                           <a:spcPts val="0"/>
@@ -14216,12 +14461,12 @@
                         </a:tabLst>
                       </a:pPr>
                       <a:r>
-                        <a:rPr lang="fr-CA" sz="1600">
+                        <a:rPr lang="fr-CA" sz="1300">
                           <a:effectLst/>
                         </a:rPr>
-                        <a:t>Matrdi 23 mai à minuit</a:t>
+                        <a:t>Jeudi 15 février à minuit</a:t>
                       </a:r>
-                      <a:endParaRPr lang="en-US" sz="1600" b="1">
+                      <a:endParaRPr lang="en-CA" sz="1300" b="1">
                         <a:effectLst/>
                         <a:latin typeface="Times New Roman" panose="02020603050405020304" pitchFamily="18" charset="0"/>
                         <a:ea typeface="Times New Roman" panose="02020603050405020304" pitchFamily="18" charset="0"/>
@@ -14229,16 +14474,16 @@
                       </a:endParaRPr>
                     </a:p>
                   </a:txBody>
-                  <a:tcPr marL="62089" marR="62089" marT="0" marB="0"/>
+                  <a:tcPr marL="18945" marR="18945" marT="0" marB="0"/>
                 </a:tc>
                 <a:tc>
                   <a:txBody>
                     <a:bodyPr/>
                     <a:lstStyle/>
                     <a:p>
-                      <a:pPr marL="457200" indent="-228600" algn="ctr">
+                      <a:pPr marL="108000" indent="0" algn="ctr">
                         <a:spcBef>
-                          <a:spcPts val="600"/>
+                          <a:spcPts val="300"/>
                         </a:spcBef>
                         <a:spcAft>
                           <a:spcPts val="0"/>
@@ -14250,12 +14495,12 @@
                         </a:tabLst>
                       </a:pPr>
                       <a:r>
-                        <a:rPr lang="fr-CA" sz="1600">
+                        <a:rPr lang="fr-CA" sz="1300">
                           <a:effectLst/>
                         </a:rPr>
                         <a:t>8 %</a:t>
                       </a:r>
-                      <a:endParaRPr lang="en-US" sz="1600" b="1">
+                      <a:endParaRPr lang="en-CA" sz="1300" b="1">
                         <a:effectLst/>
                         <a:latin typeface="Times New Roman" panose="02020603050405020304" pitchFamily="18" charset="0"/>
                         <a:ea typeface="Times New Roman" panose="02020603050405020304" pitchFamily="18" charset="0"/>
@@ -14263,16 +14508,16 @@
                       </a:endParaRPr>
                     </a:p>
                   </a:txBody>
-                  <a:tcPr marL="62089" marR="62089" marT="0" marB="0"/>
+                  <a:tcPr marL="18945" marR="18945" marT="0" marB="0"/>
                 </a:tc>
                 <a:tc>
                   <a:txBody>
                     <a:bodyPr/>
                     <a:lstStyle/>
                     <a:p>
-                      <a:pPr marL="0" indent="0" algn="l">
+                      <a:pPr marL="108000" indent="0" algn="l">
                         <a:spcBef>
-                          <a:spcPts val="0"/>
+                          <a:spcPts val="300"/>
                         </a:spcBef>
                         <a:spcAft>
                           <a:spcPts val="0"/>
@@ -14284,18 +14529,18 @@
                         </a:tabLst>
                       </a:pPr>
                       <a:r>
-                        <a:rPr lang="fr-CA" sz="1600" dirty="0">
+                        <a:rPr lang="fr-CA" sz="1300" dirty="0">
                           <a:effectLst/>
                         </a:rPr>
                         <a:t>Réseaux</a:t>
                       </a:r>
                       <a:r>
-                        <a:rPr lang="en-CA" sz="1600" dirty="0">
+                        <a:rPr lang="en-CA" sz="1300" dirty="0">
                           <a:effectLst/>
                         </a:rPr>
                         <a:t> de neurones</a:t>
                       </a:r>
-                      <a:endParaRPr lang="en-US" sz="1600" b="1" dirty="0">
+                      <a:endParaRPr lang="en-CA" sz="1300" b="1" dirty="0">
                         <a:effectLst/>
                         <a:latin typeface="Times New Roman" panose="02020603050405020304" pitchFamily="18" charset="0"/>
                         <a:ea typeface="Times New Roman" panose="02020603050405020304" pitchFamily="18" charset="0"/>
@@ -14303,23 +14548,23 @@
                       </a:endParaRPr>
                     </a:p>
                   </a:txBody>
-                  <a:tcPr marL="62089" marR="62089" marT="0" marB="0"/>
+                  <a:tcPr marL="18945" marR="18945" marT="0" marB="0"/>
                 </a:tc>
                 <a:extLst>
                   <a:ext uri="{0D108BD9-81ED-4DB2-BD59-A6C34878D82A}">
-                    <a16:rowId xmlns:a16="http://schemas.microsoft.com/office/drawing/2014/main" val="2698153683"/>
+                    <a16:rowId xmlns:a16="http://schemas.microsoft.com/office/drawing/2014/main" val="1549862295"/>
                   </a:ext>
                 </a:extLst>
               </a:tr>
-              <a:tr h="453302">
+              <a:tr h="388693">
                 <a:tc>
                   <a:txBody>
                     <a:bodyPr/>
                     <a:lstStyle/>
                     <a:p>
-                      <a:pPr marL="457200" indent="-228600" algn="l">
+                      <a:pPr marL="108000" indent="0" algn="l">
                         <a:spcBef>
-                          <a:spcPts val="600"/>
+                          <a:spcPts val="300"/>
                         </a:spcBef>
                         <a:spcAft>
                           <a:spcPts val="0"/>
@@ -14331,12 +14576,12 @@
                         </a:tabLst>
                       </a:pPr>
                       <a:r>
-                        <a:rPr lang="fr-CA" sz="1600">
+                        <a:rPr lang="fr-CA" sz="1300">
                           <a:effectLst/>
                         </a:rPr>
                         <a:t>Quiz 1</a:t>
                       </a:r>
-                      <a:endParaRPr lang="en-US" sz="1600" b="1">
+                      <a:endParaRPr lang="en-CA" sz="1300" b="1">
                         <a:effectLst/>
                         <a:latin typeface="Times New Roman" panose="02020603050405020304" pitchFamily="18" charset="0"/>
                         <a:ea typeface="Times New Roman" panose="02020603050405020304" pitchFamily="18" charset="0"/>
@@ -14344,16 +14589,16 @@
                       </a:endParaRPr>
                     </a:p>
                   </a:txBody>
-                  <a:tcPr marL="62089" marR="62089" marT="0" marB="0" anchor="ctr"/>
+                  <a:tcPr marL="18945" marR="18945" marT="0" marB="0" anchor="ctr"/>
                 </a:tc>
                 <a:tc>
                   <a:txBody>
                     <a:bodyPr/>
                     <a:lstStyle/>
                     <a:p>
-                      <a:pPr marL="0" indent="0" algn="l">
+                      <a:pPr marL="108000" indent="0" algn="l">
                         <a:spcBef>
-                          <a:spcPts val="0"/>
+                          <a:spcPts val="300"/>
                         </a:spcBef>
                         <a:spcAft>
                           <a:spcPts val="0"/>
@@ -14365,12 +14610,24 @@
                         </a:tabLst>
                       </a:pPr>
                       <a:r>
-                        <a:rPr lang="fr-CA" sz="1600" dirty="0">
+                        <a:rPr lang="fr-CA" sz="1300" dirty="0">
                           <a:effectLst/>
                         </a:rPr>
-                        <a:t>Mardi 23 mai</a:t>
+                        <a:t>Jeudi 1</a:t>
                       </a:r>
-                      <a:endParaRPr lang="en-US" sz="1600" b="1" dirty="0">
+                      <a:r>
+                        <a:rPr lang="fr-CA" sz="1300" baseline="30000" dirty="0">
+                          <a:effectLst/>
+                        </a:rPr>
+                        <a:t>er</a:t>
+                      </a:r>
+                      <a:r>
+                        <a:rPr lang="fr-CA" sz="1300" dirty="0">
+                          <a:effectLst/>
+                        </a:rPr>
+                        <a:t> février</a:t>
+                      </a:r>
+                      <a:endParaRPr lang="en-CA" sz="1300" b="1" dirty="0">
                         <a:effectLst/>
                         <a:latin typeface="Times New Roman" panose="02020603050405020304" pitchFamily="18" charset="0"/>
                         <a:ea typeface="Times New Roman" panose="02020603050405020304" pitchFamily="18" charset="0"/>
@@ -14378,16 +14635,16 @@
                       </a:endParaRPr>
                     </a:p>
                   </a:txBody>
-                  <a:tcPr marL="62089" marR="62089" marT="0" marB="0" anchor="ctr"/>
+                  <a:tcPr marL="18945" marR="18945" marT="0" marB="0" anchor="ctr"/>
                 </a:tc>
                 <a:tc>
                   <a:txBody>
                     <a:bodyPr/>
                     <a:lstStyle/>
                     <a:p>
-                      <a:pPr marL="0" indent="0" algn="l">
+                      <a:pPr marL="108000" indent="0" algn="l">
                         <a:spcBef>
-                          <a:spcPts val="0"/>
+                          <a:spcPts val="300"/>
                         </a:spcBef>
                         <a:spcAft>
                           <a:spcPts val="0"/>
@@ -14399,12 +14656,12 @@
                         </a:tabLst>
                       </a:pPr>
                       <a:r>
-                        <a:rPr lang="fr-CA" sz="1600">
+                        <a:rPr lang="fr-CA" sz="1300">
                           <a:effectLst/>
                         </a:rPr>
-                        <a:t>Mardi 6 juin à minuit</a:t>
+                        <a:t>Jeudi 15 février à minuit</a:t>
                       </a:r>
-                      <a:endParaRPr lang="en-US" sz="1600" b="1">
+                      <a:endParaRPr lang="en-CA" sz="1300" b="1">
                         <a:effectLst/>
                         <a:latin typeface="Times New Roman" panose="02020603050405020304" pitchFamily="18" charset="0"/>
                         <a:ea typeface="Times New Roman" panose="02020603050405020304" pitchFamily="18" charset="0"/>
@@ -14412,16 +14669,16 @@
                       </a:endParaRPr>
                     </a:p>
                   </a:txBody>
-                  <a:tcPr marL="62089" marR="62089" marT="0" marB="0" anchor="ctr"/>
+                  <a:tcPr marL="18945" marR="18945" marT="0" marB="0" anchor="ctr"/>
                 </a:tc>
                 <a:tc>
                   <a:txBody>
                     <a:bodyPr/>
                     <a:lstStyle/>
                     <a:p>
-                      <a:pPr marL="457200" indent="-228600" algn="ctr">
+                      <a:pPr marL="108000" indent="0" algn="ctr">
                         <a:spcBef>
-                          <a:spcPts val="600"/>
+                          <a:spcPts val="300"/>
                         </a:spcBef>
                         <a:spcAft>
                           <a:spcPts val="0"/>
@@ -14433,12 +14690,12 @@
                         </a:tabLst>
                       </a:pPr>
                       <a:r>
-                        <a:rPr lang="fr-CA" sz="1600">
+                        <a:rPr lang="fr-CA" sz="1300">
                           <a:effectLst/>
                         </a:rPr>
                         <a:t>3 %</a:t>
                       </a:r>
-                      <a:endParaRPr lang="en-US" sz="1600" b="1">
+                      <a:endParaRPr lang="en-CA" sz="1300" b="1">
                         <a:effectLst/>
                         <a:latin typeface="Times New Roman" panose="02020603050405020304" pitchFamily="18" charset="0"/>
                         <a:ea typeface="Times New Roman" panose="02020603050405020304" pitchFamily="18" charset="0"/>
@@ -14446,16 +14703,16 @@
                       </a:endParaRPr>
                     </a:p>
                   </a:txBody>
-                  <a:tcPr marL="62089" marR="62089" marT="0" marB="0" anchor="ctr"/>
+                  <a:tcPr marL="18945" marR="18945" marT="0" marB="0" anchor="ctr"/>
                 </a:tc>
                 <a:tc>
                   <a:txBody>
                     <a:bodyPr/>
                     <a:lstStyle/>
                     <a:p>
-                      <a:pPr marL="0" indent="0" algn="l">
+                      <a:pPr marL="108000" indent="0" algn="l">
                         <a:spcBef>
-                          <a:spcPts val="0"/>
+                          <a:spcPts val="300"/>
                         </a:spcBef>
                         <a:spcAft>
                           <a:spcPts val="0"/>
@@ -14467,12 +14724,12 @@
                         </a:tabLst>
                       </a:pPr>
                       <a:r>
-                        <a:rPr lang="fr-CA" sz="1600" dirty="0">
+                        <a:rPr lang="fr-CA" sz="1300">
                           <a:effectLst/>
                         </a:rPr>
                         <a:t>Arbres de décision</a:t>
                       </a:r>
-                      <a:endParaRPr lang="en-US" sz="1600" b="1" dirty="0">
+                      <a:endParaRPr lang="en-CA" sz="1300" b="1">
                         <a:effectLst/>
                         <a:latin typeface="Times New Roman" panose="02020603050405020304" pitchFamily="18" charset="0"/>
                         <a:ea typeface="Times New Roman" panose="02020603050405020304" pitchFamily="18" charset="0"/>
@@ -14480,23 +14737,23 @@
                       </a:endParaRPr>
                     </a:p>
                   </a:txBody>
-                  <a:tcPr marL="62089" marR="62089" marT="0" marB="0" anchor="ctr"/>
+                  <a:tcPr marL="18945" marR="18945" marT="0" marB="0" anchor="ctr"/>
                 </a:tc>
                 <a:extLst>
                   <a:ext uri="{0D108BD9-81ED-4DB2-BD59-A6C34878D82A}">
-                    <a16:rowId xmlns:a16="http://schemas.microsoft.com/office/drawing/2014/main" val="3925988629"/>
+                    <a16:rowId xmlns:a16="http://schemas.microsoft.com/office/drawing/2014/main" val="1400690178"/>
                   </a:ext>
                 </a:extLst>
               </a:tr>
-              <a:tr h="472321">
+              <a:tr h="309637">
                 <a:tc>
                   <a:txBody>
                     <a:bodyPr/>
                     <a:lstStyle/>
                     <a:p>
-                      <a:pPr marL="457200" indent="-228600" algn="l">
+                      <a:pPr marL="108000" indent="0" algn="l">
                         <a:spcBef>
-                          <a:spcPts val="600"/>
+                          <a:spcPts val="300"/>
                         </a:spcBef>
                         <a:spcAft>
                           <a:spcPts val="0"/>
@@ -14508,12 +14765,12 @@
                         </a:tabLst>
                       </a:pPr>
                       <a:r>
-                        <a:rPr lang="fr-CA" sz="1600">
+                        <a:rPr lang="fr-CA" sz="1300">
                           <a:effectLst/>
                         </a:rPr>
                         <a:t>TP 3</a:t>
                       </a:r>
-                      <a:endParaRPr lang="en-US" sz="1600" b="1">
+                      <a:endParaRPr lang="en-CA" sz="1300" b="1">
                         <a:effectLst/>
                         <a:latin typeface="Times New Roman" panose="02020603050405020304" pitchFamily="18" charset="0"/>
                         <a:ea typeface="Times New Roman" panose="02020603050405020304" pitchFamily="18" charset="0"/>
@@ -14521,16 +14778,16 @@
                       </a:endParaRPr>
                     </a:p>
                   </a:txBody>
-                  <a:tcPr marL="62089" marR="62089" marT="0" marB="0"/>
+                  <a:tcPr marL="18945" marR="18945" marT="0" marB="0"/>
                 </a:tc>
                 <a:tc>
                   <a:txBody>
                     <a:bodyPr/>
                     <a:lstStyle/>
                     <a:p>
-                      <a:pPr marL="0" indent="0" algn="l">
+                      <a:pPr marL="108000" indent="0" algn="l">
                         <a:spcBef>
-                          <a:spcPts val="0"/>
+                          <a:spcPts val="300"/>
                         </a:spcBef>
                         <a:spcAft>
                           <a:spcPts val="0"/>
@@ -14542,12 +14799,12 @@
                         </a:tabLst>
                       </a:pPr>
                       <a:r>
-                        <a:rPr lang="fr-CA" sz="1600">
+                        <a:rPr lang="fr-CA" sz="1300">
                           <a:effectLst/>
                         </a:rPr>
-                        <a:t>Lundi 6 juin</a:t>
+                        <a:t>Jeudi 15 février</a:t>
                       </a:r>
-                      <a:endParaRPr lang="en-US" sz="1600" b="1">
+                      <a:endParaRPr lang="en-CA" sz="1300" b="1">
                         <a:effectLst/>
                         <a:latin typeface="Times New Roman" panose="02020603050405020304" pitchFamily="18" charset="0"/>
                         <a:ea typeface="Times New Roman" panose="02020603050405020304" pitchFamily="18" charset="0"/>
@@ -14555,16 +14812,16 @@
                       </a:endParaRPr>
                     </a:p>
                   </a:txBody>
-                  <a:tcPr marL="62089" marR="62089" marT="0" marB="0"/>
+                  <a:tcPr marL="18945" marR="18945" marT="0" marB="0"/>
                 </a:tc>
                 <a:tc>
                   <a:txBody>
                     <a:bodyPr/>
                     <a:lstStyle/>
                     <a:p>
-                      <a:pPr marL="0" indent="0" algn="l">
+                      <a:pPr marL="108000" indent="0" algn="l">
                         <a:spcBef>
-                          <a:spcPts val="0"/>
+                          <a:spcPts val="300"/>
                         </a:spcBef>
                         <a:spcAft>
                           <a:spcPts val="0"/>
@@ -14576,12 +14833,12 @@
                         </a:tabLst>
                       </a:pPr>
                       <a:r>
-                        <a:rPr lang="fr-CA" sz="1600">
+                        <a:rPr lang="fr-CA" sz="1300" dirty="0">
                           <a:effectLst/>
                         </a:rPr>
-                        <a:t>Mardi 4 juillet à minuit</a:t>
+                        <a:t>Jeudi 14 mars à minuit</a:t>
                       </a:r>
-                      <a:endParaRPr lang="en-US" sz="1600" b="1">
+                      <a:endParaRPr lang="en-CA" sz="1300" b="1" dirty="0">
                         <a:effectLst/>
                         <a:latin typeface="Times New Roman" panose="02020603050405020304" pitchFamily="18" charset="0"/>
                         <a:ea typeface="Times New Roman" panose="02020603050405020304" pitchFamily="18" charset="0"/>
@@ -14589,16 +14846,16 @@
                       </a:endParaRPr>
                     </a:p>
                   </a:txBody>
-                  <a:tcPr marL="62089" marR="62089" marT="0" marB="0"/>
+                  <a:tcPr marL="18945" marR="18945" marT="0" marB="0"/>
                 </a:tc>
                 <a:tc>
                   <a:txBody>
                     <a:bodyPr/>
                     <a:lstStyle/>
                     <a:p>
-                      <a:pPr marL="457200" indent="-228600" algn="ctr">
+                      <a:pPr marL="108000" indent="0" algn="ctr">
                         <a:spcBef>
-                          <a:spcPts val="600"/>
+                          <a:spcPts val="300"/>
                         </a:spcBef>
                         <a:spcAft>
                           <a:spcPts val="0"/>
@@ -14610,12 +14867,12 @@
                         </a:tabLst>
                       </a:pPr>
                       <a:r>
-                        <a:rPr lang="fr-CA" sz="1600">
+                        <a:rPr lang="fr-CA" sz="1300">
                           <a:effectLst/>
                         </a:rPr>
                         <a:t>8 %</a:t>
                       </a:r>
-                      <a:endParaRPr lang="en-US" sz="1600" b="1">
+                      <a:endParaRPr lang="en-CA" sz="1300" b="1">
                         <a:effectLst/>
                         <a:latin typeface="Times New Roman" panose="02020603050405020304" pitchFamily="18" charset="0"/>
                         <a:ea typeface="Times New Roman" panose="02020603050405020304" pitchFamily="18" charset="0"/>
@@ -14623,16 +14880,16 @@
                       </a:endParaRPr>
                     </a:p>
                   </a:txBody>
-                  <a:tcPr marL="62089" marR="62089" marT="0" marB="0"/>
+                  <a:tcPr marL="18945" marR="18945" marT="0" marB="0"/>
                 </a:tc>
                 <a:tc>
                   <a:txBody>
                     <a:bodyPr/>
                     <a:lstStyle/>
                     <a:p>
-                      <a:pPr marL="0" indent="0" algn="l">
+                      <a:pPr marL="108000" indent="0" algn="l">
                         <a:spcBef>
-                          <a:spcPts val="0"/>
+                          <a:spcPts val="300"/>
                         </a:spcBef>
                         <a:spcAft>
                           <a:spcPts val="0"/>
@@ -14644,12 +14901,12 @@
                         </a:tabLst>
                       </a:pPr>
                       <a:r>
-                        <a:rPr lang="fr-CA" sz="1600" dirty="0">
+                        <a:rPr lang="fr-CA" sz="1300">
                           <a:effectLst/>
                         </a:rPr>
                         <a:t>Inférences probabilistes</a:t>
                       </a:r>
-                      <a:endParaRPr lang="en-US" sz="1600" b="1" dirty="0">
+                      <a:endParaRPr lang="en-CA" sz="1300" b="1">
                         <a:effectLst/>
                         <a:latin typeface="Times New Roman" panose="02020603050405020304" pitchFamily="18" charset="0"/>
                         <a:ea typeface="Times New Roman" panose="02020603050405020304" pitchFamily="18" charset="0"/>
@@ -14657,23 +14914,23 @@
                       </a:endParaRPr>
                     </a:p>
                   </a:txBody>
-                  <a:tcPr marL="62089" marR="62089" marT="0" marB="0"/>
+                  <a:tcPr marL="18945" marR="18945" marT="0" marB="0"/>
                 </a:tc>
                 <a:extLst>
                   <a:ext uri="{0D108BD9-81ED-4DB2-BD59-A6C34878D82A}">
-                    <a16:rowId xmlns:a16="http://schemas.microsoft.com/office/drawing/2014/main" val="265910386"/>
+                    <a16:rowId xmlns:a16="http://schemas.microsoft.com/office/drawing/2014/main" val="1304414833"/>
                   </a:ext>
                 </a:extLst>
               </a:tr>
-              <a:tr h="486737">
+              <a:tr h="349165">
                 <a:tc>
                   <a:txBody>
                     <a:bodyPr/>
                     <a:lstStyle/>
                     <a:p>
-                      <a:pPr marL="457200" indent="-228600" algn="l">
+                      <a:pPr marL="108000" indent="0" algn="l">
                         <a:spcBef>
-                          <a:spcPts val="600"/>
+                          <a:spcPts val="300"/>
                         </a:spcBef>
                         <a:spcAft>
                           <a:spcPts val="0"/>
@@ -14685,12 +14942,12 @@
                         </a:tabLst>
                       </a:pPr>
                       <a:r>
-                        <a:rPr lang="fr-CA" sz="1600">
+                        <a:rPr lang="fr-CA" sz="1300">
                           <a:effectLst/>
                         </a:rPr>
                         <a:t>TP 4</a:t>
                       </a:r>
-                      <a:endParaRPr lang="en-US" sz="1600" b="1">
+                      <a:endParaRPr lang="en-CA" sz="1300" b="1">
                         <a:effectLst/>
                         <a:latin typeface="Times New Roman" panose="02020603050405020304" pitchFamily="18" charset="0"/>
                         <a:ea typeface="Times New Roman" panose="02020603050405020304" pitchFamily="18" charset="0"/>
@@ -14698,16 +14955,16 @@
                       </a:endParaRPr>
                     </a:p>
                   </a:txBody>
-                  <a:tcPr marL="62089" marR="62089" marT="0" marB="0"/>
+                  <a:tcPr marL="18945" marR="18945" marT="0" marB="0"/>
                 </a:tc>
                 <a:tc>
                   <a:txBody>
                     <a:bodyPr/>
                     <a:lstStyle/>
                     <a:p>
-                      <a:pPr marL="0" indent="0" algn="l">
+                      <a:pPr marL="108000" indent="0" algn="l">
                         <a:spcBef>
-                          <a:spcPts val="0"/>
+                          <a:spcPts val="300"/>
                         </a:spcBef>
                         <a:spcAft>
                           <a:spcPts val="0"/>
@@ -14719,12 +14976,12 @@
                         </a:tabLst>
                       </a:pPr>
                       <a:r>
-                        <a:rPr lang="fr-CA" sz="1600">
+                        <a:rPr lang="fr-CA" sz="1300">
                           <a:effectLst/>
                         </a:rPr>
-                        <a:t>Lundi 3 juillet</a:t>
+                        <a:t>Vendredi 15 mars</a:t>
                       </a:r>
-                      <a:endParaRPr lang="en-US" sz="1600" b="1">
+                      <a:endParaRPr lang="en-CA" sz="1300" b="1">
                         <a:effectLst/>
                         <a:latin typeface="Times New Roman" panose="02020603050405020304" pitchFamily="18" charset="0"/>
                         <a:ea typeface="Times New Roman" panose="02020603050405020304" pitchFamily="18" charset="0"/>
@@ -14732,16 +14989,16 @@
                       </a:endParaRPr>
                     </a:p>
                   </a:txBody>
-                  <a:tcPr marL="62089" marR="62089" marT="0" marB="0"/>
+                  <a:tcPr marL="18945" marR="18945" marT="0" marB="0"/>
                 </a:tc>
                 <a:tc>
                   <a:txBody>
                     <a:bodyPr/>
                     <a:lstStyle/>
                     <a:p>
-                      <a:pPr marL="0" indent="0" algn="l">
+                      <a:pPr marL="108000" indent="0" algn="l">
                         <a:spcBef>
-                          <a:spcPts val="0"/>
+                          <a:spcPts val="300"/>
                         </a:spcBef>
                         <a:spcAft>
                           <a:spcPts val="0"/>
@@ -14753,12 +15010,12 @@
                         </a:tabLst>
                       </a:pPr>
                       <a:r>
-                        <a:rPr lang="fr-CA" sz="1600" dirty="0">
+                        <a:rPr lang="fr-CA" sz="1300" dirty="0">
                           <a:effectLst/>
                         </a:rPr>
-                        <a:t>Mardi 17 juillet à minuit</a:t>
+                        <a:t>Jeudi 4 avril à minuit.</a:t>
                       </a:r>
-                      <a:endParaRPr lang="en-US" sz="1600" b="1" dirty="0">
+                      <a:endParaRPr lang="en-CA" sz="1300" b="1" dirty="0">
                         <a:effectLst/>
                         <a:latin typeface="Times New Roman" panose="02020603050405020304" pitchFamily="18" charset="0"/>
                         <a:ea typeface="Times New Roman" panose="02020603050405020304" pitchFamily="18" charset="0"/>
@@ -14766,16 +15023,16 @@
                       </a:endParaRPr>
                     </a:p>
                   </a:txBody>
-                  <a:tcPr marL="62089" marR="62089" marT="0" marB="0"/>
+                  <a:tcPr marL="18945" marR="18945" marT="0" marB="0"/>
                 </a:tc>
                 <a:tc>
                   <a:txBody>
                     <a:bodyPr/>
                     <a:lstStyle/>
                     <a:p>
-                      <a:pPr marL="457200" indent="-228600" algn="ctr">
+                      <a:pPr marL="108000" indent="0" algn="ctr">
                         <a:spcBef>
-                          <a:spcPts val="600"/>
+                          <a:spcPts val="300"/>
                         </a:spcBef>
                         <a:spcAft>
                           <a:spcPts val="0"/>
@@ -14787,12 +15044,12 @@
                         </a:tabLst>
                       </a:pPr>
                       <a:r>
-                        <a:rPr lang="fr-CA" sz="1600">
+                        <a:rPr lang="fr-CA" sz="1300">
                           <a:effectLst/>
                         </a:rPr>
                         <a:t>8 %</a:t>
                       </a:r>
-                      <a:endParaRPr lang="en-US" sz="1600" b="1">
+                      <a:endParaRPr lang="en-CA" sz="1300" b="1">
                         <a:effectLst/>
                         <a:latin typeface="Times New Roman" panose="02020603050405020304" pitchFamily="18" charset="0"/>
                         <a:ea typeface="Times New Roman" panose="02020603050405020304" pitchFamily="18" charset="0"/>
@@ -14800,16 +15057,16 @@
                       </a:endParaRPr>
                     </a:p>
                   </a:txBody>
-                  <a:tcPr marL="62089" marR="62089" marT="0" marB="0"/>
+                  <a:tcPr marL="18945" marR="18945" marT="0" marB="0"/>
                 </a:tc>
                 <a:tc>
                   <a:txBody>
                     <a:bodyPr/>
                     <a:lstStyle/>
                     <a:p>
-                      <a:pPr marL="0" indent="0" algn="l">
+                      <a:pPr marL="108000" indent="0" algn="l">
                         <a:spcBef>
-                          <a:spcPts val="0"/>
+                          <a:spcPts val="300"/>
                         </a:spcBef>
                         <a:spcAft>
                           <a:spcPts val="0"/>
@@ -14821,12 +15078,12 @@
                         </a:tabLst>
                       </a:pPr>
                       <a:r>
-                        <a:rPr lang="fr-CA" sz="1600" dirty="0">
+                        <a:rPr lang="fr-CA" sz="1300">
                           <a:effectLst/>
                         </a:rPr>
                         <a:t>Apprentissage par renforcement </a:t>
                       </a:r>
-                      <a:endParaRPr lang="en-US" sz="1600" b="1" dirty="0">
+                      <a:endParaRPr lang="en-CA" sz="1300" b="1">
                         <a:effectLst/>
                         <a:latin typeface="Times New Roman" panose="02020603050405020304" pitchFamily="18" charset="0"/>
                         <a:ea typeface="Times New Roman" panose="02020603050405020304" pitchFamily="18" charset="0"/>
@@ -14834,23 +15091,23 @@
                       </a:endParaRPr>
                     </a:p>
                   </a:txBody>
-                  <a:tcPr marL="62089" marR="62089" marT="0" marB="0"/>
+                  <a:tcPr marL="18945" marR="18945" marT="0" marB="0"/>
                 </a:tc>
                 <a:extLst>
                   <a:ext uri="{0D108BD9-81ED-4DB2-BD59-A6C34878D82A}">
-                    <a16:rowId xmlns:a16="http://schemas.microsoft.com/office/drawing/2014/main" val="3115659761"/>
+                    <a16:rowId xmlns:a16="http://schemas.microsoft.com/office/drawing/2014/main" val="3988789638"/>
                   </a:ext>
                 </a:extLst>
               </a:tr>
-              <a:tr h="486737">
+              <a:tr h="329402">
                 <a:tc>
                   <a:txBody>
                     <a:bodyPr/>
                     <a:lstStyle/>
                     <a:p>
-                      <a:pPr marL="457200" indent="-228600" algn="l">
+                      <a:pPr marL="108000" indent="0" algn="l">
                         <a:spcBef>
-                          <a:spcPts val="600"/>
+                          <a:spcPts val="300"/>
                         </a:spcBef>
                         <a:spcAft>
                           <a:spcPts val="0"/>
@@ -14862,12 +15119,12 @@
                         </a:tabLst>
                       </a:pPr>
                       <a:r>
-                        <a:rPr lang="fr-CA" sz="1600">
+                        <a:rPr lang="fr-CA" sz="1300">
                           <a:effectLst/>
                         </a:rPr>
-                        <a:t>Quiz 2</a:t>
+                        <a:t>TP 5</a:t>
                       </a:r>
-                      <a:endParaRPr lang="en-US" sz="1600" b="1">
+                      <a:endParaRPr lang="en-CA" sz="1300" b="1">
                         <a:effectLst/>
                         <a:latin typeface="Times New Roman" panose="02020603050405020304" pitchFamily="18" charset="0"/>
                         <a:ea typeface="Times New Roman" panose="02020603050405020304" pitchFamily="18" charset="0"/>
@@ -14875,16 +15132,16 @@
                       </a:endParaRPr>
                     </a:p>
                   </a:txBody>
-                  <a:tcPr marL="62089" marR="62089" marT="0" marB="0"/>
+                  <a:tcPr marL="18945" marR="18945" marT="0" marB="0"/>
                 </a:tc>
                 <a:tc>
                   <a:txBody>
                     <a:bodyPr/>
                     <a:lstStyle/>
                     <a:p>
-                      <a:pPr marL="0" indent="0" algn="l">
+                      <a:pPr marL="108000" indent="0" algn="l">
                         <a:spcBef>
-                          <a:spcPts val="0"/>
+                          <a:spcPts val="300"/>
                         </a:spcBef>
                         <a:spcAft>
                           <a:spcPts val="0"/>
@@ -14896,12 +15153,12 @@
                         </a:tabLst>
                       </a:pPr>
                       <a:r>
-                        <a:rPr lang="fr-CA" sz="1600">
+                        <a:rPr lang="fr-CA" sz="1300">
                           <a:effectLst/>
                         </a:rPr>
-                        <a:t>Mardi 18 juillet</a:t>
+                        <a:t>Vendredi 22 mars</a:t>
                       </a:r>
-                      <a:endParaRPr lang="en-US" sz="1600" b="1">
+                      <a:endParaRPr lang="en-CA" sz="1300" b="1">
                         <a:effectLst/>
                         <a:latin typeface="Times New Roman" panose="02020603050405020304" pitchFamily="18" charset="0"/>
                         <a:ea typeface="Times New Roman" panose="02020603050405020304" pitchFamily="18" charset="0"/>
@@ -14909,16 +15166,16 @@
                       </a:endParaRPr>
                     </a:p>
                   </a:txBody>
-                  <a:tcPr marL="62089" marR="62089" marT="0" marB="0"/>
+                  <a:tcPr marL="18945" marR="18945" marT="0" marB="0"/>
                 </a:tc>
                 <a:tc>
                   <a:txBody>
                     <a:bodyPr/>
                     <a:lstStyle/>
                     <a:p>
-                      <a:pPr marL="0" indent="0" algn="l">
+                      <a:pPr marL="108000" indent="0" algn="l">
                         <a:spcBef>
-                          <a:spcPts val="0"/>
+                          <a:spcPts val="300"/>
                         </a:spcBef>
                         <a:spcAft>
                           <a:spcPts val="0"/>
@@ -14930,12 +15187,12 @@
                         </a:tabLst>
                       </a:pPr>
                       <a:r>
-                        <a:rPr lang="fr-CA" sz="1600" dirty="0">
+                        <a:rPr lang="fr-CA" sz="1300" dirty="0">
                           <a:effectLst/>
                         </a:rPr>
-                        <a:t>Mardi 24 juillet à minuit</a:t>
+                        <a:t>Lundi 15 avril à minuit</a:t>
                       </a:r>
-                      <a:endParaRPr lang="en-US" sz="1600" b="1" dirty="0">
+                      <a:endParaRPr lang="en-CA" sz="1300" b="1" dirty="0">
                         <a:effectLst/>
                         <a:latin typeface="Times New Roman" panose="02020603050405020304" pitchFamily="18" charset="0"/>
                         <a:ea typeface="Times New Roman" panose="02020603050405020304" pitchFamily="18" charset="0"/>
@@ -14943,16 +15200,16 @@
                       </a:endParaRPr>
                     </a:p>
                   </a:txBody>
-                  <a:tcPr marL="62089" marR="62089" marT="0" marB="0"/>
+                  <a:tcPr marL="18945" marR="18945" marT="0" marB="0"/>
                 </a:tc>
                 <a:tc>
                   <a:txBody>
                     <a:bodyPr/>
                     <a:lstStyle/>
                     <a:p>
-                      <a:pPr marL="457200" indent="-228600" algn="ctr">
+                      <a:pPr marL="108000" indent="0" algn="ctr">
                         <a:spcBef>
-                          <a:spcPts val="600"/>
+                          <a:spcPts val="300"/>
                         </a:spcBef>
                         <a:spcAft>
                           <a:spcPts val="0"/>
@@ -14964,12 +15221,12 @@
                         </a:tabLst>
                       </a:pPr>
                       <a:r>
-                        <a:rPr lang="fr-CA" sz="1600">
+                        <a:rPr lang="fr-CA" sz="1300" dirty="0">
                           <a:effectLst/>
                         </a:rPr>
-                        <a:t>3 %</a:t>
+                        <a:t>8 %</a:t>
                       </a:r>
-                      <a:endParaRPr lang="en-US" sz="1600" b="1">
+                      <a:endParaRPr lang="en-CA" sz="1300" b="1" dirty="0">
                         <a:effectLst/>
                         <a:latin typeface="Times New Roman" panose="02020603050405020304" pitchFamily="18" charset="0"/>
                         <a:ea typeface="Times New Roman" panose="02020603050405020304" pitchFamily="18" charset="0"/>
@@ -14977,16 +15234,16 @@
                       </a:endParaRPr>
                     </a:p>
                   </a:txBody>
-                  <a:tcPr marL="62089" marR="62089" marT="0" marB="0"/>
+                  <a:tcPr marL="18945" marR="18945" marT="0" marB="0"/>
                 </a:tc>
                 <a:tc>
                   <a:txBody>
                     <a:bodyPr/>
                     <a:lstStyle/>
                     <a:p>
-                      <a:pPr marL="0" indent="0" algn="l">
+                      <a:pPr marL="108000" indent="0" algn="l">
                         <a:spcBef>
-                          <a:spcPts val="0"/>
+                          <a:spcPts val="300"/>
                         </a:spcBef>
                         <a:spcAft>
                           <a:spcPts val="0"/>
@@ -14998,12 +15255,12 @@
                         </a:tabLst>
                       </a:pPr>
                       <a:r>
-                        <a:rPr lang="fr-CA" sz="1600" dirty="0">
+                        <a:rPr lang="fr-CA" sz="1300">
                           <a:effectLst/>
                         </a:rPr>
-                        <a:t>Recherche locale et optimisation</a:t>
+                        <a:t>Théorie des jeux</a:t>
                       </a:r>
-                      <a:endParaRPr lang="en-US" sz="1600" b="1" dirty="0">
+                      <a:endParaRPr lang="en-CA" sz="1300" b="1">
                         <a:effectLst/>
                         <a:latin typeface="Times New Roman" panose="02020603050405020304" pitchFamily="18" charset="0"/>
                         <a:ea typeface="Times New Roman" panose="02020603050405020304" pitchFamily="18" charset="0"/>
@@ -15011,23 +15268,23 @@
                       </a:endParaRPr>
                     </a:p>
                   </a:txBody>
-                  <a:tcPr marL="62089" marR="62089" marT="0" marB="0"/>
+                  <a:tcPr marL="18945" marR="18945" marT="0" marB="0"/>
                 </a:tc>
                 <a:extLst>
                   <a:ext uri="{0D108BD9-81ED-4DB2-BD59-A6C34878D82A}">
-                    <a16:rowId xmlns:a16="http://schemas.microsoft.com/office/drawing/2014/main" val="2870474456"/>
+                    <a16:rowId xmlns:a16="http://schemas.microsoft.com/office/drawing/2014/main" val="2171899703"/>
                   </a:ext>
                 </a:extLst>
               </a:tr>
-              <a:tr h="453302">
+              <a:tr h="349165">
                 <a:tc>
                   <a:txBody>
                     <a:bodyPr/>
                     <a:lstStyle/>
                     <a:p>
-                      <a:pPr marL="457200" indent="-228600" algn="l">
+                      <a:pPr marL="108000" indent="0" algn="l">
                         <a:spcBef>
-                          <a:spcPts val="600"/>
+                          <a:spcPts val="300"/>
                         </a:spcBef>
                         <a:spcAft>
                           <a:spcPts val="0"/>
@@ -15039,12 +15296,12 @@
                         </a:tabLst>
                       </a:pPr>
                       <a:r>
-                        <a:rPr lang="fr-CA" sz="1600">
+                        <a:rPr lang="fr-CA" sz="1300">
                           <a:effectLst/>
                         </a:rPr>
-                        <a:t>TP 5</a:t>
+                        <a:t>Quiz 2</a:t>
                       </a:r>
-                      <a:endParaRPr lang="en-US" sz="1600" b="1">
+                      <a:endParaRPr lang="en-CA" sz="1300" b="1">
                         <a:effectLst/>
                         <a:latin typeface="Times New Roman" panose="02020603050405020304" pitchFamily="18" charset="0"/>
                         <a:ea typeface="Times New Roman" panose="02020603050405020304" pitchFamily="18" charset="0"/>
@@ -15052,16 +15309,16 @@
                       </a:endParaRPr>
                     </a:p>
                   </a:txBody>
-                  <a:tcPr marL="62089" marR="62089" marT="0" marB="0"/>
+                  <a:tcPr marL="18945" marR="18945" marT="0" marB="0"/>
                 </a:tc>
                 <a:tc>
                   <a:txBody>
                     <a:bodyPr/>
                     <a:lstStyle/>
                     <a:p>
-                      <a:pPr marL="0" indent="0" algn="l">
+                      <a:pPr marL="108000" indent="0" algn="l">
                         <a:spcBef>
-                          <a:spcPts val="0"/>
+                          <a:spcPts val="300"/>
                         </a:spcBef>
                         <a:spcAft>
                           <a:spcPts val="0"/>
@@ -15073,12 +15330,12 @@
                         </a:tabLst>
                       </a:pPr>
                       <a:r>
-                        <a:rPr lang="fr-CA" sz="1600">
+                        <a:rPr lang="fr-CA" sz="1300">
                           <a:effectLst/>
                         </a:rPr>
-                        <a:t>Mardi 17 juillet</a:t>
+                        <a:t>Jeudi 4 avril</a:t>
                       </a:r>
-                      <a:endParaRPr lang="en-US" sz="1600" b="1">
+                      <a:endParaRPr lang="en-CA" sz="1300" b="1">
                         <a:effectLst/>
                         <a:latin typeface="Times New Roman" panose="02020603050405020304" pitchFamily="18" charset="0"/>
                         <a:ea typeface="Times New Roman" panose="02020603050405020304" pitchFamily="18" charset="0"/>
@@ -15086,16 +15343,16 @@
                       </a:endParaRPr>
                     </a:p>
                   </a:txBody>
-                  <a:tcPr marL="62089" marR="62089" marT="0" marB="0"/>
+                  <a:tcPr marL="18945" marR="18945" marT="0" marB="0"/>
                 </a:tc>
                 <a:tc>
                   <a:txBody>
                     <a:bodyPr/>
                     <a:lstStyle/>
                     <a:p>
-                      <a:pPr marL="0" indent="0" algn="l">
+                      <a:pPr marL="108000" indent="0" algn="l">
                         <a:spcBef>
-                          <a:spcPts val="0"/>
+                          <a:spcPts val="300"/>
                         </a:spcBef>
                         <a:spcAft>
                           <a:spcPts val="0"/>
@@ -15107,12 +15364,12 @@
                         </a:tabLst>
                       </a:pPr>
                       <a:r>
-                        <a:rPr lang="fr-CA" sz="1600" dirty="0">
+                        <a:rPr lang="fr-CA" sz="1300">
                           <a:effectLst/>
                         </a:rPr>
-                        <a:t>Lundi 7 août à minuit</a:t>
+                        <a:t>Jeudi 11 avril à minuit</a:t>
                       </a:r>
-                      <a:endParaRPr lang="en-US" sz="1600" b="1" dirty="0">
+                      <a:endParaRPr lang="en-CA" sz="1300" b="1">
                         <a:effectLst/>
                         <a:latin typeface="Times New Roman" panose="02020603050405020304" pitchFamily="18" charset="0"/>
                         <a:ea typeface="Times New Roman" panose="02020603050405020304" pitchFamily="18" charset="0"/>
@@ -15120,16 +15377,16 @@
                       </a:endParaRPr>
                     </a:p>
                   </a:txBody>
-                  <a:tcPr marL="62089" marR="62089" marT="0" marB="0"/>
+                  <a:tcPr marL="18945" marR="18945" marT="0" marB="0"/>
                 </a:tc>
                 <a:tc>
                   <a:txBody>
                     <a:bodyPr/>
                     <a:lstStyle/>
                     <a:p>
-                      <a:pPr marL="457200" indent="-228600" algn="ctr">
+                      <a:pPr marL="108000" indent="0" algn="ctr">
                         <a:spcBef>
-                          <a:spcPts val="600"/>
+                          <a:spcPts val="300"/>
                         </a:spcBef>
                         <a:spcAft>
                           <a:spcPts val="0"/>
@@ -15141,12 +15398,12 @@
                         </a:tabLst>
                       </a:pPr>
                       <a:r>
-                        <a:rPr lang="fr-CA" sz="1600">
+                        <a:rPr lang="fr-CA" sz="1300" dirty="0">
                           <a:effectLst/>
                         </a:rPr>
-                        <a:t>8 %</a:t>
+                        <a:t>3 %</a:t>
                       </a:r>
-                      <a:endParaRPr lang="en-US" sz="1600" b="1">
+                      <a:endParaRPr lang="en-CA" sz="1300" b="1" dirty="0">
                         <a:effectLst/>
                         <a:latin typeface="Times New Roman" panose="02020603050405020304" pitchFamily="18" charset="0"/>
                         <a:ea typeface="Times New Roman" panose="02020603050405020304" pitchFamily="18" charset="0"/>
@@ -15154,16 +15411,16 @@
                       </a:endParaRPr>
                     </a:p>
                   </a:txBody>
-                  <a:tcPr marL="62089" marR="62089" marT="0" marB="0"/>
+                  <a:tcPr marL="18945" marR="18945" marT="0" marB="0"/>
                 </a:tc>
                 <a:tc>
                   <a:txBody>
                     <a:bodyPr/>
                     <a:lstStyle/>
                     <a:p>
-                      <a:pPr marL="0" indent="0" algn="l">
+                      <a:pPr marL="108000" indent="0" algn="l">
                         <a:spcBef>
-                          <a:spcPts val="0"/>
+                          <a:spcPts val="300"/>
                         </a:spcBef>
                         <a:spcAft>
                           <a:spcPts val="0"/>
@@ -15175,12 +15432,12 @@
                         </a:tabLst>
                       </a:pPr>
                       <a:r>
-                        <a:rPr lang="fr-CA" sz="1600" dirty="0">
+                        <a:rPr lang="fr-CA" sz="1300" dirty="0">
                           <a:effectLst/>
                         </a:rPr>
-                        <a:t>Théorie des jeux</a:t>
+                        <a:t>Recherche locale et optimisation</a:t>
                       </a:r>
-                      <a:endParaRPr lang="en-US" sz="1600" b="1" dirty="0">
+                      <a:endParaRPr lang="en-CA" sz="1300" b="1" dirty="0">
                         <a:effectLst/>
                         <a:latin typeface="Times New Roman" panose="02020603050405020304" pitchFamily="18" charset="0"/>
                         <a:ea typeface="Times New Roman" panose="02020603050405020304" pitchFamily="18" charset="0"/>
@@ -15188,23 +15445,23 @@
                       </a:endParaRPr>
                     </a:p>
                   </a:txBody>
-                  <a:tcPr marL="62089" marR="62089" marT="0" marB="0"/>
+                  <a:tcPr marL="18945" marR="18945" marT="0" marB="0"/>
                 </a:tc>
                 <a:extLst>
                   <a:ext uri="{0D108BD9-81ED-4DB2-BD59-A6C34878D82A}">
-                    <a16:rowId xmlns:a16="http://schemas.microsoft.com/office/drawing/2014/main" val="2808709727"/>
+                    <a16:rowId xmlns:a16="http://schemas.microsoft.com/office/drawing/2014/main" val="3997893267"/>
                   </a:ext>
                 </a:extLst>
               </a:tr>
-              <a:tr h="453302">
+              <a:tr h="436837">
                 <a:tc>
                   <a:txBody>
                     <a:bodyPr/>
                     <a:lstStyle/>
                     <a:p>
-                      <a:pPr marL="457200" indent="-228600" algn="l">
+                      <a:pPr marL="108000" indent="0" algn="l">
                         <a:spcBef>
-                          <a:spcPts val="600"/>
+                          <a:spcPts val="300"/>
                         </a:spcBef>
                         <a:spcAft>
                           <a:spcPts val="0"/>
@@ -15216,12 +15473,12 @@
                         </a:tabLst>
                       </a:pPr>
                       <a:r>
-                        <a:rPr lang="fr-CA" sz="1600">
+                        <a:rPr lang="fr-CA" sz="1300">
                           <a:effectLst/>
                         </a:rPr>
                         <a:t>Quiz 3</a:t>
                       </a:r>
-                      <a:endParaRPr lang="en-US" sz="1600" b="1">
+                      <a:endParaRPr lang="en-CA" sz="1300" b="1">
                         <a:effectLst/>
                         <a:latin typeface="Times New Roman" panose="02020603050405020304" pitchFamily="18" charset="0"/>
                         <a:ea typeface="Times New Roman" panose="02020603050405020304" pitchFamily="18" charset="0"/>
@@ -15229,16 +15486,16 @@
                       </a:endParaRPr>
                     </a:p>
                   </a:txBody>
-                  <a:tcPr marL="62089" marR="62089" marT="0" marB="0"/>
+                  <a:tcPr marL="18945" marR="18945" marT="0" marB="0"/>
                 </a:tc>
                 <a:tc>
                   <a:txBody>
                     <a:bodyPr/>
                     <a:lstStyle/>
                     <a:p>
-                      <a:pPr marL="0" indent="0" algn="l">
+                      <a:pPr marL="108000" indent="0" algn="l">
                         <a:spcBef>
-                          <a:spcPts val="0"/>
+                          <a:spcPts val="300"/>
                         </a:spcBef>
                         <a:spcAft>
                           <a:spcPts val="0"/>
@@ -15250,12 +15507,12 @@
                         </a:tabLst>
                       </a:pPr>
                       <a:r>
-                        <a:rPr lang="fr-CA" sz="1600">
+                        <a:rPr lang="fr-CA" sz="1300">
                           <a:effectLst/>
                         </a:rPr>
-                        <a:t>Mardi 24 juillet</a:t>
+                        <a:t>Vendredi 5 avril</a:t>
                       </a:r>
-                      <a:endParaRPr lang="en-US" sz="1600" b="1">
+                      <a:endParaRPr lang="en-CA" sz="1300" b="1">
                         <a:effectLst/>
                         <a:latin typeface="Times New Roman" panose="02020603050405020304" pitchFamily="18" charset="0"/>
                         <a:ea typeface="Times New Roman" panose="02020603050405020304" pitchFamily="18" charset="0"/>
@@ -15263,16 +15520,16 @@
                       </a:endParaRPr>
                     </a:p>
                   </a:txBody>
-                  <a:tcPr marL="62089" marR="62089" marT="0" marB="0"/>
+                  <a:tcPr marL="18945" marR="18945" marT="0" marB="0"/>
                 </a:tc>
                 <a:tc>
                   <a:txBody>
                     <a:bodyPr/>
                     <a:lstStyle/>
                     <a:p>
-                      <a:pPr marL="0" indent="0" algn="l">
+                      <a:pPr marL="108000" indent="0" algn="l">
                         <a:spcBef>
-                          <a:spcPts val="0"/>
+                          <a:spcPts val="300"/>
                         </a:spcBef>
                         <a:spcAft>
                           <a:spcPts val="0"/>
@@ -15284,12 +15541,12 @@
                         </a:tabLst>
                       </a:pPr>
                       <a:r>
-                        <a:rPr lang="fr-CA" sz="1600" dirty="0">
+                        <a:rPr lang="fr-CA" sz="1300">
                           <a:effectLst/>
                         </a:rPr>
-                        <a:t>Lundi 7 août à minuit</a:t>
+                        <a:t>Lundi 15 avril à minuit</a:t>
                       </a:r>
-                      <a:endParaRPr lang="en-US" sz="1600" b="1" dirty="0">
+                      <a:endParaRPr lang="en-CA" sz="1300" b="1">
                         <a:effectLst/>
                         <a:latin typeface="Times New Roman" panose="02020603050405020304" pitchFamily="18" charset="0"/>
                         <a:ea typeface="Times New Roman" panose="02020603050405020304" pitchFamily="18" charset="0"/>
@@ -15297,16 +15554,16 @@
                       </a:endParaRPr>
                     </a:p>
                   </a:txBody>
-                  <a:tcPr marL="62089" marR="62089" marT="0" marB="0"/>
+                  <a:tcPr marL="18945" marR="18945" marT="0" marB="0"/>
                 </a:tc>
                 <a:tc>
                   <a:txBody>
                     <a:bodyPr/>
                     <a:lstStyle/>
                     <a:p>
-                      <a:pPr marL="457200" indent="-228600" algn="ctr">
+                      <a:pPr marL="108000" indent="0" algn="ctr">
                         <a:spcBef>
-                          <a:spcPts val="600"/>
+                          <a:spcPts val="300"/>
                         </a:spcBef>
                         <a:spcAft>
                           <a:spcPts val="0"/>
@@ -15318,12 +15575,12 @@
                         </a:tabLst>
                       </a:pPr>
                       <a:r>
-                        <a:rPr lang="fr-CA" sz="1600">
+                        <a:rPr lang="fr-CA" sz="1300">
                           <a:effectLst/>
                         </a:rPr>
                         <a:t>3 %</a:t>
                       </a:r>
-                      <a:endParaRPr lang="en-US" sz="1600" b="1">
+                      <a:endParaRPr lang="en-CA" sz="1300" b="1">
                         <a:effectLst/>
                         <a:latin typeface="Times New Roman" panose="02020603050405020304" pitchFamily="18" charset="0"/>
                         <a:ea typeface="Times New Roman" panose="02020603050405020304" pitchFamily="18" charset="0"/>
@@ -15331,16 +15588,16 @@
                       </a:endParaRPr>
                     </a:p>
                   </a:txBody>
-                  <a:tcPr marL="62089" marR="62089" marT="0" marB="0"/>
+                  <a:tcPr marL="18945" marR="18945" marT="0" marB="0"/>
                 </a:tc>
                 <a:tc>
                   <a:txBody>
                     <a:bodyPr/>
                     <a:lstStyle/>
                     <a:p>
-                      <a:pPr marL="0" indent="0" algn="l">
+                      <a:pPr marL="108000" indent="0" algn="l">
                         <a:spcBef>
-                          <a:spcPts val="0"/>
+                          <a:spcPts val="300"/>
                         </a:spcBef>
                         <a:spcAft>
                           <a:spcPts val="0"/>
@@ -15352,12 +15609,12 @@
                         </a:tabLst>
                       </a:pPr>
                       <a:r>
-                        <a:rPr lang="fr-CA" sz="1600" dirty="0">
+                        <a:rPr lang="fr-CA" sz="1300" dirty="0">
                           <a:effectLst/>
                         </a:rPr>
                         <a:t>Raisonnement logique</a:t>
                       </a:r>
-                      <a:endParaRPr lang="en-US" sz="1600" b="1" dirty="0">
+                      <a:endParaRPr lang="en-CA" sz="1300" b="1" dirty="0">
                         <a:effectLst/>
                         <a:latin typeface="Times New Roman" panose="02020603050405020304" pitchFamily="18" charset="0"/>
                         <a:ea typeface="Times New Roman" panose="02020603050405020304" pitchFamily="18" charset="0"/>
@@ -15365,11 +15622,11 @@
                       </a:endParaRPr>
                     </a:p>
                   </a:txBody>
-                  <a:tcPr marL="62089" marR="62089" marT="0" marB="0"/>
+                  <a:tcPr marL="18945" marR="18945" marT="0" marB="0"/>
                 </a:tc>
                 <a:extLst>
                   <a:ext uri="{0D108BD9-81ED-4DB2-BD59-A6C34878D82A}">
-                    <a16:rowId xmlns:a16="http://schemas.microsoft.com/office/drawing/2014/main" val="686335739"/>
+                    <a16:rowId xmlns:a16="http://schemas.microsoft.com/office/drawing/2014/main" val="342977583"/>
                   </a:ext>
                 </a:extLst>
               </a:tr>
@@ -16901,15 +17158,15 @@
         </p:nvSpPr>
         <p:spPr>
           <a:xfrm>
-            <a:off x="457200" y="1373188"/>
-            <a:ext cx="8300720" cy="1277931"/>
+            <a:off x="463923" y="1514878"/>
+            <a:ext cx="8350624" cy="949982"/>
           </a:xfrm>
         </p:spPr>
         <p:txBody>
           <a:bodyPr/>
           <a:lstStyle/>
           <a:p>
-            <a:pPr marL="457200" lvl="1" indent="0" eaLnBrk="1" hangingPunct="1">
+            <a:pPr marL="0" lvl="1" indent="0" eaLnBrk="1" hangingPunct="1">
               <a:buNone/>
             </a:pPr>
             <a:r>
@@ -16952,37 +17209,13 @@
               <a:rPr lang="fr-FR" altLang="en-US" dirty="0">
                 <a:ea typeface="ＭＳ Ｐゴシック" pitchFamily="34" charset="-128"/>
               </a:rPr>
-              <a:t> permettant aux machines de  </a:t>
+              <a:t> permettant aux machines de </a:t>
             </a:r>
             <a:r>
               <a:rPr lang="fr-FR" altLang="en-US" b="1" dirty="0">
                 <a:ea typeface="ＭＳ Ｐゴシック" pitchFamily="34" charset="-128"/>
               </a:rPr>
-              <a:t>percevoir</a:t>
-            </a:r>
-            <a:r>
-              <a:rPr lang="fr-FR" altLang="en-US" dirty="0">
-                <a:ea typeface="ＭＳ Ｐゴシック" pitchFamily="34" charset="-128"/>
-              </a:rPr>
-              <a:t>, </a:t>
-            </a:r>
-            <a:r>
-              <a:rPr lang="fr-FR" altLang="en-US" b="1" dirty="0">
-                <a:ea typeface="ＭＳ Ｐゴシック" pitchFamily="34" charset="-128"/>
-              </a:rPr>
-              <a:t>comprendre</a:t>
-            </a:r>
-            <a:r>
-              <a:rPr lang="fr-FR" altLang="en-US" dirty="0">
-                <a:ea typeface="ＭＳ Ｐゴシック" pitchFamily="34" charset="-128"/>
-              </a:rPr>
-              <a:t>, </a:t>
-            </a:r>
-            <a:r>
-              <a:rPr lang="fr-FR" altLang="en-US" b="1" dirty="0">
-                <a:ea typeface="ＭＳ Ｐゴシック" pitchFamily="34" charset="-128"/>
-              </a:rPr>
-              <a:t>prédire, décider, raisonner, planifier </a:t>
+              <a:t>percevoir, comprendre, raisonner, décider </a:t>
             </a:r>
             <a:r>
               <a:rPr lang="fr-FR" altLang="en-US" dirty="0">
@@ -16996,14 +17229,6 @@
               </a:rPr>
               <a:t>agir</a:t>
             </a:r>
-            <a:endParaRPr lang="fr-FR" altLang="en-US" dirty="0">
-              <a:ea typeface="ＭＳ Ｐゴシック" pitchFamily="34" charset="-128"/>
-            </a:endParaRPr>
-          </a:p>
-          <a:p>
-            <a:pPr marL="457200" lvl="1" indent="0" eaLnBrk="1" hangingPunct="1">
-              <a:buNone/>
-            </a:pPr>
             <a:endParaRPr lang="fr-FR" altLang="en-US" dirty="0">
               <a:ea typeface="ＭＳ Ｐゴシック" pitchFamily="34" charset="-128"/>
             </a:endParaRPr>
@@ -17513,7 +17738,7 @@
         </p:blipFill>
         <p:spPr>
           <a:xfrm>
-            <a:off x="6554834" y="2961602"/>
+            <a:off x="6575005" y="2932107"/>
             <a:ext cx="1852628" cy="1037471"/>
           </a:xfrm>
           <a:prstGeom prst="rect">
@@ -17550,7 +17775,7 @@
         </p:blipFill>
         <p:spPr bwMode="auto">
           <a:xfrm>
-            <a:off x="1121926" y="3104928"/>
+            <a:off x="1142097" y="3075433"/>
             <a:ext cx="1377516" cy="788477"/>
           </a:xfrm>
           <a:prstGeom prst="rect">
@@ -17597,7 +17822,7 @@
         </p:blipFill>
         <p:spPr bwMode="auto">
           <a:xfrm>
-            <a:off x="3529093" y="3089855"/>
+            <a:off x="3549264" y="3060360"/>
             <a:ext cx="1183872" cy="788477"/>
           </a:xfrm>
           <a:prstGeom prst="rect">
@@ -17637,7 +17862,7 @@
         </p:blipFill>
         <p:spPr>
           <a:xfrm>
-            <a:off x="1278886" y="4302871"/>
+            <a:off x="1299057" y="4273376"/>
             <a:ext cx="1390664" cy="1091671"/>
           </a:xfrm>
           <a:prstGeom prst="rect">
@@ -17667,7 +17892,7 @@
         </p:blipFill>
         <p:spPr>
           <a:xfrm>
-            <a:off x="3110916" y="4389018"/>
+            <a:off x="3131087" y="4359523"/>
             <a:ext cx="1457909" cy="816429"/>
           </a:xfrm>
           <a:prstGeom prst="rect">
@@ -17703,7 +17928,7 @@
         </p:blipFill>
         <p:spPr>
           <a:xfrm>
-            <a:off x="5267625" y="3053956"/>
+            <a:off x="5287796" y="3024461"/>
             <a:ext cx="949982" cy="949982"/>
           </a:xfrm>
           <a:prstGeom prst="rect">
@@ -17740,7 +17965,7 @@
         </p:blipFill>
         <p:spPr>
           <a:xfrm>
-            <a:off x="5805239" y="4459990"/>
+            <a:off x="5825410" y="4430495"/>
             <a:ext cx="2343389" cy="859032"/>
           </a:xfrm>
           <a:prstGeom prst="rect">
@@ -20610,7 +20835,7 @@
 </file>
 
 <file path=ppt/slides/slide7.xml><?xml version="1.0" encoding="utf-8"?>
-<p:sld xmlns:a="http://schemas.openxmlformats.org/drawingml/2006/main" xmlns:r="http://schemas.openxmlformats.org/officeDocument/2006/relationships" xmlns:p="http://schemas.openxmlformats.org/presentationml/2006/main">
+<p:sld xmlns:a="http://schemas.openxmlformats.org/drawingml/2006/main" xmlns:r="http://schemas.openxmlformats.org/officeDocument/2006/relationships" xmlns:p="http://schemas.openxmlformats.org/presentationml/2006/main" show="0">
   <p:cSld>
     <p:spTree>
       <p:nvGrpSpPr>
@@ -24763,22 +24988,15 @@
           <a:p>
             <a:pPr algn="ctr"/>
             <a:r>
-              <a:rPr lang="fr-CA" sz="1600" err="1">
+              <a:rPr lang="fr-CA" sz="1600" dirty="0">
                 <a:solidFill>
                   <a:schemeClr val="accent1">
                     <a:lumMod val="50000"/>
                   </a:schemeClr>
                 </a:solidFill>
               </a:rPr>
-              <a:t>Heurisitiques</a:t>
+              <a:t>Heuristiques</a:t>
             </a:r>
-            <a:endParaRPr lang="fr-CA" sz="1600">
-              <a:solidFill>
-                <a:schemeClr val="accent1">
-                  <a:lumMod val="50000"/>
-                </a:schemeClr>
-              </a:solidFill>
-            </a:endParaRPr>
           </a:p>
         </p:txBody>
       </p:sp>
@@ -26070,7 +26288,7 @@
               </a:lnSpc>
             </a:pPr>
             <a:r>
-              <a:rPr lang="fr-CA" altLang="ko-KR">
+              <a:rPr lang="fr-CA" altLang="ko-KR" dirty="0">
                 <a:ea typeface="Gulim" pitchFamily="34" charset="-127"/>
               </a:rPr>
               <a:t>Acquérir </a:t>
@@ -26083,10 +26301,10 @@
               </a:lnSpc>
             </a:pPr>
             <a:r>
-              <a:rPr lang="fr-CA" altLang="ko-KR" sz="2000">
+              <a:rPr lang="fr-CA" altLang="ko-KR" sz="2000" dirty="0">
                 <a:ea typeface="Gulim" pitchFamily="34" charset="-127"/>
               </a:rPr>
-              <a:t>Les principes et les techniques algorithmes de base pour développer des applications d’IA</a:t>
+              <a:t>Les principes et les techniques de base sur lesquels sont fondés les algorithmes d’IA</a:t>
             </a:r>
           </a:p>
           <a:p>
@@ -26097,7 +26315,7 @@
               <a:buFont typeface="Monotype Sorts" pitchFamily="2" charset="2"/>
               <a:buNone/>
             </a:pPr>
-            <a:endParaRPr lang="fr-CA" altLang="ko-KR" sz="2000">
+            <a:endParaRPr lang="fr-CA" altLang="ko-KR" sz="2000" dirty="0">
               <a:ea typeface="Gulim" pitchFamily="34" charset="-127"/>
             </a:endParaRPr>
           </a:p>
@@ -26108,7 +26326,7 @@
               </a:lnSpc>
             </a:pPr>
             <a:r>
-              <a:rPr lang="fr-CA" altLang="ko-KR">
+              <a:rPr lang="fr-CA" altLang="ko-KR" dirty="0">
                 <a:ea typeface="Gulim" pitchFamily="34" charset="-127"/>
               </a:rPr>
               <a:t>Comment?</a:t>
@@ -26121,10 +26339,10 @@
               </a:lnSpc>
             </a:pPr>
             <a:r>
-              <a:rPr lang="fr-CA" altLang="ko-KR" sz="2000">
+              <a:rPr lang="fr-CA" altLang="ko-KR" sz="2000" dirty="0">
                 <a:ea typeface="Gulim" pitchFamily="34" charset="-127"/>
               </a:rPr>
-              <a:t>Introduction des types de problèmes, de concepts et d’algorithmes de base</a:t>
+              <a:t>Cours magistral: Concepts et algorithmes</a:t>
             </a:r>
           </a:p>
           <a:p>
@@ -26134,10 +26352,10 @@
               </a:lnSpc>
             </a:pPr>
             <a:r>
-              <a:rPr lang="fr-CA" altLang="ko-KR" sz="2000">
+              <a:rPr lang="fr-CA" altLang="ko-KR" sz="2000" dirty="0">
                 <a:ea typeface="Gulim" pitchFamily="34" charset="-127"/>
               </a:rPr>
-              <a:t>5 travaux pratiques de programmation</a:t>
+              <a:t>5 travaux de programmation</a:t>
             </a:r>
           </a:p>
           <a:p>
@@ -26147,10 +26365,23 @@
               </a:lnSpc>
             </a:pPr>
             <a:r>
-              <a:rPr lang="fr-CA" altLang="ko-KR" sz="2000">
+              <a:rPr lang="fr-CA" altLang="ko-KR" sz="2000" dirty="0">
                 <a:ea typeface="Gulim" pitchFamily="34" charset="-127"/>
               </a:rPr>
-              <a:t>3 devoirs</a:t>
+              <a:t>3 quiz sur la théorie</a:t>
+            </a:r>
+          </a:p>
+          <a:p>
+            <a:pPr lvl="1">
+              <a:lnSpc>
+                <a:spcPct val="120000"/>
+              </a:lnSpc>
+            </a:pPr>
+            <a:r>
+              <a:rPr lang="fr-CA" altLang="ko-KR" sz="2000" dirty="0">
+                <a:ea typeface="Gulim" pitchFamily="34" charset="-127"/>
+              </a:rPr>
+              <a:t>Exercices personnels </a:t>
             </a:r>
           </a:p>
         </p:txBody>
@@ -28122,19 +28353,8 @@
 </file>
 
 <file path=customXml/item1.xml><?xml version="1.0" encoding="utf-8"?>
-<p:properties xmlns:p="http://schemas.microsoft.com/office/2006/metadata/properties" xmlns:xsi="http://www.w3.org/2001/XMLSchema-instance" xmlns:pc="http://schemas.microsoft.com/office/infopath/2007/PartnerControls">
-  <documentManagement>
-    <lcf76f155ced4ddcb4097134ff3c332f xmlns="be95ad7f-f2d3-4ad5-827d-a3392f6d419f">
-      <Terms xmlns="http://schemas.microsoft.com/office/infopath/2007/PartnerControls"/>
-    </lcf76f155ced4ddcb4097134ff3c332f>
-    <TaxCatchAll xmlns="461e6b72-1c26-445f-8625-322369705492" xsi:nil="true"/>
-  </documentManagement>
-</p:properties>
-</file>
-
-<file path=customXml/item2.xml><?xml version="1.0" encoding="utf-8"?>
-<ct:contentTypeSchema xmlns:ct="http://schemas.microsoft.com/office/2006/metadata/contentType" xmlns:ma="http://schemas.microsoft.com/office/2006/metadata/properties/metaAttributes" ct:_="" ma:_="" ma:contentTypeName="Document" ma:contentTypeID="0x01010081A5D1C58639CC438A0985A5163AD7E3" ma:contentTypeVersion="16" ma:contentTypeDescription="Crée un document." ma:contentTypeScope="" ma:versionID="adde1713dad0237bebe5b7f0a48ecfba">
-  <xsd:schema xmlns:xsd="http://www.w3.org/2001/XMLSchema" xmlns:xs="http://www.w3.org/2001/XMLSchema" xmlns:p="http://schemas.microsoft.com/office/2006/metadata/properties" xmlns:ns2="be95ad7f-f2d3-4ad5-827d-a3392f6d419f" xmlns:ns3="461e6b72-1c26-445f-8625-322369705492" targetNamespace="http://schemas.microsoft.com/office/2006/metadata/properties" ma:root="true" ma:fieldsID="34d9627e19b6e0ed2eb421ed6e1fb46a" ns2:_="" ns3:_="">
+<ct:contentTypeSchema xmlns:ct="http://schemas.microsoft.com/office/2006/metadata/contentType" xmlns:ma="http://schemas.microsoft.com/office/2006/metadata/properties/metaAttributes" ct:_="" ma:_="" ma:contentTypeName="Document" ma:contentTypeID="0x01010081A5D1C58639CC438A0985A5163AD7E3" ma:contentTypeVersion="17" ma:contentTypeDescription="Crée un document." ma:contentTypeScope="" ma:versionID="7795556d6530b0b9480380495134c4db">
+  <xsd:schema xmlns:xsd="http://www.w3.org/2001/XMLSchema" xmlns:xs="http://www.w3.org/2001/XMLSchema" xmlns:p="http://schemas.microsoft.com/office/2006/metadata/properties" xmlns:ns2="be95ad7f-f2d3-4ad5-827d-a3392f6d419f" xmlns:ns3="461e6b72-1c26-445f-8625-322369705492" targetNamespace="http://schemas.microsoft.com/office/2006/metadata/properties" ma:root="true" ma:fieldsID="9d9b2d3b47b01b6398608d65909208f7" ns2:_="" ns3:_="">
     <xsd:import namespace="be95ad7f-f2d3-4ad5-827d-a3392f6d419f"/>
     <xsd:import namespace="461e6b72-1c26-445f-8625-322369705492"/>
     <xsd:element name="properties">
@@ -28157,6 +28377,7 @@
                 <xsd:element ref="ns2:lcf76f155ced4ddcb4097134ff3c332f" minOccurs="0"/>
                 <xsd:element ref="ns3:TaxCatchAll" minOccurs="0"/>
                 <xsd:element ref="ns2:MediaServiceLocation" minOccurs="0"/>
+                <xsd:element ref="ns2:MediaServiceObjectDetectorVersions" minOccurs="0"/>
               </xsd:all>
             </xsd:complexType>
           </xsd:element>
@@ -28224,6 +28445,11 @@
       </xsd:complexType>
     </xsd:element>
     <xsd:element name="MediaServiceLocation" ma:index="22" nillable="true" ma:displayName="Location" ma:internalName="MediaServiceLocation" ma:readOnly="true">
+      <xsd:simpleType>
+        <xsd:restriction base="dms:Text"/>
+      </xsd:simpleType>
+    </xsd:element>
+    <xsd:element name="MediaServiceObjectDetectorVersions" ma:index="23" nillable="true" ma:displayName="MediaServiceObjectDetectorVersions" ma:hidden="true" ma:indexed="true" ma:internalName="MediaServiceObjectDetectorVersions" ma:readOnly="true">
       <xsd:simpleType>
         <xsd:restriction base="dms:Text"/>
       </xsd:simpleType>
@@ -28369,6 +28595,17 @@
 </ct:contentTypeSchema>
 </file>
 
+<file path=customXml/item2.xml><?xml version="1.0" encoding="utf-8"?>
+<p:properties xmlns:p="http://schemas.microsoft.com/office/2006/metadata/properties" xmlns:xsi="http://www.w3.org/2001/XMLSchema-instance" xmlns:pc="http://schemas.microsoft.com/office/infopath/2007/PartnerControls">
+  <documentManagement>
+    <lcf76f155ced4ddcb4097134ff3c332f xmlns="be95ad7f-f2d3-4ad5-827d-a3392f6d419f">
+      <Terms xmlns="http://schemas.microsoft.com/office/infopath/2007/PartnerControls"/>
+    </lcf76f155ced4ddcb4097134ff3c332f>
+    <TaxCatchAll xmlns="461e6b72-1c26-445f-8625-322369705492" xsi:nil="true"/>
+  </documentManagement>
+</p:properties>
+</file>
+
 <file path=customXml/item3.xml><?xml version="1.0" encoding="utf-8"?>
 <?mso-contentType ?>
 <FormTemplates xmlns="http://schemas.microsoft.com/sharepoint/v3/contenttype/forms">
@@ -28379,6 +28616,25 @@
 </file>
 
 <file path=customXml/itemProps1.xml><?xml version="1.0" encoding="utf-8"?>
+<ds:datastoreItem xmlns:ds="http://schemas.openxmlformats.org/officeDocument/2006/customXml" ds:itemID="{3A6217AE-79D1-4DDF-AF98-FD7A08F21A2A}">
+  <ds:schemaRefs>
+    <ds:schemaRef ds:uri="http://schemas.microsoft.com/office/2006/metadata/contentType"/>
+    <ds:schemaRef ds:uri="http://schemas.microsoft.com/office/2006/metadata/properties/metaAttributes"/>
+    <ds:schemaRef ds:uri="http://www.w3.org/2001/XMLSchema"/>
+    <ds:schemaRef ds:uri="http://schemas.microsoft.com/office/2006/metadata/properties"/>
+    <ds:schemaRef ds:uri="be95ad7f-f2d3-4ad5-827d-a3392f6d419f"/>
+    <ds:schemaRef ds:uri="461e6b72-1c26-445f-8625-322369705492"/>
+    <ds:schemaRef ds:uri="http://schemas.microsoft.com/office/2006/documentManagement/types"/>
+    <ds:schemaRef ds:uri="http://schemas.microsoft.com/office/infopath/2007/PartnerControls"/>
+    <ds:schemaRef ds:uri="http://schemas.openxmlformats.org/package/2006/metadata/core-properties"/>
+    <ds:schemaRef ds:uri="http://purl.org/dc/elements/1.1/"/>
+    <ds:schemaRef ds:uri="http://purl.org/dc/terms/"/>
+    <ds:schemaRef ds:uri="http://schemas.microsoft.com/internal/obd"/>
+  </ds:schemaRefs>
+</ds:datastoreItem>
+</file>
+
+<file path=customXml/itemProps2.xml><?xml version="1.0" encoding="utf-8"?>
 <ds:datastoreItem xmlns:ds="http://schemas.openxmlformats.org/officeDocument/2006/customXml" ds:itemID="{24DA2006-6440-4976-BC53-B7AAE5097698}">
   <ds:schemaRefs>
     <ds:schemaRef ds:uri="461e6b72-1c26-445f-8625-322369705492"/>
@@ -28395,25 +28651,6 @@
 </ds:datastoreItem>
 </file>
 
-<file path=customXml/itemProps2.xml><?xml version="1.0" encoding="utf-8"?>
-<ds:datastoreItem xmlns:ds="http://schemas.openxmlformats.org/officeDocument/2006/customXml" ds:itemID="{850017F6-8206-48C9-8293-41EE07368398}">
-  <ds:schemaRefs>
-    <ds:schemaRef ds:uri="461e6b72-1c26-445f-8625-322369705492"/>
-    <ds:schemaRef ds:uri="be95ad7f-f2d3-4ad5-827d-a3392f6d419f"/>
-    <ds:schemaRef ds:uri="http://purl.org/dc/elements/1.1/"/>
-    <ds:schemaRef ds:uri="http://purl.org/dc/terms/"/>
-    <ds:schemaRef ds:uri="http://schemas.microsoft.com/internal/obd"/>
-    <ds:schemaRef ds:uri="http://schemas.microsoft.com/office/2006/documentManagement/types"/>
-    <ds:schemaRef ds:uri="http://schemas.microsoft.com/office/2006/metadata/contentType"/>
-    <ds:schemaRef ds:uri="http://schemas.microsoft.com/office/2006/metadata/properties"/>
-    <ds:schemaRef ds:uri="http://schemas.microsoft.com/office/2006/metadata/properties/metaAttributes"/>
-    <ds:schemaRef ds:uri="http://schemas.microsoft.com/office/infopath/2007/PartnerControls"/>
-    <ds:schemaRef ds:uri="http://schemas.openxmlformats.org/package/2006/metadata/core-properties"/>
-    <ds:schemaRef ds:uri="http://www.w3.org/2001/XMLSchema"/>
-  </ds:schemaRefs>
-</ds:datastoreItem>
-</file>
-
 <file path=customXml/itemProps3.xml><?xml version="1.0" encoding="utf-8"?>
 <ds:datastoreItem xmlns:ds="http://schemas.openxmlformats.org/officeDocument/2006/customXml" ds:itemID="{9974C2F4-8CCD-406C-A794-600FD2FA860F}">
   <ds:schemaRefs>
